--- a/slides/SuperLightDrive_20171228.pptx
+++ b/slides/SuperLightDrive_20171228.pptx
@@ -158,7 +158,7 @@
       </p14:sectionLst>
     </p:ext>
     <p:ext uri="{EFAFB233-063F-42B5-8137-9DF3F51BA10A}">
-      <p15:sldGuideLst xmlns:p15="http://schemas.microsoft.com/office/powerpoint/2012/main" xmlns="">
+      <p15:sldGuideLst xmlns:p15="http://schemas.microsoft.com/office/powerpoint/2012/main">
         <p15:guide id="1" orient="horz" pos="2160" userDrawn="1">
           <p15:clr>
             <a:srgbClr val="A4A3A4"/>
@@ -171,8 +171,15 @@
         </p15:guide>
       </p15:sldGuideLst>
     </p:ext>
+    <p:ext uri="{2D200454-40CA-4A62-9FC3-DE9A4176ACB9}">
+      <p15:notesGuideLst xmlns:p15="http://schemas.microsoft.com/office/powerpoint/2012/main"/>
+    </p:ext>
   </p:extLst>
 </p:presentation>
+</file>
+
+<file path=ppt/revisionInfo.xml><?xml version="1.0" encoding="utf-8"?>
+<p1510:revInfo xmlns:a="http://schemas.openxmlformats.org/drawingml/2006/main" xmlns:r="http://schemas.openxmlformats.org/officeDocument/2006/relationships" xmlns:p1510="http://schemas.microsoft.com/office/powerpoint/2015/10/main"/>
 </file>
 
 <file path=ppt/diagrams/colors1.xml><?xml version="1.0" encoding="utf-8"?>
@@ -5863,14 +5870,6 @@
         </dgm:presLayoutVars>
       </dgm:prSet>
       <dgm:spPr/>
-      <dgm:t>
-        <a:bodyPr/>
-        <a:lstStyle/>
-        <a:p>
-          <a:pPr latinLnBrk="1"/>
-          <a:endParaRPr lang="ko-KR" altLang="en-US"/>
-        </a:p>
-      </dgm:t>
     </dgm:pt>
     <dgm:pt modelId="{2B29F151-17D7-4F92-AD26-D7F5D1B5DDE1}" type="pres">
       <dgm:prSet presAssocID="{70571B2E-0F8D-41E7-82ED-94FA127CBB69}" presName="tSp" presStyleCnt="0"/>
@@ -5899,14 +5898,6 @@
         </dgm:presLayoutVars>
       </dgm:prSet>
       <dgm:spPr/>
-      <dgm:t>
-        <a:bodyPr/>
-        <a:lstStyle/>
-        <a:p>
-          <a:pPr latinLnBrk="1"/>
-          <a:endParaRPr lang="ko-KR" altLang="en-US"/>
-        </a:p>
-      </dgm:t>
     </dgm:pt>
     <dgm:pt modelId="{9E926DFE-E9DC-46BD-8534-905108BA7F42}" type="pres">
       <dgm:prSet presAssocID="{4A003164-9918-490C-B3B0-2312CA7B64A7}" presName="childNode1tx" presStyleLbl="bgAcc1" presStyleIdx="0" presStyleCnt="3">
@@ -5915,14 +5906,6 @@
         </dgm:presLayoutVars>
       </dgm:prSet>
       <dgm:spPr/>
-      <dgm:t>
-        <a:bodyPr/>
-        <a:lstStyle/>
-        <a:p>
-          <a:pPr latinLnBrk="1"/>
-          <a:endParaRPr lang="ko-KR" altLang="en-US"/>
-        </a:p>
-      </dgm:t>
     </dgm:pt>
     <dgm:pt modelId="{EC7F38F0-6A63-44CF-8097-13BC45C312B1}" type="pres">
       <dgm:prSet presAssocID="{4A003164-9918-490C-B3B0-2312CA7B64A7}" presName="parentNode1" presStyleLbl="node1" presStyleIdx="0" presStyleCnt="3" custLinFactNeighborX="-19113" custLinFactNeighborY="69763">
@@ -5932,14 +5915,6 @@
         </dgm:presLayoutVars>
       </dgm:prSet>
       <dgm:spPr/>
-      <dgm:t>
-        <a:bodyPr/>
-        <a:lstStyle/>
-        <a:p>
-          <a:pPr latinLnBrk="1"/>
-          <a:endParaRPr lang="ko-KR" altLang="en-US"/>
-        </a:p>
-      </dgm:t>
     </dgm:pt>
     <dgm:pt modelId="{549AF447-4011-4693-AE81-69B696C606AE}" type="pres">
       <dgm:prSet presAssocID="{4A003164-9918-490C-B3B0-2312CA7B64A7}" presName="connSite1" presStyleCnt="0"/>
@@ -5948,14 +5923,6 @@
     <dgm:pt modelId="{684F1C5A-DBB2-4DF8-B6E8-D05F8A8E00C1}" type="pres">
       <dgm:prSet presAssocID="{A1D059CA-DAC9-4B7A-926D-436FC54A8661}" presName="Name9" presStyleLbl="sibTrans2D1" presStyleIdx="0" presStyleCnt="2"/>
       <dgm:spPr/>
-      <dgm:t>
-        <a:bodyPr/>
-        <a:lstStyle/>
-        <a:p>
-          <a:pPr latinLnBrk="1"/>
-          <a:endParaRPr lang="ko-KR" altLang="en-US"/>
-        </a:p>
-      </dgm:t>
     </dgm:pt>
     <dgm:pt modelId="{12D24490-528A-4BA4-8370-03EC0EC2AA5B}" type="pres">
       <dgm:prSet presAssocID="{DA7A23BC-5393-4B4A-BD2B-B95D8E1BE1D0}" presName="composite2" presStyleCnt="0"/>
@@ -5972,14 +5939,6 @@
         </dgm:presLayoutVars>
       </dgm:prSet>
       <dgm:spPr/>
-      <dgm:t>
-        <a:bodyPr/>
-        <a:lstStyle/>
-        <a:p>
-          <a:pPr latinLnBrk="1"/>
-          <a:endParaRPr lang="ko-KR" altLang="en-US"/>
-        </a:p>
-      </dgm:t>
     </dgm:pt>
     <dgm:pt modelId="{8E16B6BF-9BF0-476F-BD31-93F4825DD734}" type="pres">
       <dgm:prSet presAssocID="{DA7A23BC-5393-4B4A-BD2B-B95D8E1BE1D0}" presName="childNode2tx" presStyleLbl="bgAcc1" presStyleIdx="1" presStyleCnt="3">
@@ -5988,14 +5947,6 @@
         </dgm:presLayoutVars>
       </dgm:prSet>
       <dgm:spPr/>
-      <dgm:t>
-        <a:bodyPr/>
-        <a:lstStyle/>
-        <a:p>
-          <a:pPr latinLnBrk="1"/>
-          <a:endParaRPr lang="ko-KR" altLang="en-US"/>
-        </a:p>
-      </dgm:t>
     </dgm:pt>
     <dgm:pt modelId="{A3BF3E07-269B-4B0A-B9A8-EEC042312ED5}" type="pres">
       <dgm:prSet presAssocID="{DA7A23BC-5393-4B4A-BD2B-B95D8E1BE1D0}" presName="parentNode2" presStyleLbl="node1" presStyleIdx="1" presStyleCnt="3" custLinFactNeighborX="-12500" custLinFactNeighborY="-41233">
@@ -6005,14 +5956,6 @@
         </dgm:presLayoutVars>
       </dgm:prSet>
       <dgm:spPr/>
-      <dgm:t>
-        <a:bodyPr/>
-        <a:lstStyle/>
-        <a:p>
-          <a:pPr latinLnBrk="1"/>
-          <a:endParaRPr lang="ko-KR" altLang="en-US"/>
-        </a:p>
-      </dgm:t>
     </dgm:pt>
     <dgm:pt modelId="{1E07D8A3-D4AC-4556-8C17-57561EF92FEE}" type="pres">
       <dgm:prSet presAssocID="{DA7A23BC-5393-4B4A-BD2B-B95D8E1BE1D0}" presName="connSite2" presStyleCnt="0"/>
@@ -6021,14 +5964,6 @@
     <dgm:pt modelId="{BF4EBE4A-8EDF-473D-99BC-0A1A77169C85}" type="pres">
       <dgm:prSet presAssocID="{336F6D68-BE8E-4D21-B39D-693A39A26557}" presName="Name18" presStyleLbl="sibTrans2D1" presStyleIdx="1" presStyleCnt="2"/>
       <dgm:spPr/>
-      <dgm:t>
-        <a:bodyPr/>
-        <a:lstStyle/>
-        <a:p>
-          <a:pPr latinLnBrk="1"/>
-          <a:endParaRPr lang="ko-KR" altLang="en-US"/>
-        </a:p>
-      </dgm:t>
     </dgm:pt>
     <dgm:pt modelId="{F444A482-0470-4B91-85E2-868B0434B42E}" type="pres">
       <dgm:prSet presAssocID="{A7C29CA7-D934-4B33-8EFB-838434BD8145}" presName="composite1" presStyleCnt="0"/>
@@ -6045,14 +5980,6 @@
         </dgm:presLayoutVars>
       </dgm:prSet>
       <dgm:spPr/>
-      <dgm:t>
-        <a:bodyPr/>
-        <a:lstStyle/>
-        <a:p>
-          <a:pPr latinLnBrk="1"/>
-          <a:endParaRPr lang="ko-KR" altLang="en-US"/>
-        </a:p>
-      </dgm:t>
     </dgm:pt>
     <dgm:pt modelId="{852F2188-CE3B-46AF-BFB4-FF1A7E162340}" type="pres">
       <dgm:prSet presAssocID="{A7C29CA7-D934-4B33-8EFB-838434BD8145}" presName="childNode1tx" presStyleLbl="bgAcc1" presStyleIdx="2" presStyleCnt="3">
@@ -6061,14 +5988,6 @@
         </dgm:presLayoutVars>
       </dgm:prSet>
       <dgm:spPr/>
-      <dgm:t>
-        <a:bodyPr/>
-        <a:lstStyle/>
-        <a:p>
-          <a:pPr latinLnBrk="1"/>
-          <a:endParaRPr lang="ko-KR" altLang="en-US"/>
-        </a:p>
-      </dgm:t>
     </dgm:pt>
     <dgm:pt modelId="{E34192BF-557E-4201-A706-D8F2EA28EBDD}" type="pres">
       <dgm:prSet presAssocID="{A7C29CA7-D934-4B33-8EFB-838434BD8145}" presName="parentNode1" presStyleLbl="node1" presStyleIdx="2" presStyleCnt="3" custLinFactNeighborX="-5298" custLinFactNeighborY="69660">
@@ -6078,14 +5997,6 @@
         </dgm:presLayoutVars>
       </dgm:prSet>
       <dgm:spPr/>
-      <dgm:t>
-        <a:bodyPr/>
-        <a:lstStyle/>
-        <a:p>
-          <a:pPr latinLnBrk="1"/>
-          <a:endParaRPr lang="ko-KR" altLang="en-US"/>
-        </a:p>
-      </dgm:t>
     </dgm:pt>
     <dgm:pt modelId="{2848CC9D-7BFD-40ED-8DD8-55B7240D862B}" type="pres">
       <dgm:prSet presAssocID="{A7C29CA7-D934-4B33-8EFB-838434BD8145}" presName="connSite1" presStyleCnt="0"/>
@@ -6093,63 +6004,63 @@
     </dgm:pt>
   </dgm:ptLst>
   <dgm:cxnLst>
+    <dgm:cxn modelId="{C51F1C01-CD6D-4079-B123-F9DA5DEFA521}" type="presOf" srcId="{D8B783C1-8E30-4645-B4F4-013DBA488849}" destId="{59B7F409-E022-4AA2-B672-48D38925AEDA}" srcOrd="0" destOrd="1" presId="urn:microsoft.com/office/officeart/2005/8/layout/hProcess4"/>
+    <dgm:cxn modelId="{7CD63808-36D3-45A8-B140-C8341A261D85}" type="presOf" srcId="{58FF00ED-CB8D-41C0-A766-3F1EFC803615}" destId="{8E16B6BF-9BF0-476F-BD31-93F4825DD734}" srcOrd="1" destOrd="4" presId="urn:microsoft.com/office/officeart/2005/8/layout/hProcess4"/>
+    <dgm:cxn modelId="{ECBF6E12-A4CB-42D0-B3FB-793CD0B5CF1C}" type="presOf" srcId="{42279E78-9F8D-4A7C-BE25-940DB08D0093}" destId="{0CF4C7EE-FC4E-4EA4-9094-330DC400C57A}" srcOrd="0" destOrd="1" presId="urn:microsoft.com/office/officeart/2005/8/layout/hProcess4"/>
+    <dgm:cxn modelId="{B75E8218-FBB7-4C42-B840-EA14CB052B80}" type="presOf" srcId="{A1D059CA-DAC9-4B7A-926D-436FC54A8661}" destId="{684F1C5A-DBB2-4DF8-B6E8-D05F8A8E00C1}" srcOrd="0" destOrd="0" presId="urn:microsoft.com/office/officeart/2005/8/layout/hProcess4"/>
+    <dgm:cxn modelId="{9C3F011D-6034-4844-A0E5-28739D87809E}" type="presOf" srcId="{40A2F8E8-FEFD-456D-BE3F-A5180E6FCC70}" destId="{59B7F409-E022-4AA2-B672-48D38925AEDA}" srcOrd="0" destOrd="5" presId="urn:microsoft.com/office/officeart/2005/8/layout/hProcess4"/>
+    <dgm:cxn modelId="{FEAF571F-E27A-4C85-89B7-12D00E5DAE0E}" type="presOf" srcId="{E7F11D65-11EE-474B-A0FD-5F2986CB6014}" destId="{59B7F409-E022-4AA2-B672-48D38925AEDA}" srcOrd="0" destOrd="3" presId="urn:microsoft.com/office/officeart/2005/8/layout/hProcess4"/>
+    <dgm:cxn modelId="{193C2120-A866-44D9-A2CB-4455A35336F1}" srcId="{70571B2E-0F8D-41E7-82ED-94FA127CBB69}" destId="{A7C29CA7-D934-4B33-8EFB-838434BD8145}" srcOrd="2" destOrd="0" parTransId="{FB87C9F7-F4ED-413F-A7A5-86A70D4FF4BB}" sibTransId="{D0F114C8-A530-452B-AE40-C1C9CA4BCDF8}"/>
+    <dgm:cxn modelId="{F66FEE26-A14C-43D0-B0C1-7807CBB9260E}" srcId="{A7C29CA7-D934-4B33-8EFB-838434BD8145}" destId="{42279E78-9F8D-4A7C-BE25-940DB08D0093}" srcOrd="1" destOrd="0" parTransId="{2E502DFD-4EA1-4818-A0CE-E0FADDFB68C4}" sibTransId="{B9BFABBD-CED4-4E71-93D6-73F023821FDD}"/>
+    <dgm:cxn modelId="{BA61D331-114B-466A-AF49-37DB777A990B}" type="presOf" srcId="{5B60BEC6-26F4-4CA3-A793-1D3FDEB1C40D}" destId="{8E16B6BF-9BF0-476F-BD31-93F4825DD734}" srcOrd="1" destOrd="0" presId="urn:microsoft.com/office/officeart/2005/8/layout/hProcess4"/>
+    <dgm:cxn modelId="{54CD1333-1DE1-4EA2-8A43-F8F8F388ED50}" type="presOf" srcId="{89A75D91-E1AC-4D73-A918-D87B57F301E6}" destId="{C6940F1D-2365-40A6-8E09-B1FC60DBC91A}" srcOrd="0" destOrd="3" presId="urn:microsoft.com/office/officeart/2005/8/layout/hProcess4"/>
+    <dgm:cxn modelId="{81249534-5FF3-4A4D-83BD-404B2117DE95}" type="presOf" srcId="{BC9E73EB-1A44-42D5-924D-864383D5B15A}" destId="{59B7F409-E022-4AA2-B672-48D38925AEDA}" srcOrd="0" destOrd="4" presId="urn:microsoft.com/office/officeart/2005/8/layout/hProcess4"/>
+    <dgm:cxn modelId="{01F93235-D40E-4663-8E94-F5771286CF67}" type="presOf" srcId="{930B4075-FF1E-477E-BB5B-D5C532DF8727}" destId="{59B7F409-E022-4AA2-B672-48D38925AEDA}" srcOrd="0" destOrd="6" presId="urn:microsoft.com/office/officeart/2005/8/layout/hProcess4"/>
+    <dgm:cxn modelId="{446B9D3F-6C6E-4688-AA27-A8A0912112F9}" type="presOf" srcId="{DA7A23BC-5393-4B4A-BD2B-B95D8E1BE1D0}" destId="{A3BF3E07-269B-4B0A-B9A8-EEC042312ED5}" srcOrd="0" destOrd="0" presId="urn:microsoft.com/office/officeart/2005/8/layout/hProcess4"/>
+    <dgm:cxn modelId="{D7676740-A47E-4040-B718-346AE58FA296}" type="presOf" srcId="{AE48E2D3-A418-4C03-8745-763F7BE6B4BA}" destId="{852F2188-CE3B-46AF-BFB4-FF1A7E162340}" srcOrd="1" destOrd="0" presId="urn:microsoft.com/office/officeart/2005/8/layout/hProcess4"/>
+    <dgm:cxn modelId="{ABADE45B-8BA3-4B7D-AFA0-369064B8E2C6}" type="presOf" srcId="{3E11BD05-9B9D-437C-B9DD-28AA4E8B07D1}" destId="{852F2188-CE3B-46AF-BFB4-FF1A7E162340}" srcOrd="1" destOrd="3" presId="urn:microsoft.com/office/officeart/2005/8/layout/hProcess4"/>
+    <dgm:cxn modelId="{ADC12F5D-674D-4569-9165-BD812D618693}" srcId="{DA7A23BC-5393-4B4A-BD2B-B95D8E1BE1D0}" destId="{70A1CB08-9081-45E4-BDAD-C6474360948D}" srcOrd="2" destOrd="0" parTransId="{5505C39F-6268-4EDC-B739-C3796AE7CB7B}" sibTransId="{49477BA1-FE0A-4BF2-8822-6AAA3783AF95}"/>
+    <dgm:cxn modelId="{203FAD60-42D2-48F4-A603-65D5AE047895}" srcId="{4A003164-9918-490C-B3B0-2312CA7B64A7}" destId="{D8B783C1-8E30-4645-B4F4-013DBA488849}" srcOrd="1" destOrd="0" parTransId="{3C05DCBE-1FFF-4BEE-99EC-A3CB062C19D1}" sibTransId="{34B37698-1599-4EA2-9AE1-9173401145D6}"/>
+    <dgm:cxn modelId="{D78F3861-D03B-46F7-88E3-3EEBB9B950EB}" type="presOf" srcId="{65CBB353-905E-442E-B2E8-D1F974122B3F}" destId="{9E926DFE-E9DC-46BD-8534-905108BA7F42}" srcOrd="1" destOrd="2" presId="urn:microsoft.com/office/officeart/2005/8/layout/hProcess4"/>
+    <dgm:cxn modelId="{1B2A9941-0EAE-46C3-BB30-8725F44F2A86}" srcId="{A7C29CA7-D934-4B33-8EFB-838434BD8145}" destId="{3E11BD05-9B9D-437C-B9DD-28AA4E8B07D1}" srcOrd="3" destOrd="0" parTransId="{9F1E4995-2796-4D72-BD1A-F803D58EB3C4}" sibTransId="{62532DEF-6615-4B97-A74B-F4E6EFA29A52}"/>
+    <dgm:cxn modelId="{DB8CB447-82C8-4ADF-84B8-7A1AB243FCEC}" srcId="{A7C29CA7-D934-4B33-8EFB-838434BD8145}" destId="{BDCDA78F-9DB4-4451-AD8B-0AC7BC3D6380}" srcOrd="2" destOrd="0" parTransId="{C5334D0E-1DF1-4A47-A983-C90FF1BE927E}" sibTransId="{BAC2ECC3-420D-4F3C-BA64-8D2B7B62D5E3}"/>
+    <dgm:cxn modelId="{42884F69-41E5-431D-9E3A-7A8D0EEC98E3}" type="presOf" srcId="{BDCDA78F-9DB4-4451-AD8B-0AC7BC3D6380}" destId="{852F2188-CE3B-46AF-BFB4-FF1A7E162340}" srcOrd="1" destOrd="2" presId="urn:microsoft.com/office/officeart/2005/8/layout/hProcess4"/>
+    <dgm:cxn modelId="{DC99FF6A-6430-4EA1-919A-EA17D2740918}" type="presOf" srcId="{58FF00ED-CB8D-41C0-A766-3F1EFC803615}" destId="{C6940F1D-2365-40A6-8E09-B1FC60DBC91A}" srcOrd="0" destOrd="4" presId="urn:microsoft.com/office/officeart/2005/8/layout/hProcess4"/>
+    <dgm:cxn modelId="{2BCDC34C-3BB2-4A7B-B0AB-88ADCAF2BD31}" type="presOf" srcId="{BDCDA78F-9DB4-4451-AD8B-0AC7BC3D6380}" destId="{0CF4C7EE-FC4E-4EA4-9094-330DC400C57A}" srcOrd="0" destOrd="2" presId="urn:microsoft.com/office/officeart/2005/8/layout/hProcess4"/>
+    <dgm:cxn modelId="{B9322F4D-5BB5-4C22-939A-7DE6248178C3}" type="presOf" srcId="{65CBB353-905E-442E-B2E8-D1F974122B3F}" destId="{59B7F409-E022-4AA2-B672-48D38925AEDA}" srcOrd="0" destOrd="2" presId="urn:microsoft.com/office/officeart/2005/8/layout/hProcess4"/>
+    <dgm:cxn modelId="{441C136F-E3FE-49D9-B365-30C60A44434F}" type="presOf" srcId="{89A75D91-E1AC-4D73-A918-D87B57F301E6}" destId="{8E16B6BF-9BF0-476F-BD31-93F4825DD734}" srcOrd="1" destOrd="3" presId="urn:microsoft.com/office/officeart/2005/8/layout/hProcess4"/>
+    <dgm:cxn modelId="{BA392275-28C6-47A1-81A7-759248AA2931}" srcId="{DA7A23BC-5393-4B4A-BD2B-B95D8E1BE1D0}" destId="{5B60BEC6-26F4-4CA3-A793-1D3FDEB1C40D}" srcOrd="0" destOrd="0" parTransId="{9191C516-7880-4D37-BEF1-AA2B529B051A}" sibTransId="{1F668021-2740-428D-890C-A4EB7C914F4E}"/>
+    <dgm:cxn modelId="{8E9A8B75-2B2B-4CDE-817F-7B2E42034B18}" type="presOf" srcId="{930B4075-FF1E-477E-BB5B-D5C532DF8727}" destId="{9E926DFE-E9DC-46BD-8534-905108BA7F42}" srcOrd="1" destOrd="6" presId="urn:microsoft.com/office/officeart/2005/8/layout/hProcess4"/>
+    <dgm:cxn modelId="{FCB69D56-CD19-4625-A39E-FD6315666FFF}" type="presOf" srcId="{EAB5CE15-008B-42E4-A21A-943C340198AF}" destId="{9E926DFE-E9DC-46BD-8534-905108BA7F42}" srcOrd="1" destOrd="0" presId="urn:microsoft.com/office/officeart/2005/8/layout/hProcess4"/>
+    <dgm:cxn modelId="{D0C58657-84FF-4292-A890-70B1568394EF}" type="presOf" srcId="{E7F11D65-11EE-474B-A0FD-5F2986CB6014}" destId="{9E926DFE-E9DC-46BD-8534-905108BA7F42}" srcOrd="1" destOrd="3" presId="urn:microsoft.com/office/officeart/2005/8/layout/hProcess4"/>
+    <dgm:cxn modelId="{2E0F245A-822D-48DA-BD37-CEFE42E11A26}" srcId="{4A003164-9918-490C-B3B0-2312CA7B64A7}" destId="{EAB5CE15-008B-42E4-A21A-943C340198AF}" srcOrd="0" destOrd="0" parTransId="{C829ED2E-B704-4924-9196-4CD9A65335F0}" sibTransId="{1D1B39B5-8B80-4F3D-AA03-1FC4BDE1D8C6}"/>
+    <dgm:cxn modelId="{ACC4988B-A0B8-4152-BFFC-DF101F4E8456}" srcId="{70571B2E-0F8D-41E7-82ED-94FA127CBB69}" destId="{DA7A23BC-5393-4B4A-BD2B-B95D8E1BE1D0}" srcOrd="1" destOrd="0" parTransId="{A56D3C05-20A7-48D9-963E-405F0262A71D}" sibTransId="{336F6D68-BE8E-4D21-B39D-693A39A26557}"/>
+    <dgm:cxn modelId="{1A408890-F619-4159-A962-2E058D7EE7E4}" srcId="{4A003164-9918-490C-B3B0-2312CA7B64A7}" destId="{930B4075-FF1E-477E-BB5B-D5C532DF8727}" srcOrd="6" destOrd="0" parTransId="{406B4B08-C8C4-4130-928B-A8140DE951CE}" sibTransId="{2D40C068-1D26-476B-8233-5DD9B5147148}"/>
+    <dgm:cxn modelId="{F8EC0B97-42A5-4C62-A722-4D2DCE57AD26}" type="presOf" srcId="{3C218CBC-8334-4BF6-801A-199114185FEB}" destId="{8E16B6BF-9BF0-476F-BD31-93F4825DD734}" srcOrd="1" destOrd="1" presId="urn:microsoft.com/office/officeart/2005/8/layout/hProcess4"/>
+    <dgm:cxn modelId="{81C1F298-8DA5-4FC2-941B-9CE1FA217DE4}" type="presOf" srcId="{4A003164-9918-490C-B3B0-2312CA7B64A7}" destId="{EC7F38F0-6A63-44CF-8097-13BC45C312B1}" srcOrd="0" destOrd="0" presId="urn:microsoft.com/office/officeart/2005/8/layout/hProcess4"/>
+    <dgm:cxn modelId="{E1D1049F-0BB0-4F6C-9D9E-43B0C3D9462F}" type="presOf" srcId="{336F6D68-BE8E-4D21-B39D-693A39A26557}" destId="{BF4EBE4A-8EDF-473D-99BC-0A1A77169C85}" srcOrd="0" destOrd="0" presId="urn:microsoft.com/office/officeart/2005/8/layout/hProcess4"/>
+    <dgm:cxn modelId="{9D1EBF9F-E6EE-4FFF-B686-F311900E47A5}" type="presOf" srcId="{BC9E73EB-1A44-42D5-924D-864383D5B15A}" destId="{9E926DFE-E9DC-46BD-8534-905108BA7F42}" srcOrd="1" destOrd="4" presId="urn:microsoft.com/office/officeart/2005/8/layout/hProcess4"/>
+    <dgm:cxn modelId="{D3D3B5A2-BC15-4291-9AC8-E28E6215A9E4}" type="presOf" srcId="{AE48E2D3-A418-4C03-8745-763F7BE6B4BA}" destId="{0CF4C7EE-FC4E-4EA4-9094-330DC400C57A}" srcOrd="0" destOrd="0" presId="urn:microsoft.com/office/officeart/2005/8/layout/hProcess4"/>
+    <dgm:cxn modelId="{7B5270A3-BB18-4514-9DD0-5192E6BBF4F5}" srcId="{DA7A23BC-5393-4B4A-BD2B-B95D8E1BE1D0}" destId="{89A75D91-E1AC-4D73-A918-D87B57F301E6}" srcOrd="3" destOrd="0" parTransId="{555E3B4C-BE3B-4B16-9F85-033AAEC6C438}" sibTransId="{E82682C0-DA83-4949-A640-6961C82BB053}"/>
+    <dgm:cxn modelId="{1D73A2A7-7886-41D1-8DC6-B168D2A146C5}" srcId="{4A003164-9918-490C-B3B0-2312CA7B64A7}" destId="{65CBB353-905E-442E-B2E8-D1F974122B3F}" srcOrd="2" destOrd="0" parTransId="{D99DBED8-3A3F-48DD-A1F7-F28E1F0A7A80}" sibTransId="{B20AF672-CB27-45B5-8BA0-E4FD143FF9B5}"/>
+    <dgm:cxn modelId="{A6CF57A8-23FF-4EE1-BAFE-D7F29AC9813A}" type="presOf" srcId="{3E11BD05-9B9D-437C-B9DD-28AA4E8B07D1}" destId="{0CF4C7EE-FC4E-4EA4-9094-330DC400C57A}" srcOrd="0" destOrd="3" presId="urn:microsoft.com/office/officeart/2005/8/layout/hProcess4"/>
+    <dgm:cxn modelId="{1F78CDAD-D67A-4201-89D1-F9A984187CBC}" type="presOf" srcId="{70A1CB08-9081-45E4-BDAD-C6474360948D}" destId="{C6940F1D-2365-40A6-8E09-B1FC60DBC91A}" srcOrd="0" destOrd="2" presId="urn:microsoft.com/office/officeart/2005/8/layout/hProcess4"/>
+    <dgm:cxn modelId="{CB1E3CAE-8101-47D8-B150-0A88662CE46E}" type="presOf" srcId="{3C218CBC-8334-4BF6-801A-199114185FEB}" destId="{C6940F1D-2365-40A6-8E09-B1FC60DBC91A}" srcOrd="0" destOrd="1" presId="urn:microsoft.com/office/officeart/2005/8/layout/hProcess4"/>
+    <dgm:cxn modelId="{CAA666B4-5D06-45CD-8BE6-910615E301B1}" type="presOf" srcId="{70571B2E-0F8D-41E7-82ED-94FA127CBB69}" destId="{13E9F558-8661-440A-9850-B730F58E8F90}" srcOrd="0" destOrd="0" presId="urn:microsoft.com/office/officeart/2005/8/layout/hProcess4"/>
+    <dgm:cxn modelId="{762FA7BD-5D17-4D26-9BDE-210A7ABA153D}" type="presOf" srcId="{A7C29CA7-D934-4B33-8EFB-838434BD8145}" destId="{E34192BF-557E-4201-A706-D8F2EA28EBDD}" srcOrd="0" destOrd="0" presId="urn:microsoft.com/office/officeart/2005/8/layout/hProcess4"/>
+    <dgm:cxn modelId="{E67505C1-60F3-4DF9-B748-99B1389A520D}" type="presOf" srcId="{D8B783C1-8E30-4645-B4F4-013DBA488849}" destId="{9E926DFE-E9DC-46BD-8534-905108BA7F42}" srcOrd="1" destOrd="1" presId="urn:microsoft.com/office/officeart/2005/8/layout/hProcess4"/>
+    <dgm:cxn modelId="{6E1429C9-EFC4-4779-B421-D7E61EE4713A}" srcId="{4A003164-9918-490C-B3B0-2312CA7B64A7}" destId="{40A2F8E8-FEFD-456D-BE3F-A5180E6FCC70}" srcOrd="5" destOrd="0" parTransId="{BD8655E3-9CCB-4929-BF07-754FBA15848E}" sibTransId="{67F7543C-E6C1-45CD-A16D-589AE0DAF2C6}"/>
+    <dgm:cxn modelId="{CDBE2DD2-E136-4704-8C67-FB75D05DE826}" srcId="{4A003164-9918-490C-B3B0-2312CA7B64A7}" destId="{BC9E73EB-1A44-42D5-924D-864383D5B15A}" srcOrd="4" destOrd="0" parTransId="{FC605B81-41B6-4B51-B196-F22D1A903F78}" sibTransId="{21B26952-F734-43A7-90E0-AC96A65F018D}"/>
+    <dgm:cxn modelId="{ED1AD8D9-7A91-4537-BF2D-1924D1C24E3E}" type="presOf" srcId="{5B60BEC6-26F4-4CA3-A793-1D3FDEB1C40D}" destId="{C6940F1D-2365-40A6-8E09-B1FC60DBC91A}" srcOrd="0" destOrd="0" presId="urn:microsoft.com/office/officeart/2005/8/layout/hProcess4"/>
+    <dgm:cxn modelId="{0263A0E4-20E6-4663-9B79-C6C11181B1A3}" srcId="{A7C29CA7-D934-4B33-8EFB-838434BD8145}" destId="{AE48E2D3-A418-4C03-8745-763F7BE6B4BA}" srcOrd="0" destOrd="0" parTransId="{048C910E-BE0C-4430-BAC2-F88F1B7577E8}" sibTransId="{A6219D7B-1EFF-4084-A251-8C232ED597DD}"/>
+    <dgm:cxn modelId="{0D4992E7-425E-41B0-9B54-8F38D8639443}" srcId="{DA7A23BC-5393-4B4A-BD2B-B95D8E1BE1D0}" destId="{58FF00ED-CB8D-41C0-A766-3F1EFC803615}" srcOrd="4" destOrd="0" parTransId="{78A7BA41-5530-494F-86F6-D4D516BE61A8}" sibTransId="{099D6AF2-3A2B-4EB7-A75B-FEC74278BDBE}"/>
+    <dgm:cxn modelId="{CD1A87F1-B439-44E2-B01C-66C5B3C70F95}" type="presOf" srcId="{EAB5CE15-008B-42E4-A21A-943C340198AF}" destId="{59B7F409-E022-4AA2-B672-48D38925AEDA}" srcOrd="0" destOrd="0" presId="urn:microsoft.com/office/officeart/2005/8/layout/hProcess4"/>
+    <dgm:cxn modelId="{770A31F2-6F53-4E72-AF70-04973B6E9646}" srcId="{4A003164-9918-490C-B3B0-2312CA7B64A7}" destId="{E7F11D65-11EE-474B-A0FD-5F2986CB6014}" srcOrd="3" destOrd="0" parTransId="{4224BD8A-1430-4363-B6A5-2C9684371FFC}" sibTransId="{B7B7421D-3B18-4293-A203-9B0ADA2EFEEE}"/>
+    <dgm:cxn modelId="{83CBDBF2-282E-43CC-A999-61ACF93705DB}" type="presOf" srcId="{70A1CB08-9081-45E4-BDAD-C6474360948D}" destId="{8E16B6BF-9BF0-476F-BD31-93F4825DD734}" srcOrd="1" destOrd="2" presId="urn:microsoft.com/office/officeart/2005/8/layout/hProcess4"/>
+    <dgm:cxn modelId="{41DF02FA-1CEF-4F5C-A71E-33D42B2F7311}" type="presOf" srcId="{42279E78-9F8D-4A7C-BE25-940DB08D0093}" destId="{852F2188-CE3B-46AF-BFB4-FF1A7E162340}" srcOrd="1" destOrd="1" presId="urn:microsoft.com/office/officeart/2005/8/layout/hProcess4"/>
+    <dgm:cxn modelId="{E7004AFB-70FD-49F1-A2D4-9E31FED9A20C}" type="presOf" srcId="{40A2F8E8-FEFD-456D-BE3F-A5180E6FCC70}" destId="{9E926DFE-E9DC-46BD-8534-905108BA7F42}" srcOrd="1" destOrd="5" presId="urn:microsoft.com/office/officeart/2005/8/layout/hProcess4"/>
+    <dgm:cxn modelId="{C65CA8FB-EE7F-40FB-8A3E-A865A4CCB51D}" srcId="{DA7A23BC-5393-4B4A-BD2B-B95D8E1BE1D0}" destId="{3C218CBC-8334-4BF6-801A-199114185FEB}" srcOrd="1" destOrd="0" parTransId="{044F9D81-C826-4FA6-9139-4ACC8361258F}" sibTransId="{9C18E31E-9867-4510-B7D6-CBF298FF4A00}"/>
     <dgm:cxn modelId="{D85525FC-4291-44A8-900E-280D6F67EB19}" srcId="{70571B2E-0F8D-41E7-82ED-94FA127CBB69}" destId="{4A003164-9918-490C-B3B0-2312CA7B64A7}" srcOrd="0" destOrd="0" parTransId="{0373B697-142F-4FD1-951A-2F7D203FA1AA}" sibTransId="{A1D059CA-DAC9-4B7A-926D-436FC54A8661}"/>
-    <dgm:cxn modelId="{7CD63808-36D3-45A8-B140-C8341A261D85}" type="presOf" srcId="{58FF00ED-CB8D-41C0-A766-3F1EFC803615}" destId="{8E16B6BF-9BF0-476F-BD31-93F4825DD734}" srcOrd="1" destOrd="4" presId="urn:microsoft.com/office/officeart/2005/8/layout/hProcess4"/>
-    <dgm:cxn modelId="{441C136F-E3FE-49D9-B365-30C60A44434F}" type="presOf" srcId="{89A75D91-E1AC-4D73-A918-D87B57F301E6}" destId="{8E16B6BF-9BF0-476F-BD31-93F4825DD734}" srcOrd="1" destOrd="3" presId="urn:microsoft.com/office/officeart/2005/8/layout/hProcess4"/>
-    <dgm:cxn modelId="{C51F1C01-CD6D-4079-B123-F9DA5DEFA521}" type="presOf" srcId="{D8B783C1-8E30-4645-B4F4-013DBA488849}" destId="{59B7F409-E022-4AA2-B672-48D38925AEDA}" srcOrd="0" destOrd="1" presId="urn:microsoft.com/office/officeart/2005/8/layout/hProcess4"/>
-    <dgm:cxn modelId="{54CD1333-1DE1-4EA2-8A43-F8F8F388ED50}" type="presOf" srcId="{89A75D91-E1AC-4D73-A918-D87B57F301E6}" destId="{C6940F1D-2365-40A6-8E09-B1FC60DBC91A}" srcOrd="0" destOrd="3" presId="urn:microsoft.com/office/officeart/2005/8/layout/hProcess4"/>
-    <dgm:cxn modelId="{E1D1049F-0BB0-4F6C-9D9E-43B0C3D9462F}" type="presOf" srcId="{336F6D68-BE8E-4D21-B39D-693A39A26557}" destId="{BF4EBE4A-8EDF-473D-99BC-0A1A77169C85}" srcOrd="0" destOrd="0" presId="urn:microsoft.com/office/officeart/2005/8/layout/hProcess4"/>
-    <dgm:cxn modelId="{1F78CDAD-D67A-4201-89D1-F9A984187CBC}" type="presOf" srcId="{70A1CB08-9081-45E4-BDAD-C6474360948D}" destId="{C6940F1D-2365-40A6-8E09-B1FC60DBC91A}" srcOrd="0" destOrd="2" presId="urn:microsoft.com/office/officeart/2005/8/layout/hProcess4"/>
-    <dgm:cxn modelId="{446B9D3F-6C6E-4688-AA27-A8A0912112F9}" type="presOf" srcId="{DA7A23BC-5393-4B4A-BD2B-B95D8E1BE1D0}" destId="{A3BF3E07-269B-4B0A-B9A8-EEC042312ED5}" srcOrd="0" destOrd="0" presId="urn:microsoft.com/office/officeart/2005/8/layout/hProcess4"/>
-    <dgm:cxn modelId="{CD1A87F1-B439-44E2-B01C-66C5B3C70F95}" type="presOf" srcId="{EAB5CE15-008B-42E4-A21A-943C340198AF}" destId="{59B7F409-E022-4AA2-B672-48D38925AEDA}" srcOrd="0" destOrd="0" presId="urn:microsoft.com/office/officeart/2005/8/layout/hProcess4"/>
-    <dgm:cxn modelId="{1B2A9941-0EAE-46C3-BB30-8725F44F2A86}" srcId="{A7C29CA7-D934-4B33-8EFB-838434BD8145}" destId="{3E11BD05-9B9D-437C-B9DD-28AA4E8B07D1}" srcOrd="3" destOrd="0" parTransId="{9F1E4995-2796-4D72-BD1A-F803D58EB3C4}" sibTransId="{62532DEF-6615-4B97-A74B-F4E6EFA29A52}"/>
-    <dgm:cxn modelId="{2E0F245A-822D-48DA-BD37-CEFE42E11A26}" srcId="{4A003164-9918-490C-B3B0-2312CA7B64A7}" destId="{EAB5CE15-008B-42E4-A21A-943C340198AF}" srcOrd="0" destOrd="0" parTransId="{C829ED2E-B704-4924-9196-4CD9A65335F0}" sibTransId="{1D1B39B5-8B80-4F3D-AA03-1FC4BDE1D8C6}"/>
-    <dgm:cxn modelId="{B75E8218-FBB7-4C42-B840-EA14CB052B80}" type="presOf" srcId="{A1D059CA-DAC9-4B7A-926D-436FC54A8661}" destId="{684F1C5A-DBB2-4DF8-B6E8-D05F8A8E00C1}" srcOrd="0" destOrd="0" presId="urn:microsoft.com/office/officeart/2005/8/layout/hProcess4"/>
-    <dgm:cxn modelId="{E67505C1-60F3-4DF9-B748-99B1389A520D}" type="presOf" srcId="{D8B783C1-8E30-4645-B4F4-013DBA488849}" destId="{9E926DFE-E9DC-46BD-8534-905108BA7F42}" srcOrd="1" destOrd="1" presId="urn:microsoft.com/office/officeart/2005/8/layout/hProcess4"/>
-    <dgm:cxn modelId="{ECBF6E12-A4CB-42D0-B3FB-793CD0B5CF1C}" type="presOf" srcId="{42279E78-9F8D-4A7C-BE25-940DB08D0093}" destId="{0CF4C7EE-FC4E-4EA4-9094-330DC400C57A}" srcOrd="0" destOrd="1" presId="urn:microsoft.com/office/officeart/2005/8/layout/hProcess4"/>
-    <dgm:cxn modelId="{42884F69-41E5-431D-9E3A-7A8D0EEC98E3}" type="presOf" srcId="{BDCDA78F-9DB4-4451-AD8B-0AC7BC3D6380}" destId="{852F2188-CE3B-46AF-BFB4-FF1A7E162340}" srcOrd="1" destOrd="2" presId="urn:microsoft.com/office/officeart/2005/8/layout/hProcess4"/>
-    <dgm:cxn modelId="{41DF02FA-1CEF-4F5C-A71E-33D42B2F7311}" type="presOf" srcId="{42279E78-9F8D-4A7C-BE25-940DB08D0093}" destId="{852F2188-CE3B-46AF-BFB4-FF1A7E162340}" srcOrd="1" destOrd="1" presId="urn:microsoft.com/office/officeart/2005/8/layout/hProcess4"/>
-    <dgm:cxn modelId="{CB1E3CAE-8101-47D8-B150-0A88662CE46E}" type="presOf" srcId="{3C218CBC-8334-4BF6-801A-199114185FEB}" destId="{C6940F1D-2365-40A6-8E09-B1FC60DBC91A}" srcOrd="0" destOrd="1" presId="urn:microsoft.com/office/officeart/2005/8/layout/hProcess4"/>
-    <dgm:cxn modelId="{81C1F298-8DA5-4FC2-941B-9CE1FA217DE4}" type="presOf" srcId="{4A003164-9918-490C-B3B0-2312CA7B64A7}" destId="{EC7F38F0-6A63-44CF-8097-13BC45C312B1}" srcOrd="0" destOrd="0" presId="urn:microsoft.com/office/officeart/2005/8/layout/hProcess4"/>
-    <dgm:cxn modelId="{ADC12F5D-674D-4569-9165-BD812D618693}" srcId="{DA7A23BC-5393-4B4A-BD2B-B95D8E1BE1D0}" destId="{70A1CB08-9081-45E4-BDAD-C6474360948D}" srcOrd="2" destOrd="0" parTransId="{5505C39F-6268-4EDC-B739-C3796AE7CB7B}" sibTransId="{49477BA1-FE0A-4BF2-8822-6AAA3783AF95}"/>
-    <dgm:cxn modelId="{CDBE2DD2-E136-4704-8C67-FB75D05DE826}" srcId="{4A003164-9918-490C-B3B0-2312CA7B64A7}" destId="{BC9E73EB-1A44-42D5-924D-864383D5B15A}" srcOrd="4" destOrd="0" parTransId="{FC605B81-41B6-4B51-B196-F22D1A903F78}" sibTransId="{21B26952-F734-43A7-90E0-AC96A65F018D}"/>
-    <dgm:cxn modelId="{0D4992E7-425E-41B0-9B54-8F38D8639443}" srcId="{DA7A23BC-5393-4B4A-BD2B-B95D8E1BE1D0}" destId="{58FF00ED-CB8D-41C0-A766-3F1EFC803615}" srcOrd="4" destOrd="0" parTransId="{78A7BA41-5530-494F-86F6-D4D516BE61A8}" sibTransId="{099D6AF2-3A2B-4EB7-A75B-FEC74278BDBE}"/>
-    <dgm:cxn modelId="{770A31F2-6F53-4E72-AF70-04973B6E9646}" srcId="{4A003164-9918-490C-B3B0-2312CA7B64A7}" destId="{E7F11D65-11EE-474B-A0FD-5F2986CB6014}" srcOrd="3" destOrd="0" parTransId="{4224BD8A-1430-4363-B6A5-2C9684371FFC}" sibTransId="{B7B7421D-3B18-4293-A203-9B0ADA2EFEEE}"/>
-    <dgm:cxn modelId="{E7004AFB-70FD-49F1-A2D4-9E31FED9A20C}" type="presOf" srcId="{40A2F8E8-FEFD-456D-BE3F-A5180E6FCC70}" destId="{9E926DFE-E9DC-46BD-8534-905108BA7F42}" srcOrd="1" destOrd="5" presId="urn:microsoft.com/office/officeart/2005/8/layout/hProcess4"/>
-    <dgm:cxn modelId="{F8EC0B97-42A5-4C62-A722-4D2DCE57AD26}" type="presOf" srcId="{3C218CBC-8334-4BF6-801A-199114185FEB}" destId="{8E16B6BF-9BF0-476F-BD31-93F4825DD734}" srcOrd="1" destOrd="1" presId="urn:microsoft.com/office/officeart/2005/8/layout/hProcess4"/>
-    <dgm:cxn modelId="{DB8CB447-82C8-4ADF-84B8-7A1AB243FCEC}" srcId="{A7C29CA7-D934-4B33-8EFB-838434BD8145}" destId="{BDCDA78F-9DB4-4451-AD8B-0AC7BC3D6380}" srcOrd="2" destOrd="0" parTransId="{C5334D0E-1DF1-4A47-A983-C90FF1BE927E}" sibTransId="{BAC2ECC3-420D-4F3C-BA64-8D2B7B62D5E3}"/>
-    <dgm:cxn modelId="{C65CA8FB-EE7F-40FB-8A3E-A865A4CCB51D}" srcId="{DA7A23BC-5393-4B4A-BD2B-B95D8E1BE1D0}" destId="{3C218CBC-8334-4BF6-801A-199114185FEB}" srcOrd="1" destOrd="0" parTransId="{044F9D81-C826-4FA6-9139-4ACC8361258F}" sibTransId="{9C18E31E-9867-4510-B7D6-CBF298FF4A00}"/>
-    <dgm:cxn modelId="{9C3F011D-6034-4844-A0E5-28739D87809E}" type="presOf" srcId="{40A2F8E8-FEFD-456D-BE3F-A5180E6FCC70}" destId="{59B7F409-E022-4AA2-B672-48D38925AEDA}" srcOrd="0" destOrd="5" presId="urn:microsoft.com/office/officeart/2005/8/layout/hProcess4"/>
-    <dgm:cxn modelId="{CAA666B4-5D06-45CD-8BE6-910615E301B1}" type="presOf" srcId="{70571B2E-0F8D-41E7-82ED-94FA127CBB69}" destId="{13E9F558-8661-440A-9850-B730F58E8F90}" srcOrd="0" destOrd="0" presId="urn:microsoft.com/office/officeart/2005/8/layout/hProcess4"/>
-    <dgm:cxn modelId="{D7676740-A47E-4040-B718-346AE58FA296}" type="presOf" srcId="{AE48E2D3-A418-4C03-8745-763F7BE6B4BA}" destId="{852F2188-CE3B-46AF-BFB4-FF1A7E162340}" srcOrd="1" destOrd="0" presId="urn:microsoft.com/office/officeart/2005/8/layout/hProcess4"/>
-    <dgm:cxn modelId="{FCB69D56-CD19-4625-A39E-FD6315666FFF}" type="presOf" srcId="{EAB5CE15-008B-42E4-A21A-943C340198AF}" destId="{9E926DFE-E9DC-46BD-8534-905108BA7F42}" srcOrd="1" destOrd="0" presId="urn:microsoft.com/office/officeart/2005/8/layout/hProcess4"/>
-    <dgm:cxn modelId="{81249534-5FF3-4A4D-83BD-404B2117DE95}" type="presOf" srcId="{BC9E73EB-1A44-42D5-924D-864383D5B15A}" destId="{59B7F409-E022-4AA2-B672-48D38925AEDA}" srcOrd="0" destOrd="4" presId="urn:microsoft.com/office/officeart/2005/8/layout/hProcess4"/>
-    <dgm:cxn modelId="{1A408890-F619-4159-A962-2E058D7EE7E4}" srcId="{4A003164-9918-490C-B3B0-2312CA7B64A7}" destId="{930B4075-FF1E-477E-BB5B-D5C532DF8727}" srcOrd="6" destOrd="0" parTransId="{406B4B08-C8C4-4130-928B-A8140DE951CE}" sibTransId="{2D40C068-1D26-476B-8233-5DD9B5147148}"/>
-    <dgm:cxn modelId="{01F93235-D40E-4663-8E94-F5771286CF67}" type="presOf" srcId="{930B4075-FF1E-477E-BB5B-D5C532DF8727}" destId="{59B7F409-E022-4AA2-B672-48D38925AEDA}" srcOrd="0" destOrd="6" presId="urn:microsoft.com/office/officeart/2005/8/layout/hProcess4"/>
-    <dgm:cxn modelId="{B9322F4D-5BB5-4C22-939A-7DE6248178C3}" type="presOf" srcId="{65CBB353-905E-442E-B2E8-D1F974122B3F}" destId="{59B7F409-E022-4AA2-B672-48D38925AEDA}" srcOrd="0" destOrd="2" presId="urn:microsoft.com/office/officeart/2005/8/layout/hProcess4"/>
-    <dgm:cxn modelId="{2BCDC34C-3BB2-4A7B-B0AB-88ADCAF2BD31}" type="presOf" srcId="{BDCDA78F-9DB4-4451-AD8B-0AC7BC3D6380}" destId="{0CF4C7EE-FC4E-4EA4-9094-330DC400C57A}" srcOrd="0" destOrd="2" presId="urn:microsoft.com/office/officeart/2005/8/layout/hProcess4"/>
-    <dgm:cxn modelId="{A6CF57A8-23FF-4EE1-BAFE-D7F29AC9813A}" type="presOf" srcId="{3E11BD05-9B9D-437C-B9DD-28AA4E8B07D1}" destId="{0CF4C7EE-FC4E-4EA4-9094-330DC400C57A}" srcOrd="0" destOrd="3" presId="urn:microsoft.com/office/officeart/2005/8/layout/hProcess4"/>
-    <dgm:cxn modelId="{203FAD60-42D2-48F4-A603-65D5AE047895}" srcId="{4A003164-9918-490C-B3B0-2312CA7B64A7}" destId="{D8B783C1-8E30-4645-B4F4-013DBA488849}" srcOrd="1" destOrd="0" parTransId="{3C05DCBE-1FFF-4BEE-99EC-A3CB062C19D1}" sibTransId="{34B37698-1599-4EA2-9AE1-9173401145D6}"/>
-    <dgm:cxn modelId="{9D1EBF9F-E6EE-4FFF-B686-F311900E47A5}" type="presOf" srcId="{BC9E73EB-1A44-42D5-924D-864383D5B15A}" destId="{9E926DFE-E9DC-46BD-8534-905108BA7F42}" srcOrd="1" destOrd="4" presId="urn:microsoft.com/office/officeart/2005/8/layout/hProcess4"/>
-    <dgm:cxn modelId="{BA392275-28C6-47A1-81A7-759248AA2931}" srcId="{DA7A23BC-5393-4B4A-BD2B-B95D8E1BE1D0}" destId="{5B60BEC6-26F4-4CA3-A793-1D3FDEB1C40D}" srcOrd="0" destOrd="0" parTransId="{9191C516-7880-4D37-BEF1-AA2B529B051A}" sibTransId="{1F668021-2740-428D-890C-A4EB7C914F4E}"/>
-    <dgm:cxn modelId="{762FA7BD-5D17-4D26-9BDE-210A7ABA153D}" type="presOf" srcId="{A7C29CA7-D934-4B33-8EFB-838434BD8145}" destId="{E34192BF-557E-4201-A706-D8F2EA28EBDD}" srcOrd="0" destOrd="0" presId="urn:microsoft.com/office/officeart/2005/8/layout/hProcess4"/>
-    <dgm:cxn modelId="{D0C58657-84FF-4292-A890-70B1568394EF}" type="presOf" srcId="{E7F11D65-11EE-474B-A0FD-5F2986CB6014}" destId="{9E926DFE-E9DC-46BD-8534-905108BA7F42}" srcOrd="1" destOrd="3" presId="urn:microsoft.com/office/officeart/2005/8/layout/hProcess4"/>
-    <dgm:cxn modelId="{193C2120-A866-44D9-A2CB-4455A35336F1}" srcId="{70571B2E-0F8D-41E7-82ED-94FA127CBB69}" destId="{A7C29CA7-D934-4B33-8EFB-838434BD8145}" srcOrd="2" destOrd="0" parTransId="{FB87C9F7-F4ED-413F-A7A5-86A70D4FF4BB}" sibTransId="{D0F114C8-A530-452B-AE40-C1C9CA4BCDF8}"/>
-    <dgm:cxn modelId="{ABADE45B-8BA3-4B7D-AFA0-369064B8E2C6}" type="presOf" srcId="{3E11BD05-9B9D-437C-B9DD-28AA4E8B07D1}" destId="{852F2188-CE3B-46AF-BFB4-FF1A7E162340}" srcOrd="1" destOrd="3" presId="urn:microsoft.com/office/officeart/2005/8/layout/hProcess4"/>
-    <dgm:cxn modelId="{83CBDBF2-282E-43CC-A999-61ACF93705DB}" type="presOf" srcId="{70A1CB08-9081-45E4-BDAD-C6474360948D}" destId="{8E16B6BF-9BF0-476F-BD31-93F4825DD734}" srcOrd="1" destOrd="2" presId="urn:microsoft.com/office/officeart/2005/8/layout/hProcess4"/>
-    <dgm:cxn modelId="{D78F3861-D03B-46F7-88E3-3EEBB9B950EB}" type="presOf" srcId="{65CBB353-905E-442E-B2E8-D1F974122B3F}" destId="{9E926DFE-E9DC-46BD-8534-905108BA7F42}" srcOrd="1" destOrd="2" presId="urn:microsoft.com/office/officeart/2005/8/layout/hProcess4"/>
-    <dgm:cxn modelId="{D3D3B5A2-BC15-4291-9AC8-E28E6215A9E4}" type="presOf" srcId="{AE48E2D3-A418-4C03-8745-763F7BE6B4BA}" destId="{0CF4C7EE-FC4E-4EA4-9094-330DC400C57A}" srcOrd="0" destOrd="0" presId="urn:microsoft.com/office/officeart/2005/8/layout/hProcess4"/>
-    <dgm:cxn modelId="{0263A0E4-20E6-4663-9B79-C6C11181B1A3}" srcId="{A7C29CA7-D934-4B33-8EFB-838434BD8145}" destId="{AE48E2D3-A418-4C03-8745-763F7BE6B4BA}" srcOrd="0" destOrd="0" parTransId="{048C910E-BE0C-4430-BAC2-F88F1B7577E8}" sibTransId="{A6219D7B-1EFF-4084-A251-8C232ED597DD}"/>
-    <dgm:cxn modelId="{F66FEE26-A14C-43D0-B0C1-7807CBB9260E}" srcId="{A7C29CA7-D934-4B33-8EFB-838434BD8145}" destId="{42279E78-9F8D-4A7C-BE25-940DB08D0093}" srcOrd="1" destOrd="0" parTransId="{2E502DFD-4EA1-4818-A0CE-E0FADDFB68C4}" sibTransId="{B9BFABBD-CED4-4E71-93D6-73F023821FDD}"/>
-    <dgm:cxn modelId="{8E9A8B75-2B2B-4CDE-817F-7B2E42034B18}" type="presOf" srcId="{930B4075-FF1E-477E-BB5B-D5C532DF8727}" destId="{9E926DFE-E9DC-46BD-8534-905108BA7F42}" srcOrd="1" destOrd="6" presId="urn:microsoft.com/office/officeart/2005/8/layout/hProcess4"/>
-    <dgm:cxn modelId="{DC99FF6A-6430-4EA1-919A-EA17D2740918}" type="presOf" srcId="{58FF00ED-CB8D-41C0-A766-3F1EFC803615}" destId="{C6940F1D-2365-40A6-8E09-B1FC60DBC91A}" srcOrd="0" destOrd="4" presId="urn:microsoft.com/office/officeart/2005/8/layout/hProcess4"/>
-    <dgm:cxn modelId="{ED1AD8D9-7A91-4537-BF2D-1924D1C24E3E}" type="presOf" srcId="{5B60BEC6-26F4-4CA3-A793-1D3FDEB1C40D}" destId="{C6940F1D-2365-40A6-8E09-B1FC60DBC91A}" srcOrd="0" destOrd="0" presId="urn:microsoft.com/office/officeart/2005/8/layout/hProcess4"/>
-    <dgm:cxn modelId="{BA61D331-114B-466A-AF49-37DB777A990B}" type="presOf" srcId="{5B60BEC6-26F4-4CA3-A793-1D3FDEB1C40D}" destId="{8E16B6BF-9BF0-476F-BD31-93F4825DD734}" srcOrd="1" destOrd="0" presId="urn:microsoft.com/office/officeart/2005/8/layout/hProcess4"/>
-    <dgm:cxn modelId="{7B5270A3-BB18-4514-9DD0-5192E6BBF4F5}" srcId="{DA7A23BC-5393-4B4A-BD2B-B95D8E1BE1D0}" destId="{89A75D91-E1AC-4D73-A918-D87B57F301E6}" srcOrd="3" destOrd="0" parTransId="{555E3B4C-BE3B-4B16-9F85-033AAEC6C438}" sibTransId="{E82682C0-DA83-4949-A640-6961C82BB053}"/>
-    <dgm:cxn modelId="{6E1429C9-EFC4-4779-B421-D7E61EE4713A}" srcId="{4A003164-9918-490C-B3B0-2312CA7B64A7}" destId="{40A2F8E8-FEFD-456D-BE3F-A5180E6FCC70}" srcOrd="5" destOrd="0" parTransId="{BD8655E3-9CCB-4929-BF07-754FBA15848E}" sibTransId="{67F7543C-E6C1-45CD-A16D-589AE0DAF2C6}"/>
-    <dgm:cxn modelId="{FEAF571F-E27A-4C85-89B7-12D00E5DAE0E}" type="presOf" srcId="{E7F11D65-11EE-474B-A0FD-5F2986CB6014}" destId="{59B7F409-E022-4AA2-B672-48D38925AEDA}" srcOrd="0" destOrd="3" presId="urn:microsoft.com/office/officeart/2005/8/layout/hProcess4"/>
-    <dgm:cxn modelId="{ACC4988B-A0B8-4152-BFFC-DF101F4E8456}" srcId="{70571B2E-0F8D-41E7-82ED-94FA127CBB69}" destId="{DA7A23BC-5393-4B4A-BD2B-B95D8E1BE1D0}" srcOrd="1" destOrd="0" parTransId="{A56D3C05-20A7-48D9-963E-405F0262A71D}" sibTransId="{336F6D68-BE8E-4D21-B39D-693A39A26557}"/>
-    <dgm:cxn modelId="{1D73A2A7-7886-41D1-8DC6-B168D2A146C5}" srcId="{4A003164-9918-490C-B3B0-2312CA7B64A7}" destId="{65CBB353-905E-442E-B2E8-D1F974122B3F}" srcOrd="2" destOrd="0" parTransId="{D99DBED8-3A3F-48DD-A1F7-F28E1F0A7A80}" sibTransId="{B20AF672-CB27-45B5-8BA0-E4FD143FF9B5}"/>
     <dgm:cxn modelId="{7E725546-32A0-4292-98DF-426BB1512D34}" type="presParOf" srcId="{13E9F558-8661-440A-9850-B730F58E8F90}" destId="{2B29F151-17D7-4F92-AD26-D7F5D1B5DDE1}" srcOrd="0" destOrd="0" presId="urn:microsoft.com/office/officeart/2005/8/layout/hProcess4"/>
     <dgm:cxn modelId="{AC6FDB0B-0FD4-40D2-858E-8329F18EA8A1}" type="presParOf" srcId="{13E9F558-8661-440A-9850-B730F58E8F90}" destId="{9D3AF7AC-AA14-4205-B759-A6A8F21FB0C5}" srcOrd="1" destOrd="0" presId="urn:microsoft.com/office/officeart/2005/8/layout/hProcess4"/>
     <dgm:cxn modelId="{9C73450B-FC45-49C3-AA60-667A99F61AC7}" type="presParOf" srcId="{13E9F558-8661-440A-9850-B730F58E8F90}" destId="{3EADBEF6-C78F-46F5-8B5E-28903D074F5C}" srcOrd="2" destOrd="0" presId="urn:microsoft.com/office/officeart/2005/8/layout/hProcess4"/>
@@ -6221,7 +6132,7 @@
         <a:p>
           <a:pPr latinLnBrk="1"/>
           <a:r>
-            <a:rPr lang="ko-KR" altLang="en-US" sz="2000" dirty="0" smtClean="0">
+            <a:rPr lang="ko-KR" altLang="en-US" sz="2000" dirty="0">
               <a:effectLst>
                 <a:outerShdw blurRad="38100" dist="38100" dir="2700000" algn="tl">
                   <a:srgbClr val="000000">
@@ -6232,15 +6143,6 @@
             </a:rPr>
             <a:t>전략과 성장</a:t>
           </a:r>
-          <a:endParaRPr lang="ko-KR" altLang="en-US" sz="2000" dirty="0">
-            <a:effectLst>
-              <a:outerShdw blurRad="38100" dist="38100" dir="2700000" algn="tl">
-                <a:srgbClr val="000000">
-                  <a:alpha val="43137"/>
-                </a:srgbClr>
-              </a:outerShdw>
-            </a:effectLst>
-          </a:endParaRPr>
         </a:p>
       </dgm:t>
     </dgm:pt>
@@ -6287,11 +6189,20 @@
     <dgm:pt modelId="{6111935F-26B0-4135-AFFF-6CCA25DD3C98}">
       <dgm:prSet phldrT="[텍스트]" custT="1"/>
       <dgm:spPr>
-        <a:solidFill>
-          <a:srgbClr val="002060">
-            <a:alpha val="90000"/>
-          </a:srgbClr>
-        </a:solidFill>
+        <a:gradFill flip="none" rotWithShape="0">
+          <a:gsLst>
+            <a:gs pos="0">
+              <a:srgbClr val="44074C"/>
+            </a:gs>
+            <a:gs pos="48000">
+              <a:srgbClr val="0C3277">
+                <a:alpha val="70000"/>
+              </a:srgbClr>
+            </a:gs>
+          </a:gsLst>
+          <a:lin ang="5400000" scaled="1"/>
+          <a:tileRect/>
+        </a:gradFill>
         <a:ln>
           <a:solidFill>
             <a:schemeClr val="tx1">
@@ -6306,7 +6217,7 @@
         <a:p>
           <a:pPr latinLnBrk="1"/>
           <a:r>
-            <a:rPr lang="ko-KR" altLang="en-US" sz="1700" dirty="0" smtClean="0">
+            <a:rPr lang="ko-KR" altLang="en-US" sz="1700" dirty="0">
               <a:solidFill>
                 <a:schemeClr val="tx1"/>
               </a:solidFill>
@@ -6320,18 +6231,6 @@
             </a:rPr>
             <a:t>매 순간이 고민과 선택의 연속</a:t>
           </a:r>
-          <a:endParaRPr lang="ko-KR" altLang="en-US" sz="1700" dirty="0">
-            <a:solidFill>
-              <a:schemeClr val="tx1"/>
-            </a:solidFill>
-            <a:effectLst>
-              <a:outerShdw blurRad="38100" dist="38100" dir="2700000" algn="tl">
-                <a:srgbClr val="000000">
-                  <a:alpha val="43137"/>
-                </a:srgbClr>
-              </a:outerShdw>
-            </a:effectLst>
-          </a:endParaRPr>
         </a:p>
       </dgm:t>
     </dgm:pt>
@@ -6397,7 +6296,7 @@
         <a:p>
           <a:pPr latinLnBrk="1"/>
           <a:r>
-            <a:rPr lang="ko-KR" altLang="en-US" sz="2000" dirty="0" smtClean="0">
+            <a:rPr lang="ko-KR" altLang="en-US" sz="2000" dirty="0">
               <a:effectLst>
                 <a:outerShdw blurRad="38100" dist="38100" dir="2700000" algn="tl">
                   <a:srgbClr val="000000">
@@ -6408,15 +6307,6 @@
             </a:rPr>
             <a:t>오픈 월드</a:t>
           </a:r>
-          <a:endParaRPr lang="ko-KR" altLang="en-US" sz="2000" dirty="0">
-            <a:effectLst>
-              <a:outerShdw blurRad="38100" dist="38100" dir="2700000" algn="tl">
-                <a:srgbClr val="000000">
-                  <a:alpha val="43137"/>
-                </a:srgbClr>
-              </a:outerShdw>
-            </a:effectLst>
-          </a:endParaRPr>
         </a:p>
       </dgm:t>
     </dgm:pt>
@@ -6463,11 +6353,20 @@
     <dgm:pt modelId="{C3940DDF-947E-46F1-8F60-545C02239574}">
       <dgm:prSet phldrT="[텍스트]" custT="1"/>
       <dgm:spPr>
-        <a:solidFill>
-          <a:srgbClr val="002060">
-            <a:alpha val="90000"/>
-          </a:srgbClr>
-        </a:solidFill>
+        <a:gradFill flip="none" rotWithShape="0">
+          <a:gsLst>
+            <a:gs pos="0">
+              <a:srgbClr val="44074C"/>
+            </a:gs>
+            <a:gs pos="48000">
+              <a:srgbClr val="0C3277">
+                <a:alpha val="70000"/>
+              </a:srgbClr>
+            </a:gs>
+          </a:gsLst>
+          <a:lin ang="5400000" scaled="1"/>
+          <a:tileRect/>
+        </a:gradFill>
         <a:ln>
           <a:solidFill>
             <a:schemeClr val="tx1">
@@ -6482,7 +6381,7 @@
         <a:p>
           <a:pPr latinLnBrk="1"/>
           <a:r>
-            <a:rPr lang="ko-KR" altLang="en-US" sz="1700" dirty="0" smtClean="0">
+            <a:rPr lang="ko-KR" altLang="en-US" sz="1700" dirty="0">
               <a:solidFill>
                 <a:schemeClr val="tx1"/>
               </a:solidFill>
@@ -6496,18 +6395,6 @@
             </a:rPr>
             <a:t>높은 자유 추구</a:t>
           </a:r>
-          <a:endParaRPr lang="ko-KR" altLang="en-US" sz="1700" dirty="0">
-            <a:solidFill>
-              <a:schemeClr val="tx1"/>
-            </a:solidFill>
-            <a:effectLst>
-              <a:outerShdw blurRad="38100" dist="38100" dir="2700000" algn="tl">
-                <a:srgbClr val="000000">
-                  <a:alpha val="43137"/>
-                </a:srgbClr>
-              </a:outerShdw>
-            </a:effectLst>
-          </a:endParaRPr>
         </a:p>
       </dgm:t>
     </dgm:pt>
@@ -6554,11 +6441,20 @@
     <dgm:pt modelId="{3DA3FC0D-6F8C-4F35-8B5E-09432CC581ED}">
       <dgm:prSet phldrT="[텍스트]" custT="1"/>
       <dgm:spPr>
-        <a:solidFill>
-          <a:srgbClr val="002060">
-            <a:alpha val="90000"/>
-          </a:srgbClr>
-        </a:solidFill>
+        <a:gradFill flip="none" rotWithShape="0">
+          <a:gsLst>
+            <a:gs pos="0">
+              <a:srgbClr val="44074C"/>
+            </a:gs>
+            <a:gs pos="48000">
+              <a:srgbClr val="0C3277">
+                <a:alpha val="70000"/>
+              </a:srgbClr>
+            </a:gs>
+          </a:gsLst>
+          <a:lin ang="5400000" scaled="1"/>
+          <a:tileRect/>
+        </a:gradFill>
         <a:ln>
           <a:solidFill>
             <a:schemeClr val="tx1">
@@ -6573,7 +6469,7 @@
         <a:p>
           <a:pPr latinLnBrk="1"/>
           <a:r>
-            <a:rPr lang="ko-KR" altLang="en-US" sz="1700" dirty="0" smtClean="0">
+            <a:rPr lang="ko-KR" altLang="en-US" sz="1700" dirty="0">
               <a:solidFill>
                 <a:schemeClr val="tx1"/>
               </a:solidFill>
@@ -6587,18 +6483,6 @@
             </a:rPr>
             <a:t>커다란 목표는 주어짐</a:t>
           </a:r>
-          <a:endParaRPr lang="ko-KR" altLang="en-US" sz="1700" dirty="0">
-            <a:solidFill>
-              <a:schemeClr val="tx1"/>
-            </a:solidFill>
-            <a:effectLst>
-              <a:outerShdw blurRad="38100" dist="38100" dir="2700000" algn="tl">
-                <a:srgbClr val="000000">
-                  <a:alpha val="43137"/>
-                </a:srgbClr>
-              </a:outerShdw>
-            </a:effectLst>
-          </a:endParaRPr>
         </a:p>
       </dgm:t>
     </dgm:pt>
@@ -6664,7 +6548,7 @@
         <a:p>
           <a:pPr latinLnBrk="1"/>
           <a:r>
-            <a:rPr lang="ko-KR" altLang="en-US" sz="2000" dirty="0" smtClean="0">
+            <a:rPr lang="ko-KR" altLang="en-US" sz="2000" dirty="0">
               <a:effectLst>
                 <a:outerShdw blurRad="38100" dist="38100" dir="2700000" algn="tl">
                   <a:srgbClr val="000000">
@@ -6675,15 +6559,6 @@
             </a:rPr>
             <a:t>로그라이크</a:t>
           </a:r>
-          <a:endParaRPr lang="ko-KR" altLang="en-US" sz="2000" dirty="0">
-            <a:effectLst>
-              <a:outerShdw blurRad="38100" dist="38100" dir="2700000" algn="tl">
-                <a:srgbClr val="000000">
-                  <a:alpha val="43137"/>
-                </a:srgbClr>
-              </a:outerShdw>
-            </a:effectLst>
-          </a:endParaRPr>
         </a:p>
       </dgm:t>
     </dgm:pt>
@@ -6730,11 +6605,20 @@
     <dgm:pt modelId="{7DAAC7AD-D067-470B-91A6-8ACCD5E59435}">
       <dgm:prSet phldrT="[텍스트]" custT="1"/>
       <dgm:spPr>
-        <a:solidFill>
-          <a:srgbClr val="002060">
-            <a:alpha val="90000"/>
-          </a:srgbClr>
-        </a:solidFill>
+        <a:gradFill flip="none" rotWithShape="0">
+          <a:gsLst>
+            <a:gs pos="0">
+              <a:srgbClr val="44074C"/>
+            </a:gs>
+            <a:gs pos="48000">
+              <a:srgbClr val="0C3277">
+                <a:alpha val="70000"/>
+              </a:srgbClr>
+            </a:gs>
+          </a:gsLst>
+          <a:lin ang="5400000" scaled="1"/>
+          <a:tileRect/>
+        </a:gradFill>
         <a:ln>
           <a:solidFill>
             <a:schemeClr val="tx1">
@@ -6749,7 +6633,7 @@
         <a:p>
           <a:pPr latinLnBrk="1"/>
           <a:r>
-            <a:rPr lang="ko-KR" altLang="en-US" sz="1700" dirty="0" smtClean="0">
+            <a:rPr lang="ko-KR" altLang="en-US" sz="1700" dirty="0">
               <a:solidFill>
                 <a:schemeClr val="tx1"/>
               </a:solidFill>
@@ -6763,18 +6647,6 @@
             </a:rPr>
             <a:t>항상 무작위로 구성되는 맵과 이벤트</a:t>
           </a:r>
-          <a:endParaRPr lang="ko-KR" altLang="en-US" sz="1700" dirty="0">
-            <a:solidFill>
-              <a:schemeClr val="tx1"/>
-            </a:solidFill>
-            <a:effectLst>
-              <a:outerShdw blurRad="38100" dist="38100" dir="2700000" algn="tl">
-                <a:srgbClr val="000000">
-                  <a:alpha val="43137"/>
-                </a:srgbClr>
-              </a:outerShdw>
-            </a:effectLst>
-          </a:endParaRPr>
         </a:p>
       </dgm:t>
     </dgm:pt>
@@ -6821,11 +6693,20 @@
     <dgm:pt modelId="{82C974AD-507F-453B-9ACC-E59E851C0179}">
       <dgm:prSet phldrT="[텍스트]" custT="1"/>
       <dgm:spPr>
-        <a:solidFill>
-          <a:srgbClr val="002060">
-            <a:alpha val="90000"/>
-          </a:srgbClr>
-        </a:solidFill>
+        <a:gradFill flip="none" rotWithShape="0">
+          <a:gsLst>
+            <a:gs pos="0">
+              <a:srgbClr val="44074C"/>
+            </a:gs>
+            <a:gs pos="48000">
+              <a:srgbClr val="0C3277">
+                <a:alpha val="70000"/>
+              </a:srgbClr>
+            </a:gs>
+          </a:gsLst>
+          <a:lin ang="5400000" scaled="1"/>
+          <a:tileRect/>
+        </a:gradFill>
         <a:ln>
           <a:solidFill>
             <a:schemeClr val="tx1">
@@ -6840,7 +6721,7 @@
         <a:p>
           <a:pPr latinLnBrk="1"/>
           <a:r>
-            <a:rPr lang="ko-KR" altLang="en-US" sz="1700" dirty="0" smtClean="0">
+            <a:rPr lang="ko-KR" altLang="en-US" sz="1700" dirty="0">
               <a:solidFill>
                 <a:schemeClr val="tx1"/>
               </a:solidFill>
@@ -6855,7 +6736,7 @@
             <a:t>변수 가득한 예측불허의 상황</a:t>
           </a:r>
           <a:r>
-            <a:rPr lang="en-US" altLang="ko-KR" sz="1700" dirty="0" smtClean="0">
+            <a:rPr lang="en-US" altLang="ko-KR" sz="1700" dirty="0">
               <a:solidFill>
                 <a:schemeClr val="tx1"/>
               </a:solidFill>
@@ -6870,7 +6751,7 @@
             <a:t>, </a:t>
           </a:r>
           <a:r>
-            <a:rPr lang="ko-KR" altLang="en-US" sz="1700" dirty="0" smtClean="0">
+            <a:rPr lang="ko-KR" altLang="en-US" sz="1700" dirty="0">
               <a:solidFill>
                 <a:schemeClr val="tx1"/>
               </a:solidFill>
@@ -6884,18 +6765,6 @@
             </a:rPr>
             <a:t>한정된 자원</a:t>
           </a:r>
-          <a:endParaRPr lang="ko-KR" altLang="en-US" sz="1700" dirty="0">
-            <a:solidFill>
-              <a:schemeClr val="tx1"/>
-            </a:solidFill>
-            <a:effectLst>
-              <a:outerShdw blurRad="38100" dist="38100" dir="2700000" algn="tl">
-                <a:srgbClr val="000000">
-                  <a:alpha val="43137"/>
-                </a:srgbClr>
-              </a:outerShdw>
-            </a:effectLst>
-          </a:endParaRPr>
         </a:p>
       </dgm:t>
     </dgm:pt>
@@ -6942,11 +6811,20 @@
     <dgm:pt modelId="{147F286C-7064-4E83-AB99-F38A2F7E1EA3}">
       <dgm:prSet phldrT="[텍스트]" custT="1"/>
       <dgm:spPr>
-        <a:solidFill>
-          <a:srgbClr val="002060">
-            <a:alpha val="90000"/>
-          </a:srgbClr>
-        </a:solidFill>
+        <a:gradFill flip="none" rotWithShape="0">
+          <a:gsLst>
+            <a:gs pos="0">
+              <a:srgbClr val="44074C"/>
+            </a:gs>
+            <a:gs pos="48000">
+              <a:srgbClr val="0C3277">
+                <a:alpha val="70000"/>
+              </a:srgbClr>
+            </a:gs>
+          </a:gsLst>
+          <a:lin ang="5400000" scaled="1"/>
+          <a:tileRect/>
+        </a:gradFill>
         <a:ln>
           <a:solidFill>
             <a:schemeClr val="tx1">
@@ -6961,7 +6839,7 @@
         <a:p>
           <a:pPr latinLnBrk="1"/>
           <a:r>
-            <a:rPr lang="ko-KR" altLang="en-US" sz="1700" dirty="0" smtClean="0">
+            <a:rPr lang="ko-KR" altLang="en-US" sz="1700" dirty="0">
               <a:solidFill>
                 <a:schemeClr val="tx1"/>
               </a:solidFill>
@@ -6975,18 +6853,6 @@
             </a:rPr>
             <a:t>함선과 플레이어가 같이 경험을 쌓아 성장</a:t>
           </a:r>
-          <a:endParaRPr lang="ko-KR" altLang="en-US" sz="1700" dirty="0">
-            <a:solidFill>
-              <a:schemeClr val="tx1"/>
-            </a:solidFill>
-            <a:effectLst>
-              <a:outerShdw blurRad="38100" dist="38100" dir="2700000" algn="tl">
-                <a:srgbClr val="000000">
-                  <a:alpha val="43137"/>
-                </a:srgbClr>
-              </a:outerShdw>
-            </a:effectLst>
-          </a:endParaRPr>
         </a:p>
       </dgm:t>
     </dgm:pt>
@@ -7017,11 +6883,20 @@
     <dgm:pt modelId="{1067300A-14BE-4772-BD2F-6768DDD9DD1F}">
       <dgm:prSet phldrT="[텍스트]" custT="1"/>
       <dgm:spPr>
-        <a:solidFill>
-          <a:srgbClr val="002060">
-            <a:alpha val="90000"/>
-          </a:srgbClr>
-        </a:solidFill>
+        <a:gradFill flip="none" rotWithShape="0">
+          <a:gsLst>
+            <a:gs pos="0">
+              <a:srgbClr val="44074C"/>
+            </a:gs>
+            <a:gs pos="48000">
+              <a:srgbClr val="0C3277">
+                <a:alpha val="70000"/>
+              </a:srgbClr>
+            </a:gs>
+          </a:gsLst>
+          <a:lin ang="5400000" scaled="1"/>
+          <a:tileRect/>
+        </a:gradFill>
         <a:ln>
           <a:solidFill>
             <a:schemeClr val="tx1">
@@ -7036,7 +6911,7 @@
         <a:p>
           <a:pPr latinLnBrk="1"/>
           <a:r>
-            <a:rPr lang="ko-KR" altLang="en-US" sz="1700" dirty="0" smtClean="0">
+            <a:rPr lang="ko-KR" altLang="en-US" sz="1700" dirty="0">
               <a:solidFill>
                 <a:schemeClr val="tx1"/>
               </a:solidFill>
@@ -7051,7 +6926,7 @@
             <a:t>달성한 목표에 따라 우주의 상황이 달라진다</a:t>
           </a:r>
           <a:r>
-            <a:rPr lang="en-US" altLang="ko-KR" sz="1700" dirty="0" smtClean="0">
+            <a:rPr lang="en-US" altLang="ko-KR" sz="1700" dirty="0">
               <a:solidFill>
                 <a:schemeClr val="tx1"/>
               </a:solidFill>
@@ -7135,14 +7010,6 @@
         </dgm:presLayoutVars>
       </dgm:prSet>
       <dgm:spPr/>
-      <dgm:t>
-        <a:bodyPr/>
-        <a:lstStyle/>
-        <a:p>
-          <a:pPr latinLnBrk="1"/>
-          <a:endParaRPr lang="ko-KR" altLang="en-US"/>
-        </a:p>
-      </dgm:t>
     </dgm:pt>
     <dgm:pt modelId="{B62A1F2E-97B5-41F9-97CB-08B2BAC06F56}" type="pres">
       <dgm:prSet presAssocID="{94164B14-8C6C-4DFC-9636-A3E57BCFAF26}" presName="space" presStyleCnt="0"/>
@@ -7161,14 +7028,6 @@
         </dgm:presLayoutVars>
       </dgm:prSet>
       <dgm:spPr/>
-      <dgm:t>
-        <a:bodyPr/>
-        <a:lstStyle/>
-        <a:p>
-          <a:pPr latinLnBrk="1"/>
-          <a:endParaRPr lang="ko-KR" altLang="en-US"/>
-        </a:p>
-      </dgm:t>
     </dgm:pt>
     <dgm:pt modelId="{338BD713-B272-4931-ACE2-E02BD3037204}" type="pres">
       <dgm:prSet presAssocID="{5A79D001-2253-491A-9F85-74B295BE4964}" presName="desTx" presStyleLbl="alignAccFollowNode1" presStyleIdx="1" presStyleCnt="3">
@@ -7177,14 +7036,6 @@
         </dgm:presLayoutVars>
       </dgm:prSet>
       <dgm:spPr/>
-      <dgm:t>
-        <a:bodyPr/>
-        <a:lstStyle/>
-        <a:p>
-          <a:pPr latinLnBrk="1"/>
-          <a:endParaRPr lang="ko-KR" altLang="en-US"/>
-        </a:p>
-      </dgm:t>
     </dgm:pt>
     <dgm:pt modelId="{F0356BE5-8552-4DAF-811E-A07DA687FDB0}" type="pres">
       <dgm:prSet presAssocID="{6CA439CE-B5F9-4231-A9AB-5AE9EAF31A6F}" presName="space" presStyleCnt="0"/>
@@ -7203,14 +7054,6 @@
         </dgm:presLayoutVars>
       </dgm:prSet>
       <dgm:spPr/>
-      <dgm:t>
-        <a:bodyPr/>
-        <a:lstStyle/>
-        <a:p>
-          <a:pPr latinLnBrk="1"/>
-          <a:endParaRPr lang="ko-KR" altLang="en-US"/>
-        </a:p>
-      </dgm:t>
     </dgm:pt>
     <dgm:pt modelId="{3B0A7F5E-F186-4FDD-8626-03EB7E0C45E5}" type="pres">
       <dgm:prSet presAssocID="{4CF97F0A-1B9E-421D-8D25-23E911D7D20F}" presName="desTx" presStyleLbl="alignAccFollowNode1" presStyleIdx="2" presStyleCnt="3">
@@ -7219,38 +7062,30 @@
         </dgm:presLayoutVars>
       </dgm:prSet>
       <dgm:spPr/>
-      <dgm:t>
-        <a:bodyPr/>
-        <a:lstStyle/>
-        <a:p>
-          <a:pPr latinLnBrk="1"/>
-          <a:endParaRPr lang="ko-KR" altLang="en-US"/>
-        </a:p>
-      </dgm:t>
     </dgm:pt>
   </dgm:ptLst>
   <dgm:cxnLst>
+    <dgm:cxn modelId="{C5E58510-A274-468A-B8E3-DA806B990AB7}" type="presOf" srcId="{147F286C-7064-4E83-AB99-F38A2F7E1EA3}" destId="{418976B2-EA5B-4EAA-A2C3-DDE99796E37A}" srcOrd="0" destOrd="1" presId="urn:microsoft.com/office/officeart/2005/8/layout/hList1"/>
+    <dgm:cxn modelId="{90C71B15-90B1-41C2-BFE4-C9DB31B153D6}" type="presOf" srcId="{6111935F-26B0-4135-AFFF-6CCA25DD3C98}" destId="{418976B2-EA5B-4EAA-A2C3-DDE99796E37A}" srcOrd="0" destOrd="0" presId="urn:microsoft.com/office/officeart/2005/8/layout/hList1"/>
+    <dgm:cxn modelId="{76B8C715-852A-45EB-BF08-D6D6041C6DEE}" type="presOf" srcId="{7DAAC7AD-D067-470B-91A6-8ACCD5E59435}" destId="{3B0A7F5E-F186-4FDD-8626-03EB7E0C45E5}" srcOrd="0" destOrd="0" presId="urn:microsoft.com/office/officeart/2005/8/layout/hList1"/>
+    <dgm:cxn modelId="{2A6CD51B-720C-45CC-B9D1-0B115E8DA5B5}" type="presOf" srcId="{44125642-61A1-4F1A-8BE3-FC0E088601E1}" destId="{AB69413D-C877-4107-A30E-3D0A3E9079DC}" srcOrd="0" destOrd="0" presId="urn:microsoft.com/office/officeart/2005/8/layout/hList1"/>
+    <dgm:cxn modelId="{EDD5FD22-A374-4C57-B676-26049CA50CBC}" srcId="{4CF97F0A-1B9E-421D-8D25-23E911D7D20F}" destId="{82C974AD-507F-453B-9ACC-E59E851C0179}" srcOrd="1" destOrd="0" parTransId="{CA73A699-E7D8-4447-99B1-236FA47B3101}" sibTransId="{0DDE0442-AE14-48F9-ACFC-3A83C176F854}"/>
+    <dgm:cxn modelId="{F0D37037-07BD-4287-882B-F796A953CF87}" srcId="{8A59D89E-70E8-44C2-9363-650FC981E839}" destId="{147F286C-7064-4E83-AB99-F38A2F7E1EA3}" srcOrd="1" destOrd="0" parTransId="{4E804D8B-D849-4DDE-8E23-9FC1BEB9C2ED}" sibTransId="{9EDEA0CE-D93E-4503-A69D-80DD76B0C5F7}"/>
+    <dgm:cxn modelId="{C608C638-EA3C-4005-93DE-E28D10AF4A33}" type="presOf" srcId="{1067300A-14BE-4772-BD2F-6768DDD9DD1F}" destId="{338BD713-B272-4931-ACE2-E02BD3037204}" srcOrd="0" destOrd="2" presId="urn:microsoft.com/office/officeart/2005/8/layout/hList1"/>
+    <dgm:cxn modelId="{952BF85B-0EBE-40F2-B45E-9541C9326B1A}" type="presOf" srcId="{82C974AD-507F-453B-9ACC-E59E851C0179}" destId="{3B0A7F5E-F186-4FDD-8626-03EB7E0C45E5}" srcOrd="0" destOrd="1" presId="urn:microsoft.com/office/officeart/2005/8/layout/hList1"/>
     <dgm:cxn modelId="{6644FF41-7096-46B9-A82E-0ED63589F1DB}" srcId="{44125642-61A1-4F1A-8BE3-FC0E088601E1}" destId="{4CF97F0A-1B9E-421D-8D25-23E911D7D20F}" srcOrd="2" destOrd="0" parTransId="{19C7454C-62B5-4778-A71A-5B27012DD173}" sibTransId="{68213356-AB75-4704-AB27-4FBF9446F1EE}"/>
-    <dgm:cxn modelId="{C608C638-EA3C-4005-93DE-E28D10AF4A33}" type="presOf" srcId="{1067300A-14BE-4772-BD2F-6768DDD9DD1F}" destId="{338BD713-B272-4931-ACE2-E02BD3037204}" srcOrd="0" destOrd="2" presId="urn:microsoft.com/office/officeart/2005/8/layout/hList1"/>
-    <dgm:cxn modelId="{F0D37037-07BD-4287-882B-F796A953CF87}" srcId="{8A59D89E-70E8-44C2-9363-650FC981E839}" destId="{147F286C-7064-4E83-AB99-F38A2F7E1EA3}" srcOrd="1" destOrd="0" parTransId="{4E804D8B-D849-4DDE-8E23-9FC1BEB9C2ED}" sibTransId="{9EDEA0CE-D93E-4503-A69D-80DD76B0C5F7}"/>
-    <dgm:cxn modelId="{959AC6F6-22D0-4D69-835A-E0C1B78F6083}" type="presOf" srcId="{4CF97F0A-1B9E-421D-8D25-23E911D7D20F}" destId="{8C2FA9EA-B319-4056-BF0D-168C20BC54A4}" srcOrd="0" destOrd="0" presId="urn:microsoft.com/office/officeart/2005/8/layout/hList1"/>
-    <dgm:cxn modelId="{A20971A1-6300-495B-9968-5AD92C0D1DE0}" type="presOf" srcId="{5A79D001-2253-491A-9F85-74B295BE4964}" destId="{656C3BC4-320D-4D2E-B892-8E3F99447003}" srcOrd="0" destOrd="0" presId="urn:microsoft.com/office/officeart/2005/8/layout/hList1"/>
-    <dgm:cxn modelId="{05D44E82-E829-4317-AAFC-6118313B9D7A}" type="presOf" srcId="{C3940DDF-947E-46F1-8F60-545C02239574}" destId="{338BD713-B272-4931-ACE2-E02BD3037204}" srcOrd="0" destOrd="0" presId="urn:microsoft.com/office/officeart/2005/8/layout/hList1"/>
-    <dgm:cxn modelId="{76B8C715-852A-45EB-BF08-D6D6041C6DEE}" type="presOf" srcId="{7DAAC7AD-D067-470B-91A6-8ACCD5E59435}" destId="{3B0A7F5E-F186-4FDD-8626-03EB7E0C45E5}" srcOrd="0" destOrd="0" presId="urn:microsoft.com/office/officeart/2005/8/layout/hList1"/>
+    <dgm:cxn modelId="{FB831842-D6FD-4BF5-8BC9-CF822B5C023E}" srcId="{5A79D001-2253-491A-9F85-74B295BE4964}" destId="{1067300A-14BE-4772-BD2F-6768DDD9DD1F}" srcOrd="2" destOrd="0" parTransId="{72E51087-1753-411C-B3B0-1FBADD45DCCA}" sibTransId="{8C571C33-CB38-4BC6-8821-862465C61283}"/>
+    <dgm:cxn modelId="{97909462-17E5-4815-8565-1325AACD4222}" srcId="{5A79D001-2253-491A-9F85-74B295BE4964}" destId="{3DA3FC0D-6F8C-4F35-8B5E-09432CC581ED}" srcOrd="1" destOrd="0" parTransId="{8B17A7C2-8FED-42D4-A378-0154DA14B598}" sibTransId="{0A7B25D4-4DF5-4193-8B51-8385B23042F2}"/>
     <dgm:cxn modelId="{052EE850-AB83-481F-8B9F-A30C00DA56B1}" srcId="{44125642-61A1-4F1A-8BE3-FC0E088601E1}" destId="{5A79D001-2253-491A-9F85-74B295BE4964}" srcOrd="1" destOrd="0" parTransId="{68C1664A-977F-4068-AD52-BDCB985D30A2}" sibTransId="{6CA439CE-B5F9-4231-A9AB-5AE9EAF31A6F}"/>
     <dgm:cxn modelId="{EABBDC7C-8630-433A-8C5C-CD1651924EA7}" srcId="{5A79D001-2253-491A-9F85-74B295BE4964}" destId="{C3940DDF-947E-46F1-8F60-545C02239574}" srcOrd="0" destOrd="0" parTransId="{01B24EE6-9680-408C-8084-8989D20DE12F}" sibTransId="{2A88680F-FEC8-40D1-A0F2-536252FD82CA}"/>
+    <dgm:cxn modelId="{05D44E82-E829-4317-AAFC-6118313B9D7A}" type="presOf" srcId="{C3940DDF-947E-46F1-8F60-545C02239574}" destId="{338BD713-B272-4931-ACE2-E02BD3037204}" srcOrd="0" destOrd="0" presId="urn:microsoft.com/office/officeart/2005/8/layout/hList1"/>
+    <dgm:cxn modelId="{A20971A1-6300-495B-9968-5AD92C0D1DE0}" type="presOf" srcId="{5A79D001-2253-491A-9F85-74B295BE4964}" destId="{656C3BC4-320D-4D2E-B892-8E3F99447003}" srcOrd="0" destOrd="0" presId="urn:microsoft.com/office/officeart/2005/8/layout/hList1"/>
+    <dgm:cxn modelId="{8B47EAAF-B7F4-4B53-9FBE-928485F03705}" srcId="{8A59D89E-70E8-44C2-9363-650FC981E839}" destId="{6111935F-26B0-4135-AFFF-6CCA25DD3C98}" srcOrd="0" destOrd="0" parTransId="{D991280B-74AA-4187-A31B-E4AABD9124C6}" sibTransId="{EB9BABE3-D01E-4BCB-A3AF-C6942925F5D4}"/>
+    <dgm:cxn modelId="{FBB954B3-D278-401C-BA49-9BACDE761802}" srcId="{44125642-61A1-4F1A-8BE3-FC0E088601E1}" destId="{8A59D89E-70E8-44C2-9363-650FC981E839}" srcOrd="0" destOrd="0" parTransId="{D5441016-627F-4E9D-B772-03909D6636AC}" sibTransId="{94164B14-8C6C-4DFC-9636-A3E57BCFAF26}"/>
     <dgm:cxn modelId="{225446BC-C81C-4C78-89F3-A6FCF1DBE905}" type="presOf" srcId="{3DA3FC0D-6F8C-4F35-8B5E-09432CC581ED}" destId="{338BD713-B272-4931-ACE2-E02BD3037204}" srcOrd="0" destOrd="1" presId="urn:microsoft.com/office/officeart/2005/8/layout/hList1"/>
-    <dgm:cxn modelId="{97909462-17E5-4815-8565-1325AACD4222}" srcId="{5A79D001-2253-491A-9F85-74B295BE4964}" destId="{3DA3FC0D-6F8C-4F35-8B5E-09432CC581ED}" srcOrd="1" destOrd="0" parTransId="{8B17A7C2-8FED-42D4-A378-0154DA14B598}" sibTransId="{0A7B25D4-4DF5-4193-8B51-8385B23042F2}"/>
+    <dgm:cxn modelId="{7D53DAF1-4FC1-4BA3-B591-6B42F7FAB948}" srcId="{4CF97F0A-1B9E-421D-8D25-23E911D7D20F}" destId="{7DAAC7AD-D067-470B-91A6-8ACCD5E59435}" srcOrd="0" destOrd="0" parTransId="{1B9F57D3-18D3-410E-A292-DAAEA5A5D74C}" sibTransId="{424B5A57-588C-41F6-A2C5-CFA9C3E209A4}"/>
+    <dgm:cxn modelId="{959AC6F6-22D0-4D69-835A-E0C1B78F6083}" type="presOf" srcId="{4CF97F0A-1B9E-421D-8D25-23E911D7D20F}" destId="{8C2FA9EA-B319-4056-BF0D-168C20BC54A4}" srcOrd="0" destOrd="0" presId="urn:microsoft.com/office/officeart/2005/8/layout/hList1"/>
     <dgm:cxn modelId="{97DDB9FD-DB43-41B3-8D0E-B196F24D6BAB}" type="presOf" srcId="{8A59D89E-70E8-44C2-9363-650FC981E839}" destId="{D67E3001-AF1B-4F3A-B4A9-B44C0045A932}" srcOrd="0" destOrd="0" presId="urn:microsoft.com/office/officeart/2005/8/layout/hList1"/>
-    <dgm:cxn modelId="{EDD5FD22-A374-4C57-B676-26049CA50CBC}" srcId="{4CF97F0A-1B9E-421D-8D25-23E911D7D20F}" destId="{82C974AD-507F-453B-9ACC-E59E851C0179}" srcOrd="1" destOrd="0" parTransId="{CA73A699-E7D8-4447-99B1-236FA47B3101}" sibTransId="{0DDE0442-AE14-48F9-ACFC-3A83C176F854}"/>
-    <dgm:cxn modelId="{FBB954B3-D278-401C-BA49-9BACDE761802}" srcId="{44125642-61A1-4F1A-8BE3-FC0E088601E1}" destId="{8A59D89E-70E8-44C2-9363-650FC981E839}" srcOrd="0" destOrd="0" parTransId="{D5441016-627F-4E9D-B772-03909D6636AC}" sibTransId="{94164B14-8C6C-4DFC-9636-A3E57BCFAF26}"/>
-    <dgm:cxn modelId="{C5E58510-A274-468A-B8E3-DA806B990AB7}" type="presOf" srcId="{147F286C-7064-4E83-AB99-F38A2F7E1EA3}" destId="{418976B2-EA5B-4EAA-A2C3-DDE99796E37A}" srcOrd="0" destOrd="1" presId="urn:microsoft.com/office/officeart/2005/8/layout/hList1"/>
-    <dgm:cxn modelId="{952BF85B-0EBE-40F2-B45E-9541C9326B1A}" type="presOf" srcId="{82C974AD-507F-453B-9ACC-E59E851C0179}" destId="{3B0A7F5E-F186-4FDD-8626-03EB7E0C45E5}" srcOrd="0" destOrd="1" presId="urn:microsoft.com/office/officeart/2005/8/layout/hList1"/>
-    <dgm:cxn modelId="{FB831842-D6FD-4BF5-8BC9-CF822B5C023E}" srcId="{5A79D001-2253-491A-9F85-74B295BE4964}" destId="{1067300A-14BE-4772-BD2F-6768DDD9DD1F}" srcOrd="2" destOrd="0" parTransId="{72E51087-1753-411C-B3B0-1FBADD45DCCA}" sibTransId="{8C571C33-CB38-4BC6-8821-862465C61283}"/>
-    <dgm:cxn modelId="{7D53DAF1-4FC1-4BA3-B591-6B42F7FAB948}" srcId="{4CF97F0A-1B9E-421D-8D25-23E911D7D20F}" destId="{7DAAC7AD-D067-470B-91A6-8ACCD5E59435}" srcOrd="0" destOrd="0" parTransId="{1B9F57D3-18D3-410E-A292-DAAEA5A5D74C}" sibTransId="{424B5A57-588C-41F6-A2C5-CFA9C3E209A4}"/>
-    <dgm:cxn modelId="{8B47EAAF-B7F4-4B53-9FBE-928485F03705}" srcId="{8A59D89E-70E8-44C2-9363-650FC981E839}" destId="{6111935F-26B0-4135-AFFF-6CCA25DD3C98}" srcOrd="0" destOrd="0" parTransId="{D991280B-74AA-4187-A31B-E4AABD9124C6}" sibTransId="{EB9BABE3-D01E-4BCB-A3AF-C6942925F5D4}"/>
-    <dgm:cxn modelId="{90C71B15-90B1-41C2-BFE4-C9DB31B153D6}" type="presOf" srcId="{6111935F-26B0-4135-AFFF-6CCA25DD3C98}" destId="{418976B2-EA5B-4EAA-A2C3-DDE99796E37A}" srcOrd="0" destOrd="0" presId="urn:microsoft.com/office/officeart/2005/8/layout/hList1"/>
-    <dgm:cxn modelId="{2A6CD51B-720C-45CC-B9D1-0B115E8DA5B5}" type="presOf" srcId="{44125642-61A1-4F1A-8BE3-FC0E088601E1}" destId="{AB69413D-C877-4107-A30E-3D0A3E9079DC}" srcOrd="0" destOrd="0" presId="urn:microsoft.com/office/officeart/2005/8/layout/hList1"/>
     <dgm:cxn modelId="{550C3ADB-9FBA-4030-ABD5-EC723F556208}" type="presParOf" srcId="{AB69413D-C877-4107-A30E-3D0A3E9079DC}" destId="{4A032982-1B42-42E3-8C4B-39EA2112CBF7}" srcOrd="0" destOrd="0" presId="urn:microsoft.com/office/officeart/2005/8/layout/hList1"/>
     <dgm:cxn modelId="{9A7B3063-052B-45E6-8191-796FAA7199F0}" type="presParOf" srcId="{4A032982-1B42-42E3-8C4B-39EA2112CBF7}" destId="{D67E3001-AF1B-4F3A-B4A9-B44C0045A932}" srcOrd="0" destOrd="0" presId="urn:microsoft.com/office/officeart/2005/8/layout/hList1"/>
     <dgm:cxn modelId="{584121F8-8C70-433C-ABF7-B77294663660}" type="presParOf" srcId="{4A032982-1B42-42E3-8C4B-39EA2112CBF7}" destId="{418976B2-EA5B-4EAA-A2C3-DDE99796E37A}" srcOrd="1" destOrd="0" presId="urn:microsoft.com/office/officeart/2005/8/layout/hList1"/>
@@ -7305,10 +7140,9 @@
         <a:p>
           <a:pPr latinLnBrk="1"/>
           <a:r>
-            <a:rPr lang="ko-KR" altLang="en-US" sz="1800" dirty="0" smtClean="0"/>
+            <a:rPr lang="ko-KR" altLang="en-US" sz="1800" dirty="0"/>
             <a:t>우주 여행</a:t>
           </a:r>
-          <a:endParaRPr lang="ko-KR" altLang="en-US" sz="1800" dirty="0"/>
         </a:p>
       </dgm:t>
     </dgm:pt>
@@ -7341,18 +7175,17 @@
         <a:p>
           <a:pPr latinLnBrk="1"/>
           <a:r>
-            <a:rPr lang="ko-KR" altLang="en-US" sz="2000" dirty="0" smtClean="0"/>
+            <a:rPr lang="ko-KR" altLang="en-US" sz="2000" dirty="0"/>
             <a:t>초 광속</a:t>
           </a:r>
           <a:r>
-            <a:rPr lang="en-US" altLang="ko-KR" sz="2000" dirty="0" smtClean="0"/>
+            <a:rPr lang="en-US" altLang="ko-KR" sz="2000" dirty="0"/>
             <a:t> </a:t>
           </a:r>
           <a:r>
-            <a:rPr lang="ko-KR" altLang="en-US" sz="2000" dirty="0" smtClean="0"/>
+            <a:rPr lang="ko-KR" altLang="en-US" sz="2000" dirty="0"/>
             <a:t>기술</a:t>
           </a:r>
-          <a:endParaRPr lang="ko-KR" altLang="en-US" sz="2000" dirty="0"/>
         </a:p>
       </dgm:t>
     </dgm:pt>
@@ -7365,10 +7198,9 @@
         <a:p>
           <a:pPr latinLnBrk="1"/>
           <a:r>
-            <a:rPr lang="ko-KR" altLang="en-US" sz="1400" dirty="0" smtClean="0"/>
+            <a:rPr lang="ko-KR" altLang="en-US" sz="1400" dirty="0"/>
             <a:t>성간 이동이 보편화된 머나먼 미래</a:t>
           </a:r>
-          <a:endParaRPr lang="ko-KR" altLang="en-US" sz="1400" dirty="0"/>
         </a:p>
       </dgm:t>
     </dgm:pt>
@@ -7413,21 +7245,16 @@
         <a:p>
           <a:pPr latinLnBrk="1"/>
           <a:r>
-            <a:rPr lang="ko-KR" altLang="en-US" sz="1800" dirty="0" smtClean="0"/>
+            <a:rPr lang="ko-KR" altLang="en-US" sz="1800" dirty="0"/>
             <a:t>외계</a:t>
           </a:r>
-          <a:r>
-            <a:rPr lang="en-US" altLang="ko-KR" sz="1800" dirty="0" smtClean="0"/>
-            <a:t/>
-          </a:r>
           <a:br>
-            <a:rPr lang="en-US" altLang="ko-KR" sz="1800" dirty="0" smtClean="0"/>
+            <a:rPr lang="en-US" altLang="ko-KR" sz="1800" dirty="0"/>
           </a:br>
           <a:r>
-            <a:rPr lang="ko-KR" altLang="en-US" sz="1800" dirty="0" smtClean="0"/>
+            <a:rPr lang="ko-KR" altLang="en-US" sz="1800" dirty="0"/>
             <a:t>문명</a:t>
           </a:r>
-          <a:endParaRPr lang="ko-KR" altLang="en-US" sz="1800" dirty="0"/>
         </a:p>
       </dgm:t>
     </dgm:pt>
@@ -7460,10 +7287,9 @@
         <a:p>
           <a:pPr latinLnBrk="1"/>
           <a:r>
-            <a:rPr lang="ko-KR" altLang="en-US" sz="2000" dirty="0" smtClean="0"/>
+            <a:rPr lang="ko-KR" altLang="en-US" sz="2000" dirty="0"/>
             <a:t>갈등</a:t>
           </a:r>
-          <a:endParaRPr lang="ko-KR" altLang="en-US" sz="2000" dirty="0"/>
         </a:p>
       </dgm:t>
     </dgm:pt>
@@ -7476,18 +7302,17 @@
         <a:p>
           <a:pPr latinLnBrk="1"/>
           <a:r>
-            <a:rPr lang="ko-KR" altLang="en-US" sz="1200" dirty="0" smtClean="0"/>
+            <a:rPr lang="ko-KR" altLang="en-US" sz="1200" dirty="0"/>
             <a:t>외계인의 존재는 낯설지 않으나 여전히 갈등 존재</a:t>
           </a:r>
-          <a:endParaRPr lang="en-US" altLang="ko-KR" sz="1200" dirty="0" smtClean="0"/>
+          <a:endParaRPr lang="en-US" altLang="ko-KR" sz="1200" dirty="0"/>
         </a:p>
         <a:p>
           <a:pPr latinLnBrk="1"/>
           <a:r>
-            <a:rPr lang="ko-KR" altLang="en-US" sz="1200" dirty="0" smtClean="0"/>
+            <a:rPr lang="ko-KR" altLang="en-US" sz="1200" dirty="0"/>
             <a:t>교류는 금속 화폐나 물물교환이 고작인 실정 </a:t>
           </a:r>
-          <a:endParaRPr lang="ko-KR" altLang="en-US" sz="1200" dirty="0"/>
         </a:p>
       </dgm:t>
     </dgm:pt>
@@ -7532,10 +7357,9 @@
         <a:p>
           <a:pPr latinLnBrk="1"/>
           <a:r>
-            <a:rPr lang="ko-KR" altLang="en-US" sz="1600" dirty="0" smtClean="0"/>
+            <a:rPr lang="ko-KR" altLang="en-US" sz="1600" dirty="0"/>
             <a:t>빈부격차</a:t>
           </a:r>
-          <a:endParaRPr lang="ko-KR" altLang="en-US" sz="1600" dirty="0"/>
         </a:p>
       </dgm:t>
     </dgm:pt>
@@ -7568,10 +7392,9 @@
         <a:p>
           <a:pPr latinLnBrk="1"/>
           <a:r>
-            <a:rPr lang="ko-KR" altLang="en-US" sz="1800" dirty="0" smtClean="0"/>
+            <a:rPr lang="ko-KR" altLang="en-US" sz="1800" dirty="0"/>
             <a:t>화폐 경제 구조</a:t>
           </a:r>
-          <a:endParaRPr lang="ko-KR" altLang="en-US" sz="1800" dirty="0"/>
         </a:p>
       </dgm:t>
     </dgm:pt>
@@ -7584,22 +7407,21 @@
         <a:p>
           <a:pPr latinLnBrk="1"/>
           <a:r>
-            <a:rPr lang="ko-KR" altLang="en-US" sz="1200" dirty="0" smtClean="0"/>
+            <a:rPr lang="ko-KR" altLang="en-US" sz="1200" dirty="0"/>
             <a:t>우주 세대에서도 자본이 힘을 가지는 사회 구조</a:t>
           </a:r>
-          <a:endParaRPr lang="en-US" altLang="ko-KR" sz="1200" dirty="0" smtClean="0"/>
+          <a:endParaRPr lang="en-US" altLang="ko-KR" sz="1200" dirty="0"/>
         </a:p>
         <a:p>
           <a:pPr latinLnBrk="1"/>
-          <a:endParaRPr lang="en-US" altLang="ko-KR" sz="1200" dirty="0" smtClean="0"/>
+          <a:endParaRPr lang="en-US" altLang="ko-KR" sz="1200" dirty="0"/>
         </a:p>
         <a:p>
           <a:pPr latinLnBrk="1"/>
           <a:r>
-            <a:rPr lang="ko-KR" altLang="en-US" sz="1200" dirty="0" smtClean="0"/>
+            <a:rPr lang="ko-KR" altLang="en-US" sz="1200" dirty="0"/>
             <a:t>외계인들도 마찬가지</a:t>
           </a:r>
-          <a:endParaRPr lang="ko-KR" altLang="en-US" sz="1200" dirty="0"/>
         </a:p>
       </dgm:t>
     </dgm:pt>
@@ -7661,14 +7483,6 @@
         </dgm:presLayoutVars>
       </dgm:prSet>
       <dgm:spPr/>
-      <dgm:t>
-        <a:bodyPr/>
-        <a:lstStyle/>
-        <a:p>
-          <a:pPr latinLnBrk="1"/>
-          <a:endParaRPr lang="ko-KR" altLang="en-US"/>
-        </a:p>
-      </dgm:t>
     </dgm:pt>
     <dgm:pt modelId="{EF871CA4-3A51-4DE0-BCBA-1B89699924DE}" type="pres">
       <dgm:prSet presAssocID="{64D774E0-777B-4A68-A8E1-F4650E9C4C85}" presName="BalanceSpacing" presStyleCnt="0"/>
@@ -7681,14 +7495,6 @@
     <dgm:pt modelId="{2CE88014-E7DE-4235-8EE5-200738572BC2}" type="pres">
       <dgm:prSet presAssocID="{12992C21-4830-4D88-BAFE-F7FF0096595B}" presName="Accent1Text" presStyleLbl="node1" presStyleIdx="1" presStyleCnt="6" custLinFactNeighborX="-47165" custLinFactNeighborY="0"/>
       <dgm:spPr/>
-      <dgm:t>
-        <a:bodyPr/>
-        <a:lstStyle/>
-        <a:p>
-          <a:pPr latinLnBrk="1"/>
-          <a:endParaRPr lang="ko-KR" altLang="en-US"/>
-        </a:p>
-      </dgm:t>
     </dgm:pt>
     <dgm:pt modelId="{6EAE538E-00F3-4214-A53C-E2788E3C55AD}" type="pres">
       <dgm:prSet presAssocID="{12992C21-4830-4D88-BAFE-F7FF0096595B}" presName="spaceBetweenRectangles" presStyleCnt="0"/>
@@ -7707,14 +7513,6 @@
         </dgm:presLayoutVars>
       </dgm:prSet>
       <dgm:spPr/>
-      <dgm:t>
-        <a:bodyPr/>
-        <a:lstStyle/>
-        <a:p>
-          <a:pPr latinLnBrk="1"/>
-          <a:endParaRPr lang="ko-KR" altLang="en-US"/>
-        </a:p>
-      </dgm:t>
     </dgm:pt>
     <dgm:pt modelId="{1493FC2C-F08B-419C-B020-8FBE8C41CD9D}" type="pres">
       <dgm:prSet presAssocID="{D81004D0-0B1A-48C5-9BD0-F14B2E15A9E6}" presName="Childtext1" presStyleLbl="revTx" presStyleIdx="1" presStyleCnt="3" custScaleX="100000" custLinFactNeighborX="-48381">
@@ -7725,14 +7523,6 @@
         </dgm:presLayoutVars>
       </dgm:prSet>
       <dgm:spPr/>
-      <dgm:t>
-        <a:bodyPr/>
-        <a:lstStyle/>
-        <a:p>
-          <a:pPr latinLnBrk="1"/>
-          <a:endParaRPr lang="ko-KR" altLang="en-US"/>
-        </a:p>
-      </dgm:t>
     </dgm:pt>
     <dgm:pt modelId="{A72084F9-08AC-4014-A2E7-077DE38B2B3B}" type="pres">
       <dgm:prSet presAssocID="{D81004D0-0B1A-48C5-9BD0-F14B2E15A9E6}" presName="BalanceSpacing" presStyleCnt="0"/>
@@ -7773,14 +7563,6 @@
         </dgm:presLayoutVars>
       </dgm:prSet>
       <dgm:spPr/>
-      <dgm:t>
-        <a:bodyPr/>
-        <a:lstStyle/>
-        <a:p>
-          <a:pPr latinLnBrk="1"/>
-          <a:endParaRPr lang="ko-KR" altLang="en-US"/>
-        </a:p>
-      </dgm:t>
     </dgm:pt>
     <dgm:pt modelId="{CFCA6792-C076-48EB-947C-956862BF0372}" type="pres">
       <dgm:prSet presAssocID="{6828FC89-623A-4F5D-AD5B-C027FE0D6C6E}" presName="BalanceSpacing" presStyleCnt="0"/>
@@ -7796,22 +7578,22 @@
     </dgm:pt>
   </dgm:ptLst>
   <dgm:cxnLst>
+    <dgm:cxn modelId="{861D8413-1E4D-420A-A3FC-57211852A841}" srcId="{D81004D0-0B1A-48C5-9BD0-F14B2E15A9E6}" destId="{DB61830C-4793-4518-B2CA-EFACF61AE164}" srcOrd="0" destOrd="0" parTransId="{B45A6E4F-F08E-490E-92A7-1BD9E4E1425B}" sibTransId="{A3084201-C149-488C-A5E2-48CFED09E326}"/>
+    <dgm:cxn modelId="{D58C2727-8284-4719-9D56-11AC85A27947}" type="presOf" srcId="{64D774E0-777B-4A68-A8E1-F4650E9C4C85}" destId="{B83D30DB-E8C3-494F-9B05-CED847473ECC}" srcOrd="0" destOrd="0" presId="urn:microsoft.com/office/officeart/2008/layout/AlternatingHexagons"/>
+    <dgm:cxn modelId="{AB87F034-AC82-48E9-97E9-D226E705CF31}" type="presOf" srcId="{6828FC89-623A-4F5D-AD5B-C027FE0D6C6E}" destId="{89E40086-0E29-4615-8ACA-40241B490A6D}" srcOrd="0" destOrd="0" presId="urn:microsoft.com/office/officeart/2008/layout/AlternatingHexagons"/>
+    <dgm:cxn modelId="{B61D3D74-40D0-44FC-809B-BA69FFE6442F}" srcId="{C9B24B14-1617-4C1B-87E3-661AF1179E39}" destId="{D81004D0-0B1A-48C5-9BD0-F14B2E15A9E6}" srcOrd="1" destOrd="0" parTransId="{3013372C-40AF-459A-97A6-DC75DE6C70CA}" sibTransId="{0721BAE3-F126-4B21-A59B-CB4CA806257E}"/>
+    <dgm:cxn modelId="{B8635D74-F97B-48EC-A4EC-1F2339484648}" type="presOf" srcId="{31C7CEFF-51EB-4C34-AF7C-135991EED7E4}" destId="{49AF038F-0219-4916-A84E-356B6150027B}" srcOrd="0" destOrd="0" presId="urn:microsoft.com/office/officeart/2008/layout/AlternatingHexagons"/>
+    <dgm:cxn modelId="{146CC975-E611-4977-A3A8-BD3003E03876}" type="presOf" srcId="{0721BAE3-F126-4B21-A59B-CB4CA806257E}" destId="{403AA409-744A-45B8-A4C1-C0557EB6D43B}" srcOrd="0" destOrd="0" presId="urn:microsoft.com/office/officeart/2008/layout/AlternatingHexagons"/>
+    <dgm:cxn modelId="{1606A87F-2E67-48A9-9FF6-010A41ADD004}" type="presOf" srcId="{DB61830C-4793-4518-B2CA-EFACF61AE164}" destId="{1493FC2C-F08B-419C-B020-8FBE8C41CD9D}" srcOrd="0" destOrd="0" presId="urn:microsoft.com/office/officeart/2008/layout/AlternatingHexagons"/>
+    <dgm:cxn modelId="{A9301284-53C2-4D10-AD76-B8364568683A}" type="presOf" srcId="{C9B24B14-1617-4C1B-87E3-661AF1179E39}" destId="{7B523DBC-2EA8-459A-B7A1-A20127EC6D74}" srcOrd="0" destOrd="0" presId="urn:microsoft.com/office/officeart/2008/layout/AlternatingHexagons"/>
     <dgm:cxn modelId="{045CB59D-F8F7-4EC4-8B2D-0CE76B750D6B}" type="presOf" srcId="{D81004D0-0B1A-48C5-9BD0-F14B2E15A9E6}" destId="{12A7679E-EA78-47A1-8D91-BED42E81EF2A}" srcOrd="0" destOrd="0" presId="urn:microsoft.com/office/officeart/2008/layout/AlternatingHexagons"/>
-    <dgm:cxn modelId="{861D8413-1E4D-420A-A3FC-57211852A841}" srcId="{D81004D0-0B1A-48C5-9BD0-F14B2E15A9E6}" destId="{DB61830C-4793-4518-B2CA-EFACF61AE164}" srcOrd="0" destOrd="0" parTransId="{B45A6E4F-F08E-490E-92A7-1BD9E4E1425B}" sibTransId="{A3084201-C149-488C-A5E2-48CFED09E326}"/>
+    <dgm:cxn modelId="{EAD9D7A2-E1B8-45F4-B670-202EA97D0936}" srcId="{64D774E0-777B-4A68-A8E1-F4650E9C4C85}" destId="{31C7CEFF-51EB-4C34-AF7C-135991EED7E4}" srcOrd="0" destOrd="0" parTransId="{54B6A4EB-0CD9-4887-9204-15BE69690FC0}" sibTransId="{1871F873-5239-46FA-BAC7-A4CCB031C20C}"/>
+    <dgm:cxn modelId="{38726FAA-5286-4DBF-B7F7-ED82DD7EC504}" srcId="{C9B24B14-1617-4C1B-87E3-661AF1179E39}" destId="{6828FC89-623A-4F5D-AD5B-C027FE0D6C6E}" srcOrd="2" destOrd="0" parTransId="{764495FB-EF66-487A-958C-988B308E8448}" sibTransId="{CAFBA5A0-ADA4-468E-B05C-9E032082477A}"/>
     <dgm:cxn modelId="{DD127CBA-F43D-48D0-AA36-F407414CFE18}" type="presOf" srcId="{12992C21-4830-4D88-BAFE-F7FF0096595B}" destId="{2CE88014-E7DE-4235-8EE5-200738572BC2}" srcOrd="0" destOrd="0" presId="urn:microsoft.com/office/officeart/2008/layout/AlternatingHexagons"/>
-    <dgm:cxn modelId="{E52441ED-CF4D-4DCB-B8ED-385D4A5FBACF}" srcId="{C9B24B14-1617-4C1B-87E3-661AF1179E39}" destId="{64D774E0-777B-4A68-A8E1-F4650E9C4C85}" srcOrd="0" destOrd="0" parTransId="{15154997-8682-47D0-992B-A7611B1222F3}" sibTransId="{12992C21-4830-4D88-BAFE-F7FF0096595B}"/>
-    <dgm:cxn modelId="{A9301284-53C2-4D10-AD76-B8364568683A}" type="presOf" srcId="{C9B24B14-1617-4C1B-87E3-661AF1179E39}" destId="{7B523DBC-2EA8-459A-B7A1-A20127EC6D74}" srcOrd="0" destOrd="0" presId="urn:microsoft.com/office/officeart/2008/layout/AlternatingHexagons"/>
-    <dgm:cxn modelId="{B8635D74-F97B-48EC-A4EC-1F2339484648}" type="presOf" srcId="{31C7CEFF-51EB-4C34-AF7C-135991EED7E4}" destId="{49AF038F-0219-4916-A84E-356B6150027B}" srcOrd="0" destOrd="0" presId="urn:microsoft.com/office/officeart/2008/layout/AlternatingHexagons"/>
-    <dgm:cxn modelId="{EAD9D7A2-E1B8-45F4-B670-202EA97D0936}" srcId="{64D774E0-777B-4A68-A8E1-F4650E9C4C85}" destId="{31C7CEFF-51EB-4C34-AF7C-135991EED7E4}" srcOrd="0" destOrd="0" parTransId="{54B6A4EB-0CD9-4887-9204-15BE69690FC0}" sibTransId="{1871F873-5239-46FA-BAC7-A4CCB031C20C}"/>
-    <dgm:cxn modelId="{0E25FCE4-3645-4102-BE4B-9A937D60E50C}" type="presOf" srcId="{8A886105-CB1D-4B89-A6F9-52865B4889CB}" destId="{F2B84CF5-4234-4F4C-874D-503041112789}" srcOrd="0" destOrd="0" presId="urn:microsoft.com/office/officeart/2008/layout/AlternatingHexagons"/>
-    <dgm:cxn modelId="{D58C2727-8284-4719-9D56-11AC85A27947}" type="presOf" srcId="{64D774E0-777B-4A68-A8E1-F4650E9C4C85}" destId="{B83D30DB-E8C3-494F-9B05-CED847473ECC}" srcOrd="0" destOrd="0" presId="urn:microsoft.com/office/officeart/2008/layout/AlternatingHexagons"/>
-    <dgm:cxn modelId="{1606A87F-2E67-48A9-9FF6-010A41ADD004}" type="presOf" srcId="{DB61830C-4793-4518-B2CA-EFACF61AE164}" destId="{1493FC2C-F08B-419C-B020-8FBE8C41CD9D}" srcOrd="0" destOrd="0" presId="urn:microsoft.com/office/officeart/2008/layout/AlternatingHexagons"/>
-    <dgm:cxn modelId="{B61D3D74-40D0-44FC-809B-BA69FFE6442F}" srcId="{C9B24B14-1617-4C1B-87E3-661AF1179E39}" destId="{D81004D0-0B1A-48C5-9BD0-F14B2E15A9E6}" srcOrd="1" destOrd="0" parTransId="{3013372C-40AF-459A-97A6-DC75DE6C70CA}" sibTransId="{0721BAE3-F126-4B21-A59B-CB4CA806257E}"/>
-    <dgm:cxn modelId="{146CC975-E611-4977-A3A8-BD3003E03876}" type="presOf" srcId="{0721BAE3-F126-4B21-A59B-CB4CA806257E}" destId="{403AA409-744A-45B8-A4C1-C0557EB6D43B}" srcOrd="0" destOrd="0" presId="urn:microsoft.com/office/officeart/2008/layout/AlternatingHexagons"/>
-    <dgm:cxn modelId="{AB87F034-AC82-48E9-97E9-D226E705CF31}" type="presOf" srcId="{6828FC89-623A-4F5D-AD5B-C027FE0D6C6E}" destId="{89E40086-0E29-4615-8ACA-40241B490A6D}" srcOrd="0" destOrd="0" presId="urn:microsoft.com/office/officeart/2008/layout/AlternatingHexagons"/>
     <dgm:cxn modelId="{EFA8F0CF-699C-4293-BE7E-8EE52B3A78D0}" type="presOf" srcId="{CAFBA5A0-ADA4-468E-B05C-9E032082477A}" destId="{59EB7630-364F-4F97-B06D-F243D34D080A}" srcOrd="0" destOrd="0" presId="urn:microsoft.com/office/officeart/2008/layout/AlternatingHexagons"/>
     <dgm:cxn modelId="{F6099DDF-D038-4996-A353-5156B6403C1E}" srcId="{6828FC89-623A-4F5D-AD5B-C027FE0D6C6E}" destId="{8A886105-CB1D-4B89-A6F9-52865B4889CB}" srcOrd="0" destOrd="0" parTransId="{9AF29C66-F1CE-4DB8-B572-493CC9B53749}" sibTransId="{A002BE79-310A-4118-914B-70691780752C}"/>
-    <dgm:cxn modelId="{38726FAA-5286-4DBF-B7F7-ED82DD7EC504}" srcId="{C9B24B14-1617-4C1B-87E3-661AF1179E39}" destId="{6828FC89-623A-4F5D-AD5B-C027FE0D6C6E}" srcOrd="2" destOrd="0" parTransId="{764495FB-EF66-487A-958C-988B308E8448}" sibTransId="{CAFBA5A0-ADA4-468E-B05C-9E032082477A}"/>
+    <dgm:cxn modelId="{0E25FCE4-3645-4102-BE4B-9A937D60E50C}" type="presOf" srcId="{8A886105-CB1D-4B89-A6F9-52865B4889CB}" destId="{F2B84CF5-4234-4F4C-874D-503041112789}" srcOrd="0" destOrd="0" presId="urn:microsoft.com/office/officeart/2008/layout/AlternatingHexagons"/>
+    <dgm:cxn modelId="{E52441ED-CF4D-4DCB-B8ED-385D4A5FBACF}" srcId="{C9B24B14-1617-4C1B-87E3-661AF1179E39}" destId="{64D774E0-777B-4A68-A8E1-F4650E9C4C85}" srcOrd="0" destOrd="0" parTransId="{15154997-8682-47D0-992B-A7611B1222F3}" sibTransId="{12992C21-4830-4D88-BAFE-F7FF0096595B}"/>
     <dgm:cxn modelId="{60A6107D-9770-48D7-A934-D2F9594EC213}" type="presParOf" srcId="{7B523DBC-2EA8-459A-B7A1-A20127EC6D74}" destId="{8516C335-D521-4B89-870B-366A5BD42F71}" srcOrd="0" destOrd="0" presId="urn:microsoft.com/office/officeart/2008/layout/AlternatingHexagons"/>
     <dgm:cxn modelId="{B5F57C49-2C31-4E8D-A36C-F56CAFB8328A}" type="presParOf" srcId="{8516C335-D521-4B89-870B-366A5BD42F71}" destId="{B83D30DB-E8C3-494F-9B05-CED847473ECC}" srcOrd="0" destOrd="0" presId="urn:microsoft.com/office/officeart/2008/layout/AlternatingHexagons"/>
     <dgm:cxn modelId="{4FEF9576-5D17-4A7E-AF28-78430F348FF7}" type="presParOf" srcId="{8516C335-D521-4B89-870B-366A5BD42F71}" destId="{49AF038F-0219-4916-A84E-356B6150027B}" srcOrd="1" destOrd="0" presId="urn:microsoft.com/office/officeart/2008/layout/AlternatingHexagons"/>
@@ -7867,10 +7649,9 @@
         <a:p>
           <a:pPr algn="ctr" latinLnBrk="1"/>
           <a:r>
-            <a:rPr lang="ko-KR" altLang="en-US" dirty="0" smtClean="0"/>
+            <a:rPr lang="ko-KR" altLang="en-US" dirty="0"/>
             <a:t>게임</a:t>
           </a:r>
-          <a:endParaRPr lang="ko-KR" altLang="en-US" dirty="0"/>
         </a:p>
       </dgm:t>
     </dgm:pt>
@@ -7907,144 +7688,144 @@
         <a:p>
           <a:pPr latinLnBrk="1"/>
           <a:r>
-            <a:rPr lang="en-US" altLang="ko-KR" sz="1400" dirty="0" smtClean="0"/>
+            <a:rPr lang="en-US" altLang="ko-KR" sz="1400" dirty="0"/>
             <a:t>1. </a:t>
           </a:r>
           <a:r>
-            <a:rPr lang="ko-KR" altLang="en-US" sz="1400" dirty="0" smtClean="0"/>
+            <a:rPr lang="ko-KR" altLang="en-US" sz="1400" dirty="0"/>
             <a:t>게임을 진행하는 구성 요소는 크게 보유 금액 </a:t>
           </a:r>
           <a:r>
-            <a:rPr lang="en-US" altLang="ko-KR" sz="1400" dirty="0" smtClean="0"/>
+            <a:rPr lang="en-US" altLang="ko-KR" sz="1400" dirty="0"/>
             <a:t>/ </a:t>
           </a:r>
           <a:r>
-            <a:rPr lang="ko-KR" altLang="en-US" sz="1400" dirty="0" smtClean="0"/>
+            <a:rPr lang="ko-KR" altLang="en-US" sz="1400" dirty="0"/>
             <a:t>자원</a:t>
           </a:r>
           <a:r>
-            <a:rPr lang="en-US" altLang="ko-KR" sz="1400" dirty="0" smtClean="0"/>
+            <a:rPr lang="en-US" altLang="ko-KR" sz="1400" dirty="0"/>
             <a:t>,</a:t>
           </a:r>
           <a:r>
-            <a:rPr lang="ko-KR" altLang="en-US" sz="1400" dirty="0" smtClean="0"/>
+            <a:rPr lang="ko-KR" altLang="en-US" sz="1400" dirty="0"/>
             <a:t> 승무원</a:t>
           </a:r>
           <a:r>
-            <a:rPr lang="en-US" altLang="ko-KR" sz="1400" dirty="0" smtClean="0"/>
+            <a:rPr lang="en-US" altLang="ko-KR" sz="1400" dirty="0"/>
             <a:t>, </a:t>
           </a:r>
           <a:r>
-            <a:rPr lang="ko-KR" altLang="en-US" sz="1400" dirty="0" smtClean="0"/>
+            <a:rPr lang="ko-KR" altLang="en-US" sz="1400" dirty="0"/>
             <a:t>함선이 있다</a:t>
           </a:r>
           <a:r>
-            <a:rPr lang="en-US" altLang="ko-KR" sz="1400" dirty="0" smtClean="0"/>
+            <a:rPr lang="en-US" altLang="ko-KR" sz="1400" dirty="0"/>
             <a:t>.</a:t>
           </a:r>
         </a:p>
         <a:p>
           <a:pPr latinLnBrk="1"/>
-          <a:endParaRPr lang="en-US" altLang="ko-KR" sz="1400" dirty="0" smtClean="0"/>
+          <a:endParaRPr lang="en-US" altLang="ko-KR" sz="1400" dirty="0"/>
         </a:p>
         <a:p>
           <a:pPr latinLnBrk="1"/>
           <a:r>
-            <a:rPr lang="en-US" altLang="ko-KR" sz="1400" dirty="0" smtClean="0"/>
+            <a:rPr lang="en-US" altLang="ko-KR" sz="1400" dirty="0"/>
             <a:t>2. </a:t>
           </a:r>
           <a:r>
-            <a:rPr lang="ko-KR" altLang="en-US" sz="1400" dirty="0" smtClean="0"/>
+            <a:rPr lang="ko-KR" altLang="en-US" sz="1400" dirty="0"/>
             <a:t>우주선의 요소에는 내구도</a:t>
           </a:r>
           <a:r>
-            <a:rPr lang="en-US" altLang="ko-KR" sz="1400" dirty="0" smtClean="0"/>
+            <a:rPr lang="en-US" altLang="ko-KR" sz="1400" dirty="0"/>
             <a:t>,  </a:t>
           </a:r>
           <a:r>
-            <a:rPr lang="ko-KR" altLang="en-US" sz="1400" dirty="0" smtClean="0"/>
+            <a:rPr lang="ko-KR" altLang="en-US" sz="1400" dirty="0"/>
             <a:t>보호막</a:t>
           </a:r>
           <a:r>
-            <a:rPr lang="en-US" altLang="ko-KR" sz="1400" dirty="0" smtClean="0"/>
+            <a:rPr lang="en-US" altLang="ko-KR" sz="1400" dirty="0"/>
             <a:t>, </a:t>
           </a:r>
           <a:r>
-            <a:rPr lang="ko-KR" altLang="en-US" sz="1400" dirty="0" smtClean="0"/>
+            <a:rPr lang="ko-KR" altLang="en-US" sz="1400" dirty="0"/>
             <a:t>승무원</a:t>
           </a:r>
           <a:r>
-            <a:rPr lang="en-US" altLang="ko-KR" sz="1400" dirty="0" smtClean="0"/>
+            <a:rPr lang="en-US" altLang="ko-KR" sz="1400" dirty="0"/>
             <a:t>, </a:t>
           </a:r>
           <a:r>
-            <a:rPr lang="ko-KR" altLang="en-US" sz="1400" dirty="0" smtClean="0"/>
+            <a:rPr lang="ko-KR" altLang="en-US" sz="1400" dirty="0"/>
             <a:t>방이 있다</a:t>
           </a:r>
           <a:r>
-            <a:rPr lang="en-US" altLang="ko-KR" sz="1400" dirty="0" smtClean="0"/>
+            <a:rPr lang="en-US" altLang="ko-KR" sz="1400" dirty="0"/>
             <a:t>.</a:t>
           </a:r>
         </a:p>
         <a:p>
           <a:pPr latinLnBrk="1"/>
-          <a:endParaRPr lang="en-US" altLang="ko-KR" sz="1400" dirty="0" smtClean="0"/>
+          <a:endParaRPr lang="en-US" altLang="ko-KR" sz="1400" dirty="0"/>
         </a:p>
         <a:p>
           <a:pPr latinLnBrk="1"/>
           <a:r>
-            <a:rPr lang="en-US" altLang="ko-KR" sz="1400" dirty="0" smtClean="0"/>
+            <a:rPr lang="en-US" altLang="ko-KR" sz="1400" dirty="0"/>
             <a:t>3. </a:t>
           </a:r>
           <a:r>
-            <a:rPr lang="ko-KR" altLang="en-US" sz="1400" dirty="0" smtClean="0"/>
+            <a:rPr lang="ko-KR" altLang="en-US" sz="1400" dirty="0"/>
             <a:t>승무원은 기술 숙련도</a:t>
           </a:r>
           <a:r>
-            <a:rPr lang="en-US" altLang="ko-KR" sz="1400" dirty="0" smtClean="0"/>
+            <a:rPr lang="en-US" altLang="ko-KR" sz="1400" dirty="0"/>
             <a:t>, </a:t>
           </a:r>
           <a:r>
-            <a:rPr lang="ko-KR" altLang="en-US" sz="1400" dirty="0" smtClean="0"/>
+            <a:rPr lang="ko-KR" altLang="en-US" sz="1400" dirty="0"/>
             <a:t>체력이 존재하며 방 안에 개별적인 캐릭터로 존재한다</a:t>
           </a:r>
           <a:r>
-            <a:rPr lang="en-US" altLang="ko-KR" sz="1400" dirty="0" smtClean="0"/>
+            <a:rPr lang="en-US" altLang="ko-KR" sz="1400" dirty="0"/>
             <a:t>.</a:t>
           </a:r>
         </a:p>
         <a:p>
           <a:pPr latinLnBrk="1"/>
-          <a:endParaRPr lang="en-US" altLang="ko-KR" sz="1400" dirty="0" smtClean="0"/>
+          <a:endParaRPr lang="en-US" altLang="ko-KR" sz="1400" dirty="0"/>
         </a:p>
         <a:p>
           <a:pPr latinLnBrk="1"/>
           <a:r>
-            <a:rPr lang="en-US" altLang="ko-KR" sz="1400" dirty="0" smtClean="0"/>
+            <a:rPr lang="en-US" altLang="ko-KR" sz="1400" dirty="0"/>
             <a:t>4. </a:t>
           </a:r>
           <a:r>
-            <a:rPr lang="ko-KR" altLang="en-US" sz="1400" dirty="0" smtClean="0"/>
+            <a:rPr lang="ko-KR" altLang="en-US" sz="1400" dirty="0"/>
             <a:t>자원의 종류에는 연료</a:t>
           </a:r>
           <a:r>
-            <a:rPr lang="en-US" altLang="ko-KR" sz="1400" dirty="0" smtClean="0"/>
+            <a:rPr lang="en-US" altLang="ko-KR" sz="1400" dirty="0"/>
             <a:t>, </a:t>
           </a:r>
           <a:r>
-            <a:rPr lang="ko-KR" altLang="en-US" sz="1400" dirty="0" smtClean="0"/>
+            <a:rPr lang="ko-KR" altLang="en-US" sz="1400" dirty="0"/>
             <a:t>금속과</a:t>
           </a:r>
           <a:r>
-            <a:rPr lang="en-US" altLang="ko-KR" sz="1400" dirty="0" smtClean="0"/>
+            <a:rPr lang="en-US" altLang="ko-KR" sz="1400" dirty="0"/>
             <a:t> </a:t>
           </a:r>
           <a:r>
-            <a:rPr lang="ko-KR" altLang="en-US" sz="1400" dirty="0" smtClean="0"/>
+            <a:rPr lang="ko-KR" altLang="en-US" sz="1400" dirty="0"/>
             <a:t>식량이 있다</a:t>
           </a:r>
           <a:r>
-            <a:rPr lang="en-US" altLang="ko-KR" sz="1400" dirty="0" smtClean="0"/>
+            <a:rPr lang="en-US" altLang="ko-KR" sz="1400" dirty="0"/>
             <a:t>.</a:t>
           </a:r>
         </a:p>
@@ -8110,14 +7891,6 @@
         </dgm:presLayoutVars>
       </dgm:prSet>
       <dgm:spPr/>
-      <dgm:t>
-        <a:bodyPr/>
-        <a:lstStyle/>
-        <a:p>
-          <a:pPr latinLnBrk="1"/>
-          <a:endParaRPr lang="ko-KR" altLang="en-US"/>
-        </a:p>
-      </dgm:t>
     </dgm:pt>
     <dgm:pt modelId="{D2B3DE7A-AD09-4756-A32C-6F39B74B18F8}" type="pres">
       <dgm:prSet presAssocID="{D079A32A-C5AC-411A-B1CF-797B8ABDB28A}" presName="ChildText" presStyleLbl="revTx" presStyleIdx="1" presStyleCnt="2" custLinFactNeighborX="2567">
@@ -8127,14 +7900,6 @@
         </dgm:presLayoutVars>
       </dgm:prSet>
       <dgm:spPr/>
-      <dgm:t>
-        <a:bodyPr/>
-        <a:lstStyle/>
-        <a:p>
-          <a:pPr latinLnBrk="1"/>
-          <a:endParaRPr lang="ko-KR" altLang="en-US"/>
-        </a:p>
-      </dgm:t>
     </dgm:pt>
     <dgm:pt modelId="{28C881D6-B04D-4E83-AAB4-748C31E5B2BB}" type="pres">
       <dgm:prSet presAssocID="{D079A32A-C5AC-411A-B1CF-797B8ABDB28A}" presName="ChildAccentShape" presStyleLbl="trBgShp" presStyleIdx="1" presStyleCnt="2"/>
@@ -8154,11 +7919,11 @@
     </dgm:pt>
   </dgm:ptLst>
   <dgm:cxnLst>
+    <dgm:cxn modelId="{A18F2E3B-6F1F-4B3C-B699-AF911F6AFCF1}" srcId="{DB3D2BA8-661B-42E2-9736-953F7855FC09}" destId="{D079A32A-C5AC-411A-B1CF-797B8ABDB28A}" srcOrd="0" destOrd="0" parTransId="{B234AB72-F73D-4518-BBE8-AA7539B0AE55}" sibTransId="{3D09CE9A-147E-4C59-BC5F-1317D4F11425}"/>
+    <dgm:cxn modelId="{FC6C7353-A2FD-45AC-9847-008DC697E59C}" type="presOf" srcId="{1844C820-FCA8-46A9-9D86-C459236C484B}" destId="{D2B3DE7A-AD09-4756-A32C-6F39B74B18F8}" srcOrd="0" destOrd="0" presId="urn:microsoft.com/office/officeart/2009/3/layout/SnapshotPictureList"/>
+    <dgm:cxn modelId="{389F3588-9CD6-4850-99EC-7DE1EC9E9DC8}" type="presOf" srcId="{D079A32A-C5AC-411A-B1CF-797B8ABDB28A}" destId="{400C2444-A816-4FBC-BA9E-1C68BED4FDD3}" srcOrd="0" destOrd="0" presId="urn:microsoft.com/office/officeart/2009/3/layout/SnapshotPictureList"/>
+    <dgm:cxn modelId="{C817CAD2-2ECF-41F5-8CB8-B3776C3B55EF}" type="presOf" srcId="{DB3D2BA8-661B-42E2-9736-953F7855FC09}" destId="{809B1BC5-3BFC-414B-BD9E-29D23EE340EE}" srcOrd="0" destOrd="0" presId="urn:microsoft.com/office/officeart/2009/3/layout/SnapshotPictureList"/>
     <dgm:cxn modelId="{7CE814D6-FA4F-40DE-9330-6E5432ECDE40}" srcId="{D079A32A-C5AC-411A-B1CF-797B8ABDB28A}" destId="{1844C820-FCA8-46A9-9D86-C459236C484B}" srcOrd="0" destOrd="0" parTransId="{13476B61-8025-4ECE-B9D4-8E9F3A6275A8}" sibTransId="{AE966324-8408-4390-AA97-E825E6226870}"/>
-    <dgm:cxn modelId="{389F3588-9CD6-4850-99EC-7DE1EC9E9DC8}" type="presOf" srcId="{D079A32A-C5AC-411A-B1CF-797B8ABDB28A}" destId="{400C2444-A816-4FBC-BA9E-1C68BED4FDD3}" srcOrd="0" destOrd="0" presId="urn:microsoft.com/office/officeart/2009/3/layout/SnapshotPictureList"/>
-    <dgm:cxn modelId="{FC6C7353-A2FD-45AC-9847-008DC697E59C}" type="presOf" srcId="{1844C820-FCA8-46A9-9D86-C459236C484B}" destId="{D2B3DE7A-AD09-4756-A32C-6F39B74B18F8}" srcOrd="0" destOrd="0" presId="urn:microsoft.com/office/officeart/2009/3/layout/SnapshotPictureList"/>
-    <dgm:cxn modelId="{A18F2E3B-6F1F-4B3C-B699-AF911F6AFCF1}" srcId="{DB3D2BA8-661B-42E2-9736-953F7855FC09}" destId="{D079A32A-C5AC-411A-B1CF-797B8ABDB28A}" srcOrd="0" destOrd="0" parTransId="{B234AB72-F73D-4518-BBE8-AA7539B0AE55}" sibTransId="{3D09CE9A-147E-4C59-BC5F-1317D4F11425}"/>
-    <dgm:cxn modelId="{C817CAD2-2ECF-41F5-8CB8-B3776C3B55EF}" type="presOf" srcId="{DB3D2BA8-661B-42E2-9736-953F7855FC09}" destId="{809B1BC5-3BFC-414B-BD9E-29D23EE340EE}" srcOrd="0" destOrd="0" presId="urn:microsoft.com/office/officeart/2009/3/layout/SnapshotPictureList"/>
     <dgm:cxn modelId="{8C0E24B4-8602-4DE1-9A8E-BBA68090E11F}" type="presParOf" srcId="{809B1BC5-3BFC-414B-BD9E-29D23EE340EE}" destId="{255662AA-A1C8-4E59-8D31-F18183AD3C54}" srcOrd="0" destOrd="0" presId="urn:microsoft.com/office/officeart/2009/3/layout/SnapshotPictureList"/>
     <dgm:cxn modelId="{993BE200-4AC9-43AB-853D-88C52EAFA4F7}" type="presParOf" srcId="{255662AA-A1C8-4E59-8D31-F18183AD3C54}" destId="{EEDB0F7A-11D1-4497-B413-6653895F7483}" srcOrd="0" destOrd="0" presId="urn:microsoft.com/office/officeart/2009/3/layout/SnapshotPictureList"/>
     <dgm:cxn modelId="{45E350A7-99A6-455E-9EB4-1CE3F2A05AF1}" type="presParOf" srcId="{255662AA-A1C8-4E59-8D31-F18183AD3C54}" destId="{400C2444-A816-4FBC-BA9E-1C68BED4FDD3}" srcOrd="1" destOrd="0" presId="urn:microsoft.com/office/officeart/2009/3/layout/SnapshotPictureList"/>
@@ -8200,10 +7965,9 @@
         <a:p>
           <a:pPr algn="ctr" latinLnBrk="1"/>
           <a:r>
-            <a:rPr lang="ko-KR" altLang="en-US" dirty="0" smtClean="0"/>
+            <a:rPr lang="ko-KR" altLang="en-US" dirty="0"/>
             <a:t>우주선</a:t>
           </a:r>
-          <a:endParaRPr lang="ko-KR" altLang="en-US" dirty="0"/>
         </a:p>
       </dgm:t>
     </dgm:pt>
@@ -8240,88 +8004,88 @@
         <a:p>
           <a:pPr latinLnBrk="1"/>
           <a:r>
-            <a:rPr lang="en-US" altLang="ko-KR" sz="1400" dirty="0" smtClean="0"/>
+            <a:rPr lang="en-US" altLang="ko-KR" sz="1400" dirty="0"/>
             <a:t>1. </a:t>
           </a:r>
           <a:r>
-            <a:rPr lang="ko-KR" altLang="en-US" sz="1400" dirty="0" smtClean="0"/>
+            <a:rPr lang="ko-KR" altLang="en-US" sz="1400" dirty="0"/>
             <a:t>함선은 방으로 나뉘어있다</a:t>
           </a:r>
           <a:r>
-            <a:rPr lang="en-US" altLang="ko-KR" sz="1400" dirty="0" smtClean="0"/>
+            <a:rPr lang="en-US" altLang="ko-KR" sz="1400" dirty="0"/>
             <a:t>.</a:t>
           </a:r>
         </a:p>
         <a:p>
           <a:pPr latinLnBrk="1"/>
-          <a:endParaRPr lang="en-US" altLang="ko-KR" sz="1400" dirty="0" smtClean="0"/>
+          <a:endParaRPr lang="en-US" altLang="ko-KR" sz="1400" dirty="0"/>
         </a:p>
         <a:p>
           <a:pPr latinLnBrk="1"/>
           <a:r>
-            <a:rPr lang="en-US" altLang="ko-KR" sz="1400" dirty="0" smtClean="0"/>
+            <a:rPr lang="en-US" altLang="ko-KR" sz="1400" dirty="0"/>
             <a:t>2. </a:t>
           </a:r>
           <a:r>
-            <a:rPr lang="ko-KR" altLang="en-US" sz="1400" dirty="0" smtClean="0"/>
+            <a:rPr lang="ko-KR" altLang="en-US" sz="1400" dirty="0"/>
             <a:t>각 방에는 시설이 설치되어 있어 함선의 기능을 담당한다</a:t>
           </a:r>
           <a:r>
-            <a:rPr lang="en-US" altLang="ko-KR" sz="1400" dirty="0" smtClean="0"/>
+            <a:rPr lang="en-US" altLang="ko-KR" sz="1400" dirty="0"/>
             <a:t>.</a:t>
           </a:r>
         </a:p>
         <a:p>
           <a:pPr latinLnBrk="1"/>
-          <a:endParaRPr lang="en-US" altLang="ko-KR" sz="1400" dirty="0" smtClean="0"/>
+          <a:endParaRPr lang="en-US" altLang="ko-KR" sz="1400" dirty="0"/>
         </a:p>
         <a:p>
           <a:pPr latinLnBrk="1"/>
           <a:r>
-            <a:rPr lang="en-US" altLang="ko-KR" sz="1400" dirty="0" smtClean="0"/>
+            <a:rPr lang="en-US" altLang="ko-KR" sz="1400" dirty="0"/>
             <a:t>3. </a:t>
           </a:r>
           <a:r>
-            <a:rPr lang="ko-KR" altLang="en-US" sz="1400" dirty="0" smtClean="0"/>
+            <a:rPr lang="ko-KR" altLang="en-US" sz="1400" dirty="0"/>
             <a:t>이 시설들은 비용과 시간을 들여서 강화가 가능하다</a:t>
           </a:r>
           <a:r>
-            <a:rPr lang="en-US" altLang="ko-KR" sz="1400" dirty="0" smtClean="0"/>
+            <a:rPr lang="en-US" altLang="ko-KR" sz="1400" dirty="0"/>
             <a:t>.</a:t>
           </a:r>
         </a:p>
         <a:p>
           <a:pPr latinLnBrk="1"/>
-          <a:endParaRPr lang="en-US" altLang="ko-KR" sz="1400" dirty="0" smtClean="0"/>
+          <a:endParaRPr lang="en-US" altLang="ko-KR" sz="1400" dirty="0"/>
         </a:p>
         <a:p>
           <a:pPr latinLnBrk="1"/>
           <a:r>
-            <a:rPr lang="en-US" altLang="ko-KR" sz="1400" dirty="0" smtClean="0"/>
+            <a:rPr lang="en-US" altLang="ko-KR" sz="1400" dirty="0"/>
             <a:t>4. </a:t>
           </a:r>
           <a:r>
-            <a:rPr lang="ko-KR" altLang="en-US" sz="1400" dirty="0" smtClean="0"/>
+            <a:rPr lang="ko-KR" altLang="en-US" sz="1400" dirty="0"/>
             <a:t>특정 시설의 유무</a:t>
           </a:r>
           <a:r>
-            <a:rPr lang="en-US" altLang="ko-KR" sz="1400" dirty="0" smtClean="0"/>
+            <a:rPr lang="en-US" altLang="ko-KR" sz="1400" dirty="0"/>
             <a:t>, </a:t>
           </a:r>
           <a:r>
-            <a:rPr lang="ko-KR" altLang="en-US" sz="1400" dirty="0" smtClean="0"/>
+            <a:rPr lang="ko-KR" altLang="en-US" sz="1400" dirty="0"/>
             <a:t>강화 여부에 따라 등장하는 이벤트가 달라질 수 있다</a:t>
           </a:r>
           <a:r>
-            <a:rPr lang="en-US" altLang="ko-KR" sz="1400" dirty="0" smtClean="0"/>
+            <a:rPr lang="en-US" altLang="ko-KR" sz="1400" dirty="0"/>
             <a:t>. </a:t>
           </a:r>
           <a:r>
-            <a:rPr lang="ko-KR" altLang="en-US" sz="1400" dirty="0" smtClean="0"/>
+            <a:rPr lang="ko-KR" altLang="en-US" sz="1400" dirty="0"/>
             <a:t>혹은 추가적인 선택지가 주어질 수 있다</a:t>
           </a:r>
           <a:r>
-            <a:rPr lang="en-US" altLang="ko-KR" sz="1400" dirty="0" smtClean="0"/>
+            <a:rPr lang="en-US" altLang="ko-KR" sz="1400" dirty="0"/>
             <a:t>.</a:t>
           </a:r>
         </a:p>
@@ -8387,14 +8151,6 @@
         </dgm:presLayoutVars>
       </dgm:prSet>
       <dgm:spPr/>
-      <dgm:t>
-        <a:bodyPr/>
-        <a:lstStyle/>
-        <a:p>
-          <a:pPr latinLnBrk="1"/>
-          <a:endParaRPr lang="ko-KR" altLang="en-US"/>
-        </a:p>
-      </dgm:t>
     </dgm:pt>
     <dgm:pt modelId="{D2B3DE7A-AD09-4756-A32C-6F39B74B18F8}" type="pres">
       <dgm:prSet presAssocID="{D079A32A-C5AC-411A-B1CF-797B8ABDB28A}" presName="ChildText" presStyleLbl="revTx" presStyleIdx="1" presStyleCnt="2" custLinFactNeighborX="2567">
@@ -8404,14 +8160,6 @@
         </dgm:presLayoutVars>
       </dgm:prSet>
       <dgm:spPr/>
-      <dgm:t>
-        <a:bodyPr/>
-        <a:lstStyle/>
-        <a:p>
-          <a:pPr latinLnBrk="1"/>
-          <a:endParaRPr lang="ko-KR" altLang="en-US"/>
-        </a:p>
-      </dgm:t>
     </dgm:pt>
     <dgm:pt modelId="{28C881D6-B04D-4E83-AAB4-748C31E5B2BB}" type="pres">
       <dgm:prSet presAssocID="{D079A32A-C5AC-411A-B1CF-797B8ABDB28A}" presName="ChildAccentShape" presStyleLbl="trBgShp" presStyleIdx="1" presStyleCnt="2"/>
@@ -8431,10 +8179,10 @@
     </dgm:pt>
   </dgm:ptLst>
   <dgm:cxnLst>
+    <dgm:cxn modelId="{A18F2E3B-6F1F-4B3C-B699-AF911F6AFCF1}" srcId="{DB3D2BA8-661B-42E2-9736-953F7855FC09}" destId="{D079A32A-C5AC-411A-B1CF-797B8ABDB28A}" srcOrd="0" destOrd="0" parTransId="{B234AB72-F73D-4518-BBE8-AA7539B0AE55}" sibTransId="{3D09CE9A-147E-4C59-BC5F-1317D4F11425}"/>
+    <dgm:cxn modelId="{FE1175C6-24AA-4816-A0A0-BED21949482B}" type="presOf" srcId="{DB3D2BA8-661B-42E2-9736-953F7855FC09}" destId="{809B1BC5-3BFC-414B-BD9E-29D23EE340EE}" srcOrd="0" destOrd="0" presId="urn:microsoft.com/office/officeart/2009/3/layout/SnapshotPictureList"/>
     <dgm:cxn modelId="{7CE814D6-FA4F-40DE-9330-6E5432ECDE40}" srcId="{D079A32A-C5AC-411A-B1CF-797B8ABDB28A}" destId="{1844C820-FCA8-46A9-9D86-C459236C484B}" srcOrd="0" destOrd="0" parTransId="{13476B61-8025-4ECE-B9D4-8E9F3A6275A8}" sibTransId="{AE966324-8408-4390-AA97-E825E6226870}"/>
     <dgm:cxn modelId="{4C8096D9-5F79-4A51-B887-10C6FFDE356F}" type="presOf" srcId="{1844C820-FCA8-46A9-9D86-C459236C484B}" destId="{D2B3DE7A-AD09-4756-A32C-6F39B74B18F8}" srcOrd="0" destOrd="0" presId="urn:microsoft.com/office/officeart/2009/3/layout/SnapshotPictureList"/>
-    <dgm:cxn modelId="{FE1175C6-24AA-4816-A0A0-BED21949482B}" type="presOf" srcId="{DB3D2BA8-661B-42E2-9736-953F7855FC09}" destId="{809B1BC5-3BFC-414B-BD9E-29D23EE340EE}" srcOrd="0" destOrd="0" presId="urn:microsoft.com/office/officeart/2009/3/layout/SnapshotPictureList"/>
-    <dgm:cxn modelId="{A18F2E3B-6F1F-4B3C-B699-AF911F6AFCF1}" srcId="{DB3D2BA8-661B-42E2-9736-953F7855FC09}" destId="{D079A32A-C5AC-411A-B1CF-797B8ABDB28A}" srcOrd="0" destOrd="0" parTransId="{B234AB72-F73D-4518-BBE8-AA7539B0AE55}" sibTransId="{3D09CE9A-147E-4C59-BC5F-1317D4F11425}"/>
     <dgm:cxn modelId="{8B4765FC-EA95-4A58-8E72-1D0DD3898EF7}" type="presOf" srcId="{D079A32A-C5AC-411A-B1CF-797B8ABDB28A}" destId="{400C2444-A816-4FBC-BA9E-1C68BED4FDD3}" srcOrd="0" destOrd="0" presId="urn:microsoft.com/office/officeart/2009/3/layout/SnapshotPictureList"/>
     <dgm:cxn modelId="{CF8A63C8-2AA2-4A9E-B6F0-31340E0EDCA7}" type="presParOf" srcId="{809B1BC5-3BFC-414B-BD9E-29D23EE340EE}" destId="{255662AA-A1C8-4E59-8D31-F18183AD3C54}" srcOrd="0" destOrd="0" presId="urn:microsoft.com/office/officeart/2009/3/layout/SnapshotPictureList"/>
     <dgm:cxn modelId="{BF1C24D6-AE14-4B51-92BF-39617177EFF0}" type="presParOf" srcId="{255662AA-A1C8-4E59-8D31-F18183AD3C54}" destId="{EEDB0F7A-11D1-4497-B413-6653895F7483}" srcOrd="0" destOrd="0" presId="urn:microsoft.com/office/officeart/2009/3/layout/SnapshotPictureList"/>
@@ -8477,18 +8225,17 @@
         <a:p>
           <a:pPr algn="ctr" latinLnBrk="1"/>
           <a:r>
-            <a:rPr lang="ko-KR" altLang="en-US" dirty="0" smtClean="0"/>
+            <a:rPr lang="ko-KR" altLang="en-US" dirty="0"/>
             <a:t>우주</a:t>
           </a:r>
           <a:r>
-            <a:rPr lang="en-US" altLang="ko-KR" dirty="0" smtClean="0"/>
+            <a:rPr lang="en-US" altLang="ko-KR" dirty="0"/>
             <a:t>, </a:t>
           </a:r>
           <a:r>
-            <a:rPr lang="ko-KR" altLang="en-US" dirty="0" smtClean="0"/>
+            <a:rPr lang="ko-KR" altLang="en-US" dirty="0"/>
             <a:t>항해</a:t>
           </a:r>
-          <a:endParaRPr lang="ko-KR" altLang="en-US" dirty="0"/>
         </a:p>
       </dgm:t>
     </dgm:pt>
@@ -8525,112 +8272,112 @@
         <a:p>
           <a:pPr latinLnBrk="1"/>
           <a:r>
-            <a:rPr lang="en-US" altLang="ko-KR" sz="1400" dirty="0" smtClean="0"/>
+            <a:rPr lang="en-US" altLang="ko-KR" sz="1400" dirty="0"/>
             <a:t>1. </a:t>
           </a:r>
           <a:r>
-            <a:rPr lang="ko-KR" altLang="en-US" sz="1400" dirty="0" smtClean="0"/>
+            <a:rPr lang="ko-KR" altLang="en-US" sz="1400" dirty="0"/>
             <a:t>하나의 맵은 점과 선의 그래프 형태로 표현된다</a:t>
           </a:r>
           <a:r>
-            <a:rPr lang="en-US" altLang="ko-KR" sz="1400" dirty="0" smtClean="0"/>
+            <a:rPr lang="en-US" altLang="ko-KR" sz="1400" dirty="0"/>
             <a:t>. </a:t>
           </a:r>
           <a:r>
-            <a:rPr lang="ko-KR" altLang="en-US" sz="1400" dirty="0" smtClean="0"/>
+            <a:rPr lang="ko-KR" altLang="en-US" sz="1400" dirty="0"/>
             <a:t>이 맵은 한 행성 계를 의미하여 다른 행성 계로 나가는 구역이 있다</a:t>
           </a:r>
           <a:r>
-            <a:rPr lang="en-US" altLang="ko-KR" sz="1400" dirty="0" smtClean="0"/>
+            <a:rPr lang="en-US" altLang="ko-KR" sz="1400" dirty="0"/>
             <a:t>.</a:t>
           </a:r>
         </a:p>
         <a:p>
           <a:pPr latinLnBrk="1"/>
-          <a:endParaRPr lang="en-US" altLang="ko-KR" sz="1400" dirty="0" smtClean="0"/>
+          <a:endParaRPr lang="en-US" altLang="ko-KR" sz="1400" dirty="0"/>
         </a:p>
         <a:p>
           <a:pPr latinLnBrk="1"/>
           <a:r>
-            <a:rPr lang="en-US" altLang="ko-KR" sz="1400" dirty="0" smtClean="0"/>
+            <a:rPr lang="en-US" altLang="ko-KR" sz="1400" dirty="0"/>
             <a:t>2.  </a:t>
           </a:r>
           <a:r>
-            <a:rPr lang="ko-KR" altLang="en-US" sz="1400" dirty="0" smtClean="0"/>
+            <a:rPr lang="ko-KR" altLang="en-US" sz="1400" dirty="0"/>
             <a:t>하나의 점은 </a:t>
           </a:r>
           <a:r>
-            <a:rPr lang="en-US" altLang="ko-KR" sz="1400" dirty="0" smtClean="0"/>
+            <a:rPr lang="en-US" altLang="ko-KR" sz="1400" dirty="0"/>
             <a:t>‘</a:t>
           </a:r>
           <a:r>
-            <a:rPr lang="ko-KR" altLang="en-US" sz="1400" dirty="0" smtClean="0"/>
+            <a:rPr lang="ko-KR" altLang="en-US" sz="1400" dirty="0"/>
             <a:t>비컨</a:t>
           </a:r>
           <a:r>
-            <a:rPr lang="en-US" altLang="ko-KR" sz="1400" dirty="0" smtClean="0"/>
+            <a:rPr lang="en-US" altLang="ko-KR" sz="1400" dirty="0"/>
             <a:t>’</a:t>
           </a:r>
           <a:r>
-            <a:rPr lang="ko-KR" altLang="en-US" sz="1400" dirty="0" smtClean="0"/>
+            <a:rPr lang="ko-KR" altLang="en-US" sz="1400" dirty="0"/>
             <a:t>이라고 하며 공간 이동의 단위이다</a:t>
           </a:r>
           <a:r>
-            <a:rPr lang="en-US" altLang="ko-KR" sz="1400" dirty="0" smtClean="0"/>
+            <a:rPr lang="en-US" altLang="ko-KR" sz="1400" dirty="0"/>
             <a:t>.</a:t>
           </a:r>
         </a:p>
         <a:p>
           <a:pPr latinLnBrk="1"/>
-          <a:endParaRPr lang="en-US" altLang="ko-KR" sz="1400" dirty="0" smtClean="0"/>
+          <a:endParaRPr lang="en-US" altLang="ko-KR" sz="1400" dirty="0"/>
         </a:p>
         <a:p>
           <a:pPr latinLnBrk="1"/>
           <a:r>
-            <a:rPr lang="en-US" altLang="ko-KR" sz="1400" dirty="0" smtClean="0"/>
+            <a:rPr lang="en-US" altLang="ko-KR" sz="1400" dirty="0"/>
             <a:t>3. </a:t>
           </a:r>
           <a:r>
-            <a:rPr lang="ko-KR" altLang="en-US" sz="1400" dirty="0" smtClean="0"/>
+            <a:rPr lang="ko-KR" altLang="en-US" sz="1400" dirty="0"/>
             <a:t>한번 공간 이동할 때마다 연료 자원이 </a:t>
           </a:r>
           <a:r>
-            <a:rPr lang="en-US" altLang="ko-KR" sz="1400" dirty="0" smtClean="0"/>
+            <a:rPr lang="en-US" altLang="ko-KR" sz="1400" dirty="0"/>
             <a:t>1 </a:t>
           </a:r>
           <a:r>
-            <a:rPr lang="ko-KR" altLang="en-US" sz="1400" dirty="0" smtClean="0"/>
+            <a:rPr lang="ko-KR" altLang="en-US" sz="1400" dirty="0"/>
             <a:t>소모된다</a:t>
           </a:r>
           <a:r>
-            <a:rPr lang="en-US" altLang="ko-KR" sz="1400" dirty="0" smtClean="0"/>
+            <a:rPr lang="en-US" altLang="ko-KR" sz="1400" dirty="0"/>
             <a:t>.</a:t>
           </a:r>
         </a:p>
         <a:p>
           <a:pPr latinLnBrk="1"/>
-          <a:endParaRPr lang="en-US" altLang="ko-KR" sz="1400" dirty="0" smtClean="0"/>
+          <a:endParaRPr lang="en-US" altLang="ko-KR" sz="1400" dirty="0"/>
         </a:p>
         <a:p>
           <a:pPr latinLnBrk="1"/>
           <a:r>
-            <a:rPr lang="en-US" altLang="ko-KR" sz="1400" dirty="0" smtClean="0"/>
+            <a:rPr lang="en-US" altLang="ko-KR" sz="1400" dirty="0"/>
             <a:t>4. </a:t>
           </a:r>
           <a:r>
-            <a:rPr lang="ko-KR" altLang="en-US" sz="1400" dirty="0" smtClean="0"/>
+            <a:rPr lang="ko-KR" altLang="en-US" sz="1400" dirty="0"/>
             <a:t>보유한 연료가 없을 시 구조 신호를 방출하거나 비컨 에서 대기하거나</a:t>
           </a:r>
           <a:r>
-            <a:rPr lang="en-US" altLang="ko-KR" sz="1400" dirty="0" smtClean="0"/>
+            <a:rPr lang="en-US" altLang="ko-KR" sz="1400" dirty="0"/>
             <a:t>, </a:t>
           </a:r>
           <a:r>
-            <a:rPr lang="ko-KR" altLang="en-US" sz="1400" dirty="0" smtClean="0"/>
+            <a:rPr lang="ko-KR" altLang="en-US" sz="1400" dirty="0"/>
             <a:t>비컨 내 행성에서 약탈을 할 수도 있다</a:t>
           </a:r>
           <a:r>
-            <a:rPr lang="en-US" altLang="ko-KR" sz="1400" dirty="0" smtClean="0"/>
+            <a:rPr lang="en-US" altLang="ko-KR" sz="1400" dirty="0"/>
             <a:t>.</a:t>
           </a:r>
         </a:p>
@@ -8696,14 +8443,6 @@
         </dgm:presLayoutVars>
       </dgm:prSet>
       <dgm:spPr/>
-      <dgm:t>
-        <a:bodyPr/>
-        <a:lstStyle/>
-        <a:p>
-          <a:pPr latinLnBrk="1"/>
-          <a:endParaRPr lang="ko-KR" altLang="en-US"/>
-        </a:p>
-      </dgm:t>
     </dgm:pt>
     <dgm:pt modelId="{D2B3DE7A-AD09-4756-A32C-6F39B74B18F8}" type="pres">
       <dgm:prSet presAssocID="{D079A32A-C5AC-411A-B1CF-797B8ABDB28A}" presName="ChildText" presStyleLbl="revTx" presStyleIdx="1" presStyleCnt="2" custLinFactNeighborX="2567">
@@ -8713,14 +8452,6 @@
         </dgm:presLayoutVars>
       </dgm:prSet>
       <dgm:spPr/>
-      <dgm:t>
-        <a:bodyPr/>
-        <a:lstStyle/>
-        <a:p>
-          <a:pPr latinLnBrk="1"/>
-          <a:endParaRPr lang="ko-KR" altLang="en-US"/>
-        </a:p>
-      </dgm:t>
     </dgm:pt>
     <dgm:pt modelId="{28C881D6-B04D-4E83-AAB4-748C31E5B2BB}" type="pres">
       <dgm:prSet presAssocID="{D079A32A-C5AC-411A-B1CF-797B8ABDB28A}" presName="ChildAccentShape" presStyleLbl="trBgShp" presStyleIdx="1" presStyleCnt="2"/>
@@ -8740,11 +8471,11 @@
     </dgm:pt>
   </dgm:ptLst>
   <dgm:cxnLst>
-    <dgm:cxn modelId="{7CE814D6-FA4F-40DE-9330-6E5432ECDE40}" srcId="{D079A32A-C5AC-411A-B1CF-797B8ABDB28A}" destId="{1844C820-FCA8-46A9-9D86-C459236C484B}" srcOrd="0" destOrd="0" parTransId="{13476B61-8025-4ECE-B9D4-8E9F3A6275A8}" sibTransId="{AE966324-8408-4390-AA97-E825E6226870}"/>
-    <dgm:cxn modelId="{67B03846-F91C-47EA-BB67-8A136369672A}" type="presOf" srcId="{DB3D2BA8-661B-42E2-9736-953F7855FC09}" destId="{809B1BC5-3BFC-414B-BD9E-29D23EE340EE}" srcOrd="0" destOrd="0" presId="urn:microsoft.com/office/officeart/2009/3/layout/SnapshotPictureList"/>
-    <dgm:cxn modelId="{4485863D-E4BC-4058-9AA6-8E8E36D1E963}" type="presOf" srcId="{D079A32A-C5AC-411A-B1CF-797B8ABDB28A}" destId="{400C2444-A816-4FBC-BA9E-1C68BED4FDD3}" srcOrd="0" destOrd="0" presId="urn:microsoft.com/office/officeart/2009/3/layout/SnapshotPictureList"/>
     <dgm:cxn modelId="{80213E1C-B01B-460F-98D0-463505CBD610}" type="presOf" srcId="{1844C820-FCA8-46A9-9D86-C459236C484B}" destId="{D2B3DE7A-AD09-4756-A32C-6F39B74B18F8}" srcOrd="0" destOrd="0" presId="urn:microsoft.com/office/officeart/2009/3/layout/SnapshotPictureList"/>
     <dgm:cxn modelId="{A18F2E3B-6F1F-4B3C-B699-AF911F6AFCF1}" srcId="{DB3D2BA8-661B-42E2-9736-953F7855FC09}" destId="{D079A32A-C5AC-411A-B1CF-797B8ABDB28A}" srcOrd="0" destOrd="0" parTransId="{B234AB72-F73D-4518-BBE8-AA7539B0AE55}" sibTransId="{3D09CE9A-147E-4C59-BC5F-1317D4F11425}"/>
+    <dgm:cxn modelId="{4485863D-E4BC-4058-9AA6-8E8E36D1E963}" type="presOf" srcId="{D079A32A-C5AC-411A-B1CF-797B8ABDB28A}" destId="{400C2444-A816-4FBC-BA9E-1C68BED4FDD3}" srcOrd="0" destOrd="0" presId="urn:microsoft.com/office/officeart/2009/3/layout/SnapshotPictureList"/>
+    <dgm:cxn modelId="{67B03846-F91C-47EA-BB67-8A136369672A}" type="presOf" srcId="{DB3D2BA8-661B-42E2-9736-953F7855FC09}" destId="{809B1BC5-3BFC-414B-BD9E-29D23EE340EE}" srcOrd="0" destOrd="0" presId="urn:microsoft.com/office/officeart/2009/3/layout/SnapshotPictureList"/>
+    <dgm:cxn modelId="{7CE814D6-FA4F-40DE-9330-6E5432ECDE40}" srcId="{D079A32A-C5AC-411A-B1CF-797B8ABDB28A}" destId="{1844C820-FCA8-46A9-9D86-C459236C484B}" srcOrd="0" destOrd="0" parTransId="{13476B61-8025-4ECE-B9D4-8E9F3A6275A8}" sibTransId="{AE966324-8408-4390-AA97-E825E6226870}"/>
     <dgm:cxn modelId="{A6A73505-5627-49AE-869D-1112429577CC}" type="presParOf" srcId="{809B1BC5-3BFC-414B-BD9E-29D23EE340EE}" destId="{255662AA-A1C8-4E59-8D31-F18183AD3C54}" srcOrd="0" destOrd="0" presId="urn:microsoft.com/office/officeart/2009/3/layout/SnapshotPictureList"/>
     <dgm:cxn modelId="{144B5F4E-BF1D-4601-A46E-140FDE45D291}" type="presParOf" srcId="{255662AA-A1C8-4E59-8D31-F18183AD3C54}" destId="{EEDB0F7A-11D1-4497-B413-6653895F7483}" srcOrd="0" destOrd="0" presId="urn:microsoft.com/office/officeart/2009/3/layout/SnapshotPictureList"/>
     <dgm:cxn modelId="{547FCDFF-621D-4A06-A4F6-C15876572BF3}" type="presParOf" srcId="{255662AA-A1C8-4E59-8D31-F18183AD3C54}" destId="{400C2444-A816-4FBC-BA9E-1C68BED4FDD3}" srcOrd="1" destOrd="0" presId="urn:microsoft.com/office/officeart/2009/3/layout/SnapshotPictureList"/>
@@ -8830,7 +8561,7 @@
             <a:spcAft>
               <a:spcPct val="15000"/>
             </a:spcAft>
-            <a:buChar char="••"/>
+            <a:buChar char="•"/>
           </a:pPr>
           <a:r>
             <a:rPr lang="ko-KR" altLang="en-US" sz="1600" kern="1200" dirty="0">
@@ -8860,7 +8591,7 @@
             <a:spcAft>
               <a:spcPct val="15000"/>
             </a:spcAft>
-            <a:buChar char="••"/>
+            <a:buChar char="•"/>
           </a:pPr>
           <a:r>
             <a:rPr lang="ko-KR" altLang="en-US" sz="1600" b="1" kern="1200" dirty="0">
@@ -8915,7 +8646,7 @@
             <a:spcAft>
               <a:spcPct val="15000"/>
             </a:spcAft>
-            <a:buChar char="••"/>
+            <a:buChar char="•"/>
           </a:pPr>
           <a:r>
             <a:rPr lang="ko-KR" altLang="en-US" sz="1600" b="1" kern="1200" dirty="0">
@@ -8970,7 +8701,7 @@
             <a:spcAft>
               <a:spcPct val="15000"/>
             </a:spcAft>
-            <a:buChar char="••"/>
+            <a:buChar char="•"/>
           </a:pPr>
           <a:r>
             <a:rPr lang="ko-KR" altLang="en-US" sz="1600" b="1" kern="1200" dirty="0">
@@ -9025,7 +8756,7 @@
             <a:spcAft>
               <a:spcPct val="15000"/>
             </a:spcAft>
-            <a:buChar char="••"/>
+            <a:buChar char="•"/>
           </a:pPr>
           <a:r>
             <a:rPr lang="ko-KR" altLang="en-US" sz="1600" b="1" kern="1200" dirty="0">
@@ -9080,7 +8811,7 @@
             <a:spcAft>
               <a:spcPct val="15000"/>
             </a:spcAft>
-            <a:buChar char="••"/>
+            <a:buChar char="•"/>
           </a:pPr>
           <a:r>
             <a:rPr lang="ko-KR" altLang="en-US" sz="1600" b="1" kern="1200" dirty="0">
@@ -9135,7 +8866,7 @@
             <a:spcAft>
               <a:spcPct val="15000"/>
             </a:spcAft>
-            <a:buChar char="••"/>
+            <a:buChar char="•"/>
           </a:pPr>
           <a:r>
             <a:rPr lang="ko-KR" altLang="en-US" sz="1600" kern="1200" dirty="0">
@@ -9258,7 +8989,7 @@
         </a:bodyPr>
         <a:lstStyle/>
         <a:p>
-          <a:pPr lvl="0" algn="ctr" defTabSz="1600200" latinLnBrk="1">
+          <a:pPr marL="0" lvl="0" indent="0" algn="ctr" defTabSz="1600200" latinLnBrk="1">
             <a:lnSpc>
               <a:spcPct val="90000"/>
             </a:lnSpc>
@@ -9268,6 +8999,7 @@
             <a:spcAft>
               <a:spcPct val="35000"/>
             </a:spcAft>
+            <a:buNone/>
           </a:pPr>
           <a:r>
             <a:rPr lang="ko-KR" altLang="en-US" sz="3600" kern="1200" dirty="0">
@@ -9350,7 +9082,7 @@
             <a:spcAft>
               <a:spcPct val="15000"/>
             </a:spcAft>
-            <a:buChar char="••"/>
+            <a:buChar char="•"/>
           </a:pPr>
           <a:r>
             <a:rPr lang="ko-KR" altLang="en-US" sz="1600" b="1" kern="1200" dirty="0">
@@ -9388,7 +9120,7 @@
             <a:spcAft>
               <a:spcPct val="15000"/>
             </a:spcAft>
-            <a:buChar char="••"/>
+            <a:buChar char="•"/>
           </a:pPr>
           <a:r>
             <a:rPr lang="ko-KR" altLang="en-US" sz="1600" b="1" kern="1200" dirty="0">
@@ -9426,7 +9158,7 @@
             <a:spcAft>
               <a:spcPct val="15000"/>
             </a:spcAft>
-            <a:buChar char="••"/>
+            <a:buChar char="•"/>
           </a:pPr>
           <a:r>
             <a:rPr lang="ko-KR" altLang="en-US" sz="1600" b="1" kern="1200" dirty="0">
@@ -9464,7 +9196,7 @@
             <a:spcAft>
               <a:spcPct val="15000"/>
             </a:spcAft>
-            <a:buChar char="••"/>
+            <a:buChar char="•"/>
           </a:pPr>
           <a:r>
             <a:rPr lang="ko-KR" altLang="en-US" sz="1600" b="1" kern="1200" dirty="0">
@@ -9502,7 +9234,7 @@
             <a:spcAft>
               <a:spcPct val="15000"/>
             </a:spcAft>
-            <a:buChar char="••"/>
+            <a:buChar char="•"/>
           </a:pPr>
           <a:r>
             <a:rPr lang="ko-KR" altLang="en-US" sz="1600" b="1" kern="1200" dirty="0">
@@ -9630,7 +9362,7 @@
         </a:bodyPr>
         <a:lstStyle/>
         <a:p>
-          <a:pPr lvl="0" algn="ctr" defTabSz="1600200" latinLnBrk="1">
+          <a:pPr marL="0" lvl="0" indent="0" algn="ctr" defTabSz="1600200" latinLnBrk="1">
             <a:lnSpc>
               <a:spcPct val="90000"/>
             </a:lnSpc>
@@ -9640,6 +9372,7 @@
             <a:spcAft>
               <a:spcPct val="35000"/>
             </a:spcAft>
+            <a:buNone/>
           </a:pPr>
           <a:r>
             <a:rPr lang="ko-KR" altLang="en-US" sz="3600" kern="1200" dirty="0">
@@ -9722,7 +9455,7 @@
             <a:spcAft>
               <a:spcPct val="15000"/>
             </a:spcAft>
-            <a:buChar char="••"/>
+            <a:buChar char="•"/>
           </a:pPr>
           <a:endParaRPr lang="ko-KR" altLang="en-US" sz="1600" kern="1200" dirty="0">
             <a:effectLst/>
@@ -9741,7 +9474,7 @@
             <a:spcAft>
               <a:spcPct val="15000"/>
             </a:spcAft>
-            <a:buChar char="••"/>
+            <a:buChar char="•"/>
           </a:pPr>
           <a:r>
             <a:rPr lang="ko-KR" altLang="en-US" sz="1600" kern="1200" dirty="0">
@@ -9763,7 +9496,7 @@
             <a:spcAft>
               <a:spcPct val="15000"/>
             </a:spcAft>
-            <a:buChar char="••"/>
+            <a:buChar char="•"/>
           </a:pPr>
           <a:r>
             <a:rPr lang="ko-KR" altLang="en-US" sz="1600" kern="1200" dirty="0">
@@ -9785,7 +9518,7 @@
             <a:spcAft>
               <a:spcPct val="15000"/>
             </a:spcAft>
-            <a:buChar char="••"/>
+            <a:buChar char="•"/>
           </a:pPr>
           <a:r>
             <a:rPr lang="ko-KR" altLang="en-US" sz="1600" kern="1200" dirty="0">
@@ -9855,7 +9588,7 @@
         </a:bodyPr>
         <a:lstStyle/>
         <a:p>
-          <a:pPr lvl="0" algn="ctr" defTabSz="1600200" latinLnBrk="1">
+          <a:pPr marL="0" lvl="0" indent="0" algn="ctr" defTabSz="1600200" latinLnBrk="1">
             <a:lnSpc>
               <a:spcPct val="90000"/>
             </a:lnSpc>
@@ -9865,6 +9598,7 @@
             <a:spcAft>
               <a:spcPct val="35000"/>
             </a:spcAft>
+            <a:buNone/>
           </a:pPr>
           <a:r>
             <a:rPr lang="ko-KR" altLang="en-US" sz="3600" kern="1200" dirty="0">
@@ -9947,7 +9681,7 @@
         </a:bodyPr>
         <a:lstStyle/>
         <a:p>
-          <a:pPr lvl="0" algn="ctr" defTabSz="889000" latinLnBrk="1">
+          <a:pPr marL="0" lvl="0" indent="0" algn="ctr" defTabSz="889000" latinLnBrk="1">
             <a:lnSpc>
               <a:spcPct val="90000"/>
             </a:lnSpc>
@@ -9957,9 +9691,10 @@
             <a:spcAft>
               <a:spcPct val="35000"/>
             </a:spcAft>
+            <a:buNone/>
           </a:pPr>
           <a:r>
-            <a:rPr lang="ko-KR" altLang="en-US" sz="2000" kern="1200" dirty="0" smtClean="0">
+            <a:rPr lang="ko-KR" altLang="en-US" sz="2000" kern="1200" dirty="0">
               <a:effectLst>
                 <a:outerShdw blurRad="38100" dist="38100" dir="2700000" algn="tl">
                   <a:srgbClr val="000000">
@@ -9970,15 +9705,6 @@
             </a:rPr>
             <a:t>전략과 성장</a:t>
           </a:r>
-          <a:endParaRPr lang="ko-KR" altLang="en-US" sz="2000" kern="1200" dirty="0">
-            <a:effectLst>
-              <a:outerShdw blurRad="38100" dist="38100" dir="2700000" algn="tl">
-                <a:srgbClr val="000000">
-                  <a:alpha val="43137"/>
-                </a:srgbClr>
-              </a:outerShdw>
-            </a:effectLst>
-          </a:endParaRPr>
         </a:p>
       </dsp:txBody>
       <dsp:txXfrm>
@@ -9999,11 +9725,20 @@
         <a:prstGeom prst="rect">
           <a:avLst/>
         </a:prstGeom>
-        <a:solidFill>
-          <a:srgbClr val="002060">
-            <a:alpha val="90000"/>
-          </a:srgbClr>
-        </a:solidFill>
+        <a:gradFill flip="none" rotWithShape="0">
+          <a:gsLst>
+            <a:gs pos="0">
+              <a:srgbClr val="44074C"/>
+            </a:gs>
+            <a:gs pos="48000">
+              <a:srgbClr val="0C3277">
+                <a:alpha val="70000"/>
+              </a:srgbClr>
+            </a:gs>
+          </a:gsLst>
+          <a:lin ang="5400000" scaled="1"/>
+          <a:tileRect/>
+        </a:gradFill>
         <a:ln w="19050" cap="rnd" cmpd="sng" algn="ctr">
           <a:solidFill>
             <a:schemeClr val="tx1">
@@ -10042,10 +9777,10 @@
             <a:spcAft>
               <a:spcPct val="15000"/>
             </a:spcAft>
-            <a:buChar char="••"/>
+            <a:buChar char="•"/>
           </a:pPr>
           <a:r>
-            <a:rPr lang="ko-KR" altLang="en-US" sz="1700" kern="1200" dirty="0" smtClean="0">
+            <a:rPr lang="ko-KR" altLang="en-US" sz="1700" kern="1200" dirty="0">
               <a:solidFill>
                 <a:schemeClr val="tx1"/>
               </a:solidFill>
@@ -10059,18 +9794,6 @@
             </a:rPr>
             <a:t>매 순간이 고민과 선택의 연속</a:t>
           </a:r>
-          <a:endParaRPr lang="ko-KR" altLang="en-US" sz="1700" kern="1200" dirty="0">
-            <a:solidFill>
-              <a:schemeClr val="tx1"/>
-            </a:solidFill>
-            <a:effectLst>
-              <a:outerShdw blurRad="38100" dist="38100" dir="2700000" algn="tl">
-                <a:srgbClr val="000000">
-                  <a:alpha val="43137"/>
-                </a:srgbClr>
-              </a:outerShdw>
-            </a:effectLst>
-          </a:endParaRPr>
         </a:p>
         <a:p>
           <a:pPr marL="171450" lvl="1" indent="-171450" algn="l" defTabSz="755650" latinLnBrk="1">
@@ -10083,10 +9806,10 @@
             <a:spcAft>
               <a:spcPct val="15000"/>
             </a:spcAft>
-            <a:buChar char="••"/>
+            <a:buChar char="•"/>
           </a:pPr>
           <a:r>
-            <a:rPr lang="ko-KR" altLang="en-US" sz="1700" kern="1200" dirty="0" smtClean="0">
+            <a:rPr lang="ko-KR" altLang="en-US" sz="1700" kern="1200" dirty="0">
               <a:solidFill>
                 <a:schemeClr val="tx1"/>
               </a:solidFill>
@@ -10100,18 +9823,6 @@
             </a:rPr>
             <a:t>함선과 플레이어가 같이 경험을 쌓아 성장</a:t>
           </a:r>
-          <a:endParaRPr lang="ko-KR" altLang="en-US" sz="1700" kern="1200" dirty="0">
-            <a:solidFill>
-              <a:schemeClr val="tx1"/>
-            </a:solidFill>
-            <a:effectLst>
-              <a:outerShdw blurRad="38100" dist="38100" dir="2700000" algn="tl">
-                <a:srgbClr val="000000">
-                  <a:alpha val="43137"/>
-                </a:srgbClr>
-              </a:outerShdw>
-            </a:effectLst>
-          </a:endParaRPr>
         </a:p>
       </dsp:txBody>
       <dsp:txXfrm>
@@ -10167,7 +9878,7 @@
         </a:bodyPr>
         <a:lstStyle/>
         <a:p>
-          <a:pPr lvl="0" algn="ctr" defTabSz="889000" latinLnBrk="1">
+          <a:pPr marL="0" lvl="0" indent="0" algn="ctr" defTabSz="889000" latinLnBrk="1">
             <a:lnSpc>
               <a:spcPct val="90000"/>
             </a:lnSpc>
@@ -10177,9 +9888,10 @@
             <a:spcAft>
               <a:spcPct val="35000"/>
             </a:spcAft>
+            <a:buNone/>
           </a:pPr>
           <a:r>
-            <a:rPr lang="ko-KR" altLang="en-US" sz="2000" kern="1200" dirty="0" smtClean="0">
+            <a:rPr lang="ko-KR" altLang="en-US" sz="2000" kern="1200" dirty="0">
               <a:effectLst>
                 <a:outerShdw blurRad="38100" dist="38100" dir="2700000" algn="tl">
                   <a:srgbClr val="000000">
@@ -10190,15 +9902,6 @@
             </a:rPr>
             <a:t>오픈 월드</a:t>
           </a:r>
-          <a:endParaRPr lang="ko-KR" altLang="en-US" sz="2000" kern="1200" dirty="0">
-            <a:effectLst>
-              <a:outerShdw blurRad="38100" dist="38100" dir="2700000" algn="tl">
-                <a:srgbClr val="000000">
-                  <a:alpha val="43137"/>
-                </a:srgbClr>
-              </a:outerShdw>
-            </a:effectLst>
-          </a:endParaRPr>
         </a:p>
       </dsp:txBody>
       <dsp:txXfrm>
@@ -10219,11 +9922,20 @@
         <a:prstGeom prst="rect">
           <a:avLst/>
         </a:prstGeom>
-        <a:solidFill>
-          <a:srgbClr val="002060">
-            <a:alpha val="90000"/>
-          </a:srgbClr>
-        </a:solidFill>
+        <a:gradFill flip="none" rotWithShape="0">
+          <a:gsLst>
+            <a:gs pos="0">
+              <a:srgbClr val="44074C"/>
+            </a:gs>
+            <a:gs pos="48000">
+              <a:srgbClr val="0C3277">
+                <a:alpha val="70000"/>
+              </a:srgbClr>
+            </a:gs>
+          </a:gsLst>
+          <a:lin ang="5400000" scaled="1"/>
+          <a:tileRect/>
+        </a:gradFill>
         <a:ln w="19050" cap="rnd" cmpd="sng" algn="ctr">
           <a:solidFill>
             <a:schemeClr val="tx1">
@@ -10262,10 +9974,10 @@
             <a:spcAft>
               <a:spcPct val="15000"/>
             </a:spcAft>
-            <a:buChar char="••"/>
+            <a:buChar char="•"/>
           </a:pPr>
           <a:r>
-            <a:rPr lang="ko-KR" altLang="en-US" sz="1700" kern="1200" dirty="0" smtClean="0">
+            <a:rPr lang="ko-KR" altLang="en-US" sz="1700" kern="1200" dirty="0">
               <a:solidFill>
                 <a:schemeClr val="tx1"/>
               </a:solidFill>
@@ -10279,18 +9991,6 @@
             </a:rPr>
             <a:t>높은 자유 추구</a:t>
           </a:r>
-          <a:endParaRPr lang="ko-KR" altLang="en-US" sz="1700" kern="1200" dirty="0">
-            <a:solidFill>
-              <a:schemeClr val="tx1"/>
-            </a:solidFill>
-            <a:effectLst>
-              <a:outerShdw blurRad="38100" dist="38100" dir="2700000" algn="tl">
-                <a:srgbClr val="000000">
-                  <a:alpha val="43137"/>
-                </a:srgbClr>
-              </a:outerShdw>
-            </a:effectLst>
-          </a:endParaRPr>
         </a:p>
         <a:p>
           <a:pPr marL="171450" lvl="1" indent="-171450" algn="l" defTabSz="755650" latinLnBrk="1">
@@ -10303,10 +10003,10 @@
             <a:spcAft>
               <a:spcPct val="15000"/>
             </a:spcAft>
-            <a:buChar char="••"/>
+            <a:buChar char="•"/>
           </a:pPr>
           <a:r>
-            <a:rPr lang="ko-KR" altLang="en-US" sz="1700" kern="1200" dirty="0" smtClean="0">
+            <a:rPr lang="ko-KR" altLang="en-US" sz="1700" kern="1200" dirty="0">
               <a:solidFill>
                 <a:schemeClr val="tx1"/>
               </a:solidFill>
@@ -10320,18 +10020,6 @@
             </a:rPr>
             <a:t>커다란 목표는 주어짐</a:t>
           </a:r>
-          <a:endParaRPr lang="ko-KR" altLang="en-US" sz="1700" kern="1200" dirty="0">
-            <a:solidFill>
-              <a:schemeClr val="tx1"/>
-            </a:solidFill>
-            <a:effectLst>
-              <a:outerShdw blurRad="38100" dist="38100" dir="2700000" algn="tl">
-                <a:srgbClr val="000000">
-                  <a:alpha val="43137"/>
-                </a:srgbClr>
-              </a:outerShdw>
-            </a:effectLst>
-          </a:endParaRPr>
         </a:p>
         <a:p>
           <a:pPr marL="171450" lvl="1" indent="-171450" algn="l" defTabSz="755650" latinLnBrk="1">
@@ -10344,10 +10032,10 @@
             <a:spcAft>
               <a:spcPct val="15000"/>
             </a:spcAft>
-            <a:buChar char="••"/>
+            <a:buChar char="•"/>
           </a:pPr>
           <a:r>
-            <a:rPr lang="ko-KR" altLang="en-US" sz="1700" kern="1200" dirty="0" smtClean="0">
+            <a:rPr lang="ko-KR" altLang="en-US" sz="1700" kern="1200" dirty="0">
               <a:solidFill>
                 <a:schemeClr val="tx1"/>
               </a:solidFill>
@@ -10362,7 +10050,7 @@
             <a:t>달성한 목표에 따라 우주의 상황이 달라진다</a:t>
           </a:r>
           <a:r>
-            <a:rPr lang="en-US" altLang="ko-KR" sz="1700" kern="1200" dirty="0" smtClean="0">
+            <a:rPr lang="en-US" altLang="ko-KR" sz="1700" kern="1200" dirty="0">
               <a:solidFill>
                 <a:schemeClr val="tx1"/>
               </a:solidFill>
@@ -10443,7 +10131,7 @@
         </a:bodyPr>
         <a:lstStyle/>
         <a:p>
-          <a:pPr lvl="0" algn="ctr" defTabSz="889000" latinLnBrk="1">
+          <a:pPr marL="0" lvl="0" indent="0" algn="ctr" defTabSz="889000" latinLnBrk="1">
             <a:lnSpc>
               <a:spcPct val="90000"/>
             </a:lnSpc>
@@ -10453,9 +10141,10 @@
             <a:spcAft>
               <a:spcPct val="35000"/>
             </a:spcAft>
+            <a:buNone/>
           </a:pPr>
           <a:r>
-            <a:rPr lang="ko-KR" altLang="en-US" sz="2000" kern="1200" dirty="0" smtClean="0">
+            <a:rPr lang="ko-KR" altLang="en-US" sz="2000" kern="1200" dirty="0">
               <a:effectLst>
                 <a:outerShdw blurRad="38100" dist="38100" dir="2700000" algn="tl">
                   <a:srgbClr val="000000">
@@ -10466,15 +10155,6 @@
             </a:rPr>
             <a:t>로그라이크</a:t>
           </a:r>
-          <a:endParaRPr lang="ko-KR" altLang="en-US" sz="2000" kern="1200" dirty="0">
-            <a:effectLst>
-              <a:outerShdw blurRad="38100" dist="38100" dir="2700000" algn="tl">
-                <a:srgbClr val="000000">
-                  <a:alpha val="43137"/>
-                </a:srgbClr>
-              </a:outerShdw>
-            </a:effectLst>
-          </a:endParaRPr>
         </a:p>
       </dsp:txBody>
       <dsp:txXfrm>
@@ -10495,11 +10175,20 @@
         <a:prstGeom prst="rect">
           <a:avLst/>
         </a:prstGeom>
-        <a:solidFill>
-          <a:srgbClr val="002060">
-            <a:alpha val="90000"/>
-          </a:srgbClr>
-        </a:solidFill>
+        <a:gradFill flip="none" rotWithShape="0">
+          <a:gsLst>
+            <a:gs pos="0">
+              <a:srgbClr val="44074C"/>
+            </a:gs>
+            <a:gs pos="48000">
+              <a:srgbClr val="0C3277">
+                <a:alpha val="70000"/>
+              </a:srgbClr>
+            </a:gs>
+          </a:gsLst>
+          <a:lin ang="5400000" scaled="1"/>
+          <a:tileRect/>
+        </a:gradFill>
         <a:ln w="19050" cap="rnd" cmpd="sng" algn="ctr">
           <a:solidFill>
             <a:schemeClr val="tx1">
@@ -10538,10 +10227,10 @@
             <a:spcAft>
               <a:spcPct val="15000"/>
             </a:spcAft>
-            <a:buChar char="••"/>
+            <a:buChar char="•"/>
           </a:pPr>
           <a:r>
-            <a:rPr lang="ko-KR" altLang="en-US" sz="1700" kern="1200" dirty="0" smtClean="0">
+            <a:rPr lang="ko-KR" altLang="en-US" sz="1700" kern="1200" dirty="0">
               <a:solidFill>
                 <a:schemeClr val="tx1"/>
               </a:solidFill>
@@ -10555,18 +10244,6 @@
             </a:rPr>
             <a:t>항상 무작위로 구성되는 맵과 이벤트</a:t>
           </a:r>
-          <a:endParaRPr lang="ko-KR" altLang="en-US" sz="1700" kern="1200" dirty="0">
-            <a:solidFill>
-              <a:schemeClr val="tx1"/>
-            </a:solidFill>
-            <a:effectLst>
-              <a:outerShdw blurRad="38100" dist="38100" dir="2700000" algn="tl">
-                <a:srgbClr val="000000">
-                  <a:alpha val="43137"/>
-                </a:srgbClr>
-              </a:outerShdw>
-            </a:effectLst>
-          </a:endParaRPr>
         </a:p>
         <a:p>
           <a:pPr marL="171450" lvl="1" indent="-171450" algn="l" defTabSz="755650" latinLnBrk="1">
@@ -10579,10 +10256,10 @@
             <a:spcAft>
               <a:spcPct val="15000"/>
             </a:spcAft>
-            <a:buChar char="••"/>
+            <a:buChar char="•"/>
           </a:pPr>
           <a:r>
-            <a:rPr lang="ko-KR" altLang="en-US" sz="1700" kern="1200" dirty="0" smtClean="0">
+            <a:rPr lang="ko-KR" altLang="en-US" sz="1700" kern="1200" dirty="0">
               <a:solidFill>
                 <a:schemeClr val="tx1"/>
               </a:solidFill>
@@ -10597,7 +10274,7 @@
             <a:t>변수 가득한 예측불허의 상황</a:t>
           </a:r>
           <a:r>
-            <a:rPr lang="en-US" altLang="ko-KR" sz="1700" kern="1200" dirty="0" smtClean="0">
+            <a:rPr lang="en-US" altLang="ko-KR" sz="1700" kern="1200" dirty="0">
               <a:solidFill>
                 <a:schemeClr val="tx1"/>
               </a:solidFill>
@@ -10612,7 +10289,7 @@
             <a:t>, </a:t>
           </a:r>
           <a:r>
-            <a:rPr lang="ko-KR" altLang="en-US" sz="1700" kern="1200" dirty="0" smtClean="0">
+            <a:rPr lang="ko-KR" altLang="en-US" sz="1700" kern="1200" dirty="0">
               <a:solidFill>
                 <a:schemeClr val="tx1"/>
               </a:solidFill>
@@ -10626,18 +10303,6 @@
             </a:rPr>
             <a:t>한정된 자원</a:t>
           </a:r>
-          <a:endParaRPr lang="ko-KR" altLang="en-US" sz="1700" kern="1200" dirty="0">
-            <a:solidFill>
-              <a:schemeClr val="tx1"/>
-            </a:solidFill>
-            <a:effectLst>
-              <a:outerShdw blurRad="38100" dist="38100" dir="2700000" algn="tl">
-                <a:srgbClr val="000000">
-                  <a:alpha val="43137"/>
-                </a:srgbClr>
-              </a:outerShdw>
-            </a:effectLst>
-          </a:endParaRPr>
         </a:p>
       </dsp:txBody>
       <dsp:txXfrm>
@@ -10713,7 +10378,7 @@
         </a:bodyPr>
         <a:lstStyle/>
         <a:p>
-          <a:pPr lvl="0" algn="ctr" defTabSz="800100" latinLnBrk="1">
+          <a:pPr marL="0" lvl="0" indent="0" algn="ctr" defTabSz="800100" latinLnBrk="1">
             <a:lnSpc>
               <a:spcPct val="90000"/>
             </a:lnSpc>
@@ -10723,12 +10388,12 @@
             <a:spcAft>
               <a:spcPct val="35000"/>
             </a:spcAft>
+            <a:buNone/>
           </a:pPr>
           <a:r>
-            <a:rPr lang="ko-KR" altLang="en-US" sz="1800" kern="1200" dirty="0" smtClean="0"/>
+            <a:rPr lang="ko-KR" altLang="en-US" sz="1800" kern="1200" dirty="0"/>
             <a:t>우주 여행</a:t>
           </a:r>
-          <a:endParaRPr lang="ko-KR" altLang="en-US" sz="1800" kern="1200" dirty="0"/>
         </a:p>
       </dsp:txBody>
       <dsp:txXfrm rot="-5400000">
@@ -10773,7 +10438,7 @@
         </a:bodyPr>
         <a:lstStyle/>
         <a:p>
-          <a:pPr lvl="0" algn="l" defTabSz="622300" latinLnBrk="1">
+          <a:pPr marL="0" lvl="0" indent="0" algn="l" defTabSz="622300" latinLnBrk="1">
             <a:lnSpc>
               <a:spcPct val="90000"/>
             </a:lnSpc>
@@ -10783,12 +10448,12 @@
             <a:spcAft>
               <a:spcPct val="35000"/>
             </a:spcAft>
+            <a:buNone/>
           </a:pPr>
           <a:r>
-            <a:rPr lang="ko-KR" altLang="en-US" sz="1400" kern="1200" dirty="0" smtClean="0"/>
+            <a:rPr lang="ko-KR" altLang="en-US" sz="1400" kern="1200" dirty="0"/>
             <a:t>성간 이동이 보편화된 머나먼 미래</a:t>
           </a:r>
-          <a:endParaRPr lang="ko-KR" altLang="en-US" sz="1400" kern="1200" dirty="0"/>
         </a:p>
       </dsp:txBody>
       <dsp:txXfrm>
@@ -10852,7 +10517,7 @@
         </a:bodyPr>
         <a:lstStyle/>
         <a:p>
-          <a:pPr lvl="0" algn="ctr" defTabSz="889000" latinLnBrk="1">
+          <a:pPr marL="0" lvl="0" indent="0" algn="ctr" defTabSz="889000" latinLnBrk="1">
             <a:lnSpc>
               <a:spcPct val="90000"/>
             </a:lnSpc>
@@ -10862,20 +10527,20 @@
             <a:spcAft>
               <a:spcPct val="35000"/>
             </a:spcAft>
+            <a:buNone/>
           </a:pPr>
           <a:r>
-            <a:rPr lang="ko-KR" altLang="en-US" sz="2000" kern="1200" dirty="0" smtClean="0"/>
+            <a:rPr lang="ko-KR" altLang="en-US" sz="2000" kern="1200" dirty="0"/>
             <a:t>초 광속</a:t>
           </a:r>
           <a:r>
-            <a:rPr lang="en-US" altLang="ko-KR" sz="2000" kern="1200" dirty="0" smtClean="0"/>
+            <a:rPr lang="en-US" altLang="ko-KR" sz="2000" kern="1200" dirty="0"/>
             <a:t> </a:t>
           </a:r>
           <a:r>
-            <a:rPr lang="ko-KR" altLang="en-US" sz="2000" kern="1200" dirty="0" smtClean="0"/>
+            <a:rPr lang="ko-KR" altLang="en-US" sz="2000" kern="1200" dirty="0"/>
             <a:t>기술</a:t>
           </a:r>
-          <a:endParaRPr lang="ko-KR" altLang="en-US" sz="2000" kern="1200" dirty="0"/>
         </a:p>
       </dsp:txBody>
       <dsp:txXfrm rot="-5400000">
@@ -10939,7 +10604,7 @@
         </a:bodyPr>
         <a:lstStyle/>
         <a:p>
-          <a:pPr lvl="0" algn="ctr" defTabSz="800100" latinLnBrk="1">
+          <a:pPr marL="0" lvl="0" indent="0" algn="ctr" defTabSz="800100" latinLnBrk="1">
             <a:lnSpc>
               <a:spcPct val="90000"/>
             </a:lnSpc>
@@ -10949,23 +10614,19 @@
             <a:spcAft>
               <a:spcPct val="35000"/>
             </a:spcAft>
+            <a:buNone/>
           </a:pPr>
           <a:r>
-            <a:rPr lang="ko-KR" altLang="en-US" sz="1800" kern="1200" dirty="0" smtClean="0"/>
+            <a:rPr lang="ko-KR" altLang="en-US" sz="1800" kern="1200" dirty="0"/>
             <a:t>외계</a:t>
           </a:r>
-          <a:r>
-            <a:rPr lang="en-US" altLang="ko-KR" sz="1800" kern="1200" dirty="0" smtClean="0"/>
-            <a:t/>
-          </a:r>
           <a:br>
-            <a:rPr lang="en-US" altLang="ko-KR" sz="1800" kern="1200" dirty="0" smtClean="0"/>
+            <a:rPr lang="en-US" altLang="ko-KR" sz="1800" kern="1200" dirty="0"/>
           </a:br>
           <a:r>
-            <a:rPr lang="ko-KR" altLang="en-US" sz="1800" kern="1200" dirty="0" smtClean="0"/>
+            <a:rPr lang="ko-KR" altLang="en-US" sz="1800" kern="1200" dirty="0"/>
             <a:t>문명</a:t>
           </a:r>
-          <a:endParaRPr lang="ko-KR" altLang="en-US" sz="1800" kern="1200" dirty="0"/>
         </a:p>
       </dsp:txBody>
       <dsp:txXfrm rot="-5400000">
@@ -11010,7 +10671,7 @@
         </a:bodyPr>
         <a:lstStyle/>
         <a:p>
-          <a:pPr lvl="0" algn="r" defTabSz="533400" latinLnBrk="1">
+          <a:pPr marL="0" lvl="0" indent="0" algn="r" defTabSz="533400" latinLnBrk="1">
             <a:lnSpc>
               <a:spcPct val="90000"/>
             </a:lnSpc>
@@ -11020,15 +10681,16 @@
             <a:spcAft>
               <a:spcPct val="35000"/>
             </a:spcAft>
+            <a:buNone/>
           </a:pPr>
           <a:r>
-            <a:rPr lang="ko-KR" altLang="en-US" sz="1200" kern="1200" dirty="0" smtClean="0"/>
+            <a:rPr lang="ko-KR" altLang="en-US" sz="1200" kern="1200" dirty="0"/>
             <a:t>외계인의 존재는 낯설지 않으나 여전히 갈등 존재</a:t>
           </a:r>
-          <a:endParaRPr lang="en-US" altLang="ko-KR" sz="1200" kern="1200" dirty="0" smtClean="0"/>
+          <a:endParaRPr lang="en-US" altLang="ko-KR" sz="1200" kern="1200" dirty="0"/>
         </a:p>
         <a:p>
-          <a:pPr lvl="0" algn="r" defTabSz="533400" latinLnBrk="1">
+          <a:pPr marL="0" lvl="0" indent="0" algn="r" defTabSz="533400" latinLnBrk="1">
             <a:lnSpc>
               <a:spcPct val="90000"/>
             </a:lnSpc>
@@ -11038,12 +10700,12 @@
             <a:spcAft>
               <a:spcPct val="35000"/>
             </a:spcAft>
+            <a:buNone/>
           </a:pPr>
           <a:r>
-            <a:rPr lang="ko-KR" altLang="en-US" sz="1200" kern="1200" dirty="0" smtClean="0"/>
+            <a:rPr lang="ko-KR" altLang="en-US" sz="1200" kern="1200" dirty="0"/>
             <a:t>교류는 금속 화폐나 물물교환이 고작인 실정 </a:t>
           </a:r>
-          <a:endParaRPr lang="ko-KR" altLang="en-US" sz="1200" kern="1200" dirty="0"/>
         </a:p>
       </dsp:txBody>
       <dsp:txXfrm>
@@ -11107,7 +10769,7 @@
         </a:bodyPr>
         <a:lstStyle/>
         <a:p>
-          <a:pPr lvl="0" algn="ctr" defTabSz="889000" latinLnBrk="1">
+          <a:pPr marL="0" lvl="0" indent="0" algn="ctr" defTabSz="889000" latinLnBrk="1">
             <a:lnSpc>
               <a:spcPct val="90000"/>
             </a:lnSpc>
@@ -11117,12 +10779,12 @@
             <a:spcAft>
               <a:spcPct val="35000"/>
             </a:spcAft>
+            <a:buNone/>
           </a:pPr>
           <a:r>
-            <a:rPr lang="ko-KR" altLang="en-US" sz="2000" kern="1200" dirty="0" smtClean="0"/>
+            <a:rPr lang="ko-KR" altLang="en-US" sz="2000" kern="1200" dirty="0"/>
             <a:t>갈등</a:t>
           </a:r>
-          <a:endParaRPr lang="ko-KR" altLang="en-US" sz="2000" kern="1200" dirty="0"/>
         </a:p>
       </dsp:txBody>
       <dsp:txXfrm rot="-5400000">
@@ -11186,7 +10848,7 @@
         </a:bodyPr>
         <a:lstStyle/>
         <a:p>
-          <a:pPr lvl="0" algn="ctr" defTabSz="711200" latinLnBrk="1">
+          <a:pPr marL="0" lvl="0" indent="0" algn="ctr" defTabSz="711200" latinLnBrk="1">
             <a:lnSpc>
               <a:spcPct val="90000"/>
             </a:lnSpc>
@@ -11196,12 +10858,12 @@
             <a:spcAft>
               <a:spcPct val="35000"/>
             </a:spcAft>
+            <a:buNone/>
           </a:pPr>
           <a:r>
-            <a:rPr lang="ko-KR" altLang="en-US" sz="1600" kern="1200" dirty="0" smtClean="0"/>
+            <a:rPr lang="ko-KR" altLang="en-US" sz="1600" kern="1200" dirty="0"/>
             <a:t>빈부격차</a:t>
           </a:r>
-          <a:endParaRPr lang="ko-KR" altLang="en-US" sz="1600" kern="1200" dirty="0"/>
         </a:p>
       </dsp:txBody>
       <dsp:txXfrm rot="-5400000">
@@ -11246,7 +10908,7 @@
         </a:bodyPr>
         <a:lstStyle/>
         <a:p>
-          <a:pPr lvl="0" algn="l" defTabSz="533400" latinLnBrk="1">
+          <a:pPr marL="0" lvl="0" indent="0" algn="l" defTabSz="533400" latinLnBrk="1">
             <a:lnSpc>
               <a:spcPct val="90000"/>
             </a:lnSpc>
@@ -11256,15 +10918,16 @@
             <a:spcAft>
               <a:spcPct val="35000"/>
             </a:spcAft>
+            <a:buNone/>
           </a:pPr>
           <a:r>
-            <a:rPr lang="ko-KR" altLang="en-US" sz="1200" kern="1200" dirty="0" smtClean="0"/>
+            <a:rPr lang="ko-KR" altLang="en-US" sz="1200" kern="1200" dirty="0"/>
             <a:t>우주 세대에서도 자본이 힘을 가지는 사회 구조</a:t>
           </a:r>
-          <a:endParaRPr lang="en-US" altLang="ko-KR" sz="1200" kern="1200" dirty="0" smtClean="0"/>
+          <a:endParaRPr lang="en-US" altLang="ko-KR" sz="1200" kern="1200" dirty="0"/>
         </a:p>
         <a:p>
-          <a:pPr lvl="0" algn="l" defTabSz="533400" latinLnBrk="1">
+          <a:pPr marL="0" lvl="0" indent="0" algn="l" defTabSz="533400" latinLnBrk="1">
             <a:lnSpc>
               <a:spcPct val="90000"/>
             </a:lnSpc>
@@ -11274,11 +10937,12 @@
             <a:spcAft>
               <a:spcPct val="35000"/>
             </a:spcAft>
+            <a:buNone/>
           </a:pPr>
-          <a:endParaRPr lang="en-US" altLang="ko-KR" sz="1200" kern="1200" dirty="0" smtClean="0"/>
+          <a:endParaRPr lang="en-US" altLang="ko-KR" sz="1200" kern="1200" dirty="0"/>
         </a:p>
         <a:p>
-          <a:pPr lvl="0" algn="l" defTabSz="533400" latinLnBrk="1">
+          <a:pPr marL="0" lvl="0" indent="0" algn="l" defTabSz="533400" latinLnBrk="1">
             <a:lnSpc>
               <a:spcPct val="90000"/>
             </a:lnSpc>
@@ -11288,12 +10952,12 @@
             <a:spcAft>
               <a:spcPct val="35000"/>
             </a:spcAft>
+            <a:buNone/>
           </a:pPr>
           <a:r>
-            <a:rPr lang="ko-KR" altLang="en-US" sz="1200" kern="1200" dirty="0" smtClean="0"/>
+            <a:rPr lang="ko-KR" altLang="en-US" sz="1200" kern="1200" dirty="0"/>
             <a:t>외계인들도 마찬가지</a:t>
           </a:r>
-          <a:endParaRPr lang="ko-KR" altLang="en-US" sz="1200" kern="1200" dirty="0"/>
         </a:p>
       </dsp:txBody>
       <dsp:txXfrm>
@@ -11357,7 +11021,7 @@
         </a:bodyPr>
         <a:lstStyle/>
         <a:p>
-          <a:pPr lvl="0" algn="ctr" defTabSz="800100" latinLnBrk="1">
+          <a:pPr marL="0" lvl="0" indent="0" algn="ctr" defTabSz="800100" latinLnBrk="1">
             <a:lnSpc>
               <a:spcPct val="90000"/>
             </a:lnSpc>
@@ -11367,12 +11031,12 @@
             <a:spcAft>
               <a:spcPct val="35000"/>
             </a:spcAft>
+            <a:buNone/>
           </a:pPr>
           <a:r>
-            <a:rPr lang="ko-KR" altLang="en-US" sz="1800" kern="1200" dirty="0" smtClean="0"/>
+            <a:rPr lang="ko-KR" altLang="en-US" sz="1800" kern="1200" dirty="0"/>
             <a:t>화폐 경제 구조</a:t>
           </a:r>
-          <a:endParaRPr lang="ko-KR" altLang="en-US" sz="1800" kern="1200" dirty="0"/>
         </a:p>
       </dsp:txBody>
       <dsp:txXfrm rot="-5400000">
@@ -11555,7 +11219,7 @@
         </a:bodyPr>
         <a:lstStyle/>
         <a:p>
-          <a:pPr lvl="0" algn="ctr" defTabSz="755650" latinLnBrk="1">
+          <a:pPr marL="0" lvl="0" indent="0" algn="ctr" defTabSz="755650" latinLnBrk="1">
             <a:lnSpc>
               <a:spcPct val="90000"/>
             </a:lnSpc>
@@ -11565,12 +11229,12 @@
             <a:spcAft>
               <a:spcPct val="35000"/>
             </a:spcAft>
+            <a:buNone/>
           </a:pPr>
           <a:r>
-            <a:rPr lang="ko-KR" altLang="en-US" sz="1700" kern="1200" dirty="0" smtClean="0"/>
+            <a:rPr lang="ko-KR" altLang="en-US" sz="1700" kern="1200" dirty="0"/>
             <a:t>게임</a:t>
           </a:r>
-          <a:endParaRPr lang="ko-KR" altLang="en-US" sz="1700" kern="1200" dirty="0"/>
         </a:p>
       </dsp:txBody>
       <dsp:txXfrm>
@@ -11615,7 +11279,7 @@
         </a:bodyPr>
         <a:lstStyle/>
         <a:p>
-          <a:pPr lvl="0" algn="l" defTabSz="622300" latinLnBrk="1">
+          <a:pPr marL="0" lvl="0" indent="0" algn="l" defTabSz="622300" latinLnBrk="1">
             <a:lnSpc>
               <a:spcPct val="90000"/>
             </a:lnSpc>
@@ -11625,46 +11289,47 @@
             <a:spcAft>
               <a:spcPct val="35000"/>
             </a:spcAft>
+            <a:buNone/>
           </a:pPr>
           <a:r>
-            <a:rPr lang="en-US" altLang="ko-KR" sz="1400" kern="1200" dirty="0" smtClean="0"/>
+            <a:rPr lang="en-US" altLang="ko-KR" sz="1400" kern="1200" dirty="0"/>
             <a:t>1. </a:t>
           </a:r>
           <a:r>
-            <a:rPr lang="ko-KR" altLang="en-US" sz="1400" kern="1200" dirty="0" smtClean="0"/>
+            <a:rPr lang="ko-KR" altLang="en-US" sz="1400" kern="1200" dirty="0"/>
             <a:t>게임을 진행하는 구성 요소는 크게 보유 금액 </a:t>
           </a:r>
           <a:r>
-            <a:rPr lang="en-US" altLang="ko-KR" sz="1400" kern="1200" dirty="0" smtClean="0"/>
+            <a:rPr lang="en-US" altLang="ko-KR" sz="1400" kern="1200" dirty="0"/>
             <a:t>/ </a:t>
           </a:r>
           <a:r>
-            <a:rPr lang="ko-KR" altLang="en-US" sz="1400" kern="1200" dirty="0" smtClean="0"/>
+            <a:rPr lang="ko-KR" altLang="en-US" sz="1400" kern="1200" dirty="0"/>
             <a:t>자원</a:t>
           </a:r>
           <a:r>
-            <a:rPr lang="en-US" altLang="ko-KR" sz="1400" kern="1200" dirty="0" smtClean="0"/>
+            <a:rPr lang="en-US" altLang="ko-KR" sz="1400" kern="1200" dirty="0"/>
             <a:t>,</a:t>
           </a:r>
           <a:r>
-            <a:rPr lang="ko-KR" altLang="en-US" sz="1400" kern="1200" dirty="0" smtClean="0"/>
+            <a:rPr lang="ko-KR" altLang="en-US" sz="1400" kern="1200" dirty="0"/>
             <a:t> 승무원</a:t>
           </a:r>
           <a:r>
-            <a:rPr lang="en-US" altLang="ko-KR" sz="1400" kern="1200" dirty="0" smtClean="0"/>
+            <a:rPr lang="en-US" altLang="ko-KR" sz="1400" kern="1200" dirty="0"/>
             <a:t>, </a:t>
           </a:r>
           <a:r>
-            <a:rPr lang="ko-KR" altLang="en-US" sz="1400" kern="1200" dirty="0" smtClean="0"/>
+            <a:rPr lang="ko-KR" altLang="en-US" sz="1400" kern="1200" dirty="0"/>
             <a:t>함선이 있다</a:t>
           </a:r>
           <a:r>
-            <a:rPr lang="en-US" altLang="ko-KR" sz="1400" kern="1200" dirty="0" smtClean="0"/>
+            <a:rPr lang="en-US" altLang="ko-KR" sz="1400" kern="1200" dirty="0"/>
             <a:t>.</a:t>
           </a:r>
         </a:p>
         <a:p>
-          <a:pPr lvl="0" algn="l" defTabSz="622300" latinLnBrk="1">
+          <a:pPr marL="0" lvl="0" indent="0" algn="l" defTabSz="622300" latinLnBrk="1">
             <a:lnSpc>
               <a:spcPct val="90000"/>
             </a:lnSpc>
@@ -11674,11 +11339,12 @@
             <a:spcAft>
               <a:spcPct val="35000"/>
             </a:spcAft>
+            <a:buNone/>
           </a:pPr>
-          <a:endParaRPr lang="en-US" altLang="ko-KR" sz="1400" kern="1200" dirty="0" smtClean="0"/>
+          <a:endParaRPr lang="en-US" altLang="ko-KR" sz="1400" kern="1200" dirty="0"/>
         </a:p>
         <a:p>
-          <a:pPr lvl="0" algn="l" defTabSz="622300" latinLnBrk="1">
+          <a:pPr marL="0" lvl="0" indent="0" algn="l" defTabSz="622300" latinLnBrk="1">
             <a:lnSpc>
               <a:spcPct val="90000"/>
             </a:lnSpc>
@@ -11688,46 +11354,47 @@
             <a:spcAft>
               <a:spcPct val="35000"/>
             </a:spcAft>
+            <a:buNone/>
           </a:pPr>
           <a:r>
-            <a:rPr lang="en-US" altLang="ko-KR" sz="1400" kern="1200" dirty="0" smtClean="0"/>
+            <a:rPr lang="en-US" altLang="ko-KR" sz="1400" kern="1200" dirty="0"/>
             <a:t>2. </a:t>
           </a:r>
           <a:r>
-            <a:rPr lang="ko-KR" altLang="en-US" sz="1400" kern="1200" dirty="0" smtClean="0"/>
+            <a:rPr lang="ko-KR" altLang="en-US" sz="1400" kern="1200" dirty="0"/>
             <a:t>우주선의 요소에는 내구도</a:t>
           </a:r>
           <a:r>
-            <a:rPr lang="en-US" altLang="ko-KR" sz="1400" kern="1200" dirty="0" smtClean="0"/>
+            <a:rPr lang="en-US" altLang="ko-KR" sz="1400" kern="1200" dirty="0"/>
             <a:t>,  </a:t>
           </a:r>
           <a:r>
-            <a:rPr lang="ko-KR" altLang="en-US" sz="1400" kern="1200" dirty="0" smtClean="0"/>
+            <a:rPr lang="ko-KR" altLang="en-US" sz="1400" kern="1200" dirty="0"/>
             <a:t>보호막</a:t>
           </a:r>
           <a:r>
-            <a:rPr lang="en-US" altLang="ko-KR" sz="1400" kern="1200" dirty="0" smtClean="0"/>
+            <a:rPr lang="en-US" altLang="ko-KR" sz="1400" kern="1200" dirty="0"/>
             <a:t>, </a:t>
           </a:r>
           <a:r>
-            <a:rPr lang="ko-KR" altLang="en-US" sz="1400" kern="1200" dirty="0" smtClean="0"/>
+            <a:rPr lang="ko-KR" altLang="en-US" sz="1400" kern="1200" dirty="0"/>
             <a:t>승무원</a:t>
           </a:r>
           <a:r>
-            <a:rPr lang="en-US" altLang="ko-KR" sz="1400" kern="1200" dirty="0" smtClean="0"/>
+            <a:rPr lang="en-US" altLang="ko-KR" sz="1400" kern="1200" dirty="0"/>
             <a:t>, </a:t>
           </a:r>
           <a:r>
-            <a:rPr lang="ko-KR" altLang="en-US" sz="1400" kern="1200" dirty="0" smtClean="0"/>
+            <a:rPr lang="ko-KR" altLang="en-US" sz="1400" kern="1200" dirty="0"/>
             <a:t>방이 있다</a:t>
           </a:r>
           <a:r>
-            <a:rPr lang="en-US" altLang="ko-KR" sz="1400" kern="1200" dirty="0" smtClean="0"/>
+            <a:rPr lang="en-US" altLang="ko-KR" sz="1400" kern="1200" dirty="0"/>
             <a:t>.</a:t>
           </a:r>
         </a:p>
         <a:p>
-          <a:pPr lvl="0" algn="l" defTabSz="622300" latinLnBrk="1">
+          <a:pPr marL="0" lvl="0" indent="0" algn="l" defTabSz="622300" latinLnBrk="1">
             <a:lnSpc>
               <a:spcPct val="90000"/>
             </a:lnSpc>
@@ -11737,11 +11404,12 @@
             <a:spcAft>
               <a:spcPct val="35000"/>
             </a:spcAft>
+            <a:buNone/>
           </a:pPr>
-          <a:endParaRPr lang="en-US" altLang="ko-KR" sz="1400" kern="1200" dirty="0" smtClean="0"/>
+          <a:endParaRPr lang="en-US" altLang="ko-KR" sz="1400" kern="1200" dirty="0"/>
         </a:p>
         <a:p>
-          <a:pPr lvl="0" algn="l" defTabSz="622300" latinLnBrk="1">
+          <a:pPr marL="0" lvl="0" indent="0" algn="l" defTabSz="622300" latinLnBrk="1">
             <a:lnSpc>
               <a:spcPct val="90000"/>
             </a:lnSpc>
@@ -11751,30 +11419,31 @@
             <a:spcAft>
               <a:spcPct val="35000"/>
             </a:spcAft>
+            <a:buNone/>
           </a:pPr>
           <a:r>
-            <a:rPr lang="en-US" altLang="ko-KR" sz="1400" kern="1200" dirty="0" smtClean="0"/>
+            <a:rPr lang="en-US" altLang="ko-KR" sz="1400" kern="1200" dirty="0"/>
             <a:t>3. </a:t>
           </a:r>
           <a:r>
-            <a:rPr lang="ko-KR" altLang="en-US" sz="1400" kern="1200" dirty="0" smtClean="0"/>
+            <a:rPr lang="ko-KR" altLang="en-US" sz="1400" kern="1200" dirty="0"/>
             <a:t>승무원은 기술 숙련도</a:t>
           </a:r>
           <a:r>
-            <a:rPr lang="en-US" altLang="ko-KR" sz="1400" kern="1200" dirty="0" smtClean="0"/>
+            <a:rPr lang="en-US" altLang="ko-KR" sz="1400" kern="1200" dirty="0"/>
             <a:t>, </a:t>
           </a:r>
           <a:r>
-            <a:rPr lang="ko-KR" altLang="en-US" sz="1400" kern="1200" dirty="0" smtClean="0"/>
+            <a:rPr lang="ko-KR" altLang="en-US" sz="1400" kern="1200" dirty="0"/>
             <a:t>체력이 존재하며 방 안에 개별적인 캐릭터로 존재한다</a:t>
           </a:r>
           <a:r>
-            <a:rPr lang="en-US" altLang="ko-KR" sz="1400" kern="1200" dirty="0" smtClean="0"/>
+            <a:rPr lang="en-US" altLang="ko-KR" sz="1400" kern="1200" dirty="0"/>
             <a:t>.</a:t>
           </a:r>
         </a:p>
         <a:p>
-          <a:pPr lvl="0" algn="l" defTabSz="622300" latinLnBrk="1">
+          <a:pPr marL="0" lvl="0" indent="0" algn="l" defTabSz="622300" latinLnBrk="1">
             <a:lnSpc>
               <a:spcPct val="90000"/>
             </a:lnSpc>
@@ -11784,11 +11453,12 @@
             <a:spcAft>
               <a:spcPct val="35000"/>
             </a:spcAft>
+            <a:buNone/>
           </a:pPr>
-          <a:endParaRPr lang="en-US" altLang="ko-KR" sz="1400" kern="1200" dirty="0" smtClean="0"/>
+          <a:endParaRPr lang="en-US" altLang="ko-KR" sz="1400" kern="1200" dirty="0"/>
         </a:p>
         <a:p>
-          <a:pPr lvl="0" algn="l" defTabSz="622300" latinLnBrk="1">
+          <a:pPr marL="0" lvl="0" indent="0" algn="l" defTabSz="622300" latinLnBrk="1">
             <a:lnSpc>
               <a:spcPct val="90000"/>
             </a:lnSpc>
@@ -11798,33 +11468,34 @@
             <a:spcAft>
               <a:spcPct val="35000"/>
             </a:spcAft>
+            <a:buNone/>
           </a:pPr>
           <a:r>
-            <a:rPr lang="en-US" altLang="ko-KR" sz="1400" kern="1200" dirty="0" smtClean="0"/>
+            <a:rPr lang="en-US" altLang="ko-KR" sz="1400" kern="1200" dirty="0"/>
             <a:t>4. </a:t>
           </a:r>
           <a:r>
-            <a:rPr lang="ko-KR" altLang="en-US" sz="1400" kern="1200" dirty="0" smtClean="0"/>
+            <a:rPr lang="ko-KR" altLang="en-US" sz="1400" kern="1200" dirty="0"/>
             <a:t>자원의 종류에는 연료</a:t>
           </a:r>
           <a:r>
-            <a:rPr lang="en-US" altLang="ko-KR" sz="1400" kern="1200" dirty="0" smtClean="0"/>
+            <a:rPr lang="en-US" altLang="ko-KR" sz="1400" kern="1200" dirty="0"/>
             <a:t>, </a:t>
           </a:r>
           <a:r>
-            <a:rPr lang="ko-KR" altLang="en-US" sz="1400" kern="1200" dirty="0" smtClean="0"/>
+            <a:rPr lang="ko-KR" altLang="en-US" sz="1400" kern="1200" dirty="0"/>
             <a:t>금속과</a:t>
           </a:r>
           <a:r>
-            <a:rPr lang="en-US" altLang="ko-KR" sz="1400" kern="1200" dirty="0" smtClean="0"/>
+            <a:rPr lang="en-US" altLang="ko-KR" sz="1400" kern="1200" dirty="0"/>
             <a:t> </a:t>
           </a:r>
           <a:r>
-            <a:rPr lang="ko-KR" altLang="en-US" sz="1400" kern="1200" dirty="0" smtClean="0"/>
+            <a:rPr lang="ko-KR" altLang="en-US" sz="1400" kern="1200" dirty="0"/>
             <a:t>식량이 있다</a:t>
           </a:r>
           <a:r>
-            <a:rPr lang="en-US" altLang="ko-KR" sz="1400" kern="1200" dirty="0" smtClean="0"/>
+            <a:rPr lang="en-US" altLang="ko-KR" sz="1400" kern="1200" dirty="0"/>
             <a:t>.</a:t>
           </a:r>
         </a:p>
@@ -12009,7 +11680,7 @@
         </a:bodyPr>
         <a:lstStyle/>
         <a:p>
-          <a:pPr lvl="0" algn="ctr" defTabSz="755650" latinLnBrk="1">
+          <a:pPr marL="0" lvl="0" indent="0" algn="ctr" defTabSz="755650" latinLnBrk="1">
             <a:lnSpc>
               <a:spcPct val="90000"/>
             </a:lnSpc>
@@ -12019,12 +11690,12 @@
             <a:spcAft>
               <a:spcPct val="35000"/>
             </a:spcAft>
+            <a:buNone/>
           </a:pPr>
           <a:r>
-            <a:rPr lang="ko-KR" altLang="en-US" sz="1700" kern="1200" dirty="0" smtClean="0"/>
+            <a:rPr lang="ko-KR" altLang="en-US" sz="1700" kern="1200" dirty="0"/>
             <a:t>우주선</a:t>
           </a:r>
-          <a:endParaRPr lang="ko-KR" altLang="en-US" sz="1700" kern="1200" dirty="0"/>
         </a:p>
       </dsp:txBody>
       <dsp:txXfrm>
@@ -12069,7 +11740,7 @@
         </a:bodyPr>
         <a:lstStyle/>
         <a:p>
-          <a:pPr lvl="0" algn="l" defTabSz="622300" latinLnBrk="1">
+          <a:pPr marL="0" lvl="0" indent="0" algn="l" defTabSz="622300" latinLnBrk="1">
             <a:lnSpc>
               <a:spcPct val="90000"/>
             </a:lnSpc>
@@ -12079,22 +11750,23 @@
             <a:spcAft>
               <a:spcPct val="35000"/>
             </a:spcAft>
+            <a:buNone/>
           </a:pPr>
           <a:r>
-            <a:rPr lang="en-US" altLang="ko-KR" sz="1400" kern="1200" dirty="0" smtClean="0"/>
+            <a:rPr lang="en-US" altLang="ko-KR" sz="1400" kern="1200" dirty="0"/>
             <a:t>1. </a:t>
           </a:r>
           <a:r>
-            <a:rPr lang="ko-KR" altLang="en-US" sz="1400" kern="1200" dirty="0" smtClean="0"/>
+            <a:rPr lang="ko-KR" altLang="en-US" sz="1400" kern="1200" dirty="0"/>
             <a:t>함선은 방으로 나뉘어있다</a:t>
           </a:r>
           <a:r>
-            <a:rPr lang="en-US" altLang="ko-KR" sz="1400" kern="1200" dirty="0" smtClean="0"/>
+            <a:rPr lang="en-US" altLang="ko-KR" sz="1400" kern="1200" dirty="0"/>
             <a:t>.</a:t>
           </a:r>
         </a:p>
         <a:p>
-          <a:pPr lvl="0" algn="l" defTabSz="622300" latinLnBrk="1">
+          <a:pPr marL="0" lvl="0" indent="0" algn="l" defTabSz="622300" latinLnBrk="1">
             <a:lnSpc>
               <a:spcPct val="90000"/>
             </a:lnSpc>
@@ -12104,11 +11776,12 @@
             <a:spcAft>
               <a:spcPct val="35000"/>
             </a:spcAft>
+            <a:buNone/>
           </a:pPr>
-          <a:endParaRPr lang="en-US" altLang="ko-KR" sz="1400" kern="1200" dirty="0" smtClean="0"/>
+          <a:endParaRPr lang="en-US" altLang="ko-KR" sz="1400" kern="1200" dirty="0"/>
         </a:p>
         <a:p>
-          <a:pPr lvl="0" algn="l" defTabSz="622300" latinLnBrk="1">
+          <a:pPr marL="0" lvl="0" indent="0" algn="l" defTabSz="622300" latinLnBrk="1">
             <a:lnSpc>
               <a:spcPct val="90000"/>
             </a:lnSpc>
@@ -12118,22 +11791,23 @@
             <a:spcAft>
               <a:spcPct val="35000"/>
             </a:spcAft>
+            <a:buNone/>
           </a:pPr>
           <a:r>
-            <a:rPr lang="en-US" altLang="ko-KR" sz="1400" kern="1200" dirty="0" smtClean="0"/>
+            <a:rPr lang="en-US" altLang="ko-KR" sz="1400" kern="1200" dirty="0"/>
             <a:t>2. </a:t>
           </a:r>
           <a:r>
-            <a:rPr lang="ko-KR" altLang="en-US" sz="1400" kern="1200" dirty="0" smtClean="0"/>
+            <a:rPr lang="ko-KR" altLang="en-US" sz="1400" kern="1200" dirty="0"/>
             <a:t>각 방에는 시설이 설치되어 있어 함선의 기능을 담당한다</a:t>
           </a:r>
           <a:r>
-            <a:rPr lang="en-US" altLang="ko-KR" sz="1400" kern="1200" dirty="0" smtClean="0"/>
+            <a:rPr lang="en-US" altLang="ko-KR" sz="1400" kern="1200" dirty="0"/>
             <a:t>.</a:t>
           </a:r>
         </a:p>
         <a:p>
-          <a:pPr lvl="0" algn="l" defTabSz="622300" latinLnBrk="1">
+          <a:pPr marL="0" lvl="0" indent="0" algn="l" defTabSz="622300" latinLnBrk="1">
             <a:lnSpc>
               <a:spcPct val="90000"/>
             </a:lnSpc>
@@ -12143,11 +11817,12 @@
             <a:spcAft>
               <a:spcPct val="35000"/>
             </a:spcAft>
+            <a:buNone/>
           </a:pPr>
-          <a:endParaRPr lang="en-US" altLang="ko-KR" sz="1400" kern="1200" dirty="0" smtClean="0"/>
+          <a:endParaRPr lang="en-US" altLang="ko-KR" sz="1400" kern="1200" dirty="0"/>
         </a:p>
         <a:p>
-          <a:pPr lvl="0" algn="l" defTabSz="622300" latinLnBrk="1">
+          <a:pPr marL="0" lvl="0" indent="0" algn="l" defTabSz="622300" latinLnBrk="1">
             <a:lnSpc>
               <a:spcPct val="90000"/>
             </a:lnSpc>
@@ -12157,22 +11832,23 @@
             <a:spcAft>
               <a:spcPct val="35000"/>
             </a:spcAft>
+            <a:buNone/>
           </a:pPr>
           <a:r>
-            <a:rPr lang="en-US" altLang="ko-KR" sz="1400" kern="1200" dirty="0" smtClean="0"/>
+            <a:rPr lang="en-US" altLang="ko-KR" sz="1400" kern="1200" dirty="0"/>
             <a:t>3. </a:t>
           </a:r>
           <a:r>
-            <a:rPr lang="ko-KR" altLang="en-US" sz="1400" kern="1200" dirty="0" smtClean="0"/>
+            <a:rPr lang="ko-KR" altLang="en-US" sz="1400" kern="1200" dirty="0"/>
             <a:t>이 시설들은 비용과 시간을 들여서 강화가 가능하다</a:t>
           </a:r>
           <a:r>
-            <a:rPr lang="en-US" altLang="ko-KR" sz="1400" kern="1200" dirty="0" smtClean="0"/>
+            <a:rPr lang="en-US" altLang="ko-KR" sz="1400" kern="1200" dirty="0"/>
             <a:t>.</a:t>
           </a:r>
         </a:p>
         <a:p>
-          <a:pPr lvl="0" algn="l" defTabSz="622300" latinLnBrk="1">
+          <a:pPr marL="0" lvl="0" indent="0" algn="l" defTabSz="622300" latinLnBrk="1">
             <a:lnSpc>
               <a:spcPct val="90000"/>
             </a:lnSpc>
@@ -12182,11 +11858,12 @@
             <a:spcAft>
               <a:spcPct val="35000"/>
             </a:spcAft>
+            <a:buNone/>
           </a:pPr>
-          <a:endParaRPr lang="en-US" altLang="ko-KR" sz="1400" kern="1200" dirty="0" smtClean="0"/>
+          <a:endParaRPr lang="en-US" altLang="ko-KR" sz="1400" kern="1200" dirty="0"/>
         </a:p>
         <a:p>
-          <a:pPr lvl="0" algn="l" defTabSz="622300" latinLnBrk="1">
+          <a:pPr marL="0" lvl="0" indent="0" algn="l" defTabSz="622300" latinLnBrk="1">
             <a:lnSpc>
               <a:spcPct val="90000"/>
             </a:lnSpc>
@@ -12196,33 +11873,34 @@
             <a:spcAft>
               <a:spcPct val="35000"/>
             </a:spcAft>
+            <a:buNone/>
           </a:pPr>
           <a:r>
-            <a:rPr lang="en-US" altLang="ko-KR" sz="1400" kern="1200" dirty="0" smtClean="0"/>
+            <a:rPr lang="en-US" altLang="ko-KR" sz="1400" kern="1200" dirty="0"/>
             <a:t>4. </a:t>
           </a:r>
           <a:r>
-            <a:rPr lang="ko-KR" altLang="en-US" sz="1400" kern="1200" dirty="0" smtClean="0"/>
+            <a:rPr lang="ko-KR" altLang="en-US" sz="1400" kern="1200" dirty="0"/>
             <a:t>특정 시설의 유무</a:t>
           </a:r>
           <a:r>
-            <a:rPr lang="en-US" altLang="ko-KR" sz="1400" kern="1200" dirty="0" smtClean="0"/>
+            <a:rPr lang="en-US" altLang="ko-KR" sz="1400" kern="1200" dirty="0"/>
             <a:t>, </a:t>
           </a:r>
           <a:r>
-            <a:rPr lang="ko-KR" altLang="en-US" sz="1400" kern="1200" dirty="0" smtClean="0"/>
+            <a:rPr lang="ko-KR" altLang="en-US" sz="1400" kern="1200" dirty="0"/>
             <a:t>강화 여부에 따라 등장하는 이벤트가 달라질 수 있다</a:t>
           </a:r>
           <a:r>
-            <a:rPr lang="en-US" altLang="ko-KR" sz="1400" kern="1200" dirty="0" smtClean="0"/>
+            <a:rPr lang="en-US" altLang="ko-KR" sz="1400" kern="1200" dirty="0"/>
             <a:t>. </a:t>
           </a:r>
           <a:r>
-            <a:rPr lang="ko-KR" altLang="en-US" sz="1400" kern="1200" dirty="0" smtClean="0"/>
+            <a:rPr lang="ko-KR" altLang="en-US" sz="1400" kern="1200" dirty="0"/>
             <a:t>혹은 추가적인 선택지가 주어질 수 있다</a:t>
           </a:r>
           <a:r>
-            <a:rPr lang="en-US" altLang="ko-KR" sz="1400" kern="1200" dirty="0" smtClean="0"/>
+            <a:rPr lang="en-US" altLang="ko-KR" sz="1400" kern="1200" dirty="0"/>
             <a:t>.</a:t>
           </a:r>
         </a:p>
@@ -12407,7 +12085,7 @@
         </a:bodyPr>
         <a:lstStyle/>
         <a:p>
-          <a:pPr lvl="0" algn="ctr" defTabSz="755650" latinLnBrk="1">
+          <a:pPr marL="0" lvl="0" indent="0" algn="ctr" defTabSz="755650" latinLnBrk="1">
             <a:lnSpc>
               <a:spcPct val="90000"/>
             </a:lnSpc>
@@ -12417,20 +12095,20 @@
             <a:spcAft>
               <a:spcPct val="35000"/>
             </a:spcAft>
+            <a:buNone/>
           </a:pPr>
           <a:r>
-            <a:rPr lang="ko-KR" altLang="en-US" sz="1700" kern="1200" dirty="0" smtClean="0"/>
+            <a:rPr lang="ko-KR" altLang="en-US" sz="1700" kern="1200" dirty="0"/>
             <a:t>우주</a:t>
           </a:r>
           <a:r>
-            <a:rPr lang="en-US" altLang="ko-KR" sz="1700" kern="1200" dirty="0" smtClean="0"/>
+            <a:rPr lang="en-US" altLang="ko-KR" sz="1700" kern="1200" dirty="0"/>
             <a:t>, </a:t>
           </a:r>
           <a:r>
-            <a:rPr lang="ko-KR" altLang="en-US" sz="1700" kern="1200" dirty="0" smtClean="0"/>
+            <a:rPr lang="ko-KR" altLang="en-US" sz="1700" kern="1200" dirty="0"/>
             <a:t>항해</a:t>
           </a:r>
-          <a:endParaRPr lang="ko-KR" altLang="en-US" sz="1700" kern="1200" dirty="0"/>
         </a:p>
       </dsp:txBody>
       <dsp:txXfrm>
@@ -12475,7 +12153,7 @@
         </a:bodyPr>
         <a:lstStyle/>
         <a:p>
-          <a:pPr lvl="0" algn="l" defTabSz="622300" latinLnBrk="1">
+          <a:pPr marL="0" lvl="0" indent="0" algn="l" defTabSz="622300" latinLnBrk="1">
             <a:lnSpc>
               <a:spcPct val="90000"/>
             </a:lnSpc>
@@ -12485,30 +12163,31 @@
             <a:spcAft>
               <a:spcPct val="35000"/>
             </a:spcAft>
+            <a:buNone/>
           </a:pPr>
           <a:r>
-            <a:rPr lang="en-US" altLang="ko-KR" sz="1400" kern="1200" dirty="0" smtClean="0"/>
+            <a:rPr lang="en-US" altLang="ko-KR" sz="1400" kern="1200" dirty="0"/>
             <a:t>1. </a:t>
           </a:r>
           <a:r>
-            <a:rPr lang="ko-KR" altLang="en-US" sz="1400" kern="1200" dirty="0" smtClean="0"/>
+            <a:rPr lang="ko-KR" altLang="en-US" sz="1400" kern="1200" dirty="0"/>
             <a:t>하나의 맵은 점과 선의 그래프 형태로 표현된다</a:t>
           </a:r>
           <a:r>
-            <a:rPr lang="en-US" altLang="ko-KR" sz="1400" kern="1200" dirty="0" smtClean="0"/>
+            <a:rPr lang="en-US" altLang="ko-KR" sz="1400" kern="1200" dirty="0"/>
             <a:t>. </a:t>
           </a:r>
           <a:r>
-            <a:rPr lang="ko-KR" altLang="en-US" sz="1400" kern="1200" dirty="0" smtClean="0"/>
+            <a:rPr lang="ko-KR" altLang="en-US" sz="1400" kern="1200" dirty="0"/>
             <a:t>이 맵은 한 행성 계를 의미하여 다른 행성 계로 나가는 구역이 있다</a:t>
           </a:r>
           <a:r>
-            <a:rPr lang="en-US" altLang="ko-KR" sz="1400" kern="1200" dirty="0" smtClean="0"/>
+            <a:rPr lang="en-US" altLang="ko-KR" sz="1400" kern="1200" dirty="0"/>
             <a:t>.</a:t>
           </a:r>
         </a:p>
         <a:p>
-          <a:pPr lvl="0" algn="l" defTabSz="622300" latinLnBrk="1">
+          <a:pPr marL="0" lvl="0" indent="0" algn="l" defTabSz="622300" latinLnBrk="1">
             <a:lnSpc>
               <a:spcPct val="90000"/>
             </a:lnSpc>
@@ -12518,11 +12197,12 @@
             <a:spcAft>
               <a:spcPct val="35000"/>
             </a:spcAft>
+            <a:buNone/>
           </a:pPr>
-          <a:endParaRPr lang="en-US" altLang="ko-KR" sz="1400" kern="1200" dirty="0" smtClean="0"/>
+          <a:endParaRPr lang="en-US" altLang="ko-KR" sz="1400" kern="1200" dirty="0"/>
         </a:p>
         <a:p>
-          <a:pPr lvl="0" algn="l" defTabSz="622300" latinLnBrk="1">
+          <a:pPr marL="0" lvl="0" indent="0" algn="l" defTabSz="622300" latinLnBrk="1">
             <a:lnSpc>
               <a:spcPct val="90000"/>
             </a:lnSpc>
@@ -12532,38 +12212,39 @@
             <a:spcAft>
               <a:spcPct val="35000"/>
             </a:spcAft>
+            <a:buNone/>
           </a:pPr>
           <a:r>
-            <a:rPr lang="en-US" altLang="ko-KR" sz="1400" kern="1200" dirty="0" smtClean="0"/>
+            <a:rPr lang="en-US" altLang="ko-KR" sz="1400" kern="1200" dirty="0"/>
             <a:t>2.  </a:t>
           </a:r>
           <a:r>
-            <a:rPr lang="ko-KR" altLang="en-US" sz="1400" kern="1200" dirty="0" smtClean="0"/>
+            <a:rPr lang="ko-KR" altLang="en-US" sz="1400" kern="1200" dirty="0"/>
             <a:t>하나의 점은 </a:t>
           </a:r>
           <a:r>
-            <a:rPr lang="en-US" altLang="ko-KR" sz="1400" kern="1200" dirty="0" smtClean="0"/>
+            <a:rPr lang="en-US" altLang="ko-KR" sz="1400" kern="1200" dirty="0"/>
             <a:t>‘</a:t>
           </a:r>
           <a:r>
-            <a:rPr lang="ko-KR" altLang="en-US" sz="1400" kern="1200" dirty="0" smtClean="0"/>
+            <a:rPr lang="ko-KR" altLang="en-US" sz="1400" kern="1200" dirty="0"/>
             <a:t>비컨</a:t>
           </a:r>
           <a:r>
-            <a:rPr lang="en-US" altLang="ko-KR" sz="1400" kern="1200" dirty="0" smtClean="0"/>
+            <a:rPr lang="en-US" altLang="ko-KR" sz="1400" kern="1200" dirty="0"/>
             <a:t>’</a:t>
           </a:r>
           <a:r>
-            <a:rPr lang="ko-KR" altLang="en-US" sz="1400" kern="1200" dirty="0" smtClean="0"/>
+            <a:rPr lang="ko-KR" altLang="en-US" sz="1400" kern="1200" dirty="0"/>
             <a:t>이라고 하며 공간 이동의 단위이다</a:t>
           </a:r>
           <a:r>
-            <a:rPr lang="en-US" altLang="ko-KR" sz="1400" kern="1200" dirty="0" smtClean="0"/>
+            <a:rPr lang="en-US" altLang="ko-KR" sz="1400" kern="1200" dirty="0"/>
             <a:t>.</a:t>
           </a:r>
         </a:p>
         <a:p>
-          <a:pPr lvl="0" algn="l" defTabSz="622300" latinLnBrk="1">
+          <a:pPr marL="0" lvl="0" indent="0" algn="l" defTabSz="622300" latinLnBrk="1">
             <a:lnSpc>
               <a:spcPct val="90000"/>
             </a:lnSpc>
@@ -12573,11 +12254,12 @@
             <a:spcAft>
               <a:spcPct val="35000"/>
             </a:spcAft>
+            <a:buNone/>
           </a:pPr>
-          <a:endParaRPr lang="en-US" altLang="ko-KR" sz="1400" kern="1200" dirty="0" smtClean="0"/>
+          <a:endParaRPr lang="en-US" altLang="ko-KR" sz="1400" kern="1200" dirty="0"/>
         </a:p>
         <a:p>
-          <a:pPr lvl="0" algn="l" defTabSz="622300" latinLnBrk="1">
+          <a:pPr marL="0" lvl="0" indent="0" algn="l" defTabSz="622300" latinLnBrk="1">
             <a:lnSpc>
               <a:spcPct val="90000"/>
             </a:lnSpc>
@@ -12587,30 +12269,31 @@
             <a:spcAft>
               <a:spcPct val="35000"/>
             </a:spcAft>
+            <a:buNone/>
           </a:pPr>
           <a:r>
-            <a:rPr lang="en-US" altLang="ko-KR" sz="1400" kern="1200" dirty="0" smtClean="0"/>
+            <a:rPr lang="en-US" altLang="ko-KR" sz="1400" kern="1200" dirty="0"/>
             <a:t>3. </a:t>
           </a:r>
           <a:r>
-            <a:rPr lang="ko-KR" altLang="en-US" sz="1400" kern="1200" dirty="0" smtClean="0"/>
+            <a:rPr lang="ko-KR" altLang="en-US" sz="1400" kern="1200" dirty="0"/>
             <a:t>한번 공간 이동할 때마다 연료 자원이 </a:t>
           </a:r>
           <a:r>
-            <a:rPr lang="en-US" altLang="ko-KR" sz="1400" kern="1200" dirty="0" smtClean="0"/>
+            <a:rPr lang="en-US" altLang="ko-KR" sz="1400" kern="1200" dirty="0"/>
             <a:t>1 </a:t>
           </a:r>
           <a:r>
-            <a:rPr lang="ko-KR" altLang="en-US" sz="1400" kern="1200" dirty="0" smtClean="0"/>
+            <a:rPr lang="ko-KR" altLang="en-US" sz="1400" kern="1200" dirty="0"/>
             <a:t>소모된다</a:t>
           </a:r>
           <a:r>
-            <a:rPr lang="en-US" altLang="ko-KR" sz="1400" kern="1200" dirty="0" smtClean="0"/>
+            <a:rPr lang="en-US" altLang="ko-KR" sz="1400" kern="1200" dirty="0"/>
             <a:t>.</a:t>
           </a:r>
         </a:p>
         <a:p>
-          <a:pPr lvl="0" algn="l" defTabSz="622300" latinLnBrk="1">
+          <a:pPr marL="0" lvl="0" indent="0" algn="l" defTabSz="622300" latinLnBrk="1">
             <a:lnSpc>
               <a:spcPct val="90000"/>
             </a:lnSpc>
@@ -12620,11 +12303,12 @@
             <a:spcAft>
               <a:spcPct val="35000"/>
             </a:spcAft>
+            <a:buNone/>
           </a:pPr>
-          <a:endParaRPr lang="en-US" altLang="ko-KR" sz="1400" kern="1200" dirty="0" smtClean="0"/>
+          <a:endParaRPr lang="en-US" altLang="ko-KR" sz="1400" kern="1200" dirty="0"/>
         </a:p>
         <a:p>
-          <a:pPr lvl="0" algn="l" defTabSz="622300" latinLnBrk="1">
+          <a:pPr marL="0" lvl="0" indent="0" algn="l" defTabSz="622300" latinLnBrk="1">
             <a:lnSpc>
               <a:spcPct val="90000"/>
             </a:lnSpc>
@@ -12634,25 +12318,26 @@
             <a:spcAft>
               <a:spcPct val="35000"/>
             </a:spcAft>
+            <a:buNone/>
           </a:pPr>
           <a:r>
-            <a:rPr lang="en-US" altLang="ko-KR" sz="1400" kern="1200" dirty="0" smtClean="0"/>
+            <a:rPr lang="en-US" altLang="ko-KR" sz="1400" kern="1200" dirty="0"/>
             <a:t>4. </a:t>
           </a:r>
           <a:r>
-            <a:rPr lang="ko-KR" altLang="en-US" sz="1400" kern="1200" dirty="0" smtClean="0"/>
+            <a:rPr lang="ko-KR" altLang="en-US" sz="1400" kern="1200" dirty="0"/>
             <a:t>보유한 연료가 없을 시 구조 신호를 방출하거나 비컨 에서 대기하거나</a:t>
           </a:r>
           <a:r>
-            <a:rPr lang="en-US" altLang="ko-KR" sz="1400" kern="1200" dirty="0" smtClean="0"/>
+            <a:rPr lang="en-US" altLang="ko-KR" sz="1400" kern="1200" dirty="0"/>
             <a:t>, </a:t>
           </a:r>
           <a:r>
-            <a:rPr lang="ko-KR" altLang="en-US" sz="1400" kern="1200" dirty="0" smtClean="0"/>
+            <a:rPr lang="ko-KR" altLang="en-US" sz="1400" kern="1200" dirty="0"/>
             <a:t>비컨 내 행성에서 약탈을 할 수도 있다</a:t>
           </a:r>
           <a:r>
-            <a:rPr lang="en-US" altLang="ko-KR" sz="1400" kern="1200" dirty="0" smtClean="0"/>
+            <a:rPr lang="en-US" altLang="ko-KR" sz="1400" kern="1200" dirty="0"/>
             <a:t>.</a:t>
           </a:r>
         </a:p>
@@ -26959,7 +26644,7 @@
           <p:cNvPr id="2" name="제목 1">
             <a:extLst>
               <a:ext uri="{FF2B5EF4-FFF2-40B4-BE49-F238E27FC236}">
-                <a16:creationId xmlns:a16="http://schemas.microsoft.com/office/drawing/2014/main" xmlns="" id="{0F7E3BDF-4C8C-40F1-8CA2-E33700D56CCC}"/>
+                <a16:creationId xmlns:a16="http://schemas.microsoft.com/office/drawing/2014/main" id="{0F7E3BDF-4C8C-40F1-8CA2-E33700D56CCC}"/>
               </a:ext>
             </a:extLst>
           </p:cNvPr>
@@ -26983,13 +26668,6 @@
           <a:lstStyle/>
           <a:p>
             <a:pPr algn="ctr"/>
-            <a:r>
-              <a:rPr lang="en-US" altLang="ko-KR" sz="4600" cap="none" dirty="0">
-                <a:latin typeface="Continuum Light" panose="00000400000000000000" pitchFamily="2" charset="0"/>
-                <a:ea typeface="-윤고딕320" panose="02030504000101010101" pitchFamily="18" charset="-127"/>
-              </a:rPr>
-              <a:t/>
-            </a:r>
             <a:br>
               <a:rPr lang="en-US" altLang="ko-KR" sz="4600" cap="none" dirty="0">
                 <a:latin typeface="Continuum Light" panose="00000400000000000000" pitchFamily="2" charset="0"/>
@@ -27015,7 +26693,7 @@
           <p:cNvPr id="4" name="표 3">
             <a:extLst>
               <a:ext uri="{FF2B5EF4-FFF2-40B4-BE49-F238E27FC236}">
-                <a16:creationId xmlns:a16="http://schemas.microsoft.com/office/drawing/2014/main" xmlns="" id="{C70C5963-1654-42BE-A747-8FAF6E0D7514}"/>
+                <a16:creationId xmlns:a16="http://schemas.microsoft.com/office/drawing/2014/main" id="{C70C5963-1654-42BE-A747-8FAF6E0D7514}"/>
               </a:ext>
             </a:extLst>
           </p:cNvPr>
@@ -27046,49 +26724,49 @@
                 <a:gridCol w="648925">
                   <a:extLst>
                     <a:ext uri="{9D8B030D-6E8A-4147-A177-3AD203B41FA5}">
-                      <a16:colId xmlns:a16="http://schemas.microsoft.com/office/drawing/2014/main" xmlns="" val="20000"/>
+                      <a16:colId xmlns:a16="http://schemas.microsoft.com/office/drawing/2014/main" val="20000"/>
                     </a:ext>
                   </a:extLst>
                 </a:gridCol>
                 <a:gridCol w="1393488">
                   <a:extLst>
                     <a:ext uri="{9D8B030D-6E8A-4147-A177-3AD203B41FA5}">
-                      <a16:colId xmlns:a16="http://schemas.microsoft.com/office/drawing/2014/main" xmlns="" val="20001"/>
+                      <a16:colId xmlns:a16="http://schemas.microsoft.com/office/drawing/2014/main" val="20001"/>
                     </a:ext>
                   </a:extLst>
                 </a:gridCol>
                 <a:gridCol w="1393488">
                   <a:extLst>
                     <a:ext uri="{9D8B030D-6E8A-4147-A177-3AD203B41FA5}">
-                      <a16:colId xmlns:a16="http://schemas.microsoft.com/office/drawing/2014/main" xmlns="" val="20002"/>
+                      <a16:colId xmlns:a16="http://schemas.microsoft.com/office/drawing/2014/main" val="20002"/>
                     </a:ext>
                   </a:extLst>
                 </a:gridCol>
                 <a:gridCol w="1347868">
                   <a:extLst>
                     <a:ext uri="{9D8B030D-6E8A-4147-A177-3AD203B41FA5}">
-                      <a16:colId xmlns:a16="http://schemas.microsoft.com/office/drawing/2014/main" xmlns="" val="20003"/>
+                      <a16:colId xmlns:a16="http://schemas.microsoft.com/office/drawing/2014/main" val="20003"/>
                     </a:ext>
                   </a:extLst>
                 </a:gridCol>
                 <a:gridCol w="1439108">
                   <a:extLst>
                     <a:ext uri="{9D8B030D-6E8A-4147-A177-3AD203B41FA5}">
-                      <a16:colId xmlns:a16="http://schemas.microsoft.com/office/drawing/2014/main" xmlns="" val="20004"/>
+                      <a16:colId xmlns:a16="http://schemas.microsoft.com/office/drawing/2014/main" val="20004"/>
                     </a:ext>
                   </a:extLst>
                 </a:gridCol>
                 <a:gridCol w="1701861">
                   <a:extLst>
                     <a:ext uri="{9D8B030D-6E8A-4147-A177-3AD203B41FA5}">
-                      <a16:colId xmlns:a16="http://schemas.microsoft.com/office/drawing/2014/main" xmlns="" val="20005"/>
+                      <a16:colId xmlns:a16="http://schemas.microsoft.com/office/drawing/2014/main" val="20005"/>
                     </a:ext>
                   </a:extLst>
                 </a:gridCol>
                 <a:gridCol w="1701861">
                   <a:extLst>
                     <a:ext uri="{9D8B030D-6E8A-4147-A177-3AD203B41FA5}">
-                      <a16:colId xmlns:a16="http://schemas.microsoft.com/office/drawing/2014/main" xmlns="" val="20006"/>
+                      <a16:colId xmlns:a16="http://schemas.microsoft.com/office/drawing/2014/main" val="20006"/>
                     </a:ext>
                   </a:extLst>
                 </a:gridCol>
@@ -27649,7 +27327,7 @@
                 </a:tc>
                 <a:extLst>
                   <a:ext uri="{0D108BD9-81ED-4DB2-BD59-A6C34878D82A}">
-                    <a16:rowId xmlns:a16="http://schemas.microsoft.com/office/drawing/2014/main" xmlns="" val="10000"/>
+                    <a16:rowId xmlns:a16="http://schemas.microsoft.com/office/drawing/2014/main" val="10000"/>
                   </a:ext>
                 </a:extLst>
               </a:tr>
@@ -28109,7 +27787,7 @@
                 </a:tc>
                 <a:extLst>
                   <a:ext uri="{0D108BD9-81ED-4DB2-BD59-A6C34878D82A}">
-                    <a16:rowId xmlns:a16="http://schemas.microsoft.com/office/drawing/2014/main" xmlns="" val="10001"/>
+                    <a16:rowId xmlns:a16="http://schemas.microsoft.com/office/drawing/2014/main" val="10001"/>
                   </a:ext>
                 </a:extLst>
               </a:tr>
@@ -28127,13 +27805,6 @@
   <p:clrMapOvr>
     <a:masterClrMapping/>
   </p:clrMapOvr>
-  <p:timing>
-    <p:tnLst>
-      <p:par>
-        <p:cTn id="1" dur="indefinite" restart="never" nodeType="tmRoot"/>
-      </p:par>
-    </p:tnLst>
-  </p:timing>
 </p:sld>
 </file>
 
@@ -28171,11 +27842,11 @@
           <a:p>
             <a:pPr algn="ctr"/>
             <a:r>
-              <a:rPr lang="ko-KR" altLang="en-US" dirty="0" smtClean="0"/>
+              <a:rPr lang="ko-KR" altLang="en-US" dirty="0"/>
               <a:t>인터페이스 </a:t>
             </a:r>
             <a:r>
-              <a:rPr lang="en-US" altLang="ko-KR" dirty="0" smtClean="0"/>
+              <a:rPr lang="en-US" altLang="ko-KR" dirty="0"/>
               <a:t>(1)</a:t>
             </a:r>
             <a:endParaRPr lang="ko-KR" altLang="en-US" dirty="0"/>
@@ -28225,13 +27896,13 @@
           <a:p>
             <a:pPr algn="ctr"/>
             <a:r>
-              <a:rPr lang="ko-KR" altLang="en-US" dirty="0" smtClean="0">
+              <a:rPr lang="ko-KR" altLang="en-US" dirty="0">
                 <a:latin typeface="+mj-ea"/>
                 <a:ea typeface="+mj-ea"/>
               </a:rPr>
               <a:t>함선 인터페이스</a:t>
             </a:r>
-            <a:endParaRPr lang="en-US" altLang="ko-KR" dirty="0" smtClean="0">
+            <a:endParaRPr lang="en-US" altLang="ko-KR" dirty="0">
               <a:latin typeface="+mj-ea"/>
               <a:ea typeface="+mj-ea"/>
             </a:endParaRPr>
@@ -28242,12 +27913,12 @@
               <a:buChar char="•"/>
             </a:pPr>
             <a:r>
-              <a:rPr lang="ko-KR" altLang="en-US" dirty="0" smtClean="0">
+              <a:rPr lang="ko-KR" altLang="en-US" dirty="0">
                 <a:latin typeface="+mn-ea"/>
               </a:rPr>
               <a:t>정가운데의 함선의 모습</a:t>
             </a:r>
-            <a:endParaRPr lang="en-US" altLang="ko-KR" dirty="0" smtClean="0">
+            <a:endParaRPr lang="en-US" altLang="ko-KR" dirty="0">
               <a:latin typeface="+mn-ea"/>
             </a:endParaRPr>
           </a:p>
@@ -28272,13 +27943,7 @@
               <a:rPr lang="ko-KR" altLang="en-US" dirty="0">
                 <a:latin typeface="+mn-ea"/>
               </a:rPr>
-              <a:t>보호막 </a:t>
-            </a:r>
-            <a:r>
-              <a:rPr lang="ko-KR" altLang="en-US" dirty="0" smtClean="0">
-                <a:latin typeface="+mn-ea"/>
-              </a:rPr>
-              <a:t>막대</a:t>
+              <a:t>보호막 막대</a:t>
             </a:r>
             <a:endParaRPr lang="en-US" altLang="ko-KR" dirty="0">
               <a:latin typeface="+mn-ea"/>
@@ -28290,12 +27955,12 @@
               <a:buChar char="•"/>
             </a:pPr>
             <a:r>
-              <a:rPr lang="ko-KR" altLang="en-US" dirty="0" smtClean="0">
+              <a:rPr lang="ko-KR" altLang="en-US" dirty="0">
                 <a:latin typeface="+mn-ea"/>
               </a:rPr>
               <a:t>내부 시설과 승무원의 모습</a:t>
             </a:r>
-            <a:endParaRPr lang="en-US" altLang="ko-KR" dirty="0" smtClean="0">
+            <a:endParaRPr lang="en-US" altLang="ko-KR" dirty="0">
               <a:latin typeface="+mn-ea"/>
             </a:endParaRPr>
           </a:p>
@@ -28305,12 +27970,12 @@
               <a:buChar char="•"/>
             </a:pPr>
             <a:r>
-              <a:rPr lang="ko-KR" altLang="en-US" dirty="0" smtClean="0">
+              <a:rPr lang="ko-KR" altLang="en-US" dirty="0">
                 <a:latin typeface="+mn-ea"/>
               </a:rPr>
               <a:t>배경 행성의 모습</a:t>
             </a:r>
-            <a:endParaRPr lang="en-US" altLang="ko-KR" dirty="0" smtClean="0">
+            <a:endParaRPr lang="en-US" altLang="ko-KR" dirty="0">
               <a:latin typeface="+mn-ea"/>
             </a:endParaRPr>
           </a:p>
@@ -28320,18 +27985,12 @@
               <a:buChar char="•"/>
             </a:pPr>
             <a:r>
-              <a:rPr lang="ko-KR" altLang="en-US" dirty="0" smtClean="0">
-                <a:latin typeface="+mn-ea"/>
-              </a:rPr>
-              <a:t>메</a:t>
-            </a:r>
-            <a:r>
               <a:rPr lang="ko-KR" altLang="en-US" dirty="0">
                 <a:latin typeface="+mn-ea"/>
               </a:rPr>
-              <a:t>뉴</a:t>
-            </a:r>
-            <a:endParaRPr lang="en-US" altLang="ko-KR" dirty="0" smtClean="0">
+              <a:t>메뉴</a:t>
+            </a:r>
+            <a:endParaRPr lang="en-US" altLang="ko-KR" dirty="0">
               <a:latin typeface="+mn-ea"/>
             </a:endParaRPr>
           </a:p>
@@ -28353,7 +28012,7 @@
           <a:lstStyle/>
           <a:p>
             <a:r>
-              <a:rPr lang="en-US" altLang="ko-KR" smtClean="0"/>
+              <a:rPr lang="en-US" altLang="ko-KR"/>
               <a:t>Super Light Drive</a:t>
             </a:r>
             <a:endParaRPr lang="ko-KR" altLang="en-US"/>
@@ -28495,7 +28154,7 @@
           <a:p>
             <a:pPr algn="ctr"/>
             <a:r>
-              <a:rPr lang="ko-KR" altLang="en-US" sz="1400" dirty="0" smtClean="0">
+              <a:rPr lang="ko-KR" altLang="en-US" sz="1400" dirty="0">
                 <a:effectLst>
                   <a:outerShdw blurRad="38100" dist="38100" dir="2700000" algn="tl">
                     <a:srgbClr val="000000">
@@ -28523,7 +28182,7 @@
           <a:p>
             <a:pPr algn="ctr"/>
             <a:r>
-              <a:rPr lang="ko-KR" altLang="en-US" sz="1400" dirty="0" smtClean="0">
+              <a:rPr lang="ko-KR" altLang="en-US" sz="1400" dirty="0">
                 <a:effectLst>
                   <a:outerShdw blurRad="38100" dist="38100" dir="2700000" algn="tl">
                     <a:srgbClr val="000000">
@@ -28536,7 +28195,7 @@
               </a:rPr>
               <a:t>스토리</a:t>
             </a:r>
-            <a:endParaRPr lang="en-US" altLang="ko-KR" sz="1400" dirty="0" smtClean="0">
+            <a:endParaRPr lang="en-US" altLang="ko-KR" sz="1400" dirty="0">
               <a:effectLst>
                 <a:outerShdw blurRad="38100" dist="38100" dir="2700000" algn="tl">
                   <a:srgbClr val="000000">
@@ -28551,7 +28210,7 @@
           <a:p>
             <a:pPr algn="ctr"/>
             <a:r>
-              <a:rPr lang="ko-KR" altLang="en-US" sz="1400" dirty="0" smtClean="0">
+              <a:rPr lang="ko-KR" altLang="en-US" sz="1400" dirty="0">
                 <a:effectLst>
                   <a:outerShdw blurRad="38100" dist="38100" dir="2700000" algn="tl">
                     <a:srgbClr val="000000">
@@ -28578,26 +28237,6 @@
           </a:p>
           <a:p>
             <a:pPr algn="ctr"/>
-            <a:r>
-              <a:rPr lang="ko-KR" altLang="en-US" sz="1400" dirty="0" smtClean="0">
-                <a:effectLst>
-                  <a:glow rad="101600">
-                    <a:schemeClr val="accent5">
-                      <a:satMod val="175000"/>
-                      <a:alpha val="40000"/>
-                    </a:schemeClr>
-                  </a:glow>
-                  <a:outerShdw blurRad="38100" dist="38100" dir="2700000" algn="tl">
-                    <a:srgbClr val="000000">
-                      <a:alpha val="43137"/>
-                    </a:srgbClr>
-                  </a:outerShdw>
-                </a:effectLst>
-                <a:latin typeface="-윤고딕310" panose="02030504000101010101" pitchFamily="18" charset="-127"/>
-                <a:ea typeface="-윤고딕310" panose="02030504000101010101" pitchFamily="18" charset="-127"/>
-              </a:rPr>
-              <a:t>인터페이</a:t>
-            </a:r>
             <a:r>
               <a:rPr lang="ko-KR" altLang="en-US" sz="1400" dirty="0">
                 <a:effectLst>
@@ -28616,7 +28255,7 @@
                 <a:latin typeface="-윤고딕310" panose="02030504000101010101" pitchFamily="18" charset="-127"/>
                 <a:ea typeface="-윤고딕310" panose="02030504000101010101" pitchFamily="18" charset="-127"/>
               </a:rPr>
-              <a:t>스</a:t>
+              <a:t>인터페이스</a:t>
             </a:r>
             <a:endParaRPr lang="en-US" altLang="ko-KR" sz="1400" dirty="0">
               <a:effectLst>
@@ -28639,7 +28278,7 @@
           <a:p>
             <a:pPr algn="ctr"/>
             <a:r>
-              <a:rPr lang="ko-KR" altLang="en-US" sz="1400" dirty="0" smtClean="0">
+              <a:rPr lang="ko-KR" altLang="en-US" sz="1400" dirty="0">
                 <a:effectLst>
                   <a:outerShdw blurRad="38100" dist="38100" dir="2700000" algn="tl">
                     <a:srgbClr val="000000">
@@ -28652,7 +28291,7 @@
               </a:rPr>
               <a:t>조작</a:t>
             </a:r>
-            <a:endParaRPr lang="en-US" altLang="ko-KR" sz="1400" dirty="0" smtClean="0">
+            <a:endParaRPr lang="en-US" altLang="ko-KR" sz="1400" dirty="0">
               <a:effectLst>
                 <a:outerShdw blurRad="38100" dist="38100" dir="2700000" algn="tl">
                   <a:srgbClr val="000000">
@@ -28666,20 +28305,6 @@
           </a:p>
           <a:p>
             <a:pPr algn="ctr"/>
-            <a:r>
-              <a:rPr lang="ko-KR" altLang="en-US" sz="1400" dirty="0" smtClean="0">
-                <a:effectLst>
-                  <a:outerShdw blurRad="38100" dist="38100" dir="2700000" algn="tl">
-                    <a:srgbClr val="000000">
-                      <a:alpha val="43137"/>
-                    </a:srgbClr>
-                  </a:outerShdw>
-                </a:effectLst>
-                <a:latin typeface="-윤고딕310" panose="02030504000101010101" pitchFamily="18" charset="-127"/>
-                <a:ea typeface="-윤고딕310" panose="02030504000101010101" pitchFamily="18" charset="-127"/>
-              </a:rPr>
-              <a:t>사</a:t>
-            </a:r>
             <a:r>
               <a:rPr lang="ko-KR" altLang="en-US" sz="1400" dirty="0">
                 <a:effectLst>
@@ -28692,7 +28317,7 @@
                 <a:latin typeface="-윤고딕310" panose="02030504000101010101" pitchFamily="18" charset="-127"/>
                 <a:ea typeface="-윤고딕310" panose="02030504000101010101" pitchFamily="18" charset="-127"/>
               </a:rPr>
-              <a:t>양</a:t>
+              <a:t>사양</a:t>
             </a:r>
             <a:endParaRPr lang="en-US" altLang="ko-KR" sz="1400" dirty="0">
               <a:effectLst>
@@ -29360,13 +28985,6 @@
   <p:clrMapOvr>
     <a:masterClrMapping/>
   </p:clrMapOvr>
-  <p:timing>
-    <p:tnLst>
-      <p:par>
-        <p:cTn id="1" dur="indefinite" restart="never" nodeType="tmRoot"/>
-      </p:par>
-    </p:tnLst>
-  </p:timing>
 </p:sld>
 </file>
 
@@ -29404,11 +29022,11 @@
           <a:p>
             <a:pPr algn="ctr"/>
             <a:r>
-              <a:rPr lang="ko-KR" altLang="en-US" dirty="0" smtClean="0"/>
+              <a:rPr lang="ko-KR" altLang="en-US" dirty="0"/>
               <a:t>인터페이스 </a:t>
             </a:r>
             <a:r>
-              <a:rPr lang="en-US" altLang="ko-KR" dirty="0" smtClean="0"/>
+              <a:rPr lang="en-US" altLang="ko-KR" dirty="0"/>
               <a:t>(2)</a:t>
             </a:r>
             <a:endParaRPr lang="ko-KR" altLang="en-US" dirty="0"/>
@@ -29458,13 +29076,13 @@
           <a:p>
             <a:pPr algn="ctr"/>
             <a:r>
-              <a:rPr lang="ko-KR" altLang="en-US" dirty="0" smtClean="0">
+              <a:rPr lang="ko-KR" altLang="en-US" dirty="0">
                 <a:latin typeface="+mj-ea"/>
                 <a:ea typeface="+mj-ea"/>
               </a:rPr>
               <a:t>함선 관리 인터페이스</a:t>
             </a:r>
-            <a:endParaRPr lang="en-US" altLang="ko-KR" dirty="0" smtClean="0">
+            <a:endParaRPr lang="en-US" altLang="ko-KR" dirty="0">
               <a:latin typeface="+mj-ea"/>
               <a:ea typeface="+mj-ea"/>
             </a:endParaRPr>
@@ -29475,12 +29093,12 @@
               <a:buChar char="•"/>
             </a:pPr>
             <a:r>
-              <a:rPr lang="ko-KR" altLang="en-US" dirty="0" smtClean="0">
+              <a:rPr lang="ko-KR" altLang="en-US" dirty="0">
                 <a:latin typeface="+mn-ea"/>
               </a:rPr>
               <a:t>정가운데의 함선의 모습</a:t>
             </a:r>
-            <a:endParaRPr lang="en-US" altLang="ko-KR" dirty="0" smtClean="0">
+            <a:endParaRPr lang="en-US" altLang="ko-KR" dirty="0">
               <a:latin typeface="+mn-ea"/>
             </a:endParaRPr>
           </a:p>
@@ -29490,24 +29108,24 @@
               <a:buChar char="•"/>
             </a:pPr>
             <a:r>
-              <a:rPr lang="ko-KR" altLang="en-US" dirty="0" smtClean="0">
+              <a:rPr lang="ko-KR" altLang="en-US" dirty="0">
                 <a:latin typeface="+mn-ea"/>
               </a:rPr>
               <a:t>자원 중 금속 </a:t>
             </a:r>
             <a:r>
-              <a:rPr lang="en-US" altLang="ko-KR" dirty="0" smtClean="0">
+              <a:rPr lang="en-US" altLang="ko-KR" dirty="0">
                 <a:latin typeface="+mn-ea"/>
               </a:rPr>
               <a:t>/ </a:t>
             </a:r>
             <a:r>
-              <a:rPr lang="ko-KR" altLang="en-US" dirty="0" smtClean="0">
+              <a:rPr lang="ko-KR" altLang="en-US" dirty="0">
                 <a:latin typeface="+mn-ea"/>
               </a:rPr>
               <a:t>식량의 표시</a:t>
             </a:r>
-            <a:endParaRPr lang="en-US" altLang="ko-KR" dirty="0" smtClean="0">
+            <a:endParaRPr lang="en-US" altLang="ko-KR" dirty="0">
               <a:latin typeface="+mn-ea"/>
             </a:endParaRPr>
           </a:p>
@@ -29517,24 +29135,24 @@
               <a:buChar char="•"/>
             </a:pPr>
             <a:r>
-              <a:rPr lang="ko-KR" altLang="en-US" dirty="0" smtClean="0">
+              <a:rPr lang="ko-KR" altLang="en-US" dirty="0">
                 <a:latin typeface="+mn-ea"/>
               </a:rPr>
               <a:t>승무원들의 시설 배치 현황 </a:t>
             </a:r>
             <a:r>
-              <a:rPr lang="en-US" altLang="ko-KR" dirty="0" smtClean="0">
+              <a:rPr lang="en-US" altLang="ko-KR" dirty="0">
                 <a:latin typeface="+mn-ea"/>
               </a:rPr>
               <a:t>/ </a:t>
             </a:r>
             <a:r>
-              <a:rPr lang="ko-KR" altLang="en-US" dirty="0" smtClean="0">
+              <a:rPr lang="ko-KR" altLang="en-US" dirty="0">
                 <a:latin typeface="+mn-ea"/>
               </a:rPr>
               <a:t>체력과 숙련도 확인 가능</a:t>
             </a:r>
-            <a:endParaRPr lang="en-US" altLang="ko-KR" dirty="0" smtClean="0">
+            <a:endParaRPr lang="en-US" altLang="ko-KR" dirty="0">
               <a:latin typeface="+mn-ea"/>
             </a:endParaRPr>
           </a:p>
@@ -29544,12 +29162,12 @@
               <a:buChar char="•"/>
             </a:pPr>
             <a:r>
-              <a:rPr lang="ko-KR" altLang="en-US" dirty="0" smtClean="0">
+              <a:rPr lang="ko-KR" altLang="en-US" dirty="0">
                 <a:latin typeface="+mn-ea"/>
               </a:rPr>
               <a:t>시설 강화 현황</a:t>
             </a:r>
-            <a:endParaRPr lang="en-US" altLang="ko-KR" dirty="0" smtClean="0">
+            <a:endParaRPr lang="en-US" altLang="ko-KR" dirty="0">
               <a:latin typeface="+mn-ea"/>
             </a:endParaRPr>
           </a:p>
@@ -29559,25 +29177,25 @@
               <a:buChar char="•"/>
             </a:pPr>
             <a:r>
-              <a:rPr lang="ko-KR" altLang="en-US" dirty="0" smtClean="0">
+              <a:rPr lang="ko-KR" altLang="en-US" dirty="0">
                 <a:latin typeface="+mn-ea"/>
               </a:rPr>
               <a:t>시설을 거래 </a:t>
             </a:r>
             <a:r>
-              <a:rPr lang="en-US" altLang="ko-KR" dirty="0" smtClean="0">
+              <a:rPr lang="en-US" altLang="ko-KR" dirty="0">
                 <a:latin typeface="+mn-ea"/>
               </a:rPr>
               <a:t>/ </a:t>
             </a:r>
             <a:r>
-              <a:rPr lang="ko-KR" altLang="en-US" dirty="0" smtClean="0">
+              <a:rPr lang="ko-KR" altLang="en-US" dirty="0">
                 <a:latin typeface="+mn-ea"/>
               </a:rPr>
               <a:t>제거할 수 있다</a:t>
             </a:r>
             <a:r>
-              <a:rPr lang="en-US" altLang="ko-KR" dirty="0" smtClean="0">
+              <a:rPr lang="en-US" altLang="ko-KR" dirty="0">
                 <a:latin typeface="+mn-ea"/>
               </a:rPr>
               <a:t>.</a:t>
@@ -29601,7 +29219,7 @@
           <a:lstStyle/>
           <a:p>
             <a:r>
-              <a:rPr lang="en-US" altLang="ko-KR" smtClean="0"/>
+              <a:rPr lang="en-US" altLang="ko-KR"/>
               <a:t>Super Light Drive</a:t>
             </a:r>
             <a:endParaRPr lang="ko-KR" altLang="en-US"/>
@@ -29743,7 +29361,7 @@
           <a:p>
             <a:pPr algn="ctr"/>
             <a:r>
-              <a:rPr lang="ko-KR" altLang="en-US" sz="1400" dirty="0" smtClean="0">
+              <a:rPr lang="ko-KR" altLang="en-US" sz="1400" dirty="0">
                 <a:effectLst>
                   <a:outerShdw blurRad="38100" dist="38100" dir="2700000" algn="tl">
                     <a:srgbClr val="000000">
@@ -29771,7 +29389,7 @@
           <a:p>
             <a:pPr algn="ctr"/>
             <a:r>
-              <a:rPr lang="ko-KR" altLang="en-US" sz="1400" dirty="0" smtClean="0">
+              <a:rPr lang="ko-KR" altLang="en-US" sz="1400" dirty="0">
                 <a:effectLst>
                   <a:outerShdw blurRad="38100" dist="38100" dir="2700000" algn="tl">
                     <a:srgbClr val="000000">
@@ -29784,7 +29402,7 @@
               </a:rPr>
               <a:t>스토리</a:t>
             </a:r>
-            <a:endParaRPr lang="en-US" altLang="ko-KR" sz="1400" dirty="0" smtClean="0">
+            <a:endParaRPr lang="en-US" altLang="ko-KR" sz="1400" dirty="0">
               <a:effectLst>
                 <a:outerShdw blurRad="38100" dist="38100" dir="2700000" algn="tl">
                   <a:srgbClr val="000000">
@@ -29799,7 +29417,7 @@
           <a:p>
             <a:pPr algn="ctr"/>
             <a:r>
-              <a:rPr lang="ko-KR" altLang="en-US" sz="1400" dirty="0" smtClean="0">
+              <a:rPr lang="ko-KR" altLang="en-US" sz="1400" dirty="0">
                 <a:effectLst>
                   <a:outerShdw blurRad="38100" dist="38100" dir="2700000" algn="tl">
                     <a:srgbClr val="000000">
@@ -29826,26 +29444,6 @@
           </a:p>
           <a:p>
             <a:pPr algn="ctr"/>
-            <a:r>
-              <a:rPr lang="ko-KR" altLang="en-US" sz="1400" dirty="0" smtClean="0">
-                <a:effectLst>
-                  <a:glow rad="101600">
-                    <a:schemeClr val="accent5">
-                      <a:satMod val="175000"/>
-                      <a:alpha val="40000"/>
-                    </a:schemeClr>
-                  </a:glow>
-                  <a:outerShdw blurRad="38100" dist="38100" dir="2700000" algn="tl">
-                    <a:srgbClr val="000000">
-                      <a:alpha val="43137"/>
-                    </a:srgbClr>
-                  </a:outerShdw>
-                </a:effectLst>
-                <a:latin typeface="-윤고딕310" panose="02030504000101010101" pitchFamily="18" charset="-127"/>
-                <a:ea typeface="-윤고딕310" panose="02030504000101010101" pitchFamily="18" charset="-127"/>
-              </a:rPr>
-              <a:t>인터페이</a:t>
-            </a:r>
             <a:r>
               <a:rPr lang="ko-KR" altLang="en-US" sz="1400" dirty="0">
                 <a:effectLst>
@@ -29864,7 +29462,7 @@
                 <a:latin typeface="-윤고딕310" panose="02030504000101010101" pitchFamily="18" charset="-127"/>
                 <a:ea typeface="-윤고딕310" panose="02030504000101010101" pitchFamily="18" charset="-127"/>
               </a:rPr>
-              <a:t>스</a:t>
+              <a:t>인터페이스</a:t>
             </a:r>
             <a:endParaRPr lang="en-US" altLang="ko-KR" sz="1400" dirty="0">
               <a:effectLst>
@@ -29887,7 +29485,7 @@
           <a:p>
             <a:pPr algn="ctr"/>
             <a:r>
-              <a:rPr lang="ko-KR" altLang="en-US" sz="1400" dirty="0" smtClean="0">
+              <a:rPr lang="ko-KR" altLang="en-US" sz="1400" dirty="0">
                 <a:effectLst>
                   <a:outerShdw blurRad="38100" dist="38100" dir="2700000" algn="tl">
                     <a:srgbClr val="000000">
@@ -29900,7 +29498,7 @@
               </a:rPr>
               <a:t>조작</a:t>
             </a:r>
-            <a:endParaRPr lang="en-US" altLang="ko-KR" sz="1400" dirty="0" smtClean="0">
+            <a:endParaRPr lang="en-US" altLang="ko-KR" sz="1400" dirty="0">
               <a:effectLst>
                 <a:outerShdw blurRad="38100" dist="38100" dir="2700000" algn="tl">
                   <a:srgbClr val="000000">
@@ -29914,20 +29512,6 @@
           </a:p>
           <a:p>
             <a:pPr algn="ctr"/>
-            <a:r>
-              <a:rPr lang="ko-KR" altLang="en-US" sz="1400" dirty="0" smtClean="0">
-                <a:effectLst>
-                  <a:outerShdw blurRad="38100" dist="38100" dir="2700000" algn="tl">
-                    <a:srgbClr val="000000">
-                      <a:alpha val="43137"/>
-                    </a:srgbClr>
-                  </a:outerShdw>
-                </a:effectLst>
-                <a:latin typeface="-윤고딕310" panose="02030504000101010101" pitchFamily="18" charset="-127"/>
-                <a:ea typeface="-윤고딕310" panose="02030504000101010101" pitchFamily="18" charset="-127"/>
-              </a:rPr>
-              <a:t>사</a:t>
-            </a:r>
             <a:r>
               <a:rPr lang="ko-KR" altLang="en-US" sz="1400" dirty="0">
                 <a:effectLst>
@@ -29940,7 +29524,7 @@
                 <a:latin typeface="-윤고딕310" panose="02030504000101010101" pitchFamily="18" charset="-127"/>
                 <a:ea typeface="-윤고딕310" panose="02030504000101010101" pitchFamily="18" charset="-127"/>
               </a:rPr>
-              <a:t>양</a:t>
+              <a:t>사양</a:t>
             </a:r>
             <a:endParaRPr lang="en-US" altLang="ko-KR" sz="1400" dirty="0">
               <a:effectLst>
@@ -29966,13 +29550,6 @@
   <p:clrMapOvr>
     <a:masterClrMapping/>
   </p:clrMapOvr>
-  <p:timing>
-    <p:tnLst>
-      <p:par>
-        <p:cTn id="1" dur="indefinite" restart="never" nodeType="tmRoot"/>
-      </p:par>
-    </p:tnLst>
-  </p:timing>
 </p:sld>
 </file>
 
@@ -30010,11 +29587,11 @@
           <a:p>
             <a:pPr algn="ctr"/>
             <a:r>
-              <a:rPr lang="ko-KR" altLang="en-US" dirty="0" smtClean="0"/>
+              <a:rPr lang="ko-KR" altLang="en-US" dirty="0"/>
               <a:t>인터페이스 </a:t>
             </a:r>
             <a:r>
-              <a:rPr lang="en-US" altLang="ko-KR" dirty="0" smtClean="0"/>
+              <a:rPr lang="en-US" altLang="ko-KR" dirty="0"/>
               <a:t>(3)</a:t>
             </a:r>
             <a:endParaRPr lang="ko-KR" altLang="en-US" dirty="0"/>
@@ -30059,27 +29636,13 @@
           <a:p>
             <a:pPr algn="ctr"/>
             <a:r>
-              <a:rPr lang="ko-KR" altLang="en-US" dirty="0" smtClean="0">
-                <a:latin typeface="+mj-ea"/>
-                <a:ea typeface="+mj-ea"/>
-              </a:rPr>
-              <a:t>항</a:t>
-            </a:r>
-            <a:r>
               <a:rPr lang="ko-KR" altLang="en-US" dirty="0">
                 <a:latin typeface="+mj-ea"/>
                 <a:ea typeface="+mj-ea"/>
               </a:rPr>
-              <a:t>해</a:t>
-            </a:r>
-            <a:r>
-              <a:rPr lang="ko-KR" altLang="en-US" dirty="0" smtClean="0">
-                <a:latin typeface="+mj-ea"/>
-                <a:ea typeface="+mj-ea"/>
-              </a:rPr>
-              <a:t> 인터페이스</a:t>
-            </a:r>
-            <a:endParaRPr lang="en-US" altLang="ko-KR" dirty="0" smtClean="0">
+              <a:t>항해 인터페이스</a:t>
+            </a:r>
+            <a:endParaRPr lang="en-US" altLang="ko-KR" dirty="0">
               <a:latin typeface="+mj-ea"/>
               <a:ea typeface="+mj-ea"/>
             </a:endParaRPr>
@@ -30090,12 +29653,12 @@
               <a:buChar char="•"/>
             </a:pPr>
             <a:r>
-              <a:rPr lang="ko-KR" altLang="en-US" dirty="0" smtClean="0">
+              <a:rPr lang="ko-KR" altLang="en-US" dirty="0">
                 <a:latin typeface="+mn-ea"/>
               </a:rPr>
               <a:t>화면 정가운데의 맵 탐색 인터페이스</a:t>
             </a:r>
-            <a:endParaRPr lang="en-US" altLang="ko-KR" dirty="0" smtClean="0">
+            <a:endParaRPr lang="en-US" altLang="ko-KR" dirty="0">
               <a:latin typeface="+mn-ea"/>
             </a:endParaRPr>
           </a:p>
@@ -30105,7 +29668,7 @@
               <a:buChar char="•"/>
             </a:pPr>
             <a:r>
-              <a:rPr lang="ko-KR" altLang="en-US" dirty="0" smtClean="0">
+              <a:rPr lang="ko-KR" altLang="en-US" dirty="0">
                 <a:latin typeface="+mn-ea"/>
               </a:rPr>
               <a:t>자원</a:t>
@@ -30117,12 +29680,12 @@
               <a:t> </a:t>
             </a:r>
             <a:r>
-              <a:rPr lang="ko-KR" altLang="en-US" dirty="0" smtClean="0">
+              <a:rPr lang="ko-KR" altLang="en-US" dirty="0">
                 <a:latin typeface="+mn-ea"/>
               </a:rPr>
               <a:t>중 연료의 표시</a:t>
             </a:r>
-            <a:endParaRPr lang="en-US" altLang="ko-KR" dirty="0" smtClean="0">
+            <a:endParaRPr lang="en-US" altLang="ko-KR" dirty="0">
               <a:latin typeface="+mn-ea"/>
             </a:endParaRPr>
           </a:p>
@@ -30132,37 +29695,37 @@
               <a:buChar char="•"/>
             </a:pPr>
             <a:r>
-              <a:rPr lang="ko-KR" altLang="en-US" dirty="0" smtClean="0">
+              <a:rPr lang="ko-KR" altLang="en-US" dirty="0">
                 <a:latin typeface="+mn-ea"/>
               </a:rPr>
               <a:t>탐색한 구역 </a:t>
             </a:r>
             <a:r>
-              <a:rPr lang="en-US" altLang="ko-KR" dirty="0" smtClean="0">
+              <a:rPr lang="en-US" altLang="ko-KR" dirty="0">
                 <a:latin typeface="+mn-ea"/>
               </a:rPr>
               <a:t>/ </a:t>
             </a:r>
             <a:r>
-              <a:rPr lang="ko-KR" altLang="en-US" dirty="0" smtClean="0">
+              <a:rPr lang="ko-KR" altLang="en-US" dirty="0">
                 <a:latin typeface="+mn-ea"/>
               </a:rPr>
               <a:t>아직 지나치지 않은 구역 </a:t>
             </a:r>
             <a:r>
-              <a:rPr lang="en-US" altLang="ko-KR" dirty="0" smtClean="0">
+              <a:rPr lang="en-US" altLang="ko-KR" dirty="0">
                 <a:latin typeface="+mn-ea"/>
               </a:rPr>
               <a:t>/ </a:t>
             </a:r>
             <a:r>
-              <a:rPr lang="ko-KR" altLang="en-US" dirty="0" smtClean="0">
+              <a:rPr lang="ko-KR" altLang="en-US" dirty="0">
                 <a:latin typeface="+mn-ea"/>
               </a:rPr>
               <a:t>다른 행성 계로 가는 구역 의 구분이 존재한다</a:t>
             </a:r>
             <a:r>
-              <a:rPr lang="en-US" altLang="ko-KR" dirty="0" smtClean="0">
+              <a:rPr lang="en-US" altLang="ko-KR" dirty="0">
                 <a:latin typeface="+mn-ea"/>
               </a:rPr>
               <a:t>.</a:t>
@@ -30186,7 +29749,7 @@
           <a:lstStyle/>
           <a:p>
             <a:r>
-              <a:rPr lang="en-US" altLang="ko-KR" smtClean="0"/>
+              <a:rPr lang="en-US" altLang="ko-KR"/>
               <a:t>Super Light Drive</a:t>
             </a:r>
             <a:endParaRPr lang="ko-KR" altLang="en-US"/>
@@ -30328,7 +29891,7 @@
           <a:p>
             <a:pPr algn="ctr"/>
             <a:r>
-              <a:rPr lang="ko-KR" altLang="en-US" sz="1400" dirty="0" smtClean="0">
+              <a:rPr lang="ko-KR" altLang="en-US" sz="1400" dirty="0">
                 <a:effectLst>
                   <a:outerShdw blurRad="38100" dist="38100" dir="2700000" algn="tl">
                     <a:srgbClr val="000000">
@@ -30356,7 +29919,7 @@
           <a:p>
             <a:pPr algn="ctr"/>
             <a:r>
-              <a:rPr lang="ko-KR" altLang="en-US" sz="1400" dirty="0" smtClean="0">
+              <a:rPr lang="ko-KR" altLang="en-US" sz="1400" dirty="0">
                 <a:effectLst>
                   <a:outerShdw blurRad="38100" dist="38100" dir="2700000" algn="tl">
                     <a:srgbClr val="000000">
@@ -30369,7 +29932,7 @@
               </a:rPr>
               <a:t>스토리</a:t>
             </a:r>
-            <a:endParaRPr lang="en-US" altLang="ko-KR" sz="1400" dirty="0" smtClean="0">
+            <a:endParaRPr lang="en-US" altLang="ko-KR" sz="1400" dirty="0">
               <a:effectLst>
                 <a:outerShdw blurRad="38100" dist="38100" dir="2700000" algn="tl">
                   <a:srgbClr val="000000">
@@ -30384,7 +29947,7 @@
           <a:p>
             <a:pPr algn="ctr"/>
             <a:r>
-              <a:rPr lang="ko-KR" altLang="en-US" sz="1400" dirty="0" smtClean="0">
+              <a:rPr lang="ko-KR" altLang="en-US" sz="1400" dirty="0">
                 <a:effectLst>
                   <a:outerShdw blurRad="38100" dist="38100" dir="2700000" algn="tl">
                     <a:srgbClr val="000000">
@@ -30411,26 +29974,6 @@
           </a:p>
           <a:p>
             <a:pPr algn="ctr"/>
-            <a:r>
-              <a:rPr lang="ko-KR" altLang="en-US" sz="1400" dirty="0" smtClean="0">
-                <a:effectLst>
-                  <a:glow rad="101600">
-                    <a:schemeClr val="accent5">
-                      <a:satMod val="175000"/>
-                      <a:alpha val="40000"/>
-                    </a:schemeClr>
-                  </a:glow>
-                  <a:outerShdw blurRad="38100" dist="38100" dir="2700000" algn="tl">
-                    <a:srgbClr val="000000">
-                      <a:alpha val="43137"/>
-                    </a:srgbClr>
-                  </a:outerShdw>
-                </a:effectLst>
-                <a:latin typeface="-윤고딕310" panose="02030504000101010101" pitchFamily="18" charset="-127"/>
-                <a:ea typeface="-윤고딕310" panose="02030504000101010101" pitchFamily="18" charset="-127"/>
-              </a:rPr>
-              <a:t>인터페이</a:t>
-            </a:r>
             <a:r>
               <a:rPr lang="ko-KR" altLang="en-US" sz="1400" dirty="0">
                 <a:effectLst>
@@ -30449,7 +29992,7 @@
                 <a:latin typeface="-윤고딕310" panose="02030504000101010101" pitchFamily="18" charset="-127"/>
                 <a:ea typeface="-윤고딕310" panose="02030504000101010101" pitchFamily="18" charset="-127"/>
               </a:rPr>
-              <a:t>스</a:t>
+              <a:t>인터페이스</a:t>
             </a:r>
             <a:endParaRPr lang="en-US" altLang="ko-KR" sz="1400" dirty="0">
               <a:effectLst>
@@ -30472,7 +30015,7 @@
           <a:p>
             <a:pPr algn="ctr"/>
             <a:r>
-              <a:rPr lang="ko-KR" altLang="en-US" sz="1400" dirty="0" smtClean="0">
+              <a:rPr lang="ko-KR" altLang="en-US" sz="1400" dirty="0">
                 <a:effectLst>
                   <a:outerShdw blurRad="38100" dist="38100" dir="2700000" algn="tl">
                     <a:srgbClr val="000000">
@@ -30485,7 +30028,7 @@
               </a:rPr>
               <a:t>조작</a:t>
             </a:r>
-            <a:endParaRPr lang="en-US" altLang="ko-KR" sz="1400" dirty="0" smtClean="0">
+            <a:endParaRPr lang="en-US" altLang="ko-KR" sz="1400" dirty="0">
               <a:effectLst>
                 <a:outerShdw blurRad="38100" dist="38100" dir="2700000" algn="tl">
                   <a:srgbClr val="000000">
@@ -30499,20 +30042,6 @@
           </a:p>
           <a:p>
             <a:pPr algn="ctr"/>
-            <a:r>
-              <a:rPr lang="ko-KR" altLang="en-US" sz="1400" dirty="0" smtClean="0">
-                <a:effectLst>
-                  <a:outerShdw blurRad="38100" dist="38100" dir="2700000" algn="tl">
-                    <a:srgbClr val="000000">
-                      <a:alpha val="43137"/>
-                    </a:srgbClr>
-                  </a:outerShdw>
-                </a:effectLst>
-                <a:latin typeface="-윤고딕310" panose="02030504000101010101" pitchFamily="18" charset="-127"/>
-                <a:ea typeface="-윤고딕310" panose="02030504000101010101" pitchFamily="18" charset="-127"/>
-              </a:rPr>
-              <a:t>사</a:t>
-            </a:r>
             <a:r>
               <a:rPr lang="ko-KR" altLang="en-US" sz="1400" dirty="0">
                 <a:effectLst>
@@ -30525,7 +30054,7 @@
                 <a:latin typeface="-윤고딕310" panose="02030504000101010101" pitchFamily="18" charset="-127"/>
                 <a:ea typeface="-윤고딕310" panose="02030504000101010101" pitchFamily="18" charset="-127"/>
               </a:rPr>
-              <a:t>양</a:t>
+              <a:t>사양</a:t>
             </a:r>
             <a:endParaRPr lang="en-US" altLang="ko-KR" sz="1400" dirty="0">
               <a:effectLst>
@@ -30551,13 +30080,6 @@
   <p:clrMapOvr>
     <a:masterClrMapping/>
   </p:clrMapOvr>
-  <p:timing>
-    <p:tnLst>
-      <p:par>
-        <p:cTn id="1" dur="indefinite" restart="never" nodeType="tmRoot"/>
-      </p:par>
-    </p:tnLst>
-  </p:timing>
 </p:sld>
 </file>
 
@@ -30583,7 +30105,7 @@
           <p:cNvPr id="2" name="세로 제목 1">
             <a:extLst>
               <a:ext uri="{FF2B5EF4-FFF2-40B4-BE49-F238E27FC236}">
-                <a16:creationId xmlns:a16="http://schemas.microsoft.com/office/drawing/2014/main" xmlns="" id="{FEBC6F77-B83D-490D-BC9E-56D628FAE960}"/>
+                <a16:creationId xmlns:a16="http://schemas.microsoft.com/office/drawing/2014/main" id="{FEBC6F77-B83D-490D-BC9E-56D628FAE960}"/>
               </a:ext>
             </a:extLst>
           </p:cNvPr>
@@ -30600,18 +30122,13 @@
           <a:lstStyle/>
           <a:p>
             <a:pPr algn="ctr"/>
-            <a:r>
-              <a:rPr lang="en-US" altLang="ko-KR" dirty="0" smtClean="0"/>
-              <a:t/>
-            </a:r>
             <a:br>
-              <a:rPr lang="en-US" altLang="ko-KR" dirty="0" smtClean="0"/>
+              <a:rPr lang="en-US" altLang="ko-KR" dirty="0"/>
             </a:br>
             <a:r>
-              <a:rPr lang="ko-KR" altLang="en-US" dirty="0" smtClean="0"/>
+              <a:rPr lang="ko-KR" altLang="en-US" dirty="0"/>
               <a:t>조작</a:t>
             </a:r>
-            <a:endParaRPr lang="ko-KR" altLang="en-US" dirty="0"/>
           </a:p>
         </p:txBody>
       </p:sp>
@@ -30620,7 +30137,7 @@
           <p:cNvPr id="3" name="세로 텍스트 개체 틀 2">
             <a:extLst>
               <a:ext uri="{FF2B5EF4-FFF2-40B4-BE49-F238E27FC236}">
-                <a16:creationId xmlns:a16="http://schemas.microsoft.com/office/drawing/2014/main" xmlns="" id="{B44A0373-7254-40B4-A62A-F37094032C32}"/>
+                <a16:creationId xmlns:a16="http://schemas.microsoft.com/office/drawing/2014/main" id="{B44A0373-7254-40B4-A62A-F37094032C32}"/>
               </a:ext>
             </a:extLst>
           </p:cNvPr>
@@ -30639,23 +30156,22 @@
             <a:pPr marL="0" indent="0" algn="ctr">
               <a:buNone/>
             </a:pPr>
-            <a:endParaRPr lang="en-US" altLang="ko-KR" dirty="0" smtClean="0"/>
+            <a:endParaRPr lang="en-US" altLang="ko-KR" dirty="0"/>
           </a:p>
           <a:p>
             <a:pPr marL="0" indent="0" algn="ctr">
               <a:buNone/>
             </a:pPr>
-            <a:endParaRPr lang="en-US" altLang="ko-KR" dirty="0" smtClean="0"/>
-          </a:p>
-          <a:p>
-            <a:endParaRPr lang="en-US" altLang="ko-KR" dirty="0" smtClean="0"/>
-          </a:p>
-          <a:p>
-            <a:r>
-              <a:rPr lang="ko-KR" altLang="en-US" dirty="0" smtClean="0"/>
+            <a:endParaRPr lang="en-US" altLang="ko-KR" dirty="0"/>
+          </a:p>
+          <a:p>
+            <a:endParaRPr lang="en-US" altLang="ko-KR" dirty="0"/>
+          </a:p>
+          <a:p>
+            <a:r>
+              <a:rPr lang="ko-KR" altLang="en-US" dirty="0"/>
               <a:t>테스트</a:t>
             </a:r>
-            <a:endParaRPr lang="ko-KR" altLang="en-US" dirty="0"/>
           </a:p>
         </p:txBody>
       </p:sp>
@@ -30664,7 +30180,7 @@
           <p:cNvPr id="4" name="바닥글 개체 틀 3">
             <a:extLst>
               <a:ext uri="{FF2B5EF4-FFF2-40B4-BE49-F238E27FC236}">
-                <a16:creationId xmlns:a16="http://schemas.microsoft.com/office/drawing/2014/main" xmlns="" id="{AA2DBCCD-0789-48B0-B4A0-59AD49B6B421}"/>
+                <a16:creationId xmlns:a16="http://schemas.microsoft.com/office/drawing/2014/main" id="{AA2DBCCD-0789-48B0-B4A0-59AD49B6B421}"/>
               </a:ext>
             </a:extLst>
           </p:cNvPr>
@@ -30693,7 +30209,7 @@
           <p:cNvPr id="5" name="슬라이드 번호 개체 틀 4">
             <a:extLst>
               <a:ext uri="{FF2B5EF4-FFF2-40B4-BE49-F238E27FC236}">
-                <a16:creationId xmlns:a16="http://schemas.microsoft.com/office/drawing/2014/main" xmlns="" id="{7AABEFF9-9158-4D34-9B1D-39B2F2211BD4}"/>
+                <a16:creationId xmlns:a16="http://schemas.microsoft.com/office/drawing/2014/main" id="{7AABEFF9-9158-4D34-9B1D-39B2F2211BD4}"/>
               </a:ext>
             </a:extLst>
           </p:cNvPr>
@@ -30829,7 +30345,7 @@
           <a:p>
             <a:pPr algn="ctr"/>
             <a:r>
-              <a:rPr lang="ko-KR" altLang="en-US" sz="1400" dirty="0" smtClean="0">
+              <a:rPr lang="ko-KR" altLang="en-US" sz="1400" dirty="0">
                 <a:effectLst>
                   <a:outerShdw blurRad="38100" dist="38100" dir="2700000" algn="tl">
                     <a:srgbClr val="000000">
@@ -30857,7 +30373,7 @@
           <a:p>
             <a:pPr algn="ctr"/>
             <a:r>
-              <a:rPr lang="ko-KR" altLang="en-US" sz="1400" dirty="0" smtClean="0">
+              <a:rPr lang="ko-KR" altLang="en-US" sz="1400" dirty="0">
                 <a:effectLst>
                   <a:outerShdw blurRad="38100" dist="38100" dir="2700000" algn="tl">
                     <a:srgbClr val="000000">
@@ -30870,7 +30386,7 @@
               </a:rPr>
               <a:t>스토리</a:t>
             </a:r>
-            <a:endParaRPr lang="en-US" altLang="ko-KR" sz="1400" dirty="0" smtClean="0">
+            <a:endParaRPr lang="en-US" altLang="ko-KR" sz="1400" dirty="0">
               <a:effectLst>
                 <a:outerShdw blurRad="38100" dist="38100" dir="2700000" algn="tl">
                   <a:srgbClr val="000000">
@@ -30885,7 +30401,7 @@
           <a:p>
             <a:pPr algn="ctr"/>
             <a:r>
-              <a:rPr lang="ko-KR" altLang="en-US" sz="1400" dirty="0" smtClean="0">
+              <a:rPr lang="ko-KR" altLang="en-US" sz="1400" dirty="0">
                 <a:effectLst>
                   <a:outerShdw blurRad="38100" dist="38100" dir="2700000" algn="tl">
                     <a:srgbClr val="000000">
@@ -30913,20 +30429,6 @@
           <a:p>
             <a:pPr algn="ctr"/>
             <a:r>
-              <a:rPr lang="ko-KR" altLang="en-US" sz="1400" dirty="0" smtClean="0">
-                <a:effectLst>
-                  <a:outerShdw blurRad="38100" dist="38100" dir="2700000" algn="tl">
-                    <a:srgbClr val="000000">
-                      <a:alpha val="43137"/>
-                    </a:srgbClr>
-                  </a:outerShdw>
-                </a:effectLst>
-                <a:latin typeface="-윤고딕310" panose="02030504000101010101" pitchFamily="18" charset="-127"/>
-                <a:ea typeface="-윤고딕310" panose="02030504000101010101" pitchFamily="18" charset="-127"/>
-              </a:rPr>
-              <a:t>인터페이</a:t>
-            </a:r>
-            <a:r>
               <a:rPr lang="ko-KR" altLang="en-US" sz="1400" dirty="0">
                 <a:effectLst>
                   <a:outerShdw blurRad="38100" dist="38100" dir="2700000" algn="tl">
@@ -30938,7 +30440,7 @@
                 <a:latin typeface="-윤고딕310" panose="02030504000101010101" pitchFamily="18" charset="-127"/>
                 <a:ea typeface="-윤고딕310" panose="02030504000101010101" pitchFamily="18" charset="-127"/>
               </a:rPr>
-              <a:t>스</a:t>
+              <a:t>인터페이스</a:t>
             </a:r>
             <a:endParaRPr lang="en-US" altLang="ko-KR" sz="1400" dirty="0">
               <a:effectLst>
@@ -30955,7 +30457,7 @@
           <a:p>
             <a:pPr algn="ctr"/>
             <a:r>
-              <a:rPr lang="ko-KR" altLang="en-US" sz="1400" dirty="0" smtClean="0">
+              <a:rPr lang="ko-KR" altLang="en-US" sz="1400" dirty="0">
                 <a:effectLst>
                   <a:glow rad="101600">
                     <a:schemeClr val="accent5">
@@ -30974,7 +30476,7 @@
               </a:rPr>
               <a:t>조작</a:t>
             </a:r>
-            <a:endParaRPr lang="en-US" altLang="ko-KR" sz="1400" dirty="0" smtClean="0">
+            <a:endParaRPr lang="en-US" altLang="ko-KR" sz="1400" dirty="0">
               <a:effectLst>
                 <a:glow rad="101600">
                   <a:schemeClr val="accent5">
@@ -30995,20 +30497,6 @@
           <a:p>
             <a:pPr algn="ctr"/>
             <a:r>
-              <a:rPr lang="ko-KR" altLang="en-US" sz="1400" dirty="0" smtClean="0">
-                <a:effectLst>
-                  <a:outerShdw blurRad="38100" dist="38100" dir="2700000" algn="tl">
-                    <a:srgbClr val="000000">
-                      <a:alpha val="43137"/>
-                    </a:srgbClr>
-                  </a:outerShdw>
-                </a:effectLst>
-                <a:latin typeface="-윤고딕310" panose="02030504000101010101" pitchFamily="18" charset="-127"/>
-                <a:ea typeface="-윤고딕310" panose="02030504000101010101" pitchFamily="18" charset="-127"/>
-              </a:rPr>
-              <a:t>사</a:t>
-            </a:r>
-            <a:r>
               <a:rPr lang="ko-KR" altLang="en-US" sz="1400" dirty="0">
                 <a:effectLst>
                   <a:outerShdw blurRad="38100" dist="38100" dir="2700000" algn="tl">
@@ -31020,7 +30508,7 @@
                 <a:latin typeface="-윤고딕310" panose="02030504000101010101" pitchFamily="18" charset="-127"/>
                 <a:ea typeface="-윤고딕310" panose="02030504000101010101" pitchFamily="18" charset="-127"/>
               </a:rPr>
-              <a:t>양</a:t>
+              <a:t>사양</a:t>
             </a:r>
             <a:endParaRPr lang="en-US" altLang="ko-KR" sz="1400" dirty="0">
               <a:effectLst>
@@ -31046,13 +30534,6 @@
   <p:clrMapOvr>
     <a:masterClrMapping/>
   </p:clrMapOvr>
-  <p:timing>
-    <p:tnLst>
-      <p:par>
-        <p:cTn id="1" dur="indefinite" restart="never" nodeType="tmRoot"/>
-      </p:par>
-    </p:tnLst>
-  </p:timing>
 </p:sld>
 </file>
 
@@ -31078,7 +30559,7 @@
           <p:cNvPr id="2" name="세로 제목 1">
             <a:extLst>
               <a:ext uri="{FF2B5EF4-FFF2-40B4-BE49-F238E27FC236}">
-                <a16:creationId xmlns:a16="http://schemas.microsoft.com/office/drawing/2014/main" xmlns="" id="{FEBC6F77-B83D-490D-BC9E-56D628FAE960}"/>
+                <a16:creationId xmlns:a16="http://schemas.microsoft.com/office/drawing/2014/main" id="{FEBC6F77-B83D-490D-BC9E-56D628FAE960}"/>
               </a:ext>
             </a:extLst>
           </p:cNvPr>
@@ -31095,22 +30576,13 @@
           <a:lstStyle/>
           <a:p>
             <a:pPr algn="ctr"/>
-            <a:r>
-              <a:rPr lang="en-US" altLang="ko-KR" dirty="0" smtClean="0"/>
-              <a:t/>
-            </a:r>
             <a:br>
-              <a:rPr lang="en-US" altLang="ko-KR" dirty="0" smtClean="0"/>
+              <a:rPr lang="en-US" altLang="ko-KR" dirty="0"/>
             </a:br>
             <a:r>
-              <a:rPr lang="ko-KR" altLang="en-US" dirty="0" smtClean="0"/>
-              <a:t>사</a:t>
-            </a:r>
-            <a:r>
               <a:rPr lang="ko-KR" altLang="en-US" dirty="0"/>
-              <a:t>양</a:t>
-            </a:r>
-            <a:endParaRPr lang="ko-KR" altLang="en-US" dirty="0"/>
+              <a:t>사양</a:t>
+            </a:r>
           </a:p>
         </p:txBody>
       </p:sp>
@@ -31119,7 +30591,7 @@
           <p:cNvPr id="3" name="세로 텍스트 개체 틀 2">
             <a:extLst>
               <a:ext uri="{FF2B5EF4-FFF2-40B4-BE49-F238E27FC236}">
-                <a16:creationId xmlns:a16="http://schemas.microsoft.com/office/drawing/2014/main" xmlns="" id="{B44A0373-7254-40B4-A62A-F37094032C32}"/>
+                <a16:creationId xmlns:a16="http://schemas.microsoft.com/office/drawing/2014/main" id="{B44A0373-7254-40B4-A62A-F37094032C32}"/>
               </a:ext>
             </a:extLst>
           </p:cNvPr>
@@ -31138,23 +30610,22 @@
             <a:pPr marL="0" indent="0" algn="ctr">
               <a:buNone/>
             </a:pPr>
-            <a:endParaRPr lang="en-US" altLang="ko-KR" dirty="0" smtClean="0"/>
+            <a:endParaRPr lang="en-US" altLang="ko-KR" dirty="0"/>
           </a:p>
           <a:p>
             <a:pPr marL="0" indent="0" algn="ctr">
               <a:buNone/>
             </a:pPr>
-            <a:endParaRPr lang="en-US" altLang="ko-KR" dirty="0" smtClean="0"/>
-          </a:p>
-          <a:p>
-            <a:endParaRPr lang="en-US" altLang="ko-KR" dirty="0" smtClean="0"/>
-          </a:p>
-          <a:p>
-            <a:r>
-              <a:rPr lang="ko-KR" altLang="en-US" dirty="0" smtClean="0"/>
+            <a:endParaRPr lang="en-US" altLang="ko-KR" dirty="0"/>
+          </a:p>
+          <a:p>
+            <a:endParaRPr lang="en-US" altLang="ko-KR" dirty="0"/>
+          </a:p>
+          <a:p>
+            <a:r>
+              <a:rPr lang="ko-KR" altLang="en-US" dirty="0"/>
               <a:t>테스트</a:t>
             </a:r>
-            <a:endParaRPr lang="ko-KR" altLang="en-US" dirty="0"/>
           </a:p>
         </p:txBody>
       </p:sp>
@@ -31163,7 +30634,7 @@
           <p:cNvPr id="4" name="바닥글 개체 틀 3">
             <a:extLst>
               <a:ext uri="{FF2B5EF4-FFF2-40B4-BE49-F238E27FC236}">
-                <a16:creationId xmlns:a16="http://schemas.microsoft.com/office/drawing/2014/main" xmlns="" id="{AA2DBCCD-0789-48B0-B4A0-59AD49B6B421}"/>
+                <a16:creationId xmlns:a16="http://schemas.microsoft.com/office/drawing/2014/main" id="{AA2DBCCD-0789-48B0-B4A0-59AD49B6B421}"/>
               </a:ext>
             </a:extLst>
           </p:cNvPr>
@@ -31192,7 +30663,7 @@
           <p:cNvPr id="5" name="슬라이드 번호 개체 틀 4">
             <a:extLst>
               <a:ext uri="{FF2B5EF4-FFF2-40B4-BE49-F238E27FC236}">
-                <a16:creationId xmlns:a16="http://schemas.microsoft.com/office/drawing/2014/main" xmlns="" id="{7AABEFF9-9158-4D34-9B1D-39B2F2211BD4}"/>
+                <a16:creationId xmlns:a16="http://schemas.microsoft.com/office/drawing/2014/main" id="{7AABEFF9-9158-4D34-9B1D-39B2F2211BD4}"/>
               </a:ext>
             </a:extLst>
           </p:cNvPr>
@@ -31328,7 +30799,7 @@
           <a:p>
             <a:pPr algn="ctr"/>
             <a:r>
-              <a:rPr lang="ko-KR" altLang="en-US" sz="1400" dirty="0" smtClean="0">
+              <a:rPr lang="ko-KR" altLang="en-US" sz="1400" dirty="0">
                 <a:effectLst>
                   <a:outerShdw blurRad="38100" dist="38100" dir="2700000" algn="tl">
                     <a:srgbClr val="000000">
@@ -31356,7 +30827,7 @@
           <a:p>
             <a:pPr algn="ctr"/>
             <a:r>
-              <a:rPr lang="ko-KR" altLang="en-US" sz="1400" dirty="0" smtClean="0">
+              <a:rPr lang="ko-KR" altLang="en-US" sz="1400" dirty="0">
                 <a:effectLst>
                   <a:outerShdw blurRad="38100" dist="38100" dir="2700000" algn="tl">
                     <a:srgbClr val="000000">
@@ -31369,7 +30840,7 @@
               </a:rPr>
               <a:t>스토리</a:t>
             </a:r>
-            <a:endParaRPr lang="en-US" altLang="ko-KR" sz="1400" dirty="0" smtClean="0">
+            <a:endParaRPr lang="en-US" altLang="ko-KR" sz="1400" dirty="0">
               <a:effectLst>
                 <a:outerShdw blurRad="38100" dist="38100" dir="2700000" algn="tl">
                   <a:srgbClr val="000000">
@@ -31384,7 +30855,7 @@
           <a:p>
             <a:pPr algn="ctr"/>
             <a:r>
-              <a:rPr lang="ko-KR" altLang="en-US" sz="1400" dirty="0" smtClean="0">
+              <a:rPr lang="ko-KR" altLang="en-US" sz="1400" dirty="0">
                 <a:effectLst>
                   <a:outerShdw blurRad="38100" dist="38100" dir="2700000" algn="tl">
                     <a:srgbClr val="000000">
@@ -31412,20 +30883,6 @@
           <a:p>
             <a:pPr algn="ctr"/>
             <a:r>
-              <a:rPr lang="ko-KR" altLang="en-US" sz="1400" dirty="0" smtClean="0">
-                <a:effectLst>
-                  <a:outerShdw blurRad="38100" dist="38100" dir="2700000" algn="tl">
-                    <a:srgbClr val="000000">
-                      <a:alpha val="43137"/>
-                    </a:srgbClr>
-                  </a:outerShdw>
-                </a:effectLst>
-                <a:latin typeface="-윤고딕310" panose="02030504000101010101" pitchFamily="18" charset="-127"/>
-                <a:ea typeface="-윤고딕310" panose="02030504000101010101" pitchFamily="18" charset="-127"/>
-              </a:rPr>
-              <a:t>인터페이</a:t>
-            </a:r>
-            <a:r>
               <a:rPr lang="ko-KR" altLang="en-US" sz="1400" dirty="0">
                 <a:effectLst>
                   <a:outerShdw blurRad="38100" dist="38100" dir="2700000" algn="tl">
@@ -31437,7 +30894,7 @@
                 <a:latin typeface="-윤고딕310" panose="02030504000101010101" pitchFamily="18" charset="-127"/>
                 <a:ea typeface="-윤고딕310" panose="02030504000101010101" pitchFamily="18" charset="-127"/>
               </a:rPr>
-              <a:t>스</a:t>
+              <a:t>인터페이스</a:t>
             </a:r>
             <a:endParaRPr lang="en-US" altLang="ko-KR" sz="1400" dirty="0">
               <a:effectLst>
@@ -31454,7 +30911,7 @@
           <a:p>
             <a:pPr algn="ctr"/>
             <a:r>
-              <a:rPr lang="ko-KR" altLang="en-US" sz="1400" dirty="0" smtClean="0">
+              <a:rPr lang="ko-KR" altLang="en-US" sz="1400" dirty="0">
                 <a:effectLst>
                   <a:outerShdw blurRad="38100" dist="38100" dir="2700000" algn="tl">
                     <a:srgbClr val="000000">
@@ -31467,7 +30924,7 @@
               </a:rPr>
               <a:t>조작</a:t>
             </a:r>
-            <a:endParaRPr lang="en-US" altLang="ko-KR" sz="1400" dirty="0" smtClean="0">
+            <a:endParaRPr lang="en-US" altLang="ko-KR" sz="1400" dirty="0">
               <a:effectLst>
                 <a:outerShdw blurRad="38100" dist="38100" dir="2700000" algn="tl">
                   <a:srgbClr val="000000">
@@ -31481,26 +30938,6 @@
           </a:p>
           <a:p>
             <a:pPr algn="ctr"/>
-            <a:r>
-              <a:rPr lang="ko-KR" altLang="en-US" sz="1400" dirty="0" smtClean="0">
-                <a:effectLst>
-                  <a:glow rad="101600">
-                    <a:schemeClr val="accent5">
-                      <a:satMod val="175000"/>
-                      <a:alpha val="40000"/>
-                    </a:schemeClr>
-                  </a:glow>
-                  <a:outerShdw blurRad="38100" dist="38100" dir="2700000" algn="tl">
-                    <a:srgbClr val="000000">
-                      <a:alpha val="43137"/>
-                    </a:srgbClr>
-                  </a:outerShdw>
-                </a:effectLst>
-                <a:latin typeface="-윤고딕310" panose="02030504000101010101" pitchFamily="18" charset="-127"/>
-                <a:ea typeface="-윤고딕310" panose="02030504000101010101" pitchFamily="18" charset="-127"/>
-              </a:rPr>
-              <a:t>사</a:t>
-            </a:r>
             <a:r>
               <a:rPr lang="ko-KR" altLang="en-US" sz="1400" dirty="0">
                 <a:effectLst>
@@ -31519,7 +30956,7 @@
                 <a:latin typeface="-윤고딕310" panose="02030504000101010101" pitchFamily="18" charset="-127"/>
                 <a:ea typeface="-윤고딕310" panose="02030504000101010101" pitchFamily="18" charset="-127"/>
               </a:rPr>
-              <a:t>양</a:t>
+              <a:t>사양</a:t>
             </a:r>
             <a:endParaRPr lang="en-US" altLang="ko-KR" sz="1400" dirty="0">
               <a:effectLst>
@@ -31551,13 +30988,6 @@
   <p:clrMapOvr>
     <a:masterClrMapping/>
   </p:clrMapOvr>
-  <p:timing>
-    <p:tnLst>
-      <p:par>
-        <p:cTn id="1" dur="indefinite" restart="never" nodeType="tmRoot"/>
-      </p:par>
-    </p:tnLst>
-  </p:timing>
 </p:sld>
 </file>
 
@@ -31583,7 +31013,7 @@
           <p:cNvPr id="2" name="세로 제목 1">
             <a:extLst>
               <a:ext uri="{FF2B5EF4-FFF2-40B4-BE49-F238E27FC236}">
-                <a16:creationId xmlns:a16="http://schemas.microsoft.com/office/drawing/2014/main" xmlns="" id="{050A1164-8B9E-4923-A4C1-96093A5538BC}"/>
+                <a16:creationId xmlns:a16="http://schemas.microsoft.com/office/drawing/2014/main" id="{050A1164-8B9E-4923-A4C1-96093A5538BC}"/>
               </a:ext>
             </a:extLst>
           </p:cNvPr>
@@ -31603,34 +31033,22 @@
           <a:p>
             <a:pPr algn="ctr"/>
             <a:r>
-              <a:rPr lang="en-US" altLang="ko-KR" sz="4400" dirty="0" smtClean="0">
+              <a:rPr lang="en-US" altLang="ko-KR" sz="4400" dirty="0">
                 <a:latin typeface="-윤고딕320" panose="02030504000101010101" pitchFamily="18" charset="-127"/>
                 <a:ea typeface="-윤고딕320" panose="02030504000101010101" pitchFamily="18" charset="-127"/>
               </a:rPr>
               <a:t>2</a:t>
             </a:r>
-            <a:r>
-              <a:rPr lang="en-US" altLang="ko-KR" dirty="0" smtClean="0">
-                <a:latin typeface="-윤고딕320" panose="02030504000101010101" pitchFamily="18" charset="-127"/>
-                <a:ea typeface="-윤고딕320" panose="02030504000101010101" pitchFamily="18" charset="-127"/>
-              </a:rPr>
-              <a:t/>
-            </a:r>
             <a:br>
-              <a:rPr lang="en-US" altLang="ko-KR" dirty="0" smtClean="0">
+              <a:rPr lang="en-US" altLang="ko-KR" dirty="0">
                 <a:latin typeface="-윤고딕320" panose="02030504000101010101" pitchFamily="18" charset="-127"/>
                 <a:ea typeface="-윤고딕320" panose="02030504000101010101" pitchFamily="18" charset="-127"/>
               </a:rPr>
             </a:br>
             <a:r>
-              <a:rPr lang="ko-KR" altLang="en-US" dirty="0" smtClean="0"/>
-              <a:t>게</a:t>
-            </a:r>
-            <a:r>
               <a:rPr lang="ko-KR" altLang="en-US" dirty="0"/>
-              <a:t>임</a:t>
-            </a:r>
-            <a:endParaRPr lang="ko-KR" altLang="en-US" dirty="0"/>
+              <a:t>게임</a:t>
+            </a:r>
           </a:p>
         </p:txBody>
       </p:sp>
@@ -31639,7 +31057,7 @@
           <p:cNvPr id="3" name="세로 텍스트 개체 틀 2">
             <a:extLst>
               <a:ext uri="{FF2B5EF4-FFF2-40B4-BE49-F238E27FC236}">
-                <a16:creationId xmlns:a16="http://schemas.microsoft.com/office/drawing/2014/main" xmlns="" id="{08035764-1F38-4D1D-B7F3-3819A7237D3F}"/>
+                <a16:creationId xmlns:a16="http://schemas.microsoft.com/office/drawing/2014/main" id="{08035764-1F38-4D1D-B7F3-3819A7237D3F}"/>
               </a:ext>
             </a:extLst>
           </p:cNvPr>
@@ -31704,7 +31122,7 @@
               <a:buAutoNum type="arabicPeriod"/>
             </a:pPr>
             <a:r>
-              <a:rPr lang="ko-KR" altLang="en-US" dirty="0" smtClean="0">
+              <a:rPr lang="ko-KR" altLang="en-US" dirty="0">
                 <a:effectLst>
                   <a:outerShdw blurRad="38100" dist="38100" dir="2700000" algn="tl">
                     <a:srgbClr val="000000">
@@ -31716,7 +31134,7 @@
               <a:t>레벨 디자인</a:t>
             </a:r>
             <a:r>
-              <a:rPr lang="en-US" altLang="ko-KR" dirty="0" smtClean="0">
+              <a:rPr lang="en-US" altLang="ko-KR" dirty="0">
                 <a:effectLst>
                   <a:outerShdw blurRad="38100" dist="38100" dir="2700000" algn="tl">
                     <a:srgbClr val="000000">
@@ -31728,18 +31146,6 @@
               <a:t>: </a:t>
             </a:r>
             <a:r>
-              <a:rPr lang="ko-KR" altLang="en-US" dirty="0" smtClean="0">
-                <a:effectLst>
-                  <a:outerShdw blurRad="38100" dist="38100" dir="2700000" algn="tl">
-                    <a:srgbClr val="000000">
-                      <a:alpha val="43137"/>
-                    </a:srgbClr>
-                  </a:outerShdw>
-                </a:effectLst>
-              </a:rPr>
-              <a:t>진</a:t>
-            </a:r>
-            <a:r>
               <a:rPr lang="ko-KR" altLang="en-US" dirty="0">
                 <a:effectLst>
                   <a:outerShdw blurRad="38100" dist="38100" dir="2700000" algn="tl">
@@ -31749,7 +31155,7 @@
                   </a:outerShdw>
                 </a:effectLst>
               </a:rPr>
-              <a:t>행</a:t>
+              <a:t>진행</a:t>
             </a:r>
             <a:endParaRPr lang="en-US" altLang="ko-KR" dirty="0">
               <a:effectLst>
@@ -31767,7 +31173,7 @@
               <a:buAutoNum type="arabicPeriod"/>
             </a:pPr>
             <a:r>
-              <a:rPr lang="ko-KR" altLang="en-US" dirty="0" smtClean="0">
+              <a:rPr lang="ko-KR" altLang="en-US" dirty="0">
                 <a:effectLst>
                   <a:outerShdw blurRad="38100" dist="38100" dir="2700000" algn="tl">
                     <a:srgbClr val="000000">
@@ -31779,7 +31185,7 @@
               <a:t>레벨 디자인</a:t>
             </a:r>
             <a:r>
-              <a:rPr lang="en-US" altLang="ko-KR" dirty="0" smtClean="0">
+              <a:rPr lang="en-US" altLang="ko-KR" dirty="0">
                 <a:effectLst>
                   <a:outerShdw blurRad="38100" dist="38100" dir="2700000" algn="tl">
                     <a:srgbClr val="000000">
@@ -31791,18 +31197,6 @@
               <a:t>: </a:t>
             </a:r>
             <a:r>
-              <a:rPr lang="ko-KR" altLang="en-US" dirty="0" smtClean="0">
-                <a:effectLst>
-                  <a:outerShdw blurRad="38100" dist="38100" dir="2700000" algn="tl">
-                    <a:srgbClr val="000000">
-                      <a:alpha val="43137"/>
-                    </a:srgbClr>
-                  </a:outerShdw>
-                </a:effectLst>
-              </a:rPr>
-              <a:t>항</a:t>
-            </a:r>
-            <a:r>
               <a:rPr lang="ko-KR" altLang="en-US" dirty="0">
                 <a:effectLst>
                   <a:outerShdw blurRad="38100" dist="38100" dir="2700000" algn="tl">
@@ -31812,7 +31206,7 @@
                   </a:outerShdw>
                 </a:effectLst>
               </a:rPr>
-              <a:t>해</a:t>
+              <a:t>항해</a:t>
             </a:r>
             <a:endParaRPr lang="en-US" altLang="ko-KR" dirty="0">
               <a:effectLst>
@@ -31839,22 +31233,10 @@
                   </a:outerShdw>
                 </a:effectLst>
               </a:rPr>
-              <a:t>레벨 </a:t>
-            </a:r>
-            <a:r>
-              <a:rPr lang="ko-KR" altLang="en-US" dirty="0" smtClean="0">
-                <a:effectLst>
-                  <a:outerShdw blurRad="38100" dist="38100" dir="2700000" algn="tl">
-                    <a:srgbClr val="000000">
-                      <a:alpha val="43137"/>
-                    </a:srgbClr>
-                  </a:outerShdw>
-                </a:effectLst>
-              </a:rPr>
-              <a:t>디자인</a:t>
-            </a:r>
-            <a:r>
-              <a:rPr lang="en-US" altLang="ko-KR" dirty="0" smtClean="0">
+              <a:t>레벨 디자인</a:t>
+            </a:r>
+            <a:r>
+              <a:rPr lang="en-US" altLang="ko-KR" dirty="0">
                 <a:effectLst>
                   <a:outerShdw blurRad="38100" dist="38100" dir="2700000" algn="tl">
                     <a:srgbClr val="000000">
@@ -31866,18 +31248,6 @@
               <a:t>: </a:t>
             </a:r>
             <a:r>
-              <a:rPr lang="ko-KR" altLang="en-US" dirty="0" smtClean="0">
-                <a:effectLst>
-                  <a:outerShdw blurRad="38100" dist="38100" dir="2700000" algn="tl">
-                    <a:srgbClr val="000000">
-                      <a:alpha val="43137"/>
-                    </a:srgbClr>
-                  </a:outerShdw>
-                </a:effectLst>
-              </a:rPr>
-              <a:t>행</a:t>
-            </a:r>
-            <a:r>
               <a:rPr lang="ko-KR" altLang="en-US" dirty="0">
                 <a:effectLst>
                   <a:outerShdw blurRad="38100" dist="38100" dir="2700000" algn="tl">
@@ -31887,7 +31257,7 @@
                   </a:outerShdw>
                 </a:effectLst>
               </a:rPr>
-              <a:t>성</a:t>
+              <a:t>행성</a:t>
             </a:r>
             <a:endParaRPr lang="en-US" altLang="ko-KR" dirty="0">
               <a:effectLst>
@@ -31914,22 +31284,10 @@
                   </a:outerShdw>
                 </a:effectLst>
               </a:rPr>
-              <a:t>레벨 </a:t>
-            </a:r>
-            <a:r>
-              <a:rPr lang="ko-KR" altLang="en-US" dirty="0" smtClean="0">
-                <a:effectLst>
-                  <a:outerShdw blurRad="38100" dist="38100" dir="2700000" algn="tl">
-                    <a:srgbClr val="000000">
-                      <a:alpha val="43137"/>
-                    </a:srgbClr>
-                  </a:outerShdw>
-                </a:effectLst>
-              </a:rPr>
-              <a:t>디자인</a:t>
-            </a:r>
-            <a:r>
-              <a:rPr lang="en-US" altLang="ko-KR" dirty="0" smtClean="0">
+              <a:t>레벨 디자인</a:t>
+            </a:r>
+            <a:r>
+              <a:rPr lang="en-US" altLang="ko-KR" dirty="0">
                 <a:effectLst>
                   <a:outerShdw blurRad="38100" dist="38100" dir="2700000" algn="tl">
                     <a:srgbClr val="000000">
@@ -31941,7 +31299,7 @@
               <a:t>: </a:t>
             </a:r>
             <a:r>
-              <a:rPr lang="ko-KR" altLang="en-US" dirty="0" smtClean="0">
+              <a:rPr lang="ko-KR" altLang="en-US" dirty="0">
                 <a:effectLst>
                   <a:outerShdw blurRad="38100" dist="38100" dir="2700000" algn="tl">
                     <a:srgbClr val="000000">
@@ -31968,7 +31326,7 @@
               <a:buAutoNum type="arabicPeriod"/>
             </a:pPr>
             <a:r>
-              <a:rPr lang="ko-KR" altLang="en-US" dirty="0" smtClean="0">
+              <a:rPr lang="ko-KR" altLang="en-US" dirty="0">
                 <a:effectLst>
                   <a:outerShdw blurRad="38100" dist="38100" dir="2700000" algn="tl">
                     <a:srgbClr val="000000">
@@ -31980,7 +31338,7 @@
               <a:t>시스템</a:t>
             </a:r>
             <a:r>
-              <a:rPr lang="en-US" altLang="ko-KR" dirty="0" smtClean="0">
+              <a:rPr lang="en-US" altLang="ko-KR" dirty="0">
                 <a:effectLst>
                   <a:outerShdw blurRad="38100" dist="38100" dir="2700000" algn="tl">
                     <a:srgbClr val="000000">
@@ -31992,18 +31350,6 @@
               <a:t>: </a:t>
             </a:r>
             <a:r>
-              <a:rPr lang="ko-KR" altLang="en-US" dirty="0" smtClean="0">
-                <a:effectLst>
-                  <a:outerShdw blurRad="38100" dist="38100" dir="2700000" algn="tl">
-                    <a:srgbClr val="000000">
-                      <a:alpha val="43137"/>
-                    </a:srgbClr>
-                  </a:outerShdw>
-                </a:effectLst>
-              </a:rPr>
-              <a:t>교</a:t>
-            </a:r>
-            <a:r>
               <a:rPr lang="ko-KR" altLang="en-US" dirty="0">
                 <a:effectLst>
                   <a:outerShdw blurRad="38100" dist="38100" dir="2700000" algn="tl">
@@ -32013,7 +31359,7 @@
                   </a:outerShdw>
                 </a:effectLst>
               </a:rPr>
-              <a:t>역</a:t>
+              <a:t>교역</a:t>
             </a:r>
             <a:endParaRPr lang="en-US" altLang="ko-KR" dirty="0">
               <a:effectLst>
@@ -32049,7 +31395,7 @@
           <p:cNvPr id="4" name="바닥글 개체 틀 3">
             <a:extLst>
               <a:ext uri="{FF2B5EF4-FFF2-40B4-BE49-F238E27FC236}">
-                <a16:creationId xmlns:a16="http://schemas.microsoft.com/office/drawing/2014/main" xmlns="" id="{C684534B-667C-4599-9D8C-8F6B867FFDBF}"/>
+                <a16:creationId xmlns:a16="http://schemas.microsoft.com/office/drawing/2014/main" id="{C684534B-667C-4599-9D8C-8F6B867FFDBF}"/>
               </a:ext>
             </a:extLst>
           </p:cNvPr>
@@ -32078,7 +31424,7 @@
           <p:cNvPr id="5" name="슬라이드 번호 개체 틀 4">
             <a:extLst>
               <a:ext uri="{FF2B5EF4-FFF2-40B4-BE49-F238E27FC236}">
-                <a16:creationId xmlns:a16="http://schemas.microsoft.com/office/drawing/2014/main" xmlns="" id="{B60E6059-DC02-4989-A381-A36B6A75C00A}"/>
+                <a16:creationId xmlns:a16="http://schemas.microsoft.com/office/drawing/2014/main" id="{B60E6059-DC02-4989-A381-A36B6A75C00A}"/>
               </a:ext>
             </a:extLst>
           </p:cNvPr>
@@ -32112,13 +31458,6 @@
   <p:clrMapOvr>
     <a:masterClrMapping/>
   </p:clrMapOvr>
-  <p:timing>
-    <p:tnLst>
-      <p:par>
-        <p:cTn id="1" dur="indefinite" restart="never" nodeType="tmRoot"/>
-      </p:par>
-    </p:tnLst>
-  </p:timing>
 </p:sld>
 </file>
 
@@ -32144,7 +31483,7 @@
           <p:cNvPr id="2" name="세로 제목 1">
             <a:extLst>
               <a:ext uri="{FF2B5EF4-FFF2-40B4-BE49-F238E27FC236}">
-                <a16:creationId xmlns:a16="http://schemas.microsoft.com/office/drawing/2014/main" xmlns="" id="{FEBC6F77-B83D-490D-BC9E-56D628FAE960}"/>
+                <a16:creationId xmlns:a16="http://schemas.microsoft.com/office/drawing/2014/main" id="{FEBC6F77-B83D-490D-BC9E-56D628FAE960}"/>
               </a:ext>
             </a:extLst>
           </p:cNvPr>
@@ -32161,18 +31500,13 @@
           <a:lstStyle/>
           <a:p>
             <a:pPr algn="ctr"/>
-            <a:r>
-              <a:rPr lang="en-US" altLang="ko-KR" dirty="0" smtClean="0"/>
-              <a:t/>
-            </a:r>
             <a:br>
-              <a:rPr lang="en-US" altLang="ko-KR" dirty="0" smtClean="0"/>
+              <a:rPr lang="en-US" altLang="ko-KR" dirty="0"/>
             </a:br>
             <a:r>
-              <a:rPr lang="ko-KR" altLang="en-US" dirty="0" smtClean="0"/>
+              <a:rPr lang="ko-KR" altLang="en-US" dirty="0"/>
               <a:t>진행</a:t>
             </a:r>
-            <a:endParaRPr lang="ko-KR" altLang="en-US" dirty="0"/>
           </a:p>
         </p:txBody>
       </p:sp>
@@ -32181,7 +31515,7 @@
           <p:cNvPr id="3" name="세로 텍스트 개체 틀 2">
             <a:extLst>
               <a:ext uri="{FF2B5EF4-FFF2-40B4-BE49-F238E27FC236}">
-                <a16:creationId xmlns:a16="http://schemas.microsoft.com/office/drawing/2014/main" xmlns="" id="{B44A0373-7254-40B4-A62A-F37094032C32}"/>
+                <a16:creationId xmlns:a16="http://schemas.microsoft.com/office/drawing/2014/main" id="{B44A0373-7254-40B4-A62A-F37094032C32}"/>
               </a:ext>
             </a:extLst>
           </p:cNvPr>
@@ -32202,243 +31536,233 @@
             <a:pPr marL="0" indent="0" algn="ctr">
               <a:buNone/>
             </a:pPr>
-            <a:endParaRPr lang="en-US" altLang="ko-KR" dirty="0" smtClean="0"/>
+            <a:endParaRPr lang="en-US" altLang="ko-KR" dirty="0"/>
           </a:p>
           <a:p>
             <a:pPr marL="0" indent="0" algn="ctr">
               <a:buNone/>
             </a:pPr>
-            <a:endParaRPr lang="en-US" altLang="ko-KR" dirty="0" smtClean="0"/>
+            <a:endParaRPr lang="en-US" altLang="ko-KR" dirty="0"/>
           </a:p>
           <a:p>
             <a:pPr marL="0" indent="0">
               <a:buNone/>
             </a:pPr>
-            <a:endParaRPr lang="en-US" altLang="ko-KR" dirty="0" smtClean="0"/>
-          </a:p>
-          <a:p>
-            <a:r>
-              <a:rPr lang="ko-KR" altLang="en-US" dirty="0" smtClean="0"/>
+            <a:endParaRPr lang="en-US" altLang="ko-KR" dirty="0"/>
+          </a:p>
+          <a:p>
+            <a:r>
+              <a:rPr lang="ko-KR" altLang="en-US" dirty="0"/>
               <a:t>시스템 기획과 레벨 디자인의 방식은 같으나 대게 시스템은 눈에 보이지 않는다</a:t>
             </a:r>
             <a:r>
-              <a:rPr lang="en-US" altLang="ko-KR" dirty="0" smtClean="0"/>
+              <a:rPr lang="en-US" altLang="ko-KR" dirty="0"/>
               <a:t>.</a:t>
             </a:r>
+          </a:p>
+          <a:p>
+            <a:r>
+              <a:rPr lang="ko-KR" altLang="en-US" dirty="0"/>
+              <a:t>시스템 기획이 최우선이다</a:t>
+            </a:r>
+            <a:r>
+              <a:rPr lang="en-US" altLang="ko-KR" dirty="0"/>
+              <a:t>.</a:t>
+            </a:r>
+          </a:p>
+          <a:p>
+            <a:r>
+              <a:rPr lang="ko-KR" altLang="en-US" dirty="0"/>
+              <a:t>레벨 디자인에선 기획자의 의도가 명확하게 보여야 한다</a:t>
+            </a:r>
+            <a:r>
+              <a:rPr lang="en-US" altLang="ko-KR" dirty="0"/>
+              <a:t>. </a:t>
+            </a:r>
+            <a:r>
+              <a:rPr lang="ko-KR" altLang="en-US" dirty="0"/>
+              <a:t>가정을 </a:t>
+            </a:r>
+            <a:r>
+              <a:rPr lang="ko-KR" altLang="en-US" dirty="0" err="1"/>
+              <a:t>두는데에</a:t>
+            </a:r>
+            <a:r>
+              <a:rPr lang="ko-KR" altLang="en-US" dirty="0"/>
+              <a:t> 시작과 끝이 어디인가를 알아야 한다</a:t>
+            </a:r>
+            <a:r>
+              <a:rPr lang="en-US" altLang="ko-KR" dirty="0"/>
+              <a:t>. </a:t>
+            </a:r>
+            <a:r>
+              <a:rPr lang="ko-KR" altLang="en-US" dirty="0"/>
+              <a:t>주먹구구 식으로 하지 말고 시스템에 맞춘다</a:t>
+            </a:r>
+            <a:r>
+              <a:rPr lang="en-US" altLang="ko-KR" dirty="0"/>
+              <a:t>.</a:t>
+            </a:r>
+          </a:p>
+          <a:p>
+            <a:r>
+              <a:rPr lang="ko-KR" altLang="en-US" dirty="0"/>
+              <a:t>플레이 하는 구획 </a:t>
+            </a:r>
+            <a:r>
+              <a:rPr lang="en-US" altLang="ko-KR" dirty="0"/>
+              <a:t>(</a:t>
+            </a:r>
+            <a:r>
+              <a:rPr lang="ko-KR" altLang="en-US" dirty="0"/>
+              <a:t>월드</a:t>
+            </a:r>
+            <a:r>
+              <a:rPr lang="en-US" altLang="ko-KR" dirty="0"/>
+              <a:t>)</a:t>
+            </a:r>
+            <a:r>
+              <a:rPr lang="ko-KR" altLang="en-US" dirty="0"/>
+              <a:t>를 먼저 소개하는 것이 좋다</a:t>
+            </a:r>
+            <a:r>
+              <a:rPr lang="en-US" altLang="ko-KR" dirty="0"/>
+              <a:t>.</a:t>
+            </a:r>
+          </a:p>
+          <a:p>
+            <a:r>
+              <a:rPr lang="ko-KR" altLang="en-US" dirty="0"/>
+              <a:t>전투는 제일 중요하다</a:t>
+            </a:r>
+            <a:r>
+              <a:rPr lang="en-US" altLang="ko-KR" dirty="0"/>
+              <a:t>.</a:t>
+            </a:r>
+          </a:p>
+          <a:p>
+            <a:r>
+              <a:rPr lang="ko-KR" altLang="en-US" dirty="0"/>
+              <a:t>플레이 중 의도를 벗어난 행동을 막는 방책</a:t>
+            </a:r>
+            <a:r>
+              <a:rPr lang="en-US" altLang="ko-KR" dirty="0"/>
+              <a:t>: </a:t>
+            </a:r>
+            <a:r>
+              <a:rPr lang="ko-KR" altLang="en-US" dirty="0"/>
+              <a:t>방책이 다양하면 플레이 방식도 다양해진다</a:t>
+            </a:r>
+            <a:r>
+              <a:rPr lang="en-US" altLang="ko-KR" dirty="0"/>
+              <a:t>.</a:t>
+            </a:r>
+          </a:p>
+          <a:p>
+            <a:r>
+              <a:rPr lang="ko-KR" altLang="en-US" dirty="0"/>
+              <a:t>플레이어 소유 자원</a:t>
+            </a:r>
+            <a:r>
+              <a:rPr lang="en-US" altLang="ko-KR" dirty="0"/>
+              <a:t>(</a:t>
+            </a:r>
+            <a:r>
+              <a:rPr lang="ko-KR" altLang="en-US" dirty="0"/>
+              <a:t>돈</a:t>
+            </a:r>
+            <a:r>
+              <a:rPr lang="en-US" altLang="ko-KR" dirty="0"/>
+              <a:t>) -&gt; </a:t>
+            </a:r>
+            <a:r>
+              <a:rPr lang="ko-KR" altLang="en-US" dirty="0"/>
+              <a:t>어떤 단위</a:t>
+            </a:r>
+            <a:r>
+              <a:rPr lang="en-US" altLang="ko-KR" dirty="0"/>
+              <a:t>(</a:t>
+            </a:r>
+            <a:r>
+              <a:rPr lang="ko-KR" altLang="en-US" dirty="0"/>
+              <a:t>소유 </a:t>
+            </a:r>
+            <a:r>
+              <a:rPr lang="ko-KR" altLang="en-US" dirty="0" err="1"/>
+              <a:t>유닛</a:t>
+            </a:r>
+            <a:r>
+              <a:rPr lang="en-US" altLang="ko-KR" dirty="0"/>
+              <a:t>, </a:t>
+            </a:r>
+            <a:r>
+              <a:rPr lang="ko-KR" altLang="en-US" dirty="0"/>
+              <a:t>건물</a:t>
+            </a:r>
+            <a:r>
+              <a:rPr lang="en-US" altLang="ko-KR" dirty="0"/>
+              <a:t>, </a:t>
+            </a:r>
+            <a:r>
+              <a:rPr lang="ko-KR" altLang="en-US" dirty="0"/>
+              <a:t>아이템 등</a:t>
+            </a:r>
+            <a:r>
+              <a:rPr lang="en-US" altLang="ko-KR" dirty="0"/>
+              <a:t>)=</a:t>
+            </a:r>
+            <a:r>
+              <a:rPr lang="ko-KR" altLang="en-US" dirty="0"/>
+              <a:t>공격력 </a:t>
+            </a:r>
+            <a:r>
+              <a:rPr lang="en-US" altLang="ko-KR" dirty="0"/>
+              <a:t>-&gt; </a:t>
+            </a:r>
+            <a:r>
+              <a:rPr lang="ko-KR" altLang="en-US" dirty="0"/>
+              <a:t>피해 량</a:t>
+            </a:r>
+            <a:r>
+              <a:rPr lang="en-US" altLang="ko-KR" dirty="0"/>
+              <a:t>=</a:t>
+            </a:r>
+            <a:r>
+              <a:rPr lang="ko-KR" altLang="en-US" dirty="0"/>
+              <a:t>공격력</a:t>
+            </a:r>
+            <a:r>
+              <a:rPr lang="en-US" altLang="ko-KR" dirty="0"/>
+              <a:t>-</a:t>
+            </a:r>
+            <a:r>
+              <a:rPr lang="ko-KR" altLang="en-US" dirty="0"/>
+              <a:t>방어력 </a:t>
+            </a:r>
+            <a:r>
+              <a:rPr lang="en-US" altLang="ko-KR" dirty="0"/>
+              <a:t>-&gt; </a:t>
+            </a:r>
+            <a:r>
+              <a:rPr lang="ko-KR" altLang="en-US" dirty="0"/>
+              <a:t>체력</a:t>
+            </a:r>
             <a:endParaRPr lang="en-US" altLang="ko-KR" dirty="0"/>
           </a:p>
           <a:p>
             <a:r>
-              <a:rPr lang="ko-KR" altLang="en-US" dirty="0" smtClean="0"/>
-              <a:t>시스템 기획이 최우선이다</a:t>
-            </a:r>
-            <a:r>
-              <a:rPr lang="en-US" altLang="ko-KR" dirty="0" smtClean="0"/>
-              <a:t>.</a:t>
-            </a:r>
-          </a:p>
-          <a:p>
-            <a:r>
-              <a:rPr lang="ko-KR" altLang="en-US" dirty="0" smtClean="0"/>
-              <a:t>레벨 디자인에선 기획자의 의도가 명확하게 보여야 한다</a:t>
-            </a:r>
-            <a:r>
-              <a:rPr lang="en-US" altLang="ko-KR" dirty="0" smtClean="0"/>
-              <a:t>. </a:t>
-            </a:r>
-            <a:r>
-              <a:rPr lang="ko-KR" altLang="en-US" dirty="0" smtClean="0"/>
-              <a:t>가정을 </a:t>
-            </a:r>
-            <a:r>
-              <a:rPr lang="ko-KR" altLang="en-US" dirty="0" err="1" smtClean="0"/>
-              <a:t>두는데에</a:t>
-            </a:r>
-            <a:r>
-              <a:rPr lang="ko-KR" altLang="en-US" dirty="0" smtClean="0"/>
-              <a:t> 시작과 </a:t>
-            </a:r>
-            <a:r>
-              <a:rPr lang="ko-KR" altLang="en-US" dirty="0" smtClean="0"/>
-              <a:t>끝이 어디인가를 알아야 한다</a:t>
-            </a:r>
-            <a:r>
-              <a:rPr lang="en-US" altLang="ko-KR" dirty="0" smtClean="0"/>
-              <a:t>. </a:t>
-            </a:r>
-            <a:r>
-              <a:rPr lang="ko-KR" altLang="en-US" dirty="0" smtClean="0"/>
-              <a:t>주먹구구 식으로 하지 말고 시스템에 맞춘다</a:t>
-            </a:r>
-            <a:r>
-              <a:rPr lang="en-US" altLang="ko-KR" dirty="0" smtClean="0"/>
-              <a:t>.</a:t>
-            </a:r>
-            <a:endParaRPr lang="en-US" altLang="ko-KR" dirty="0" smtClean="0"/>
-          </a:p>
-          <a:p>
-            <a:r>
-              <a:rPr lang="ko-KR" altLang="en-US" dirty="0" smtClean="0"/>
-              <a:t>플레이 하는 구획 </a:t>
-            </a:r>
-            <a:r>
-              <a:rPr lang="en-US" altLang="ko-KR" dirty="0" smtClean="0"/>
-              <a:t>(</a:t>
-            </a:r>
-            <a:r>
-              <a:rPr lang="ko-KR" altLang="en-US" dirty="0" smtClean="0"/>
-              <a:t>월드</a:t>
-            </a:r>
-            <a:r>
-              <a:rPr lang="en-US" altLang="ko-KR" dirty="0" smtClean="0"/>
-              <a:t>)</a:t>
-            </a:r>
-            <a:r>
               <a:rPr lang="ko-KR" altLang="en-US" dirty="0"/>
-              <a:t>를</a:t>
-            </a:r>
-            <a:r>
-              <a:rPr lang="ko-KR" altLang="en-US" dirty="0" smtClean="0"/>
-              <a:t> 먼저 소개하는 것이 좋다</a:t>
-            </a:r>
-            <a:r>
-              <a:rPr lang="en-US" altLang="ko-KR" dirty="0" smtClean="0"/>
-              <a:t>.</a:t>
-            </a:r>
-          </a:p>
-          <a:p>
-            <a:r>
-              <a:rPr lang="ko-KR" altLang="en-US" dirty="0" smtClean="0"/>
-              <a:t>전투는 제일 중요하다</a:t>
-            </a:r>
-            <a:r>
-              <a:rPr lang="en-US" altLang="ko-KR" dirty="0" smtClean="0"/>
-              <a:t>.</a:t>
-            </a:r>
-          </a:p>
-          <a:p>
-            <a:r>
-              <a:rPr lang="ko-KR" altLang="en-US" dirty="0" smtClean="0"/>
-              <a:t>플레이 중 의도를 벗어난 행동을 막는 방책</a:t>
-            </a:r>
-            <a:r>
-              <a:rPr lang="en-US" altLang="ko-KR" dirty="0" smtClean="0"/>
-              <a:t>: </a:t>
-            </a:r>
-            <a:r>
-              <a:rPr lang="ko-KR" altLang="en-US" dirty="0" smtClean="0"/>
-              <a:t>방책이 다양하면 플레이 방식도 다양해진다</a:t>
-            </a:r>
-            <a:r>
-              <a:rPr lang="en-US" altLang="ko-KR" dirty="0" smtClean="0"/>
-              <a:t>.</a:t>
-            </a:r>
-          </a:p>
-          <a:p>
-            <a:r>
-              <a:rPr lang="ko-KR" altLang="en-US" dirty="0" smtClean="0"/>
-              <a:t>플레이어 소유 자원</a:t>
-            </a:r>
-            <a:r>
-              <a:rPr lang="en-US" altLang="ko-KR" dirty="0" smtClean="0"/>
-              <a:t>(</a:t>
-            </a:r>
-            <a:r>
-              <a:rPr lang="ko-KR" altLang="en-US" dirty="0" smtClean="0"/>
+              <a:t>현질 </a:t>
+            </a:r>
+            <a:r>
+              <a:rPr lang="en-US" altLang="ko-KR" dirty="0"/>
+              <a:t>-&gt; </a:t>
+            </a:r>
+            <a:r>
+              <a:rPr lang="ko-KR" altLang="en-US" dirty="0"/>
               <a:t>돈</a:t>
             </a:r>
-            <a:r>
-              <a:rPr lang="en-US" altLang="ko-KR" dirty="0" smtClean="0"/>
-              <a:t>) -&gt; </a:t>
-            </a:r>
-            <a:r>
-              <a:rPr lang="ko-KR" altLang="en-US" dirty="0" smtClean="0"/>
-              <a:t>어떤 단위</a:t>
-            </a:r>
-            <a:r>
-              <a:rPr lang="en-US" altLang="ko-KR" dirty="0" smtClean="0"/>
-              <a:t>(</a:t>
-            </a:r>
-            <a:r>
-              <a:rPr lang="ko-KR" altLang="en-US" dirty="0" smtClean="0"/>
-              <a:t>소유 </a:t>
-            </a:r>
-            <a:r>
-              <a:rPr lang="ko-KR" altLang="en-US" dirty="0" err="1" smtClean="0"/>
-              <a:t>유닛</a:t>
-            </a:r>
-            <a:r>
-              <a:rPr lang="en-US" altLang="ko-KR" dirty="0" smtClean="0"/>
-              <a:t>, </a:t>
-            </a:r>
-            <a:r>
-              <a:rPr lang="ko-KR" altLang="en-US" dirty="0" smtClean="0"/>
-              <a:t>건물</a:t>
-            </a:r>
-            <a:r>
-              <a:rPr lang="en-US" altLang="ko-KR" dirty="0" smtClean="0"/>
-              <a:t>, </a:t>
-            </a:r>
-            <a:r>
-              <a:rPr lang="ko-KR" altLang="en-US" dirty="0" smtClean="0"/>
-              <a:t>아이템 등</a:t>
-            </a:r>
-            <a:r>
-              <a:rPr lang="en-US" altLang="ko-KR" dirty="0" smtClean="0"/>
-              <a:t>)=</a:t>
-            </a:r>
-            <a:r>
-              <a:rPr lang="ko-KR" altLang="en-US" dirty="0" smtClean="0"/>
-              <a:t>공격력 </a:t>
-            </a:r>
-            <a:r>
-              <a:rPr lang="en-US" altLang="ko-KR" dirty="0" smtClean="0"/>
-              <a:t>-&gt; </a:t>
-            </a:r>
-            <a:r>
-              <a:rPr lang="ko-KR" altLang="en-US" dirty="0" smtClean="0"/>
-              <a:t>피해 량</a:t>
-            </a:r>
-            <a:r>
-              <a:rPr lang="en-US" altLang="ko-KR" dirty="0" smtClean="0"/>
-              <a:t>=</a:t>
-            </a:r>
-            <a:r>
-              <a:rPr lang="ko-KR" altLang="en-US" dirty="0" smtClean="0"/>
-              <a:t>공격력</a:t>
-            </a:r>
-            <a:r>
-              <a:rPr lang="en-US" altLang="ko-KR" dirty="0" smtClean="0"/>
-              <a:t>-</a:t>
-            </a:r>
-            <a:r>
-              <a:rPr lang="ko-KR" altLang="en-US" dirty="0" smtClean="0"/>
-              <a:t>방어력 </a:t>
-            </a:r>
-            <a:r>
-              <a:rPr lang="en-US" altLang="ko-KR" dirty="0" smtClean="0"/>
-              <a:t>-&gt; </a:t>
-            </a:r>
-            <a:r>
-              <a:rPr lang="ko-KR" altLang="en-US" dirty="0" smtClean="0"/>
-              <a:t>체력</a:t>
-            </a:r>
-            <a:endParaRPr lang="en-US" altLang="ko-KR" dirty="0" smtClean="0"/>
-          </a:p>
-          <a:p>
-            <a:r>
-              <a:rPr lang="ko-KR" altLang="en-US" dirty="0" smtClean="0"/>
-              <a:t>현질 </a:t>
-            </a:r>
-            <a:r>
-              <a:rPr lang="en-US" altLang="ko-KR" dirty="0" smtClean="0"/>
-              <a:t>-&gt; </a:t>
-            </a:r>
-            <a:r>
-              <a:rPr lang="ko-KR" altLang="en-US" dirty="0" smtClean="0"/>
-              <a:t>돈</a:t>
-            </a:r>
-            <a:endParaRPr lang="en-US" altLang="ko-KR" dirty="0" smtClean="0"/>
+            <a:endParaRPr lang="en-US" altLang="ko-KR" dirty="0"/>
           </a:p>
         </p:txBody>
       </p:sp>
@@ -32447,7 +31771,7 @@
           <p:cNvPr id="4" name="바닥글 개체 틀 3">
             <a:extLst>
               <a:ext uri="{FF2B5EF4-FFF2-40B4-BE49-F238E27FC236}">
-                <a16:creationId xmlns:a16="http://schemas.microsoft.com/office/drawing/2014/main" xmlns="" id="{AA2DBCCD-0789-48B0-B4A0-59AD49B6B421}"/>
+                <a16:creationId xmlns:a16="http://schemas.microsoft.com/office/drawing/2014/main" id="{AA2DBCCD-0789-48B0-B4A0-59AD49B6B421}"/>
               </a:ext>
             </a:extLst>
           </p:cNvPr>
@@ -32476,7 +31800,7 @@
           <p:cNvPr id="5" name="슬라이드 번호 개체 틀 4">
             <a:extLst>
               <a:ext uri="{FF2B5EF4-FFF2-40B4-BE49-F238E27FC236}">
-                <a16:creationId xmlns:a16="http://schemas.microsoft.com/office/drawing/2014/main" xmlns="" id="{7AABEFF9-9158-4D34-9B1D-39B2F2211BD4}"/>
+                <a16:creationId xmlns:a16="http://schemas.microsoft.com/office/drawing/2014/main" id="{7AABEFF9-9158-4D34-9B1D-39B2F2211BD4}"/>
               </a:ext>
             </a:extLst>
           </p:cNvPr>
@@ -32542,7 +31866,7 @@
           <a:p>
             <a:pPr algn="ctr"/>
             <a:r>
-              <a:rPr lang="en-US" altLang="ko-KR" sz="1400" dirty="0" smtClean="0">
+              <a:rPr lang="en-US" altLang="ko-KR" sz="1400" dirty="0">
                 <a:effectLst>
                   <a:outerShdw blurRad="38100" dist="38100" dir="2700000" algn="tl">
                     <a:srgbClr val="000000">
@@ -32556,20 +31880,6 @@
               <a:t>02 </a:t>
             </a:r>
             <a:r>
-              <a:rPr lang="ko-KR" altLang="en-US" sz="1400" dirty="0" smtClean="0">
-                <a:effectLst>
-                  <a:outerShdw blurRad="38100" dist="38100" dir="2700000" algn="tl">
-                    <a:srgbClr val="000000">
-                      <a:alpha val="43137"/>
-                    </a:srgbClr>
-                  </a:outerShdw>
-                </a:effectLst>
-                <a:latin typeface="Continuum Light" panose="00000400000000000000" pitchFamily="2" charset="0"/>
-                <a:ea typeface="-윤고딕320" panose="02030504000101010101" pitchFamily="18" charset="-127"/>
-              </a:rPr>
-              <a:t>게</a:t>
-            </a:r>
-            <a:r>
               <a:rPr lang="ko-KR" altLang="en-US" sz="1400" dirty="0">
                 <a:effectLst>
                   <a:outerShdw blurRad="38100" dist="38100" dir="2700000" algn="tl">
@@ -32581,7 +31891,7 @@
                 <a:latin typeface="Continuum Light" panose="00000400000000000000" pitchFamily="2" charset="0"/>
                 <a:ea typeface="-윤고딕320" panose="02030504000101010101" pitchFamily="18" charset="-127"/>
               </a:rPr>
-              <a:t>임</a:t>
+              <a:t>게임</a:t>
             </a:r>
             <a:endParaRPr lang="en-US" altLang="ko-KR" sz="1400" dirty="0">
               <a:effectLst>
@@ -32598,7 +31908,7 @@
           <a:p>
             <a:pPr algn="ctr"/>
             <a:r>
-              <a:rPr lang="ko-KR" altLang="en-US" sz="1400" dirty="0" smtClean="0">
+              <a:rPr lang="ko-KR" altLang="en-US" sz="1400" dirty="0">
                 <a:effectLst>
                   <a:glow rad="101600">
                     <a:schemeClr val="accent5">
@@ -32617,7 +31927,7 @@
               </a:rPr>
               <a:t>진행</a:t>
             </a:r>
-            <a:endParaRPr lang="en-US" altLang="ko-KR" sz="1400" dirty="0" smtClean="0">
+            <a:endParaRPr lang="en-US" altLang="ko-KR" sz="1400" dirty="0">
               <a:effectLst>
                 <a:glow rad="101600">
                   <a:schemeClr val="accent5">
@@ -32638,20 +31948,6 @@
           <a:p>
             <a:pPr algn="ctr"/>
             <a:r>
-              <a:rPr lang="ko-KR" altLang="en-US" sz="1400" dirty="0" smtClean="0">
-                <a:effectLst>
-                  <a:outerShdw blurRad="38100" dist="38100" dir="2700000" algn="tl">
-                    <a:srgbClr val="000000">
-                      <a:alpha val="43137"/>
-                    </a:srgbClr>
-                  </a:outerShdw>
-                </a:effectLst>
-                <a:latin typeface="-윤고딕310" panose="02030504000101010101" pitchFamily="18" charset="-127"/>
-                <a:ea typeface="-윤고딕310" panose="02030504000101010101" pitchFamily="18" charset="-127"/>
-              </a:rPr>
-              <a:t>항</a:t>
-            </a:r>
-            <a:r>
               <a:rPr lang="ko-KR" altLang="en-US" sz="1400" dirty="0">
                 <a:effectLst>
                   <a:outerShdw blurRad="38100" dist="38100" dir="2700000" algn="tl">
@@ -32663,7 +31959,7 @@
                 <a:latin typeface="-윤고딕310" panose="02030504000101010101" pitchFamily="18" charset="-127"/>
                 <a:ea typeface="-윤고딕310" panose="02030504000101010101" pitchFamily="18" charset="-127"/>
               </a:rPr>
-              <a:t>해</a:t>
+              <a:t>항해</a:t>
             </a:r>
             <a:endParaRPr lang="en-US" altLang="ko-KR" sz="1400" dirty="0">
               <a:effectLst>
@@ -32680,20 +31976,6 @@
           <a:p>
             <a:pPr algn="ctr"/>
             <a:r>
-              <a:rPr lang="ko-KR" altLang="en-US" sz="1400" dirty="0" smtClean="0">
-                <a:effectLst>
-                  <a:outerShdw blurRad="38100" dist="38100" dir="2700000" algn="tl">
-                    <a:srgbClr val="000000">
-                      <a:alpha val="43137"/>
-                    </a:srgbClr>
-                  </a:outerShdw>
-                </a:effectLst>
-                <a:latin typeface="-윤고딕310" panose="02030504000101010101" pitchFamily="18" charset="-127"/>
-                <a:ea typeface="-윤고딕310" panose="02030504000101010101" pitchFamily="18" charset="-127"/>
-              </a:rPr>
-              <a:t>행</a:t>
-            </a:r>
-            <a:r>
               <a:rPr lang="ko-KR" altLang="en-US" sz="1400" dirty="0">
                 <a:effectLst>
                   <a:outerShdw blurRad="38100" dist="38100" dir="2700000" algn="tl">
@@ -32705,9 +31987,9 @@
                 <a:latin typeface="-윤고딕310" panose="02030504000101010101" pitchFamily="18" charset="-127"/>
                 <a:ea typeface="-윤고딕310" panose="02030504000101010101" pitchFamily="18" charset="-127"/>
               </a:rPr>
-              <a:t>성</a:t>
-            </a:r>
-            <a:endParaRPr lang="en-US" altLang="ko-KR" sz="1400" dirty="0" smtClean="0">
+              <a:t>행성</a:t>
+            </a:r>
+            <a:endParaRPr lang="en-US" altLang="ko-KR" sz="1400" dirty="0">
               <a:effectLst>
                 <a:outerShdw blurRad="38100" dist="38100" dir="2700000" algn="tl">
                   <a:srgbClr val="000000">
@@ -32722,7 +32004,7 @@
           <a:p>
             <a:pPr algn="ctr"/>
             <a:r>
-              <a:rPr lang="ko-KR" altLang="en-US" sz="1400" dirty="0" smtClean="0">
+              <a:rPr lang="ko-KR" altLang="en-US" sz="1400" dirty="0">
                 <a:effectLst>
                   <a:outerShdw blurRad="38100" dist="38100" dir="2700000" algn="tl">
                     <a:srgbClr val="000000">
@@ -32735,7 +32017,7 @@
               </a:rPr>
               <a:t>전투</a:t>
             </a:r>
-            <a:endParaRPr lang="en-US" altLang="ko-KR" sz="1400" dirty="0" smtClean="0">
+            <a:endParaRPr lang="en-US" altLang="ko-KR" sz="1400" dirty="0">
               <a:effectLst>
                 <a:outerShdw blurRad="38100" dist="38100" dir="2700000" algn="tl">
                   <a:srgbClr val="000000">
@@ -32749,20 +32031,6 @@
           </a:p>
           <a:p>
             <a:pPr algn="ctr"/>
-            <a:r>
-              <a:rPr lang="ko-KR" altLang="en-US" sz="1400" dirty="0" smtClean="0">
-                <a:effectLst>
-                  <a:outerShdw blurRad="38100" dist="38100" dir="2700000" algn="tl">
-                    <a:srgbClr val="000000">
-                      <a:alpha val="43137"/>
-                    </a:srgbClr>
-                  </a:outerShdw>
-                </a:effectLst>
-                <a:latin typeface="-윤고딕310" panose="02030504000101010101" pitchFamily="18" charset="-127"/>
-                <a:ea typeface="-윤고딕310" panose="02030504000101010101" pitchFamily="18" charset="-127"/>
-              </a:rPr>
-              <a:t>교</a:t>
-            </a:r>
             <a:r>
               <a:rPr lang="ko-KR" altLang="en-US" sz="1400" dirty="0">
                 <a:effectLst>
@@ -32775,7 +32043,7 @@
                 <a:latin typeface="-윤고딕310" panose="02030504000101010101" pitchFamily="18" charset="-127"/>
                 <a:ea typeface="-윤고딕310" panose="02030504000101010101" pitchFamily="18" charset="-127"/>
               </a:rPr>
-              <a:t>역</a:t>
+              <a:t>교역</a:t>
             </a:r>
             <a:endParaRPr lang="en-US" altLang="ko-KR" sz="1400" dirty="0">
               <a:effectLst>
@@ -32801,13 +32069,6 @@
   <p:clrMapOvr>
     <a:masterClrMapping/>
   </p:clrMapOvr>
-  <p:timing>
-    <p:tnLst>
-      <p:par>
-        <p:cTn id="1" dur="indefinite" restart="never" nodeType="tmRoot"/>
-      </p:par>
-    </p:tnLst>
-  </p:timing>
 </p:sld>
 </file>
 
@@ -32833,7 +32094,7 @@
           <p:cNvPr id="2" name="세로 제목 1">
             <a:extLst>
               <a:ext uri="{FF2B5EF4-FFF2-40B4-BE49-F238E27FC236}">
-                <a16:creationId xmlns:a16="http://schemas.microsoft.com/office/drawing/2014/main" xmlns="" id="{FEBC6F77-B83D-490D-BC9E-56D628FAE960}"/>
+                <a16:creationId xmlns:a16="http://schemas.microsoft.com/office/drawing/2014/main" id="{FEBC6F77-B83D-490D-BC9E-56D628FAE960}"/>
               </a:ext>
             </a:extLst>
           </p:cNvPr>
@@ -32850,22 +32111,13 @@
           <a:lstStyle/>
           <a:p>
             <a:pPr algn="ctr"/>
-            <a:r>
-              <a:rPr lang="en-US" altLang="ko-KR" dirty="0" smtClean="0"/>
-              <a:t/>
-            </a:r>
             <a:br>
-              <a:rPr lang="en-US" altLang="ko-KR" dirty="0" smtClean="0"/>
+              <a:rPr lang="en-US" altLang="ko-KR" dirty="0"/>
             </a:br>
             <a:r>
-              <a:rPr lang="ko-KR" altLang="en-US" dirty="0" smtClean="0"/>
-              <a:t>항</a:t>
-            </a:r>
-            <a:r>
               <a:rPr lang="ko-KR" altLang="en-US" dirty="0"/>
-              <a:t>해</a:t>
-            </a:r>
-            <a:endParaRPr lang="ko-KR" altLang="en-US" dirty="0"/>
+              <a:t>항해</a:t>
+            </a:r>
           </a:p>
         </p:txBody>
       </p:sp>
@@ -32874,7 +32126,7 @@
           <p:cNvPr id="3" name="세로 텍스트 개체 틀 2">
             <a:extLst>
               <a:ext uri="{FF2B5EF4-FFF2-40B4-BE49-F238E27FC236}">
-                <a16:creationId xmlns:a16="http://schemas.microsoft.com/office/drawing/2014/main" xmlns="" id="{B44A0373-7254-40B4-A62A-F37094032C32}"/>
+                <a16:creationId xmlns:a16="http://schemas.microsoft.com/office/drawing/2014/main" id="{B44A0373-7254-40B4-A62A-F37094032C32}"/>
               </a:ext>
             </a:extLst>
           </p:cNvPr>
@@ -32893,23 +32145,22 @@
             <a:pPr marL="0" indent="0" algn="ctr">
               <a:buNone/>
             </a:pPr>
-            <a:endParaRPr lang="en-US" altLang="ko-KR" dirty="0" smtClean="0"/>
+            <a:endParaRPr lang="en-US" altLang="ko-KR" dirty="0"/>
           </a:p>
           <a:p>
             <a:pPr marL="0" indent="0" algn="ctr">
               <a:buNone/>
             </a:pPr>
-            <a:endParaRPr lang="en-US" altLang="ko-KR" dirty="0" smtClean="0"/>
-          </a:p>
-          <a:p>
-            <a:endParaRPr lang="en-US" altLang="ko-KR" dirty="0" smtClean="0"/>
-          </a:p>
-          <a:p>
-            <a:r>
-              <a:rPr lang="ko-KR" altLang="en-US" dirty="0" smtClean="0"/>
+            <a:endParaRPr lang="en-US" altLang="ko-KR" dirty="0"/>
+          </a:p>
+          <a:p>
+            <a:endParaRPr lang="en-US" altLang="ko-KR" dirty="0"/>
+          </a:p>
+          <a:p>
+            <a:r>
+              <a:rPr lang="ko-KR" altLang="en-US" dirty="0"/>
               <a:t>테스트</a:t>
             </a:r>
-            <a:endParaRPr lang="ko-KR" altLang="en-US" dirty="0"/>
           </a:p>
         </p:txBody>
       </p:sp>
@@ -32918,7 +32169,7 @@
           <p:cNvPr id="4" name="바닥글 개체 틀 3">
             <a:extLst>
               <a:ext uri="{FF2B5EF4-FFF2-40B4-BE49-F238E27FC236}">
-                <a16:creationId xmlns:a16="http://schemas.microsoft.com/office/drawing/2014/main" xmlns="" id="{AA2DBCCD-0789-48B0-B4A0-59AD49B6B421}"/>
+                <a16:creationId xmlns:a16="http://schemas.microsoft.com/office/drawing/2014/main" id="{AA2DBCCD-0789-48B0-B4A0-59AD49B6B421}"/>
               </a:ext>
             </a:extLst>
           </p:cNvPr>
@@ -32947,7 +32198,7 @@
           <p:cNvPr id="5" name="슬라이드 번호 개체 틀 4">
             <a:extLst>
               <a:ext uri="{FF2B5EF4-FFF2-40B4-BE49-F238E27FC236}">
-                <a16:creationId xmlns:a16="http://schemas.microsoft.com/office/drawing/2014/main" xmlns="" id="{7AABEFF9-9158-4D34-9B1D-39B2F2211BD4}"/>
+                <a16:creationId xmlns:a16="http://schemas.microsoft.com/office/drawing/2014/main" id="{7AABEFF9-9158-4D34-9B1D-39B2F2211BD4}"/>
               </a:ext>
             </a:extLst>
           </p:cNvPr>
@@ -33013,7 +32264,7 @@
           <a:p>
             <a:pPr algn="ctr"/>
             <a:r>
-              <a:rPr lang="en-US" altLang="ko-KR" sz="1400" dirty="0" smtClean="0">
+              <a:rPr lang="en-US" altLang="ko-KR" sz="1400" dirty="0">
                 <a:effectLst>
                   <a:outerShdw blurRad="38100" dist="38100" dir="2700000" algn="tl">
                     <a:srgbClr val="000000">
@@ -33027,20 +32278,6 @@
               <a:t>02 </a:t>
             </a:r>
             <a:r>
-              <a:rPr lang="ko-KR" altLang="en-US" sz="1400" dirty="0" smtClean="0">
-                <a:effectLst>
-                  <a:outerShdw blurRad="38100" dist="38100" dir="2700000" algn="tl">
-                    <a:srgbClr val="000000">
-                      <a:alpha val="43137"/>
-                    </a:srgbClr>
-                  </a:outerShdw>
-                </a:effectLst>
-                <a:latin typeface="Continuum Light" panose="00000400000000000000" pitchFamily="2" charset="0"/>
-                <a:ea typeface="-윤고딕320" panose="02030504000101010101" pitchFamily="18" charset="-127"/>
-              </a:rPr>
-              <a:t>게</a:t>
-            </a:r>
-            <a:r>
               <a:rPr lang="ko-KR" altLang="en-US" sz="1400" dirty="0">
                 <a:effectLst>
                   <a:outerShdw blurRad="38100" dist="38100" dir="2700000" algn="tl">
@@ -33052,7 +32289,7 @@
                 <a:latin typeface="Continuum Light" panose="00000400000000000000" pitchFamily="2" charset="0"/>
                 <a:ea typeface="-윤고딕320" panose="02030504000101010101" pitchFamily="18" charset="-127"/>
               </a:rPr>
-              <a:t>임</a:t>
+              <a:t>게임</a:t>
             </a:r>
             <a:endParaRPr lang="en-US" altLang="ko-KR" sz="1400" dirty="0">
               <a:effectLst>
@@ -33069,7 +32306,7 @@
           <a:p>
             <a:pPr algn="ctr"/>
             <a:r>
-              <a:rPr lang="ko-KR" altLang="en-US" sz="1400" dirty="0" smtClean="0">
+              <a:rPr lang="ko-KR" altLang="en-US" sz="1400" dirty="0">
                 <a:effectLst>
                   <a:outerShdw blurRad="38100" dist="38100" dir="2700000" algn="tl">
                     <a:srgbClr val="000000">
@@ -33082,7 +32319,7 @@
               </a:rPr>
               <a:t>진행</a:t>
             </a:r>
-            <a:endParaRPr lang="en-US" altLang="ko-KR" sz="1400" dirty="0" smtClean="0">
+            <a:endParaRPr lang="en-US" altLang="ko-KR" sz="1400" dirty="0">
               <a:effectLst>
                 <a:outerShdw blurRad="38100" dist="38100" dir="2700000" algn="tl">
                   <a:srgbClr val="000000">
@@ -33096,26 +32333,6 @@
           </a:p>
           <a:p>
             <a:pPr algn="ctr"/>
-            <a:r>
-              <a:rPr lang="ko-KR" altLang="en-US" sz="1400" dirty="0" smtClean="0">
-                <a:effectLst>
-                  <a:glow rad="101600">
-                    <a:schemeClr val="accent5">
-                      <a:satMod val="175000"/>
-                      <a:alpha val="40000"/>
-                    </a:schemeClr>
-                  </a:glow>
-                  <a:outerShdw blurRad="38100" dist="38100" dir="2700000" algn="tl">
-                    <a:srgbClr val="000000">
-                      <a:alpha val="43137"/>
-                    </a:srgbClr>
-                  </a:outerShdw>
-                </a:effectLst>
-                <a:latin typeface="-윤고딕310" panose="02030504000101010101" pitchFamily="18" charset="-127"/>
-                <a:ea typeface="-윤고딕310" panose="02030504000101010101" pitchFamily="18" charset="-127"/>
-              </a:rPr>
-              <a:t>항</a:t>
-            </a:r>
             <a:r>
               <a:rPr lang="ko-KR" altLang="en-US" sz="1400" dirty="0">
                 <a:effectLst>
@@ -33134,7 +32351,7 @@
                 <a:latin typeface="-윤고딕310" panose="02030504000101010101" pitchFamily="18" charset="-127"/>
                 <a:ea typeface="-윤고딕310" panose="02030504000101010101" pitchFamily="18" charset="-127"/>
               </a:rPr>
-              <a:t>해</a:t>
+              <a:t>항해</a:t>
             </a:r>
             <a:endParaRPr lang="en-US" altLang="ko-KR" sz="1400" dirty="0">
               <a:effectLst>
@@ -33157,20 +32374,6 @@
           <a:p>
             <a:pPr algn="ctr"/>
             <a:r>
-              <a:rPr lang="ko-KR" altLang="en-US" sz="1400" dirty="0" smtClean="0">
-                <a:effectLst>
-                  <a:outerShdw blurRad="38100" dist="38100" dir="2700000" algn="tl">
-                    <a:srgbClr val="000000">
-                      <a:alpha val="43137"/>
-                    </a:srgbClr>
-                  </a:outerShdw>
-                </a:effectLst>
-                <a:latin typeface="-윤고딕310" panose="02030504000101010101" pitchFamily="18" charset="-127"/>
-                <a:ea typeface="-윤고딕310" panose="02030504000101010101" pitchFamily="18" charset="-127"/>
-              </a:rPr>
-              <a:t>행</a:t>
-            </a:r>
-            <a:r>
               <a:rPr lang="ko-KR" altLang="en-US" sz="1400" dirty="0">
                 <a:effectLst>
                   <a:outerShdw blurRad="38100" dist="38100" dir="2700000" algn="tl">
@@ -33182,9 +32385,9 @@
                 <a:latin typeface="-윤고딕310" panose="02030504000101010101" pitchFamily="18" charset="-127"/>
                 <a:ea typeface="-윤고딕310" panose="02030504000101010101" pitchFamily="18" charset="-127"/>
               </a:rPr>
-              <a:t>성</a:t>
-            </a:r>
-            <a:endParaRPr lang="en-US" altLang="ko-KR" sz="1400" dirty="0" smtClean="0">
+              <a:t>행성</a:t>
+            </a:r>
+            <a:endParaRPr lang="en-US" altLang="ko-KR" sz="1400" dirty="0">
               <a:effectLst>
                 <a:outerShdw blurRad="38100" dist="38100" dir="2700000" algn="tl">
                   <a:srgbClr val="000000">
@@ -33199,7 +32402,7 @@
           <a:p>
             <a:pPr algn="ctr"/>
             <a:r>
-              <a:rPr lang="ko-KR" altLang="en-US" sz="1400" dirty="0" smtClean="0">
+              <a:rPr lang="ko-KR" altLang="en-US" sz="1400" dirty="0">
                 <a:effectLst>
                   <a:outerShdw blurRad="38100" dist="38100" dir="2700000" algn="tl">
                     <a:srgbClr val="000000">
@@ -33212,7 +32415,7 @@
               </a:rPr>
               <a:t>전투</a:t>
             </a:r>
-            <a:endParaRPr lang="en-US" altLang="ko-KR" sz="1400" dirty="0" smtClean="0">
+            <a:endParaRPr lang="en-US" altLang="ko-KR" sz="1400" dirty="0">
               <a:effectLst>
                 <a:outerShdw blurRad="38100" dist="38100" dir="2700000" algn="tl">
                   <a:srgbClr val="000000">
@@ -33226,20 +32429,6 @@
           </a:p>
           <a:p>
             <a:pPr algn="ctr"/>
-            <a:r>
-              <a:rPr lang="ko-KR" altLang="en-US" sz="1400" dirty="0" smtClean="0">
-                <a:effectLst>
-                  <a:outerShdw blurRad="38100" dist="38100" dir="2700000" algn="tl">
-                    <a:srgbClr val="000000">
-                      <a:alpha val="43137"/>
-                    </a:srgbClr>
-                  </a:outerShdw>
-                </a:effectLst>
-                <a:latin typeface="-윤고딕310" panose="02030504000101010101" pitchFamily="18" charset="-127"/>
-                <a:ea typeface="-윤고딕310" panose="02030504000101010101" pitchFamily="18" charset="-127"/>
-              </a:rPr>
-              <a:t>교</a:t>
-            </a:r>
             <a:r>
               <a:rPr lang="ko-KR" altLang="en-US" sz="1400" dirty="0">
                 <a:effectLst>
@@ -33252,7 +32441,7 @@
                 <a:latin typeface="-윤고딕310" panose="02030504000101010101" pitchFamily="18" charset="-127"/>
                 <a:ea typeface="-윤고딕310" panose="02030504000101010101" pitchFamily="18" charset="-127"/>
               </a:rPr>
-              <a:t>역</a:t>
+              <a:t>교역</a:t>
             </a:r>
             <a:endParaRPr lang="en-US" altLang="ko-KR" sz="1400" dirty="0">
               <a:effectLst>
@@ -33278,13 +32467,6 @@
   <p:clrMapOvr>
     <a:masterClrMapping/>
   </p:clrMapOvr>
-  <p:timing>
-    <p:tnLst>
-      <p:par>
-        <p:cTn id="1" dur="indefinite" restart="never" nodeType="tmRoot"/>
-      </p:par>
-    </p:tnLst>
-  </p:timing>
 </p:sld>
 </file>
 
@@ -33310,7 +32492,7 @@
           <p:cNvPr id="2" name="세로 제목 1">
             <a:extLst>
               <a:ext uri="{FF2B5EF4-FFF2-40B4-BE49-F238E27FC236}">
-                <a16:creationId xmlns:a16="http://schemas.microsoft.com/office/drawing/2014/main" xmlns="" id="{FEBC6F77-B83D-490D-BC9E-56D628FAE960}"/>
+                <a16:creationId xmlns:a16="http://schemas.microsoft.com/office/drawing/2014/main" id="{FEBC6F77-B83D-490D-BC9E-56D628FAE960}"/>
               </a:ext>
             </a:extLst>
           </p:cNvPr>
@@ -33327,22 +32509,13 @@
           <a:lstStyle/>
           <a:p>
             <a:pPr algn="ctr"/>
-            <a:r>
-              <a:rPr lang="en-US" altLang="ko-KR" dirty="0" smtClean="0"/>
-              <a:t/>
-            </a:r>
             <a:br>
-              <a:rPr lang="en-US" altLang="ko-KR" dirty="0" smtClean="0"/>
+              <a:rPr lang="en-US" altLang="ko-KR" dirty="0"/>
             </a:br>
             <a:r>
-              <a:rPr lang="ko-KR" altLang="en-US" dirty="0" smtClean="0"/>
-              <a:t>행</a:t>
-            </a:r>
-            <a:r>
               <a:rPr lang="ko-KR" altLang="en-US" dirty="0"/>
-              <a:t>성</a:t>
-            </a:r>
-            <a:endParaRPr lang="ko-KR" altLang="en-US" dirty="0"/>
+              <a:t>행성</a:t>
+            </a:r>
           </a:p>
         </p:txBody>
       </p:sp>
@@ -33351,7 +32524,7 @@
           <p:cNvPr id="3" name="세로 텍스트 개체 틀 2">
             <a:extLst>
               <a:ext uri="{FF2B5EF4-FFF2-40B4-BE49-F238E27FC236}">
-                <a16:creationId xmlns:a16="http://schemas.microsoft.com/office/drawing/2014/main" xmlns="" id="{B44A0373-7254-40B4-A62A-F37094032C32}"/>
+                <a16:creationId xmlns:a16="http://schemas.microsoft.com/office/drawing/2014/main" id="{B44A0373-7254-40B4-A62A-F37094032C32}"/>
               </a:ext>
             </a:extLst>
           </p:cNvPr>
@@ -33370,23 +32543,22 @@
             <a:pPr marL="0" indent="0" algn="ctr">
               <a:buNone/>
             </a:pPr>
-            <a:endParaRPr lang="en-US" altLang="ko-KR" dirty="0" smtClean="0"/>
+            <a:endParaRPr lang="en-US" altLang="ko-KR" dirty="0"/>
           </a:p>
           <a:p>
             <a:pPr marL="0" indent="0" algn="ctr">
               <a:buNone/>
             </a:pPr>
-            <a:endParaRPr lang="en-US" altLang="ko-KR" dirty="0" smtClean="0"/>
-          </a:p>
-          <a:p>
-            <a:endParaRPr lang="en-US" altLang="ko-KR" dirty="0" smtClean="0"/>
-          </a:p>
-          <a:p>
-            <a:r>
-              <a:rPr lang="ko-KR" altLang="en-US" dirty="0" smtClean="0"/>
+            <a:endParaRPr lang="en-US" altLang="ko-KR" dirty="0"/>
+          </a:p>
+          <a:p>
+            <a:endParaRPr lang="en-US" altLang="ko-KR" dirty="0"/>
+          </a:p>
+          <a:p>
+            <a:r>
+              <a:rPr lang="ko-KR" altLang="en-US" dirty="0"/>
               <a:t>테스트</a:t>
             </a:r>
-            <a:endParaRPr lang="ko-KR" altLang="en-US" dirty="0"/>
           </a:p>
         </p:txBody>
       </p:sp>
@@ -33395,7 +32567,7 @@
           <p:cNvPr id="4" name="바닥글 개체 틀 3">
             <a:extLst>
               <a:ext uri="{FF2B5EF4-FFF2-40B4-BE49-F238E27FC236}">
-                <a16:creationId xmlns:a16="http://schemas.microsoft.com/office/drawing/2014/main" xmlns="" id="{AA2DBCCD-0789-48B0-B4A0-59AD49B6B421}"/>
+                <a16:creationId xmlns:a16="http://schemas.microsoft.com/office/drawing/2014/main" id="{AA2DBCCD-0789-48B0-B4A0-59AD49B6B421}"/>
               </a:ext>
             </a:extLst>
           </p:cNvPr>
@@ -33424,7 +32596,7 @@
           <p:cNvPr id="5" name="슬라이드 번호 개체 틀 4">
             <a:extLst>
               <a:ext uri="{FF2B5EF4-FFF2-40B4-BE49-F238E27FC236}">
-                <a16:creationId xmlns:a16="http://schemas.microsoft.com/office/drawing/2014/main" xmlns="" id="{7AABEFF9-9158-4D34-9B1D-39B2F2211BD4}"/>
+                <a16:creationId xmlns:a16="http://schemas.microsoft.com/office/drawing/2014/main" id="{7AABEFF9-9158-4D34-9B1D-39B2F2211BD4}"/>
               </a:ext>
             </a:extLst>
           </p:cNvPr>
@@ -33490,7 +32662,7 @@
           <a:p>
             <a:pPr algn="ctr"/>
             <a:r>
-              <a:rPr lang="en-US" altLang="ko-KR" sz="1400" dirty="0" smtClean="0">
+              <a:rPr lang="en-US" altLang="ko-KR" sz="1400" dirty="0">
                 <a:effectLst>
                   <a:outerShdw blurRad="38100" dist="38100" dir="2700000" algn="tl">
                     <a:srgbClr val="000000">
@@ -33504,20 +32676,6 @@
               <a:t>02 </a:t>
             </a:r>
             <a:r>
-              <a:rPr lang="ko-KR" altLang="en-US" sz="1400" dirty="0" smtClean="0">
-                <a:effectLst>
-                  <a:outerShdw blurRad="38100" dist="38100" dir="2700000" algn="tl">
-                    <a:srgbClr val="000000">
-                      <a:alpha val="43137"/>
-                    </a:srgbClr>
-                  </a:outerShdw>
-                </a:effectLst>
-                <a:latin typeface="Continuum Light" panose="00000400000000000000" pitchFamily="2" charset="0"/>
-                <a:ea typeface="-윤고딕320" panose="02030504000101010101" pitchFamily="18" charset="-127"/>
-              </a:rPr>
-              <a:t>게</a:t>
-            </a:r>
-            <a:r>
               <a:rPr lang="ko-KR" altLang="en-US" sz="1400" dirty="0">
                 <a:effectLst>
                   <a:outerShdw blurRad="38100" dist="38100" dir="2700000" algn="tl">
@@ -33529,7 +32687,7 @@
                 <a:latin typeface="Continuum Light" panose="00000400000000000000" pitchFamily="2" charset="0"/>
                 <a:ea typeface="-윤고딕320" panose="02030504000101010101" pitchFamily="18" charset="-127"/>
               </a:rPr>
-              <a:t>임</a:t>
+              <a:t>게임</a:t>
             </a:r>
             <a:endParaRPr lang="en-US" altLang="ko-KR" sz="1400" dirty="0">
               <a:effectLst>
@@ -33546,7 +32704,7 @@
           <a:p>
             <a:pPr algn="ctr"/>
             <a:r>
-              <a:rPr lang="ko-KR" altLang="en-US" sz="1400" dirty="0" smtClean="0">
+              <a:rPr lang="ko-KR" altLang="en-US" sz="1400" dirty="0">
                 <a:effectLst>
                   <a:outerShdw blurRad="38100" dist="38100" dir="2700000" algn="tl">
                     <a:srgbClr val="000000">
@@ -33559,7 +32717,7 @@
               </a:rPr>
               <a:t>진행</a:t>
             </a:r>
-            <a:endParaRPr lang="en-US" altLang="ko-KR" sz="1400" dirty="0" smtClean="0">
+            <a:endParaRPr lang="en-US" altLang="ko-KR" sz="1400" dirty="0">
               <a:effectLst>
                 <a:outerShdw blurRad="38100" dist="38100" dir="2700000" algn="tl">
                   <a:srgbClr val="000000">
@@ -33573,20 +32731,6 @@
           </a:p>
           <a:p>
             <a:pPr algn="ctr"/>
-            <a:r>
-              <a:rPr lang="ko-KR" altLang="en-US" sz="1400" dirty="0" smtClean="0">
-                <a:effectLst>
-                  <a:outerShdw blurRad="38100" dist="38100" dir="2700000" algn="tl">
-                    <a:srgbClr val="000000">
-                      <a:alpha val="43137"/>
-                    </a:srgbClr>
-                  </a:outerShdw>
-                </a:effectLst>
-                <a:latin typeface="-윤고딕310" panose="02030504000101010101" pitchFamily="18" charset="-127"/>
-                <a:ea typeface="-윤고딕310" panose="02030504000101010101" pitchFamily="18" charset="-127"/>
-              </a:rPr>
-              <a:t>항</a:t>
-            </a:r>
             <a:r>
               <a:rPr lang="ko-KR" altLang="en-US" sz="1400" dirty="0">
                 <a:effectLst>
@@ -33599,7 +32743,7 @@
                 <a:latin typeface="-윤고딕310" panose="02030504000101010101" pitchFamily="18" charset="-127"/>
                 <a:ea typeface="-윤고딕310" panose="02030504000101010101" pitchFamily="18" charset="-127"/>
               </a:rPr>
-              <a:t>해</a:t>
+              <a:t>항해</a:t>
             </a:r>
             <a:endParaRPr lang="en-US" altLang="ko-KR" sz="1400" dirty="0">
               <a:effectLst>
@@ -33615,26 +32759,6 @@
           </a:p>
           <a:p>
             <a:pPr algn="ctr"/>
-            <a:r>
-              <a:rPr lang="ko-KR" altLang="en-US" sz="1400" dirty="0" smtClean="0">
-                <a:effectLst>
-                  <a:glow rad="101600">
-                    <a:schemeClr val="accent5">
-                      <a:satMod val="175000"/>
-                      <a:alpha val="40000"/>
-                    </a:schemeClr>
-                  </a:glow>
-                  <a:outerShdw blurRad="38100" dist="38100" dir="2700000" algn="tl">
-                    <a:srgbClr val="000000">
-                      <a:alpha val="43137"/>
-                    </a:srgbClr>
-                  </a:outerShdw>
-                </a:effectLst>
-                <a:latin typeface="-윤고딕310" panose="02030504000101010101" pitchFamily="18" charset="-127"/>
-                <a:ea typeface="-윤고딕310" panose="02030504000101010101" pitchFamily="18" charset="-127"/>
-              </a:rPr>
-              <a:t>행</a:t>
-            </a:r>
             <a:r>
               <a:rPr lang="ko-KR" altLang="en-US" sz="1400" dirty="0">
                 <a:effectLst>
@@ -33653,9 +32777,9 @@
                 <a:latin typeface="-윤고딕310" panose="02030504000101010101" pitchFamily="18" charset="-127"/>
                 <a:ea typeface="-윤고딕310" panose="02030504000101010101" pitchFamily="18" charset="-127"/>
               </a:rPr>
-              <a:t>성</a:t>
-            </a:r>
-            <a:endParaRPr lang="en-US" altLang="ko-KR" sz="1400" dirty="0" smtClean="0">
+              <a:t>행성</a:t>
+            </a:r>
+            <a:endParaRPr lang="en-US" altLang="ko-KR" sz="1400" dirty="0">
               <a:effectLst>
                 <a:glow rad="101600">
                   <a:schemeClr val="accent5">
@@ -33676,7 +32800,7 @@
           <a:p>
             <a:pPr algn="ctr"/>
             <a:r>
-              <a:rPr lang="ko-KR" altLang="en-US" sz="1400" dirty="0" smtClean="0">
+              <a:rPr lang="ko-KR" altLang="en-US" sz="1400" dirty="0">
                 <a:effectLst>
                   <a:outerShdw blurRad="38100" dist="38100" dir="2700000" algn="tl">
                     <a:srgbClr val="000000">
@@ -33689,7 +32813,7 @@
               </a:rPr>
               <a:t>전투</a:t>
             </a:r>
-            <a:endParaRPr lang="en-US" altLang="ko-KR" sz="1400" dirty="0" smtClean="0">
+            <a:endParaRPr lang="en-US" altLang="ko-KR" sz="1400" dirty="0">
               <a:effectLst>
                 <a:outerShdw blurRad="38100" dist="38100" dir="2700000" algn="tl">
                   <a:srgbClr val="000000">
@@ -33703,20 +32827,6 @@
           </a:p>
           <a:p>
             <a:pPr algn="ctr"/>
-            <a:r>
-              <a:rPr lang="ko-KR" altLang="en-US" sz="1400" dirty="0" smtClean="0">
-                <a:effectLst>
-                  <a:outerShdw blurRad="38100" dist="38100" dir="2700000" algn="tl">
-                    <a:srgbClr val="000000">
-                      <a:alpha val="43137"/>
-                    </a:srgbClr>
-                  </a:outerShdw>
-                </a:effectLst>
-                <a:latin typeface="-윤고딕310" panose="02030504000101010101" pitchFamily="18" charset="-127"/>
-                <a:ea typeface="-윤고딕310" panose="02030504000101010101" pitchFamily="18" charset="-127"/>
-              </a:rPr>
-              <a:t>교</a:t>
-            </a:r>
             <a:r>
               <a:rPr lang="ko-KR" altLang="en-US" sz="1400" dirty="0">
                 <a:effectLst>
@@ -33729,7 +32839,7 @@
                 <a:latin typeface="-윤고딕310" panose="02030504000101010101" pitchFamily="18" charset="-127"/>
                 <a:ea typeface="-윤고딕310" panose="02030504000101010101" pitchFamily="18" charset="-127"/>
               </a:rPr>
-              <a:t>역</a:t>
+              <a:t>교역</a:t>
             </a:r>
             <a:endParaRPr lang="en-US" altLang="ko-KR" sz="1400" dirty="0">
               <a:effectLst>
@@ -33755,13 +32865,6 @@
   <p:clrMapOvr>
     <a:masterClrMapping/>
   </p:clrMapOvr>
-  <p:timing>
-    <p:tnLst>
-      <p:par>
-        <p:cTn id="1" dur="indefinite" restart="never" nodeType="tmRoot"/>
-      </p:par>
-    </p:tnLst>
-  </p:timing>
 </p:sld>
 </file>
 
@@ -33787,7 +32890,7 @@
           <p:cNvPr id="2" name="세로 제목 1">
             <a:extLst>
               <a:ext uri="{FF2B5EF4-FFF2-40B4-BE49-F238E27FC236}">
-                <a16:creationId xmlns:a16="http://schemas.microsoft.com/office/drawing/2014/main" xmlns="" id="{FEBC6F77-B83D-490D-BC9E-56D628FAE960}"/>
+                <a16:creationId xmlns:a16="http://schemas.microsoft.com/office/drawing/2014/main" id="{FEBC6F77-B83D-490D-BC9E-56D628FAE960}"/>
               </a:ext>
             </a:extLst>
           </p:cNvPr>
@@ -33804,22 +32907,13 @@
           <a:lstStyle/>
           <a:p>
             <a:pPr algn="ctr"/>
-            <a:r>
-              <a:rPr lang="en-US" altLang="ko-KR" dirty="0" smtClean="0"/>
-              <a:t/>
-            </a:r>
             <a:br>
-              <a:rPr lang="en-US" altLang="ko-KR" dirty="0" smtClean="0"/>
+              <a:rPr lang="en-US" altLang="ko-KR" dirty="0"/>
             </a:br>
             <a:r>
-              <a:rPr lang="ko-KR" altLang="en-US" dirty="0" smtClean="0"/>
-              <a:t>전</a:t>
-            </a:r>
-            <a:r>
               <a:rPr lang="ko-KR" altLang="en-US" dirty="0"/>
-              <a:t>투</a:t>
-            </a:r>
-            <a:endParaRPr lang="ko-KR" altLang="en-US" dirty="0"/>
+              <a:t>전투</a:t>
+            </a:r>
           </a:p>
         </p:txBody>
       </p:sp>
@@ -33828,7 +32922,7 @@
           <p:cNvPr id="3" name="세로 텍스트 개체 틀 2">
             <a:extLst>
               <a:ext uri="{FF2B5EF4-FFF2-40B4-BE49-F238E27FC236}">
-                <a16:creationId xmlns:a16="http://schemas.microsoft.com/office/drawing/2014/main" xmlns="" id="{B44A0373-7254-40B4-A62A-F37094032C32}"/>
+                <a16:creationId xmlns:a16="http://schemas.microsoft.com/office/drawing/2014/main" id="{B44A0373-7254-40B4-A62A-F37094032C32}"/>
               </a:ext>
             </a:extLst>
           </p:cNvPr>
@@ -33847,23 +32941,22 @@
             <a:pPr marL="0" indent="0" algn="ctr">
               <a:buNone/>
             </a:pPr>
-            <a:endParaRPr lang="en-US" altLang="ko-KR" dirty="0" smtClean="0"/>
+            <a:endParaRPr lang="en-US" altLang="ko-KR" dirty="0"/>
           </a:p>
           <a:p>
             <a:pPr marL="0" indent="0" algn="ctr">
               <a:buNone/>
             </a:pPr>
-            <a:endParaRPr lang="en-US" altLang="ko-KR" dirty="0" smtClean="0"/>
-          </a:p>
-          <a:p>
-            <a:endParaRPr lang="en-US" altLang="ko-KR" dirty="0" smtClean="0"/>
-          </a:p>
-          <a:p>
-            <a:r>
-              <a:rPr lang="ko-KR" altLang="en-US" dirty="0" smtClean="0"/>
+            <a:endParaRPr lang="en-US" altLang="ko-KR" dirty="0"/>
+          </a:p>
+          <a:p>
+            <a:endParaRPr lang="en-US" altLang="ko-KR" dirty="0"/>
+          </a:p>
+          <a:p>
+            <a:r>
+              <a:rPr lang="ko-KR" altLang="en-US" dirty="0"/>
               <a:t>테스트</a:t>
             </a:r>
-            <a:endParaRPr lang="ko-KR" altLang="en-US" dirty="0"/>
           </a:p>
         </p:txBody>
       </p:sp>
@@ -33872,7 +32965,7 @@
           <p:cNvPr id="4" name="바닥글 개체 틀 3">
             <a:extLst>
               <a:ext uri="{FF2B5EF4-FFF2-40B4-BE49-F238E27FC236}">
-                <a16:creationId xmlns:a16="http://schemas.microsoft.com/office/drawing/2014/main" xmlns="" id="{AA2DBCCD-0789-48B0-B4A0-59AD49B6B421}"/>
+                <a16:creationId xmlns:a16="http://schemas.microsoft.com/office/drawing/2014/main" id="{AA2DBCCD-0789-48B0-B4A0-59AD49B6B421}"/>
               </a:ext>
             </a:extLst>
           </p:cNvPr>
@@ -33901,7 +32994,7 @@
           <p:cNvPr id="5" name="슬라이드 번호 개체 틀 4">
             <a:extLst>
               <a:ext uri="{FF2B5EF4-FFF2-40B4-BE49-F238E27FC236}">
-                <a16:creationId xmlns:a16="http://schemas.microsoft.com/office/drawing/2014/main" xmlns="" id="{7AABEFF9-9158-4D34-9B1D-39B2F2211BD4}"/>
+                <a16:creationId xmlns:a16="http://schemas.microsoft.com/office/drawing/2014/main" id="{7AABEFF9-9158-4D34-9B1D-39B2F2211BD4}"/>
               </a:ext>
             </a:extLst>
           </p:cNvPr>
@@ -33967,7 +33060,7 @@
           <a:p>
             <a:pPr algn="ctr"/>
             <a:r>
-              <a:rPr lang="en-US" altLang="ko-KR" sz="1400" dirty="0" smtClean="0">
+              <a:rPr lang="en-US" altLang="ko-KR" sz="1400" dirty="0">
                 <a:effectLst>
                   <a:outerShdw blurRad="38100" dist="38100" dir="2700000" algn="tl">
                     <a:srgbClr val="000000">
@@ -33981,20 +33074,6 @@
               <a:t>02 </a:t>
             </a:r>
             <a:r>
-              <a:rPr lang="ko-KR" altLang="en-US" sz="1400" dirty="0" smtClean="0">
-                <a:effectLst>
-                  <a:outerShdw blurRad="38100" dist="38100" dir="2700000" algn="tl">
-                    <a:srgbClr val="000000">
-                      <a:alpha val="43137"/>
-                    </a:srgbClr>
-                  </a:outerShdw>
-                </a:effectLst>
-                <a:latin typeface="Continuum Light" panose="00000400000000000000" pitchFamily="2" charset="0"/>
-                <a:ea typeface="-윤고딕320" panose="02030504000101010101" pitchFamily="18" charset="-127"/>
-              </a:rPr>
-              <a:t>게</a:t>
-            </a:r>
-            <a:r>
               <a:rPr lang="ko-KR" altLang="en-US" sz="1400" dirty="0">
                 <a:effectLst>
                   <a:outerShdw blurRad="38100" dist="38100" dir="2700000" algn="tl">
@@ -34006,7 +33085,7 @@
                 <a:latin typeface="Continuum Light" panose="00000400000000000000" pitchFamily="2" charset="0"/>
                 <a:ea typeface="-윤고딕320" panose="02030504000101010101" pitchFamily="18" charset="-127"/>
               </a:rPr>
-              <a:t>임</a:t>
+              <a:t>게임</a:t>
             </a:r>
             <a:endParaRPr lang="en-US" altLang="ko-KR" sz="1400" dirty="0">
               <a:effectLst>
@@ -34023,7 +33102,7 @@
           <a:p>
             <a:pPr algn="ctr"/>
             <a:r>
-              <a:rPr lang="ko-KR" altLang="en-US" sz="1400" dirty="0" smtClean="0">
+              <a:rPr lang="ko-KR" altLang="en-US" sz="1400" dirty="0">
                 <a:effectLst>
                   <a:outerShdw blurRad="38100" dist="38100" dir="2700000" algn="tl">
                     <a:srgbClr val="000000">
@@ -34036,7 +33115,7 @@
               </a:rPr>
               <a:t>진행</a:t>
             </a:r>
-            <a:endParaRPr lang="en-US" altLang="ko-KR" sz="1400" dirty="0" smtClean="0">
+            <a:endParaRPr lang="en-US" altLang="ko-KR" sz="1400" dirty="0">
               <a:effectLst>
                 <a:outerShdw blurRad="38100" dist="38100" dir="2700000" algn="tl">
                   <a:srgbClr val="000000">
@@ -34050,20 +33129,6 @@
           </a:p>
           <a:p>
             <a:pPr algn="ctr"/>
-            <a:r>
-              <a:rPr lang="ko-KR" altLang="en-US" sz="1400" dirty="0" smtClean="0">
-                <a:effectLst>
-                  <a:outerShdw blurRad="38100" dist="38100" dir="2700000" algn="tl">
-                    <a:srgbClr val="000000">
-                      <a:alpha val="43137"/>
-                    </a:srgbClr>
-                  </a:outerShdw>
-                </a:effectLst>
-                <a:latin typeface="-윤고딕310" panose="02030504000101010101" pitchFamily="18" charset="-127"/>
-                <a:ea typeface="-윤고딕310" panose="02030504000101010101" pitchFamily="18" charset="-127"/>
-              </a:rPr>
-              <a:t>항</a:t>
-            </a:r>
             <a:r>
               <a:rPr lang="ko-KR" altLang="en-US" sz="1400" dirty="0">
                 <a:effectLst>
@@ -34076,7 +33141,7 @@
                 <a:latin typeface="-윤고딕310" panose="02030504000101010101" pitchFamily="18" charset="-127"/>
                 <a:ea typeface="-윤고딕310" panose="02030504000101010101" pitchFamily="18" charset="-127"/>
               </a:rPr>
-              <a:t>해</a:t>
+              <a:t>항해</a:t>
             </a:r>
             <a:endParaRPr lang="en-US" altLang="ko-KR" sz="1400" dirty="0">
               <a:effectLst>
@@ -34093,20 +33158,6 @@
           <a:p>
             <a:pPr algn="ctr"/>
             <a:r>
-              <a:rPr lang="ko-KR" altLang="en-US" sz="1400" dirty="0" smtClean="0">
-                <a:effectLst>
-                  <a:outerShdw blurRad="38100" dist="38100" dir="2700000" algn="tl">
-                    <a:srgbClr val="000000">
-                      <a:alpha val="43137"/>
-                    </a:srgbClr>
-                  </a:outerShdw>
-                </a:effectLst>
-                <a:latin typeface="-윤고딕310" panose="02030504000101010101" pitchFamily="18" charset="-127"/>
-                <a:ea typeface="-윤고딕310" panose="02030504000101010101" pitchFamily="18" charset="-127"/>
-              </a:rPr>
-              <a:t>행</a:t>
-            </a:r>
-            <a:r>
               <a:rPr lang="ko-KR" altLang="en-US" sz="1400" dirty="0">
                 <a:effectLst>
                   <a:outerShdw blurRad="38100" dist="38100" dir="2700000" algn="tl">
@@ -34118,9 +33169,9 @@
                 <a:latin typeface="-윤고딕310" panose="02030504000101010101" pitchFamily="18" charset="-127"/>
                 <a:ea typeface="-윤고딕310" panose="02030504000101010101" pitchFamily="18" charset="-127"/>
               </a:rPr>
-              <a:t>성</a:t>
-            </a:r>
-            <a:endParaRPr lang="en-US" altLang="ko-KR" sz="1400" dirty="0" smtClean="0">
+              <a:t>행성</a:t>
+            </a:r>
+            <a:endParaRPr lang="en-US" altLang="ko-KR" sz="1400" dirty="0">
               <a:effectLst>
                 <a:outerShdw blurRad="38100" dist="38100" dir="2700000" algn="tl">
                   <a:srgbClr val="000000">
@@ -34135,7 +33186,7 @@
           <a:p>
             <a:pPr algn="ctr"/>
             <a:r>
-              <a:rPr lang="ko-KR" altLang="en-US" sz="1400" dirty="0" smtClean="0">
+              <a:rPr lang="ko-KR" altLang="en-US" sz="1400" dirty="0">
                 <a:effectLst>
                   <a:glow rad="101600">
                     <a:schemeClr val="accent5">
@@ -34154,7 +33205,7 @@
               </a:rPr>
               <a:t>전투</a:t>
             </a:r>
-            <a:endParaRPr lang="en-US" altLang="ko-KR" sz="1400" dirty="0" smtClean="0">
+            <a:endParaRPr lang="en-US" altLang="ko-KR" sz="1400" dirty="0">
               <a:effectLst>
                 <a:glow rad="101600">
                   <a:schemeClr val="accent5">
@@ -34175,20 +33226,6 @@
           <a:p>
             <a:pPr algn="ctr"/>
             <a:r>
-              <a:rPr lang="ko-KR" altLang="en-US" sz="1400" dirty="0" smtClean="0">
-                <a:effectLst>
-                  <a:outerShdw blurRad="38100" dist="38100" dir="2700000" algn="tl">
-                    <a:srgbClr val="000000">
-                      <a:alpha val="43137"/>
-                    </a:srgbClr>
-                  </a:outerShdw>
-                </a:effectLst>
-                <a:latin typeface="-윤고딕310" panose="02030504000101010101" pitchFamily="18" charset="-127"/>
-                <a:ea typeface="-윤고딕310" panose="02030504000101010101" pitchFamily="18" charset="-127"/>
-              </a:rPr>
-              <a:t>교</a:t>
-            </a:r>
-            <a:r>
               <a:rPr lang="ko-KR" altLang="en-US" sz="1400" dirty="0">
                 <a:effectLst>
                   <a:outerShdw blurRad="38100" dist="38100" dir="2700000" algn="tl">
@@ -34200,7 +33237,7 @@
                 <a:latin typeface="-윤고딕310" panose="02030504000101010101" pitchFamily="18" charset="-127"/>
                 <a:ea typeface="-윤고딕310" panose="02030504000101010101" pitchFamily="18" charset="-127"/>
               </a:rPr>
-              <a:t>역</a:t>
+              <a:t>교역</a:t>
             </a:r>
             <a:endParaRPr lang="en-US" altLang="ko-KR" sz="1400" dirty="0">
               <a:effectLst>
@@ -34226,13 +33263,6 @@
   <p:clrMapOvr>
     <a:masterClrMapping/>
   </p:clrMapOvr>
-  <p:timing>
-    <p:tnLst>
-      <p:par>
-        <p:cTn id="1" dur="indefinite" restart="never" nodeType="tmRoot"/>
-      </p:par>
-    </p:tnLst>
-  </p:timing>
 </p:sld>
 </file>
 
@@ -34258,7 +33288,7 @@
           <p:cNvPr id="2" name="세로 제목 1">
             <a:extLst>
               <a:ext uri="{FF2B5EF4-FFF2-40B4-BE49-F238E27FC236}">
-                <a16:creationId xmlns:a16="http://schemas.microsoft.com/office/drawing/2014/main" xmlns="" id="{D71449F3-B89E-4596-9B54-59F21FCDEA8B}"/>
+                <a16:creationId xmlns:a16="http://schemas.microsoft.com/office/drawing/2014/main" id="{D71449F3-B89E-4596-9B54-59F21FCDEA8B}"/>
               </a:ext>
             </a:extLst>
           </p:cNvPr>
@@ -34277,18 +33307,13 @@
           <a:lstStyle/>
           <a:p>
             <a:pPr algn="ctr"/>
-            <a:r>
-              <a:rPr lang="en-US" altLang="ko-KR" dirty="0" smtClean="0"/>
-              <a:t/>
-            </a:r>
             <a:br>
-              <a:rPr lang="en-US" altLang="ko-KR" dirty="0" smtClean="0"/>
+              <a:rPr lang="en-US" altLang="ko-KR" dirty="0"/>
             </a:br>
             <a:r>
-              <a:rPr lang="ko-KR" altLang="en-US" dirty="0" smtClean="0"/>
+              <a:rPr lang="ko-KR" altLang="en-US" dirty="0"/>
               <a:t>목차</a:t>
             </a:r>
-            <a:endParaRPr lang="ko-KR" altLang="en-US" dirty="0"/>
           </a:p>
         </p:txBody>
       </p:sp>
@@ -34297,7 +33322,7 @@
           <p:cNvPr id="3" name="세로 텍스트 개체 틀 2">
             <a:extLst>
               <a:ext uri="{FF2B5EF4-FFF2-40B4-BE49-F238E27FC236}">
-                <a16:creationId xmlns:a16="http://schemas.microsoft.com/office/drawing/2014/main" xmlns="" id="{676812C9-72A3-46A2-B92F-04D7A7434C04}"/>
+                <a16:creationId xmlns:a16="http://schemas.microsoft.com/office/drawing/2014/main" id="{676812C9-72A3-46A2-B92F-04D7A7434C04}"/>
               </a:ext>
             </a:extLst>
           </p:cNvPr>
@@ -34322,7 +33347,7 @@
           <p:cNvPr id="4" name="바닥글 개체 틀 3">
             <a:extLst>
               <a:ext uri="{FF2B5EF4-FFF2-40B4-BE49-F238E27FC236}">
-                <a16:creationId xmlns:a16="http://schemas.microsoft.com/office/drawing/2014/main" xmlns="" id="{93FCB333-8865-4CEE-81A4-78B6C78D9D36}"/>
+                <a16:creationId xmlns:a16="http://schemas.microsoft.com/office/drawing/2014/main" id="{93FCB333-8865-4CEE-81A4-78B6C78D9D36}"/>
               </a:ext>
             </a:extLst>
           </p:cNvPr>
@@ -34351,7 +33376,7 @@
           <p:cNvPr id="5" name="슬라이드 번호 개체 틀 4">
             <a:extLst>
               <a:ext uri="{FF2B5EF4-FFF2-40B4-BE49-F238E27FC236}">
-                <a16:creationId xmlns:a16="http://schemas.microsoft.com/office/drawing/2014/main" xmlns="" id="{6B746227-E0D3-4139-AB7F-01B0FEDBCF3F}"/>
+                <a16:creationId xmlns:a16="http://schemas.microsoft.com/office/drawing/2014/main" id="{6B746227-E0D3-4139-AB7F-01B0FEDBCF3F}"/>
               </a:ext>
             </a:extLst>
           </p:cNvPr>
@@ -34380,7 +33405,7 @@
           <p:cNvPr id="6" name="다이어그램 5">
             <a:extLst>
               <a:ext uri="{FF2B5EF4-FFF2-40B4-BE49-F238E27FC236}">
-                <a16:creationId xmlns:a16="http://schemas.microsoft.com/office/drawing/2014/main" xmlns="" id="{0936AA40-E5B4-46C7-8C92-8FCE9787D542}"/>
+                <a16:creationId xmlns:a16="http://schemas.microsoft.com/office/drawing/2014/main" id="{0936AA40-E5B4-46C7-8C92-8FCE9787D542}"/>
               </a:ext>
             </a:extLst>
           </p:cNvPr>
@@ -34413,13 +33438,6 @@
   <p:clrMapOvr>
     <a:masterClrMapping/>
   </p:clrMapOvr>
-  <p:timing>
-    <p:tnLst>
-      <p:par>
-        <p:cTn id="1" dur="indefinite" restart="never" nodeType="tmRoot"/>
-      </p:par>
-    </p:tnLst>
-  </p:timing>
 </p:sld>
 </file>
 
@@ -34445,7 +33463,7 @@
           <p:cNvPr id="2" name="세로 제목 1">
             <a:extLst>
               <a:ext uri="{FF2B5EF4-FFF2-40B4-BE49-F238E27FC236}">
-                <a16:creationId xmlns:a16="http://schemas.microsoft.com/office/drawing/2014/main" xmlns="" id="{FEBC6F77-B83D-490D-BC9E-56D628FAE960}"/>
+                <a16:creationId xmlns:a16="http://schemas.microsoft.com/office/drawing/2014/main" id="{FEBC6F77-B83D-490D-BC9E-56D628FAE960}"/>
               </a:ext>
             </a:extLst>
           </p:cNvPr>
@@ -34462,22 +33480,13 @@
           <a:lstStyle/>
           <a:p>
             <a:pPr algn="ctr"/>
-            <a:r>
-              <a:rPr lang="en-US" altLang="ko-KR" dirty="0" smtClean="0"/>
-              <a:t/>
-            </a:r>
             <a:br>
-              <a:rPr lang="en-US" altLang="ko-KR" dirty="0" smtClean="0"/>
+              <a:rPr lang="en-US" altLang="ko-KR" dirty="0"/>
             </a:br>
             <a:r>
-              <a:rPr lang="ko-KR" altLang="en-US" dirty="0" smtClean="0"/>
-              <a:t>교</a:t>
-            </a:r>
-            <a:r>
               <a:rPr lang="ko-KR" altLang="en-US" dirty="0"/>
-              <a:t>역</a:t>
-            </a:r>
-            <a:endParaRPr lang="ko-KR" altLang="en-US" dirty="0"/>
+              <a:t>교역</a:t>
+            </a:r>
           </a:p>
         </p:txBody>
       </p:sp>
@@ -34486,7 +33495,7 @@
           <p:cNvPr id="3" name="세로 텍스트 개체 틀 2">
             <a:extLst>
               <a:ext uri="{FF2B5EF4-FFF2-40B4-BE49-F238E27FC236}">
-                <a16:creationId xmlns:a16="http://schemas.microsoft.com/office/drawing/2014/main" xmlns="" id="{B44A0373-7254-40B4-A62A-F37094032C32}"/>
+                <a16:creationId xmlns:a16="http://schemas.microsoft.com/office/drawing/2014/main" id="{B44A0373-7254-40B4-A62A-F37094032C32}"/>
               </a:ext>
             </a:extLst>
           </p:cNvPr>
@@ -34505,23 +33514,22 @@
             <a:pPr marL="0" indent="0" algn="ctr">
               <a:buNone/>
             </a:pPr>
-            <a:endParaRPr lang="en-US" altLang="ko-KR" dirty="0" smtClean="0"/>
+            <a:endParaRPr lang="en-US" altLang="ko-KR" dirty="0"/>
           </a:p>
           <a:p>
             <a:pPr marL="0" indent="0" algn="ctr">
               <a:buNone/>
             </a:pPr>
-            <a:endParaRPr lang="en-US" altLang="ko-KR" dirty="0" smtClean="0"/>
-          </a:p>
-          <a:p>
-            <a:endParaRPr lang="en-US" altLang="ko-KR" dirty="0" smtClean="0"/>
-          </a:p>
-          <a:p>
-            <a:r>
-              <a:rPr lang="ko-KR" altLang="en-US" dirty="0" smtClean="0"/>
+            <a:endParaRPr lang="en-US" altLang="ko-KR" dirty="0"/>
+          </a:p>
+          <a:p>
+            <a:endParaRPr lang="en-US" altLang="ko-KR" dirty="0"/>
+          </a:p>
+          <a:p>
+            <a:r>
+              <a:rPr lang="ko-KR" altLang="en-US" dirty="0"/>
               <a:t>테스트</a:t>
             </a:r>
-            <a:endParaRPr lang="ko-KR" altLang="en-US" dirty="0"/>
           </a:p>
         </p:txBody>
       </p:sp>
@@ -34530,7 +33538,7 @@
           <p:cNvPr id="4" name="바닥글 개체 틀 3">
             <a:extLst>
               <a:ext uri="{FF2B5EF4-FFF2-40B4-BE49-F238E27FC236}">
-                <a16:creationId xmlns:a16="http://schemas.microsoft.com/office/drawing/2014/main" xmlns="" id="{AA2DBCCD-0789-48B0-B4A0-59AD49B6B421}"/>
+                <a16:creationId xmlns:a16="http://schemas.microsoft.com/office/drawing/2014/main" id="{AA2DBCCD-0789-48B0-B4A0-59AD49B6B421}"/>
               </a:ext>
             </a:extLst>
           </p:cNvPr>
@@ -34559,7 +33567,7 @@
           <p:cNvPr id="5" name="슬라이드 번호 개체 틀 4">
             <a:extLst>
               <a:ext uri="{FF2B5EF4-FFF2-40B4-BE49-F238E27FC236}">
-                <a16:creationId xmlns:a16="http://schemas.microsoft.com/office/drawing/2014/main" xmlns="" id="{7AABEFF9-9158-4D34-9B1D-39B2F2211BD4}"/>
+                <a16:creationId xmlns:a16="http://schemas.microsoft.com/office/drawing/2014/main" id="{7AABEFF9-9158-4D34-9B1D-39B2F2211BD4}"/>
               </a:ext>
             </a:extLst>
           </p:cNvPr>
@@ -34625,7 +33633,7 @@
           <a:p>
             <a:pPr algn="ctr"/>
             <a:r>
-              <a:rPr lang="en-US" altLang="ko-KR" sz="1400" dirty="0" smtClean="0">
+              <a:rPr lang="en-US" altLang="ko-KR" sz="1400" dirty="0">
                 <a:effectLst>
                   <a:outerShdw blurRad="38100" dist="38100" dir="2700000" algn="tl">
                     <a:srgbClr val="000000">
@@ -34639,20 +33647,6 @@
               <a:t>02 </a:t>
             </a:r>
             <a:r>
-              <a:rPr lang="ko-KR" altLang="en-US" sz="1400" dirty="0" smtClean="0">
-                <a:effectLst>
-                  <a:outerShdw blurRad="38100" dist="38100" dir="2700000" algn="tl">
-                    <a:srgbClr val="000000">
-                      <a:alpha val="43137"/>
-                    </a:srgbClr>
-                  </a:outerShdw>
-                </a:effectLst>
-                <a:latin typeface="Continuum Light" panose="00000400000000000000" pitchFamily="2" charset="0"/>
-                <a:ea typeface="-윤고딕320" panose="02030504000101010101" pitchFamily="18" charset="-127"/>
-              </a:rPr>
-              <a:t>게</a:t>
-            </a:r>
-            <a:r>
               <a:rPr lang="ko-KR" altLang="en-US" sz="1400" dirty="0">
                 <a:effectLst>
                   <a:outerShdw blurRad="38100" dist="38100" dir="2700000" algn="tl">
@@ -34664,7 +33658,7 @@
                 <a:latin typeface="Continuum Light" panose="00000400000000000000" pitchFamily="2" charset="0"/>
                 <a:ea typeface="-윤고딕320" panose="02030504000101010101" pitchFamily="18" charset="-127"/>
               </a:rPr>
-              <a:t>임</a:t>
+              <a:t>게임</a:t>
             </a:r>
             <a:endParaRPr lang="en-US" altLang="ko-KR" sz="1400" dirty="0">
               <a:effectLst>
@@ -34681,7 +33675,7 @@
           <a:p>
             <a:pPr algn="ctr"/>
             <a:r>
-              <a:rPr lang="ko-KR" altLang="en-US" sz="1400" dirty="0" smtClean="0">
+              <a:rPr lang="ko-KR" altLang="en-US" sz="1400" dirty="0">
                 <a:effectLst>
                   <a:outerShdw blurRad="38100" dist="38100" dir="2700000" algn="tl">
                     <a:srgbClr val="000000">
@@ -34694,7 +33688,7 @@
               </a:rPr>
               <a:t>진행</a:t>
             </a:r>
-            <a:endParaRPr lang="en-US" altLang="ko-KR" sz="1400" dirty="0" smtClean="0">
+            <a:endParaRPr lang="en-US" altLang="ko-KR" sz="1400" dirty="0">
               <a:effectLst>
                 <a:outerShdw blurRad="38100" dist="38100" dir="2700000" algn="tl">
                   <a:srgbClr val="000000">
@@ -34708,20 +33702,6 @@
           </a:p>
           <a:p>
             <a:pPr algn="ctr"/>
-            <a:r>
-              <a:rPr lang="ko-KR" altLang="en-US" sz="1400" dirty="0" smtClean="0">
-                <a:effectLst>
-                  <a:outerShdw blurRad="38100" dist="38100" dir="2700000" algn="tl">
-                    <a:srgbClr val="000000">
-                      <a:alpha val="43137"/>
-                    </a:srgbClr>
-                  </a:outerShdw>
-                </a:effectLst>
-                <a:latin typeface="-윤고딕310" panose="02030504000101010101" pitchFamily="18" charset="-127"/>
-                <a:ea typeface="-윤고딕310" panose="02030504000101010101" pitchFamily="18" charset="-127"/>
-              </a:rPr>
-              <a:t>항</a:t>
-            </a:r>
             <a:r>
               <a:rPr lang="ko-KR" altLang="en-US" sz="1400" dirty="0">
                 <a:effectLst>
@@ -34734,7 +33714,7 @@
                 <a:latin typeface="-윤고딕310" panose="02030504000101010101" pitchFamily="18" charset="-127"/>
                 <a:ea typeface="-윤고딕310" panose="02030504000101010101" pitchFamily="18" charset="-127"/>
               </a:rPr>
-              <a:t>해</a:t>
+              <a:t>항해</a:t>
             </a:r>
             <a:endParaRPr lang="en-US" altLang="ko-KR" sz="1400" dirty="0">
               <a:effectLst>
@@ -34751,20 +33731,6 @@
           <a:p>
             <a:pPr algn="ctr"/>
             <a:r>
-              <a:rPr lang="ko-KR" altLang="en-US" sz="1400" dirty="0" smtClean="0">
-                <a:effectLst>
-                  <a:outerShdw blurRad="38100" dist="38100" dir="2700000" algn="tl">
-                    <a:srgbClr val="000000">
-                      <a:alpha val="43137"/>
-                    </a:srgbClr>
-                  </a:outerShdw>
-                </a:effectLst>
-                <a:latin typeface="-윤고딕310" panose="02030504000101010101" pitchFamily="18" charset="-127"/>
-                <a:ea typeface="-윤고딕310" panose="02030504000101010101" pitchFamily="18" charset="-127"/>
-              </a:rPr>
-              <a:t>행</a:t>
-            </a:r>
-            <a:r>
               <a:rPr lang="ko-KR" altLang="en-US" sz="1400" dirty="0">
                 <a:effectLst>
                   <a:outerShdw blurRad="38100" dist="38100" dir="2700000" algn="tl">
@@ -34776,9 +33742,9 @@
                 <a:latin typeface="-윤고딕310" panose="02030504000101010101" pitchFamily="18" charset="-127"/>
                 <a:ea typeface="-윤고딕310" panose="02030504000101010101" pitchFamily="18" charset="-127"/>
               </a:rPr>
-              <a:t>성</a:t>
-            </a:r>
-            <a:endParaRPr lang="en-US" altLang="ko-KR" sz="1400" dirty="0" smtClean="0">
+              <a:t>행성</a:t>
+            </a:r>
+            <a:endParaRPr lang="en-US" altLang="ko-KR" sz="1400" dirty="0">
               <a:effectLst>
                 <a:outerShdw blurRad="38100" dist="38100" dir="2700000" algn="tl">
                   <a:srgbClr val="000000">
@@ -34793,7 +33759,7 @@
           <a:p>
             <a:pPr algn="ctr"/>
             <a:r>
-              <a:rPr lang="ko-KR" altLang="en-US" sz="1400" dirty="0" smtClean="0">
+              <a:rPr lang="ko-KR" altLang="en-US" sz="1400" dirty="0">
                 <a:effectLst>
                   <a:outerShdw blurRad="38100" dist="38100" dir="2700000" algn="tl">
                     <a:srgbClr val="000000">
@@ -34806,7 +33772,7 @@
               </a:rPr>
               <a:t>전투</a:t>
             </a:r>
-            <a:endParaRPr lang="en-US" altLang="ko-KR" sz="1400" dirty="0" smtClean="0">
+            <a:endParaRPr lang="en-US" altLang="ko-KR" sz="1400" dirty="0">
               <a:effectLst>
                 <a:outerShdw blurRad="38100" dist="38100" dir="2700000" algn="tl">
                   <a:srgbClr val="000000">
@@ -34820,26 +33786,6 @@
           </a:p>
           <a:p>
             <a:pPr algn="ctr"/>
-            <a:r>
-              <a:rPr lang="ko-KR" altLang="en-US" sz="1400" dirty="0" smtClean="0">
-                <a:effectLst>
-                  <a:glow rad="101600">
-                    <a:schemeClr val="accent5">
-                      <a:satMod val="175000"/>
-                      <a:alpha val="40000"/>
-                    </a:schemeClr>
-                  </a:glow>
-                  <a:outerShdw blurRad="38100" dist="38100" dir="2700000" algn="tl">
-                    <a:srgbClr val="000000">
-                      <a:alpha val="43137"/>
-                    </a:srgbClr>
-                  </a:outerShdw>
-                </a:effectLst>
-                <a:latin typeface="-윤고딕310" panose="02030504000101010101" pitchFamily="18" charset="-127"/>
-                <a:ea typeface="-윤고딕310" panose="02030504000101010101" pitchFamily="18" charset="-127"/>
-              </a:rPr>
-              <a:t>교</a:t>
-            </a:r>
             <a:r>
               <a:rPr lang="ko-KR" altLang="en-US" sz="1400" dirty="0">
                 <a:effectLst>
@@ -34858,7 +33804,7 @@
                 <a:latin typeface="-윤고딕310" panose="02030504000101010101" pitchFamily="18" charset="-127"/>
                 <a:ea typeface="-윤고딕310" panose="02030504000101010101" pitchFamily="18" charset="-127"/>
               </a:rPr>
-              <a:t>역</a:t>
+              <a:t>교역</a:t>
             </a:r>
             <a:endParaRPr lang="en-US" altLang="ko-KR" sz="1400" dirty="0">
               <a:effectLst>
@@ -34884,13 +33830,6 @@
   <p:clrMapOvr>
     <a:masterClrMapping/>
   </p:clrMapOvr>
-  <p:timing>
-    <p:tnLst>
-      <p:par>
-        <p:cTn id="1" dur="indefinite" restart="never" nodeType="tmRoot"/>
-      </p:par>
-    </p:tnLst>
-  </p:timing>
 </p:sld>
 </file>
 
@@ -34916,7 +33855,7 @@
           <p:cNvPr id="2" name="세로 제목 1">
             <a:extLst>
               <a:ext uri="{FF2B5EF4-FFF2-40B4-BE49-F238E27FC236}">
-                <a16:creationId xmlns:a16="http://schemas.microsoft.com/office/drawing/2014/main" xmlns="" id="{050A1164-8B9E-4923-A4C1-96093A5538BC}"/>
+                <a16:creationId xmlns:a16="http://schemas.microsoft.com/office/drawing/2014/main" id="{050A1164-8B9E-4923-A4C1-96093A5538BC}"/>
               </a:ext>
             </a:extLst>
           </p:cNvPr>
@@ -34936,30 +33875,22 @@
           <a:p>
             <a:pPr algn="ctr"/>
             <a:r>
-              <a:rPr lang="en-US" altLang="ko-KR" sz="4400" dirty="0" smtClean="0">
+              <a:rPr lang="en-US" altLang="ko-KR" sz="4400" dirty="0">
                 <a:latin typeface="-윤고딕320" panose="02030504000101010101" pitchFamily="18" charset="-127"/>
                 <a:ea typeface="-윤고딕320" panose="02030504000101010101" pitchFamily="18" charset="-127"/>
               </a:rPr>
               <a:t>3</a:t>
             </a:r>
-            <a:r>
-              <a:rPr lang="en-US" altLang="ko-KR" dirty="0" smtClean="0">
-                <a:latin typeface="-윤고딕320" panose="02030504000101010101" pitchFamily="18" charset="-127"/>
-                <a:ea typeface="-윤고딕320" panose="02030504000101010101" pitchFamily="18" charset="-127"/>
-              </a:rPr>
-              <a:t/>
-            </a:r>
             <a:br>
-              <a:rPr lang="en-US" altLang="ko-KR" dirty="0" smtClean="0">
+              <a:rPr lang="en-US" altLang="ko-KR" dirty="0">
                 <a:latin typeface="-윤고딕320" panose="02030504000101010101" pitchFamily="18" charset="-127"/>
                 <a:ea typeface="-윤고딕320" panose="02030504000101010101" pitchFamily="18" charset="-127"/>
               </a:rPr>
             </a:br>
             <a:r>
-              <a:rPr lang="ko-KR" altLang="en-US" dirty="0" smtClean="0"/>
+              <a:rPr lang="ko-KR" altLang="en-US" dirty="0"/>
               <a:t>마무리</a:t>
             </a:r>
-            <a:endParaRPr lang="ko-KR" altLang="en-US" dirty="0"/>
           </a:p>
         </p:txBody>
       </p:sp>
@@ -34968,7 +33899,7 @@
           <p:cNvPr id="3" name="세로 텍스트 개체 틀 2">
             <a:extLst>
               <a:ext uri="{FF2B5EF4-FFF2-40B4-BE49-F238E27FC236}">
-                <a16:creationId xmlns:a16="http://schemas.microsoft.com/office/drawing/2014/main" xmlns="" id="{08035764-1F38-4D1D-B7F3-3819A7237D3F}"/>
+                <a16:creationId xmlns:a16="http://schemas.microsoft.com/office/drawing/2014/main" id="{08035764-1F38-4D1D-B7F3-3819A7237D3F}"/>
               </a:ext>
             </a:extLst>
           </p:cNvPr>
@@ -35033,7 +33964,7 @@
               <a:buAutoNum type="arabicPeriod"/>
             </a:pPr>
             <a:r>
-              <a:rPr lang="ko-KR" altLang="en-US" dirty="0" smtClean="0">
+              <a:rPr lang="ko-KR" altLang="en-US" dirty="0">
                 <a:effectLst>
                   <a:outerShdw blurRad="38100" dist="38100" dir="2700000" algn="tl">
                     <a:srgbClr val="000000">
@@ -35044,7 +33975,7 @@
               </a:rPr>
               <a:t>후기</a:t>
             </a:r>
-            <a:endParaRPr lang="en-US" altLang="ko-KR" dirty="0" smtClean="0">
+            <a:endParaRPr lang="en-US" altLang="ko-KR" dirty="0">
               <a:effectLst>
                 <a:outerShdw blurRad="38100" dist="38100" dir="2700000" algn="tl">
                   <a:srgbClr val="000000">
@@ -35060,7 +33991,7 @@
               <a:buAutoNum type="arabicPeriod"/>
             </a:pPr>
             <a:r>
-              <a:rPr lang="ko-KR" altLang="en-US" dirty="0" smtClean="0">
+              <a:rPr lang="ko-KR" altLang="en-US" dirty="0">
                 <a:effectLst>
                   <a:outerShdw blurRad="38100" dist="38100" dir="2700000" algn="tl">
                     <a:srgbClr val="000000">
@@ -35071,7 +34002,7 @@
               </a:rPr>
               <a:t>코멘트</a:t>
             </a:r>
-            <a:endParaRPr lang="en-US" altLang="ko-KR" dirty="0" smtClean="0">
+            <a:endParaRPr lang="en-US" altLang="ko-KR" dirty="0">
               <a:effectLst>
                 <a:outerShdw blurRad="38100" dist="38100" dir="2700000" algn="tl">
                   <a:srgbClr val="000000">
@@ -35087,7 +34018,7 @@
               <a:buAutoNum type="arabicPeriod"/>
             </a:pPr>
             <a:r>
-              <a:rPr lang="ko-KR" altLang="en-US" dirty="0" smtClean="0">
+              <a:rPr lang="ko-KR" altLang="en-US" dirty="0">
                 <a:effectLst>
                   <a:outerShdw blurRad="38100" dist="38100" dir="2700000" algn="tl">
                     <a:srgbClr val="000000">
@@ -35115,7 +34046,7 @@
           <p:cNvPr id="4" name="바닥글 개체 틀 3">
             <a:extLst>
               <a:ext uri="{FF2B5EF4-FFF2-40B4-BE49-F238E27FC236}">
-                <a16:creationId xmlns:a16="http://schemas.microsoft.com/office/drawing/2014/main" xmlns="" id="{C684534B-667C-4599-9D8C-8F6B867FFDBF}"/>
+                <a16:creationId xmlns:a16="http://schemas.microsoft.com/office/drawing/2014/main" id="{C684534B-667C-4599-9D8C-8F6B867FFDBF}"/>
               </a:ext>
             </a:extLst>
           </p:cNvPr>
@@ -35144,7 +34075,7 @@
           <p:cNvPr id="5" name="슬라이드 번호 개체 틀 4">
             <a:extLst>
               <a:ext uri="{FF2B5EF4-FFF2-40B4-BE49-F238E27FC236}">
-                <a16:creationId xmlns:a16="http://schemas.microsoft.com/office/drawing/2014/main" xmlns="" id="{B60E6059-DC02-4989-A381-A36B6A75C00A}"/>
+                <a16:creationId xmlns:a16="http://schemas.microsoft.com/office/drawing/2014/main" id="{B60E6059-DC02-4989-A381-A36B6A75C00A}"/>
               </a:ext>
             </a:extLst>
           </p:cNvPr>
@@ -35178,13 +34109,6 @@
   <p:clrMapOvr>
     <a:masterClrMapping/>
   </p:clrMapOvr>
-  <p:timing>
-    <p:tnLst>
-      <p:par>
-        <p:cTn id="1" dur="indefinite" restart="never" nodeType="tmRoot"/>
-      </p:par>
-    </p:tnLst>
-  </p:timing>
 </p:sld>
 </file>
 
@@ -35210,7 +34134,7 @@
           <p:cNvPr id="2" name="세로 제목 1">
             <a:extLst>
               <a:ext uri="{FF2B5EF4-FFF2-40B4-BE49-F238E27FC236}">
-                <a16:creationId xmlns:a16="http://schemas.microsoft.com/office/drawing/2014/main" xmlns="" id="{050A1164-8B9E-4923-A4C1-96093A5538BC}"/>
+                <a16:creationId xmlns:a16="http://schemas.microsoft.com/office/drawing/2014/main" id="{050A1164-8B9E-4923-A4C1-96093A5538BC}"/>
               </a:ext>
             </a:extLst>
           </p:cNvPr>
@@ -35230,30 +34154,22 @@
           <a:p>
             <a:pPr algn="ctr"/>
             <a:r>
-              <a:rPr lang="en-US" altLang="ko-KR" sz="4400" dirty="0" smtClean="0">
+              <a:rPr lang="en-US" altLang="ko-KR" sz="4400" dirty="0">
                 <a:latin typeface="-윤고딕320" panose="02030504000101010101" pitchFamily="18" charset="-127"/>
                 <a:ea typeface="-윤고딕320" panose="02030504000101010101" pitchFamily="18" charset="-127"/>
               </a:rPr>
               <a:t>1</a:t>
             </a:r>
-            <a:r>
-              <a:rPr lang="en-US" altLang="ko-KR" dirty="0" smtClean="0">
-                <a:latin typeface="-윤고딕320" panose="02030504000101010101" pitchFamily="18" charset="-127"/>
-                <a:ea typeface="-윤고딕320" panose="02030504000101010101" pitchFamily="18" charset="-127"/>
-              </a:rPr>
-              <a:t/>
-            </a:r>
             <a:br>
-              <a:rPr lang="en-US" altLang="ko-KR" dirty="0" smtClean="0">
+              <a:rPr lang="en-US" altLang="ko-KR" dirty="0">
                 <a:latin typeface="-윤고딕320" panose="02030504000101010101" pitchFamily="18" charset="-127"/>
                 <a:ea typeface="-윤고딕320" panose="02030504000101010101" pitchFamily="18" charset="-127"/>
               </a:rPr>
             </a:br>
             <a:r>
-              <a:rPr lang="ko-KR" altLang="en-US" dirty="0" smtClean="0"/>
+              <a:rPr lang="ko-KR" altLang="en-US" dirty="0"/>
               <a:t>기획</a:t>
             </a:r>
-            <a:endParaRPr lang="ko-KR" altLang="en-US" dirty="0"/>
           </a:p>
         </p:txBody>
       </p:sp>
@@ -35262,7 +34178,7 @@
           <p:cNvPr id="3" name="세로 텍스트 개체 틀 2">
             <a:extLst>
               <a:ext uri="{FF2B5EF4-FFF2-40B4-BE49-F238E27FC236}">
-                <a16:creationId xmlns:a16="http://schemas.microsoft.com/office/drawing/2014/main" xmlns="" id="{08035764-1F38-4D1D-B7F3-3819A7237D3F}"/>
+                <a16:creationId xmlns:a16="http://schemas.microsoft.com/office/drawing/2014/main" id="{08035764-1F38-4D1D-B7F3-3819A7237D3F}"/>
               </a:ext>
             </a:extLst>
           </p:cNvPr>
@@ -35647,7 +34563,7 @@
           <p:cNvPr id="4" name="바닥글 개체 틀 3">
             <a:extLst>
               <a:ext uri="{FF2B5EF4-FFF2-40B4-BE49-F238E27FC236}">
-                <a16:creationId xmlns:a16="http://schemas.microsoft.com/office/drawing/2014/main" xmlns="" id="{C684534B-667C-4599-9D8C-8F6B867FFDBF}"/>
+                <a16:creationId xmlns:a16="http://schemas.microsoft.com/office/drawing/2014/main" id="{C684534B-667C-4599-9D8C-8F6B867FFDBF}"/>
               </a:ext>
             </a:extLst>
           </p:cNvPr>
@@ -35676,7 +34592,7 @@
           <p:cNvPr id="5" name="슬라이드 번호 개체 틀 4">
             <a:extLst>
               <a:ext uri="{FF2B5EF4-FFF2-40B4-BE49-F238E27FC236}">
-                <a16:creationId xmlns:a16="http://schemas.microsoft.com/office/drawing/2014/main" xmlns="" id="{B60E6059-DC02-4989-A381-A36B6A75C00A}"/>
+                <a16:creationId xmlns:a16="http://schemas.microsoft.com/office/drawing/2014/main" id="{B60E6059-DC02-4989-A381-A36B6A75C00A}"/>
               </a:ext>
             </a:extLst>
           </p:cNvPr>
@@ -35710,13 +34626,6 @@
   <p:clrMapOvr>
     <a:masterClrMapping/>
   </p:clrMapOvr>
-  <p:timing>
-    <p:tnLst>
-      <p:par>
-        <p:cTn id="1" dur="indefinite" restart="never" nodeType="tmRoot"/>
-      </p:par>
-    </p:tnLst>
-  </p:timing>
 </p:sld>
 </file>
 
@@ -35742,7 +34651,7 @@
           <p:cNvPr id="2" name="세로 제목 1">
             <a:extLst>
               <a:ext uri="{FF2B5EF4-FFF2-40B4-BE49-F238E27FC236}">
-                <a16:creationId xmlns:a16="http://schemas.microsoft.com/office/drawing/2014/main" xmlns="" id="{FEBC6F77-B83D-490D-BC9E-56D628FAE960}"/>
+                <a16:creationId xmlns:a16="http://schemas.microsoft.com/office/drawing/2014/main" id="{FEBC6F77-B83D-490D-BC9E-56D628FAE960}"/>
               </a:ext>
             </a:extLst>
           </p:cNvPr>
@@ -35759,20 +34668,12 @@
           <a:lstStyle/>
           <a:p>
             <a:pPr algn="ctr"/>
-            <a:r>
-              <a:rPr lang="en-US" altLang="ko-KR" dirty="0" smtClean="0"/>
-              <a:t/>
-            </a:r>
             <a:br>
-              <a:rPr lang="en-US" altLang="ko-KR" dirty="0" smtClean="0"/>
+              <a:rPr lang="en-US" altLang="ko-KR" dirty="0"/>
             </a:br>
             <a:r>
-              <a:rPr lang="ko-KR" altLang="en-US" dirty="0" smtClean="0"/>
-              <a:t>게임 </a:t>
-            </a:r>
-            <a:r>
               <a:rPr lang="ko-KR" altLang="en-US" dirty="0"/>
-              <a:t>컨셉트</a:t>
+              <a:t>게임 컨셉트</a:t>
             </a:r>
           </a:p>
         </p:txBody>
@@ -35782,7 +34683,7 @@
           <p:cNvPr id="3" name="세로 텍스트 개체 틀 2">
             <a:extLst>
               <a:ext uri="{FF2B5EF4-FFF2-40B4-BE49-F238E27FC236}">
-                <a16:creationId xmlns:a16="http://schemas.microsoft.com/office/drawing/2014/main" xmlns="" id="{B44A0373-7254-40B4-A62A-F37094032C32}"/>
+                <a16:creationId xmlns:a16="http://schemas.microsoft.com/office/drawing/2014/main" id="{B44A0373-7254-40B4-A62A-F37094032C32}"/>
               </a:ext>
             </a:extLst>
           </p:cNvPr>
@@ -35801,27 +34702,27 @@
             <a:pPr marL="0" indent="0" algn="ctr">
               <a:buNone/>
             </a:pPr>
-            <a:endParaRPr lang="en-US" altLang="ko-KR" dirty="0" smtClean="0"/>
+            <a:endParaRPr lang="en-US" altLang="ko-KR" dirty="0"/>
           </a:p>
           <a:p>
             <a:pPr marL="0" indent="0" algn="ctr">
               <a:buNone/>
             </a:pPr>
-            <a:endParaRPr lang="en-US" altLang="ko-KR" dirty="0" smtClean="0"/>
+            <a:endParaRPr lang="en-US" altLang="ko-KR" dirty="0"/>
           </a:p>
           <a:p>
             <a:pPr marL="0" indent="0" algn="ctr">
               <a:buNone/>
             </a:pPr>
             <a:r>
-              <a:rPr lang="ko-KR" altLang="en-US" sz="2000" dirty="0" smtClean="0">
+              <a:rPr lang="ko-KR" altLang="en-US" sz="2000" dirty="0">
                 <a:latin typeface="+mj-ea"/>
                 <a:ea typeface="+mj-ea"/>
               </a:rPr>
               <a:t>미지의 세계에서는 오래 살아남는 자가 강한 것이다</a:t>
             </a:r>
             <a:r>
-              <a:rPr lang="en-US" altLang="ko-KR" sz="2000" dirty="0" smtClean="0">
+              <a:rPr lang="en-US" altLang="ko-KR" sz="2000" dirty="0">
                 <a:latin typeface="+mj-ea"/>
                 <a:ea typeface="+mj-ea"/>
               </a:rPr>
@@ -35832,29 +34733,28 @@
             <a:pPr marL="0" indent="0">
               <a:buNone/>
             </a:pPr>
-            <a:endParaRPr lang="en-US" altLang="ko-KR" dirty="0" smtClean="0"/>
-          </a:p>
-          <a:p>
-            <a:r>
-              <a:rPr lang="ko-KR" altLang="en-US" dirty="0" smtClean="0"/>
+            <a:endParaRPr lang="en-US" altLang="ko-KR" dirty="0"/>
+          </a:p>
+          <a:p>
+            <a:r>
+              <a:rPr lang="ko-KR" altLang="en-US" dirty="0"/>
               <a:t>고철에서 철옹성 까지</a:t>
             </a:r>
             <a:r>
-              <a:rPr lang="en-US" altLang="ko-KR" dirty="0" smtClean="0"/>
+              <a:rPr lang="en-US" altLang="ko-KR" dirty="0"/>
               <a:t>. </a:t>
             </a:r>
             <a:r>
-              <a:rPr lang="ko-KR" altLang="en-US" dirty="0" smtClean="0"/>
+              <a:rPr lang="ko-KR" altLang="en-US" dirty="0"/>
               <a:t>깊디 깊은 우주를 탐험하며 강해져라</a:t>
             </a:r>
             <a:r>
               <a:rPr lang="en-US" altLang="ko-KR" dirty="0"/>
               <a:t>!</a:t>
             </a:r>
-            <a:endParaRPr lang="en-US" altLang="ko-KR" dirty="0" smtClean="0"/>
-          </a:p>
-          <a:p>
-            <a:endParaRPr lang="en-US" altLang="ko-KR" dirty="0" smtClean="0"/>
+          </a:p>
+          <a:p>
+            <a:endParaRPr lang="en-US" altLang="ko-KR" dirty="0"/>
           </a:p>
           <a:p>
             <a:endParaRPr lang="ko-KR" altLang="en-US" dirty="0"/>
@@ -35866,7 +34766,7 @@
           <p:cNvPr id="4" name="바닥글 개체 틀 3">
             <a:extLst>
               <a:ext uri="{FF2B5EF4-FFF2-40B4-BE49-F238E27FC236}">
-                <a16:creationId xmlns:a16="http://schemas.microsoft.com/office/drawing/2014/main" xmlns="" id="{AA2DBCCD-0789-48B0-B4A0-59AD49B6B421}"/>
+                <a16:creationId xmlns:a16="http://schemas.microsoft.com/office/drawing/2014/main" id="{AA2DBCCD-0789-48B0-B4A0-59AD49B6B421}"/>
               </a:ext>
             </a:extLst>
           </p:cNvPr>
@@ -35895,7 +34795,7 @@
           <p:cNvPr id="5" name="슬라이드 번호 개체 틀 4">
             <a:extLst>
               <a:ext uri="{FF2B5EF4-FFF2-40B4-BE49-F238E27FC236}">
-                <a16:creationId xmlns:a16="http://schemas.microsoft.com/office/drawing/2014/main" xmlns="" id="{7AABEFF9-9158-4D34-9B1D-39B2F2211BD4}"/>
+                <a16:creationId xmlns:a16="http://schemas.microsoft.com/office/drawing/2014/main" id="{7AABEFF9-9158-4D34-9B1D-39B2F2211BD4}"/>
               </a:ext>
             </a:extLst>
           </p:cNvPr>
@@ -35926,7 +34826,7 @@
           <p:nvPr>
             <p:extLst>
               <p:ext uri="{D42A27DB-BD31-4B8C-83A1-F6EECF244321}">
-                <p14:modId xmlns:p14="http://schemas.microsoft.com/office/powerpoint/2010/main" val="2513493324"/>
+                <p14:modId xmlns:p14="http://schemas.microsoft.com/office/powerpoint/2010/main" val="1868501518"/>
               </p:ext>
             </p:extLst>
           </p:nvPr>
@@ -36065,7 +34965,7 @@
           <a:p>
             <a:pPr algn="ctr"/>
             <a:r>
-              <a:rPr lang="ko-KR" altLang="en-US" sz="1400" dirty="0" smtClean="0">
+              <a:rPr lang="ko-KR" altLang="en-US" sz="1400" dirty="0">
                 <a:effectLst>
                   <a:outerShdw blurRad="38100" dist="38100" dir="2700000" algn="tl">
                     <a:srgbClr val="000000">
@@ -36093,7 +34993,7 @@
           <a:p>
             <a:pPr algn="ctr"/>
             <a:r>
-              <a:rPr lang="ko-KR" altLang="en-US" sz="1400" dirty="0" smtClean="0">
+              <a:rPr lang="ko-KR" altLang="en-US" sz="1400" dirty="0">
                 <a:effectLst>
                   <a:outerShdw blurRad="38100" dist="38100" dir="2700000" algn="tl">
                     <a:srgbClr val="000000">
@@ -36106,7 +35006,7 @@
               </a:rPr>
               <a:t>스토리</a:t>
             </a:r>
-            <a:endParaRPr lang="en-US" altLang="ko-KR" sz="1400" dirty="0" smtClean="0">
+            <a:endParaRPr lang="en-US" altLang="ko-KR" sz="1400" dirty="0">
               <a:effectLst>
                 <a:outerShdw blurRad="38100" dist="38100" dir="2700000" algn="tl">
                   <a:srgbClr val="000000">
@@ -36121,7 +35021,7 @@
           <a:p>
             <a:pPr algn="ctr"/>
             <a:r>
-              <a:rPr lang="ko-KR" altLang="en-US" sz="1400" dirty="0" smtClean="0">
+              <a:rPr lang="ko-KR" altLang="en-US" sz="1400" dirty="0">
                 <a:effectLst>
                   <a:outerShdw blurRad="38100" dist="38100" dir="2700000" algn="tl">
                     <a:srgbClr val="000000">
@@ -36149,20 +35049,6 @@
           <a:p>
             <a:pPr algn="ctr"/>
             <a:r>
-              <a:rPr lang="ko-KR" altLang="en-US" sz="1400" dirty="0" smtClean="0">
-                <a:effectLst>
-                  <a:outerShdw blurRad="38100" dist="38100" dir="2700000" algn="tl">
-                    <a:srgbClr val="000000">
-                      <a:alpha val="43137"/>
-                    </a:srgbClr>
-                  </a:outerShdw>
-                </a:effectLst>
-                <a:latin typeface="-윤고딕310" panose="02030504000101010101" pitchFamily="18" charset="-127"/>
-                <a:ea typeface="-윤고딕310" panose="02030504000101010101" pitchFamily="18" charset="-127"/>
-              </a:rPr>
-              <a:t>인터페이</a:t>
-            </a:r>
-            <a:r>
               <a:rPr lang="ko-KR" altLang="en-US" sz="1400" dirty="0">
                 <a:effectLst>
                   <a:outerShdw blurRad="38100" dist="38100" dir="2700000" algn="tl">
@@ -36174,7 +35060,7 @@
                 <a:latin typeface="-윤고딕310" panose="02030504000101010101" pitchFamily="18" charset="-127"/>
                 <a:ea typeface="-윤고딕310" panose="02030504000101010101" pitchFamily="18" charset="-127"/>
               </a:rPr>
-              <a:t>스</a:t>
+              <a:t>인터페이스</a:t>
             </a:r>
             <a:endParaRPr lang="en-US" altLang="ko-KR" sz="1400" dirty="0">
               <a:effectLst>
@@ -36191,7 +35077,7 @@
           <a:p>
             <a:pPr algn="ctr"/>
             <a:r>
-              <a:rPr lang="ko-KR" altLang="en-US" sz="1400" dirty="0" smtClean="0">
+              <a:rPr lang="ko-KR" altLang="en-US" sz="1400" dirty="0">
                 <a:effectLst>
                   <a:outerShdw blurRad="38100" dist="38100" dir="2700000" algn="tl">
                     <a:srgbClr val="000000">
@@ -36204,7 +35090,7 @@
               </a:rPr>
               <a:t>조작</a:t>
             </a:r>
-            <a:endParaRPr lang="en-US" altLang="ko-KR" sz="1400" dirty="0" smtClean="0">
+            <a:endParaRPr lang="en-US" altLang="ko-KR" sz="1400" dirty="0">
               <a:effectLst>
                 <a:outerShdw blurRad="38100" dist="38100" dir="2700000" algn="tl">
                   <a:srgbClr val="000000">
@@ -36218,20 +35104,6 @@
           </a:p>
           <a:p>
             <a:pPr algn="ctr"/>
-            <a:r>
-              <a:rPr lang="ko-KR" altLang="en-US" sz="1400" dirty="0" smtClean="0">
-                <a:effectLst>
-                  <a:outerShdw blurRad="38100" dist="38100" dir="2700000" algn="tl">
-                    <a:srgbClr val="000000">
-                      <a:alpha val="43137"/>
-                    </a:srgbClr>
-                  </a:outerShdw>
-                </a:effectLst>
-                <a:latin typeface="-윤고딕310" panose="02030504000101010101" pitchFamily="18" charset="-127"/>
-                <a:ea typeface="-윤고딕310" panose="02030504000101010101" pitchFamily="18" charset="-127"/>
-              </a:rPr>
-              <a:t>사</a:t>
-            </a:r>
             <a:r>
               <a:rPr lang="ko-KR" altLang="en-US" sz="1400" dirty="0">
                 <a:effectLst>
@@ -36244,7 +35116,7 @@
                 <a:latin typeface="-윤고딕310" panose="02030504000101010101" pitchFamily="18" charset="-127"/>
                 <a:ea typeface="-윤고딕310" panose="02030504000101010101" pitchFamily="18" charset="-127"/>
               </a:rPr>
-              <a:t>양</a:t>
+              <a:t>사양</a:t>
             </a:r>
             <a:endParaRPr lang="en-US" altLang="ko-KR" sz="1400" dirty="0">
               <a:effectLst>
@@ -36270,13 +35142,6 @@
   <p:clrMapOvr>
     <a:masterClrMapping/>
   </p:clrMapOvr>
-  <p:timing>
-    <p:tnLst>
-      <p:par>
-        <p:cTn id="1" dur="indefinite" restart="never" nodeType="tmRoot"/>
-      </p:par>
-    </p:tnLst>
-  </p:timing>
 </p:sld>
 </file>
 
@@ -36302,7 +35167,7 @@
           <p:cNvPr id="2" name="세로 제목 1">
             <a:extLst>
               <a:ext uri="{FF2B5EF4-FFF2-40B4-BE49-F238E27FC236}">
-                <a16:creationId xmlns:a16="http://schemas.microsoft.com/office/drawing/2014/main" xmlns="" id="{FEBC6F77-B83D-490D-BC9E-56D628FAE960}"/>
+                <a16:creationId xmlns:a16="http://schemas.microsoft.com/office/drawing/2014/main" id="{FEBC6F77-B83D-490D-BC9E-56D628FAE960}"/>
               </a:ext>
             </a:extLst>
           </p:cNvPr>
@@ -36319,22 +35184,13 @@
           <a:lstStyle/>
           <a:p>
             <a:pPr algn="ctr"/>
-            <a:r>
-              <a:rPr lang="en-US" altLang="ko-KR" dirty="0" smtClean="0"/>
-              <a:t/>
-            </a:r>
             <a:br>
-              <a:rPr lang="en-US" altLang="ko-KR" dirty="0" smtClean="0"/>
+              <a:rPr lang="en-US" altLang="ko-KR" dirty="0"/>
             </a:br>
             <a:r>
-              <a:rPr lang="ko-KR" altLang="en-US" dirty="0" smtClean="0"/>
-              <a:t>세계</a:t>
-            </a:r>
-            <a:r>
               <a:rPr lang="ko-KR" altLang="en-US" dirty="0"/>
-              <a:t>관</a:t>
-            </a:r>
-            <a:endParaRPr lang="ko-KR" altLang="en-US" dirty="0"/>
+              <a:t>세계관</a:t>
+            </a:r>
           </a:p>
         </p:txBody>
       </p:sp>
@@ -36343,7 +35199,7 @@
           <p:cNvPr id="3" name="세로 텍스트 개체 틀 2">
             <a:extLst>
               <a:ext uri="{FF2B5EF4-FFF2-40B4-BE49-F238E27FC236}">
-                <a16:creationId xmlns:a16="http://schemas.microsoft.com/office/drawing/2014/main" xmlns="" id="{B44A0373-7254-40B4-A62A-F37094032C32}"/>
+                <a16:creationId xmlns:a16="http://schemas.microsoft.com/office/drawing/2014/main" id="{B44A0373-7254-40B4-A62A-F37094032C32}"/>
               </a:ext>
             </a:extLst>
           </p:cNvPr>
@@ -36368,7 +35224,7 @@
           <p:cNvPr id="4" name="바닥글 개체 틀 3">
             <a:extLst>
               <a:ext uri="{FF2B5EF4-FFF2-40B4-BE49-F238E27FC236}">
-                <a16:creationId xmlns:a16="http://schemas.microsoft.com/office/drawing/2014/main" xmlns="" id="{AA2DBCCD-0789-48B0-B4A0-59AD49B6B421}"/>
+                <a16:creationId xmlns:a16="http://schemas.microsoft.com/office/drawing/2014/main" id="{AA2DBCCD-0789-48B0-B4A0-59AD49B6B421}"/>
               </a:ext>
             </a:extLst>
           </p:cNvPr>
@@ -36397,7 +35253,7 @@
           <p:cNvPr id="5" name="슬라이드 번호 개체 틀 4">
             <a:extLst>
               <a:ext uri="{FF2B5EF4-FFF2-40B4-BE49-F238E27FC236}">
-                <a16:creationId xmlns:a16="http://schemas.microsoft.com/office/drawing/2014/main" xmlns="" id="{7AABEFF9-9158-4D34-9B1D-39B2F2211BD4}"/>
+                <a16:creationId xmlns:a16="http://schemas.microsoft.com/office/drawing/2014/main" id="{7AABEFF9-9158-4D34-9B1D-39B2F2211BD4}"/>
               </a:ext>
             </a:extLst>
           </p:cNvPr>
@@ -36533,7 +35389,7 @@
           <a:p>
             <a:pPr algn="ctr"/>
             <a:r>
-              <a:rPr lang="ko-KR" altLang="en-US" sz="1400" dirty="0" smtClean="0">
+              <a:rPr lang="ko-KR" altLang="en-US" sz="1400" dirty="0">
                 <a:effectLst>
                   <a:glow rad="101600">
                     <a:schemeClr val="accent5">
@@ -36573,7 +35429,7 @@
           <a:p>
             <a:pPr algn="ctr"/>
             <a:r>
-              <a:rPr lang="ko-KR" altLang="en-US" sz="1400" dirty="0" smtClean="0">
+              <a:rPr lang="ko-KR" altLang="en-US" sz="1400" dirty="0">
                 <a:effectLst>
                   <a:outerShdw blurRad="38100" dist="38100" dir="2700000" algn="tl">
                     <a:srgbClr val="000000">
@@ -36586,7 +35442,7 @@
               </a:rPr>
               <a:t>스토리</a:t>
             </a:r>
-            <a:endParaRPr lang="en-US" altLang="ko-KR" sz="1400" dirty="0" smtClean="0">
+            <a:endParaRPr lang="en-US" altLang="ko-KR" sz="1400" dirty="0">
               <a:effectLst>
                 <a:outerShdw blurRad="38100" dist="38100" dir="2700000" algn="tl">
                   <a:srgbClr val="000000">
@@ -36601,7 +35457,7 @@
           <a:p>
             <a:pPr algn="ctr"/>
             <a:r>
-              <a:rPr lang="ko-KR" altLang="en-US" sz="1400" dirty="0" smtClean="0">
+              <a:rPr lang="ko-KR" altLang="en-US" sz="1400" dirty="0">
                 <a:effectLst>
                   <a:outerShdw blurRad="38100" dist="38100" dir="2700000" algn="tl">
                     <a:srgbClr val="000000">
@@ -36629,20 +35485,6 @@
           <a:p>
             <a:pPr algn="ctr"/>
             <a:r>
-              <a:rPr lang="ko-KR" altLang="en-US" sz="1400" dirty="0" smtClean="0">
-                <a:effectLst>
-                  <a:outerShdw blurRad="38100" dist="38100" dir="2700000" algn="tl">
-                    <a:srgbClr val="000000">
-                      <a:alpha val="43137"/>
-                    </a:srgbClr>
-                  </a:outerShdw>
-                </a:effectLst>
-                <a:latin typeface="-윤고딕310" panose="02030504000101010101" pitchFamily="18" charset="-127"/>
-                <a:ea typeface="-윤고딕310" panose="02030504000101010101" pitchFamily="18" charset="-127"/>
-              </a:rPr>
-              <a:t>인터페이</a:t>
-            </a:r>
-            <a:r>
               <a:rPr lang="ko-KR" altLang="en-US" sz="1400" dirty="0">
                 <a:effectLst>
                   <a:outerShdw blurRad="38100" dist="38100" dir="2700000" algn="tl">
@@ -36654,7 +35496,7 @@
                 <a:latin typeface="-윤고딕310" panose="02030504000101010101" pitchFamily="18" charset="-127"/>
                 <a:ea typeface="-윤고딕310" panose="02030504000101010101" pitchFamily="18" charset="-127"/>
               </a:rPr>
-              <a:t>스</a:t>
+              <a:t>인터페이스</a:t>
             </a:r>
             <a:endParaRPr lang="en-US" altLang="ko-KR" sz="1400" dirty="0">
               <a:effectLst>
@@ -36671,7 +35513,7 @@
           <a:p>
             <a:pPr algn="ctr"/>
             <a:r>
-              <a:rPr lang="ko-KR" altLang="en-US" sz="1400" dirty="0" smtClean="0">
+              <a:rPr lang="ko-KR" altLang="en-US" sz="1400" dirty="0">
                 <a:effectLst>
                   <a:outerShdw blurRad="38100" dist="38100" dir="2700000" algn="tl">
                     <a:srgbClr val="000000">
@@ -36684,7 +35526,7 @@
               </a:rPr>
               <a:t>조작</a:t>
             </a:r>
-            <a:endParaRPr lang="en-US" altLang="ko-KR" sz="1400" dirty="0" smtClean="0">
+            <a:endParaRPr lang="en-US" altLang="ko-KR" sz="1400" dirty="0">
               <a:effectLst>
                 <a:outerShdw blurRad="38100" dist="38100" dir="2700000" algn="tl">
                   <a:srgbClr val="000000">
@@ -36698,20 +35540,6 @@
           </a:p>
           <a:p>
             <a:pPr algn="ctr"/>
-            <a:r>
-              <a:rPr lang="ko-KR" altLang="en-US" sz="1400" dirty="0" smtClean="0">
-                <a:effectLst>
-                  <a:outerShdw blurRad="38100" dist="38100" dir="2700000" algn="tl">
-                    <a:srgbClr val="000000">
-                      <a:alpha val="43137"/>
-                    </a:srgbClr>
-                  </a:outerShdw>
-                </a:effectLst>
-                <a:latin typeface="-윤고딕310" panose="02030504000101010101" pitchFamily="18" charset="-127"/>
-                <a:ea typeface="-윤고딕310" panose="02030504000101010101" pitchFamily="18" charset="-127"/>
-              </a:rPr>
-              <a:t>사</a:t>
-            </a:r>
             <a:r>
               <a:rPr lang="ko-KR" altLang="en-US" sz="1400" dirty="0">
                 <a:effectLst>
@@ -36724,7 +35552,7 @@
                 <a:latin typeface="-윤고딕310" panose="02030504000101010101" pitchFamily="18" charset="-127"/>
                 <a:ea typeface="-윤고딕310" panose="02030504000101010101" pitchFamily="18" charset="-127"/>
               </a:rPr>
-              <a:t>양</a:t>
+              <a:t>사양</a:t>
             </a:r>
             <a:endParaRPr lang="en-US" altLang="ko-KR" sz="1400" dirty="0">
               <a:effectLst>
@@ -36772,13 +35600,6 @@
   <p:clrMapOvr>
     <a:masterClrMapping/>
   </p:clrMapOvr>
-  <p:timing>
-    <p:tnLst>
-      <p:par>
-        <p:cTn id="1" dur="indefinite" restart="never" nodeType="tmRoot"/>
-      </p:par>
-    </p:tnLst>
-  </p:timing>
 </p:sld>
 </file>
 
@@ -36804,7 +35625,7 @@
           <p:cNvPr id="2" name="세로 제목 1">
             <a:extLst>
               <a:ext uri="{FF2B5EF4-FFF2-40B4-BE49-F238E27FC236}">
-                <a16:creationId xmlns:a16="http://schemas.microsoft.com/office/drawing/2014/main" xmlns="" id="{FEBC6F77-B83D-490D-BC9E-56D628FAE960}"/>
+                <a16:creationId xmlns:a16="http://schemas.microsoft.com/office/drawing/2014/main" id="{FEBC6F77-B83D-490D-BC9E-56D628FAE960}"/>
               </a:ext>
             </a:extLst>
           </p:cNvPr>
@@ -36821,22 +35642,13 @@
           <a:lstStyle/>
           <a:p>
             <a:pPr algn="ctr"/>
-            <a:r>
-              <a:rPr lang="en-US" altLang="ko-KR" dirty="0" smtClean="0"/>
-              <a:t/>
-            </a:r>
             <a:br>
-              <a:rPr lang="en-US" altLang="ko-KR" dirty="0" smtClean="0"/>
+              <a:rPr lang="en-US" altLang="ko-KR" dirty="0"/>
             </a:br>
             <a:r>
-              <a:rPr lang="ko-KR" altLang="en-US" dirty="0" smtClean="0"/>
-              <a:t>스토</a:t>
-            </a:r>
-            <a:r>
               <a:rPr lang="ko-KR" altLang="en-US" dirty="0"/>
-              <a:t>리</a:t>
-            </a:r>
-            <a:endParaRPr lang="ko-KR" altLang="en-US" dirty="0"/>
+              <a:t>스토리</a:t>
+            </a:r>
           </a:p>
         </p:txBody>
       </p:sp>
@@ -36845,7 +35657,7 @@
           <p:cNvPr id="3" name="세로 텍스트 개체 틀 2">
             <a:extLst>
               <a:ext uri="{FF2B5EF4-FFF2-40B4-BE49-F238E27FC236}">
-                <a16:creationId xmlns:a16="http://schemas.microsoft.com/office/drawing/2014/main" xmlns="" id="{B44A0373-7254-40B4-A62A-F37094032C32}"/>
+                <a16:creationId xmlns:a16="http://schemas.microsoft.com/office/drawing/2014/main" id="{B44A0373-7254-40B4-A62A-F37094032C32}"/>
               </a:ext>
             </a:extLst>
           </p:cNvPr>
@@ -36864,16 +35676,16 @@
             <a:pPr marL="0" indent="0" algn="ctr">
               <a:buNone/>
             </a:pPr>
-            <a:endParaRPr lang="en-US" altLang="ko-KR" dirty="0" smtClean="0"/>
+            <a:endParaRPr lang="en-US" altLang="ko-KR" dirty="0"/>
           </a:p>
           <a:p>
             <a:pPr marL="0" indent="0" algn="ctr">
               <a:buNone/>
             </a:pPr>
-            <a:endParaRPr lang="en-US" altLang="ko-KR" dirty="0" smtClean="0"/>
-          </a:p>
-          <a:p>
-            <a:endParaRPr lang="en-US" altLang="ko-KR" dirty="0" smtClean="0"/>
+            <a:endParaRPr lang="en-US" altLang="ko-KR" dirty="0"/>
+          </a:p>
+          <a:p>
+            <a:endParaRPr lang="en-US" altLang="ko-KR" dirty="0"/>
           </a:p>
           <a:p>
             <a:pPr marL="342900" indent="-342900">
@@ -36881,48 +35693,19 @@
               <a:buAutoNum type="arabicPeriod"/>
             </a:pPr>
             <a:r>
-              <a:rPr lang="ko-KR" altLang="en-US" dirty="0" smtClean="0"/>
+              <a:rPr lang="ko-KR" altLang="en-US" dirty="0"/>
               <a:t>머나먼 미래</a:t>
             </a:r>
             <a:r>
-              <a:rPr lang="en-US" altLang="ko-KR" dirty="0" smtClean="0"/>
+              <a:rPr lang="en-US" altLang="ko-KR" dirty="0"/>
               <a:t>… </a:t>
             </a:r>
             <a:r>
-              <a:rPr lang="ko-KR" altLang="en-US" dirty="0" smtClean="0"/>
+              <a:rPr lang="ko-KR" altLang="en-US" dirty="0"/>
               <a:t>어느덧 기술의 자동화가 이루어지고 우주 항해 기술도 상용화가 이루어졌다</a:t>
             </a:r>
             <a:r>
-              <a:rPr lang="en-US" altLang="ko-KR" dirty="0" smtClean="0"/>
-              <a:t>.</a:t>
-            </a:r>
-          </a:p>
-          <a:p>
-            <a:pPr marL="342900" indent="-342900">
-              <a:buFont typeface="+mj-lt"/>
-              <a:buAutoNum type="arabicPeriod"/>
-            </a:pPr>
-            <a:endParaRPr lang="en-US" altLang="ko-KR" dirty="0" smtClean="0"/>
-          </a:p>
-          <a:p>
-            <a:pPr marL="342900" indent="-342900">
-              <a:buFont typeface="+mj-lt"/>
-              <a:buAutoNum type="arabicPeriod"/>
-            </a:pPr>
-            <a:r>
-              <a:rPr lang="ko-KR" altLang="en-US" dirty="0" smtClean="0"/>
-              <a:t>우주에 진출한 인류는 다시 오랜 시간이 흐른 후에야 다른 외계 종족들을 접하게 되었다</a:t>
-            </a:r>
-            <a:r>
-              <a:rPr lang="en-US" altLang="ko-KR" dirty="0" smtClean="0"/>
-              <a:t>. </a:t>
-            </a:r>
-            <a:r>
-              <a:rPr lang="ko-KR" altLang="en-US" dirty="0" smtClean="0"/>
-              <a:t>이들은 정도의 차이가 있었지만 각자 자신들의 은하계 영역에서 강성한 종족이었다</a:t>
-            </a:r>
-            <a:r>
-              <a:rPr lang="en-US" altLang="ko-KR" dirty="0" smtClean="0"/>
+              <a:rPr lang="en-US" altLang="ko-KR" dirty="0"/>
               <a:t>.</a:t>
             </a:r>
           </a:p>
@@ -36939,19 +35722,48 @@
               <a:buAutoNum type="arabicPeriod"/>
             </a:pPr>
             <a:r>
-              <a:rPr lang="ko-KR" altLang="en-US" dirty="0" smtClean="0"/>
+              <a:rPr lang="ko-KR" altLang="en-US" dirty="0"/>
+              <a:t>우주에 진출한 인류는 다시 오랜 시간이 흐른 후에야 다른 외계 종족들을 접하게 되었다</a:t>
+            </a:r>
+            <a:r>
+              <a:rPr lang="en-US" altLang="ko-KR" dirty="0"/>
+              <a:t>. </a:t>
+            </a:r>
+            <a:r>
+              <a:rPr lang="ko-KR" altLang="en-US" dirty="0"/>
+              <a:t>이들은 정도의 차이가 있었지만 각자 자신들의 은하계 영역에서 강성한 종족이었다</a:t>
+            </a:r>
+            <a:r>
+              <a:rPr lang="en-US" altLang="ko-KR" dirty="0"/>
+              <a:t>.</a:t>
+            </a:r>
+          </a:p>
+          <a:p>
+            <a:pPr marL="342900" indent="-342900">
+              <a:buFont typeface="+mj-lt"/>
+              <a:buAutoNum type="arabicPeriod"/>
+            </a:pPr>
+            <a:endParaRPr lang="en-US" altLang="ko-KR" dirty="0"/>
+          </a:p>
+          <a:p>
+            <a:pPr marL="342900" indent="-342900">
+              <a:buFont typeface="+mj-lt"/>
+              <a:buAutoNum type="arabicPeriod"/>
+            </a:pPr>
+            <a:r>
+              <a:rPr lang="ko-KR" altLang="en-US" dirty="0"/>
               <a:t>플레이어는 자가용 급의 구식 함선을 갖고 있는 가난한 인간이다</a:t>
             </a:r>
             <a:r>
-              <a:rPr lang="en-US" altLang="ko-KR" dirty="0" smtClean="0"/>
+              <a:rPr lang="en-US" altLang="ko-KR" dirty="0"/>
               <a:t>. </a:t>
             </a:r>
             <a:r>
-              <a:rPr lang="ko-KR" altLang="en-US" dirty="0" smtClean="0"/>
+              <a:rPr lang="ko-KR" altLang="en-US" dirty="0"/>
               <a:t>빚이 많아 마지막이라고 생각한 플레이어는 실낱 같은 희망을 안고 우주로 진출하려 한다</a:t>
             </a:r>
             <a:r>
-              <a:rPr lang="en-US" altLang="ko-KR" dirty="0" smtClean="0"/>
+              <a:rPr lang="en-US" altLang="ko-KR" dirty="0"/>
               <a:t>.</a:t>
             </a:r>
           </a:p>
@@ -36969,7 +35781,7 @@
           <p:cNvPr id="4" name="바닥글 개체 틀 3">
             <a:extLst>
               <a:ext uri="{FF2B5EF4-FFF2-40B4-BE49-F238E27FC236}">
-                <a16:creationId xmlns:a16="http://schemas.microsoft.com/office/drawing/2014/main" xmlns="" id="{AA2DBCCD-0789-48B0-B4A0-59AD49B6B421}"/>
+                <a16:creationId xmlns:a16="http://schemas.microsoft.com/office/drawing/2014/main" id="{AA2DBCCD-0789-48B0-B4A0-59AD49B6B421}"/>
               </a:ext>
             </a:extLst>
           </p:cNvPr>
@@ -36998,7 +35810,7 @@
           <p:cNvPr id="5" name="슬라이드 번호 개체 틀 4">
             <a:extLst>
               <a:ext uri="{FF2B5EF4-FFF2-40B4-BE49-F238E27FC236}">
-                <a16:creationId xmlns:a16="http://schemas.microsoft.com/office/drawing/2014/main" xmlns="" id="{7AABEFF9-9158-4D34-9B1D-39B2F2211BD4}"/>
+                <a16:creationId xmlns:a16="http://schemas.microsoft.com/office/drawing/2014/main" id="{7AABEFF9-9158-4D34-9B1D-39B2F2211BD4}"/>
               </a:ext>
             </a:extLst>
           </p:cNvPr>
@@ -37134,7 +35946,7 @@
           <a:p>
             <a:pPr algn="ctr"/>
             <a:r>
-              <a:rPr lang="ko-KR" altLang="en-US" sz="1400" dirty="0" smtClean="0">
+              <a:rPr lang="ko-KR" altLang="en-US" sz="1400" dirty="0">
                 <a:effectLst>
                   <a:outerShdw blurRad="38100" dist="38100" dir="2700000" algn="tl">
                     <a:srgbClr val="000000">
@@ -37162,7 +35974,7 @@
           <a:p>
             <a:pPr algn="ctr"/>
             <a:r>
-              <a:rPr lang="ko-KR" altLang="en-US" sz="1400" dirty="0" smtClean="0">
+              <a:rPr lang="ko-KR" altLang="en-US" sz="1400" dirty="0">
                 <a:effectLst>
                   <a:glow rad="101600">
                     <a:schemeClr val="accent5">
@@ -37181,7 +35993,7 @@
               </a:rPr>
               <a:t>스토리</a:t>
             </a:r>
-            <a:endParaRPr lang="en-US" altLang="ko-KR" sz="1400" dirty="0" smtClean="0">
+            <a:endParaRPr lang="en-US" altLang="ko-KR" sz="1400" dirty="0">
               <a:effectLst>
                 <a:glow rad="101600">
                   <a:schemeClr val="accent5">
@@ -37202,7 +36014,7 @@
           <a:p>
             <a:pPr algn="ctr"/>
             <a:r>
-              <a:rPr lang="ko-KR" altLang="en-US" sz="1400" dirty="0" smtClean="0">
+              <a:rPr lang="ko-KR" altLang="en-US" sz="1400" dirty="0">
                 <a:effectLst>
                   <a:outerShdw blurRad="38100" dist="38100" dir="2700000" algn="tl">
                     <a:srgbClr val="000000">
@@ -37230,20 +36042,6 @@
           <a:p>
             <a:pPr algn="ctr"/>
             <a:r>
-              <a:rPr lang="ko-KR" altLang="en-US" sz="1400" dirty="0" smtClean="0">
-                <a:effectLst>
-                  <a:outerShdw blurRad="38100" dist="38100" dir="2700000" algn="tl">
-                    <a:srgbClr val="000000">
-                      <a:alpha val="43137"/>
-                    </a:srgbClr>
-                  </a:outerShdw>
-                </a:effectLst>
-                <a:latin typeface="-윤고딕310" panose="02030504000101010101" pitchFamily="18" charset="-127"/>
-                <a:ea typeface="-윤고딕310" panose="02030504000101010101" pitchFamily="18" charset="-127"/>
-              </a:rPr>
-              <a:t>인터페이</a:t>
-            </a:r>
-            <a:r>
               <a:rPr lang="ko-KR" altLang="en-US" sz="1400" dirty="0">
                 <a:effectLst>
                   <a:outerShdw blurRad="38100" dist="38100" dir="2700000" algn="tl">
@@ -37255,7 +36053,7 @@
                 <a:latin typeface="-윤고딕310" panose="02030504000101010101" pitchFamily="18" charset="-127"/>
                 <a:ea typeface="-윤고딕310" panose="02030504000101010101" pitchFamily="18" charset="-127"/>
               </a:rPr>
-              <a:t>스</a:t>
+              <a:t>인터페이스</a:t>
             </a:r>
             <a:endParaRPr lang="en-US" altLang="ko-KR" sz="1400" dirty="0">
               <a:effectLst>
@@ -37272,7 +36070,7 @@
           <a:p>
             <a:pPr algn="ctr"/>
             <a:r>
-              <a:rPr lang="ko-KR" altLang="en-US" sz="1400" dirty="0" smtClean="0">
+              <a:rPr lang="ko-KR" altLang="en-US" sz="1400" dirty="0">
                 <a:effectLst>
                   <a:outerShdw blurRad="38100" dist="38100" dir="2700000" algn="tl">
                     <a:srgbClr val="000000">
@@ -37285,7 +36083,7 @@
               </a:rPr>
               <a:t>조작</a:t>
             </a:r>
-            <a:endParaRPr lang="en-US" altLang="ko-KR" sz="1400" dirty="0" smtClean="0">
+            <a:endParaRPr lang="en-US" altLang="ko-KR" sz="1400" dirty="0">
               <a:effectLst>
                 <a:outerShdw blurRad="38100" dist="38100" dir="2700000" algn="tl">
                   <a:srgbClr val="000000">
@@ -37299,20 +36097,6 @@
           </a:p>
           <a:p>
             <a:pPr algn="ctr"/>
-            <a:r>
-              <a:rPr lang="ko-KR" altLang="en-US" sz="1400" dirty="0" smtClean="0">
-                <a:effectLst>
-                  <a:outerShdw blurRad="38100" dist="38100" dir="2700000" algn="tl">
-                    <a:srgbClr val="000000">
-                      <a:alpha val="43137"/>
-                    </a:srgbClr>
-                  </a:outerShdw>
-                </a:effectLst>
-                <a:latin typeface="-윤고딕310" panose="02030504000101010101" pitchFamily="18" charset="-127"/>
-                <a:ea typeface="-윤고딕310" panose="02030504000101010101" pitchFamily="18" charset="-127"/>
-              </a:rPr>
-              <a:t>사</a:t>
-            </a:r>
             <a:r>
               <a:rPr lang="ko-KR" altLang="en-US" sz="1400" dirty="0">
                 <a:effectLst>
@@ -37325,7 +36109,7 @@
                 <a:latin typeface="-윤고딕310" panose="02030504000101010101" pitchFamily="18" charset="-127"/>
                 <a:ea typeface="-윤고딕310" panose="02030504000101010101" pitchFamily="18" charset="-127"/>
               </a:rPr>
-              <a:t>양</a:t>
+              <a:t>사양</a:t>
             </a:r>
             <a:endParaRPr lang="en-US" altLang="ko-KR" sz="1400" dirty="0">
               <a:effectLst>
@@ -37351,13 +36135,6 @@
   <p:clrMapOvr>
     <a:masterClrMapping/>
   </p:clrMapOvr>
-  <p:timing>
-    <p:tnLst>
-      <p:par>
-        <p:cTn id="1" dur="indefinite" restart="never" nodeType="tmRoot"/>
-      </p:par>
-    </p:tnLst>
-  </p:timing>
 </p:sld>
 </file>
 
@@ -37383,7 +36160,7 @@
           <p:cNvPr id="2" name="세로 제목 1">
             <a:extLst>
               <a:ext uri="{FF2B5EF4-FFF2-40B4-BE49-F238E27FC236}">
-                <a16:creationId xmlns:a16="http://schemas.microsoft.com/office/drawing/2014/main" xmlns="" id="{FEBC6F77-B83D-490D-BC9E-56D628FAE960}"/>
+                <a16:creationId xmlns:a16="http://schemas.microsoft.com/office/drawing/2014/main" id="{FEBC6F77-B83D-490D-BC9E-56D628FAE960}"/>
               </a:ext>
             </a:extLst>
           </p:cNvPr>
@@ -37400,22 +36177,13 @@
           <a:lstStyle/>
           <a:p>
             <a:pPr algn="ctr"/>
-            <a:r>
-              <a:rPr lang="en-US" altLang="ko-KR" dirty="0" smtClean="0"/>
-              <a:t/>
-            </a:r>
             <a:br>
-              <a:rPr lang="en-US" altLang="ko-KR" dirty="0" smtClean="0"/>
+              <a:rPr lang="en-US" altLang="ko-KR" dirty="0"/>
             </a:br>
             <a:r>
-              <a:rPr lang="ko-KR" altLang="en-US" dirty="0" smtClean="0"/>
-              <a:t>시스</a:t>
-            </a:r>
-            <a:r>
               <a:rPr lang="ko-KR" altLang="en-US" dirty="0"/>
-              <a:t>템</a:t>
-            </a:r>
-            <a:endParaRPr lang="ko-KR" altLang="en-US" dirty="0"/>
+              <a:t>시스템</a:t>
+            </a:r>
           </a:p>
         </p:txBody>
       </p:sp>
@@ -37424,7 +36192,7 @@
           <p:cNvPr id="3" name="세로 텍스트 개체 틀 2">
             <a:extLst>
               <a:ext uri="{FF2B5EF4-FFF2-40B4-BE49-F238E27FC236}">
-                <a16:creationId xmlns:a16="http://schemas.microsoft.com/office/drawing/2014/main" xmlns="" id="{B44A0373-7254-40B4-A62A-F37094032C32}"/>
+                <a16:creationId xmlns:a16="http://schemas.microsoft.com/office/drawing/2014/main" id="{B44A0373-7254-40B4-A62A-F37094032C32}"/>
               </a:ext>
             </a:extLst>
           </p:cNvPr>
@@ -37448,13 +36216,13 @@
             <a:pPr marL="0" indent="0" algn="ctr">
               <a:buNone/>
             </a:pPr>
-            <a:endParaRPr lang="en-US" altLang="ko-KR" dirty="0" smtClean="0"/>
+            <a:endParaRPr lang="en-US" altLang="ko-KR" dirty="0"/>
           </a:p>
           <a:p>
             <a:pPr marL="0" indent="0" algn="ctr">
               <a:buNone/>
             </a:pPr>
-            <a:endParaRPr lang="en-US" altLang="ko-KR" dirty="0" smtClean="0"/>
+            <a:endParaRPr lang="en-US" altLang="ko-KR" dirty="0"/>
           </a:p>
         </p:txBody>
       </p:sp>
@@ -37463,7 +36231,7 @@
           <p:cNvPr id="4" name="바닥글 개체 틀 3">
             <a:extLst>
               <a:ext uri="{FF2B5EF4-FFF2-40B4-BE49-F238E27FC236}">
-                <a16:creationId xmlns:a16="http://schemas.microsoft.com/office/drawing/2014/main" xmlns="" id="{AA2DBCCD-0789-48B0-B4A0-59AD49B6B421}"/>
+                <a16:creationId xmlns:a16="http://schemas.microsoft.com/office/drawing/2014/main" id="{AA2DBCCD-0789-48B0-B4A0-59AD49B6B421}"/>
               </a:ext>
             </a:extLst>
           </p:cNvPr>
@@ -37492,7 +36260,7 @@
           <p:cNvPr id="5" name="슬라이드 번호 개체 틀 4">
             <a:extLst>
               <a:ext uri="{FF2B5EF4-FFF2-40B4-BE49-F238E27FC236}">
-                <a16:creationId xmlns:a16="http://schemas.microsoft.com/office/drawing/2014/main" xmlns="" id="{7AABEFF9-9158-4D34-9B1D-39B2F2211BD4}"/>
+                <a16:creationId xmlns:a16="http://schemas.microsoft.com/office/drawing/2014/main" id="{7AABEFF9-9158-4D34-9B1D-39B2F2211BD4}"/>
               </a:ext>
             </a:extLst>
           </p:cNvPr>
@@ -37628,7 +36396,7 @@
           <a:p>
             <a:pPr algn="ctr"/>
             <a:r>
-              <a:rPr lang="ko-KR" altLang="en-US" sz="1400" dirty="0" smtClean="0">
+              <a:rPr lang="ko-KR" altLang="en-US" sz="1400" dirty="0">
                 <a:effectLst>
                   <a:outerShdw blurRad="38100" dist="38100" dir="2700000" algn="tl">
                     <a:srgbClr val="000000">
@@ -37656,7 +36424,7 @@
           <a:p>
             <a:pPr algn="ctr"/>
             <a:r>
-              <a:rPr lang="ko-KR" altLang="en-US" sz="1400" dirty="0" smtClean="0">
+              <a:rPr lang="ko-KR" altLang="en-US" sz="1400" dirty="0">
                 <a:effectLst>
                   <a:outerShdw blurRad="38100" dist="38100" dir="2700000" algn="tl">
                     <a:srgbClr val="000000">
@@ -37669,7 +36437,7 @@
               </a:rPr>
               <a:t>스토리</a:t>
             </a:r>
-            <a:endParaRPr lang="en-US" altLang="ko-KR" sz="1400" dirty="0" smtClean="0">
+            <a:endParaRPr lang="en-US" altLang="ko-KR" sz="1400" dirty="0">
               <a:effectLst>
                 <a:outerShdw blurRad="38100" dist="38100" dir="2700000" algn="tl">
                   <a:srgbClr val="000000">
@@ -37684,7 +36452,7 @@
           <a:p>
             <a:pPr algn="ctr"/>
             <a:r>
-              <a:rPr lang="ko-KR" altLang="en-US" sz="1400" dirty="0" smtClean="0">
+              <a:rPr lang="ko-KR" altLang="en-US" sz="1400" dirty="0">
                 <a:effectLst>
                   <a:glow rad="101600">
                     <a:schemeClr val="accent5">
@@ -37724,20 +36492,6 @@
           <a:p>
             <a:pPr algn="ctr"/>
             <a:r>
-              <a:rPr lang="ko-KR" altLang="en-US" sz="1400" dirty="0" smtClean="0">
-                <a:effectLst>
-                  <a:outerShdw blurRad="38100" dist="38100" dir="2700000" algn="tl">
-                    <a:srgbClr val="000000">
-                      <a:alpha val="43137"/>
-                    </a:srgbClr>
-                  </a:outerShdw>
-                </a:effectLst>
-                <a:latin typeface="-윤고딕310" panose="02030504000101010101" pitchFamily="18" charset="-127"/>
-                <a:ea typeface="-윤고딕310" panose="02030504000101010101" pitchFamily="18" charset="-127"/>
-              </a:rPr>
-              <a:t>인터페이</a:t>
-            </a:r>
-            <a:r>
               <a:rPr lang="ko-KR" altLang="en-US" sz="1400" dirty="0">
                 <a:effectLst>
                   <a:outerShdw blurRad="38100" dist="38100" dir="2700000" algn="tl">
@@ -37749,7 +36503,7 @@
                 <a:latin typeface="-윤고딕310" panose="02030504000101010101" pitchFamily="18" charset="-127"/>
                 <a:ea typeface="-윤고딕310" panose="02030504000101010101" pitchFamily="18" charset="-127"/>
               </a:rPr>
-              <a:t>스</a:t>
+              <a:t>인터페이스</a:t>
             </a:r>
             <a:endParaRPr lang="en-US" altLang="ko-KR" sz="1400" dirty="0">
               <a:effectLst>
@@ -37766,7 +36520,7 @@
           <a:p>
             <a:pPr algn="ctr"/>
             <a:r>
-              <a:rPr lang="ko-KR" altLang="en-US" sz="1400" dirty="0" smtClean="0">
+              <a:rPr lang="ko-KR" altLang="en-US" sz="1400" dirty="0">
                 <a:effectLst>
                   <a:outerShdw blurRad="38100" dist="38100" dir="2700000" algn="tl">
                     <a:srgbClr val="000000">
@@ -37779,7 +36533,7 @@
               </a:rPr>
               <a:t>조작</a:t>
             </a:r>
-            <a:endParaRPr lang="en-US" altLang="ko-KR" sz="1400" dirty="0" smtClean="0">
+            <a:endParaRPr lang="en-US" altLang="ko-KR" sz="1400" dirty="0">
               <a:effectLst>
                 <a:outerShdw blurRad="38100" dist="38100" dir="2700000" algn="tl">
                   <a:srgbClr val="000000">
@@ -37793,20 +36547,6 @@
           </a:p>
           <a:p>
             <a:pPr algn="ctr"/>
-            <a:r>
-              <a:rPr lang="ko-KR" altLang="en-US" sz="1400" dirty="0" smtClean="0">
-                <a:effectLst>
-                  <a:outerShdw blurRad="38100" dist="38100" dir="2700000" algn="tl">
-                    <a:srgbClr val="000000">
-                      <a:alpha val="43137"/>
-                    </a:srgbClr>
-                  </a:outerShdw>
-                </a:effectLst>
-                <a:latin typeface="-윤고딕310" panose="02030504000101010101" pitchFamily="18" charset="-127"/>
-                <a:ea typeface="-윤고딕310" panose="02030504000101010101" pitchFamily="18" charset="-127"/>
-              </a:rPr>
-              <a:t>사</a:t>
-            </a:r>
             <a:r>
               <a:rPr lang="ko-KR" altLang="en-US" sz="1400" dirty="0">
                 <a:effectLst>
@@ -37819,7 +36559,7 @@
                 <a:latin typeface="-윤고딕310" panose="02030504000101010101" pitchFamily="18" charset="-127"/>
                 <a:ea typeface="-윤고딕310" panose="02030504000101010101" pitchFamily="18" charset="-127"/>
               </a:rPr>
-              <a:t>양</a:t>
+              <a:t>사양</a:t>
             </a:r>
             <a:endParaRPr lang="en-US" altLang="ko-KR" sz="1400" dirty="0">
               <a:effectLst>
@@ -37867,13 +36607,6 @@
   <p:clrMapOvr>
     <a:masterClrMapping/>
   </p:clrMapOvr>
-  <p:timing>
-    <p:tnLst>
-      <p:par>
-        <p:cTn id="1" dur="indefinite" restart="never" nodeType="tmRoot"/>
-      </p:par>
-    </p:tnLst>
-  </p:timing>
 </p:sld>
 </file>
 
@@ -37899,7 +36632,7 @@
           <p:cNvPr id="2" name="세로 제목 1">
             <a:extLst>
               <a:ext uri="{FF2B5EF4-FFF2-40B4-BE49-F238E27FC236}">
-                <a16:creationId xmlns:a16="http://schemas.microsoft.com/office/drawing/2014/main" xmlns="" id="{FEBC6F77-B83D-490D-BC9E-56D628FAE960}"/>
+                <a16:creationId xmlns:a16="http://schemas.microsoft.com/office/drawing/2014/main" id="{FEBC6F77-B83D-490D-BC9E-56D628FAE960}"/>
               </a:ext>
             </a:extLst>
           </p:cNvPr>
@@ -37916,22 +36649,13 @@
           <a:lstStyle/>
           <a:p>
             <a:pPr algn="ctr"/>
-            <a:r>
-              <a:rPr lang="en-US" altLang="ko-KR" dirty="0" smtClean="0"/>
-              <a:t/>
-            </a:r>
             <a:br>
-              <a:rPr lang="en-US" altLang="ko-KR" dirty="0" smtClean="0"/>
+              <a:rPr lang="en-US" altLang="ko-KR" dirty="0"/>
             </a:br>
             <a:r>
-              <a:rPr lang="ko-KR" altLang="en-US" dirty="0" smtClean="0"/>
-              <a:t>시스</a:t>
-            </a:r>
-            <a:r>
               <a:rPr lang="ko-KR" altLang="en-US" dirty="0"/>
-              <a:t>템</a:t>
-            </a:r>
-            <a:endParaRPr lang="ko-KR" altLang="en-US" dirty="0"/>
+              <a:t>시스템</a:t>
+            </a:r>
           </a:p>
         </p:txBody>
       </p:sp>
@@ -37940,7 +36664,7 @@
           <p:cNvPr id="3" name="세로 텍스트 개체 틀 2">
             <a:extLst>
               <a:ext uri="{FF2B5EF4-FFF2-40B4-BE49-F238E27FC236}">
-                <a16:creationId xmlns:a16="http://schemas.microsoft.com/office/drawing/2014/main" xmlns="" id="{B44A0373-7254-40B4-A62A-F37094032C32}"/>
+                <a16:creationId xmlns:a16="http://schemas.microsoft.com/office/drawing/2014/main" id="{B44A0373-7254-40B4-A62A-F37094032C32}"/>
               </a:ext>
             </a:extLst>
           </p:cNvPr>
@@ -37964,13 +36688,13 @@
             <a:pPr marL="0" indent="0" algn="ctr">
               <a:buNone/>
             </a:pPr>
-            <a:endParaRPr lang="en-US" altLang="ko-KR" dirty="0" smtClean="0"/>
+            <a:endParaRPr lang="en-US" altLang="ko-KR" dirty="0"/>
           </a:p>
           <a:p>
             <a:pPr marL="0" indent="0" algn="ctr">
               <a:buNone/>
             </a:pPr>
-            <a:endParaRPr lang="en-US" altLang="ko-KR" dirty="0" smtClean="0"/>
+            <a:endParaRPr lang="en-US" altLang="ko-KR" dirty="0"/>
           </a:p>
         </p:txBody>
       </p:sp>
@@ -37979,7 +36703,7 @@
           <p:cNvPr id="4" name="바닥글 개체 틀 3">
             <a:extLst>
               <a:ext uri="{FF2B5EF4-FFF2-40B4-BE49-F238E27FC236}">
-                <a16:creationId xmlns:a16="http://schemas.microsoft.com/office/drawing/2014/main" xmlns="" id="{AA2DBCCD-0789-48B0-B4A0-59AD49B6B421}"/>
+                <a16:creationId xmlns:a16="http://schemas.microsoft.com/office/drawing/2014/main" id="{AA2DBCCD-0789-48B0-B4A0-59AD49B6B421}"/>
               </a:ext>
             </a:extLst>
           </p:cNvPr>
@@ -38008,7 +36732,7 @@
           <p:cNvPr id="5" name="슬라이드 번호 개체 틀 4">
             <a:extLst>
               <a:ext uri="{FF2B5EF4-FFF2-40B4-BE49-F238E27FC236}">
-                <a16:creationId xmlns:a16="http://schemas.microsoft.com/office/drawing/2014/main" xmlns="" id="{7AABEFF9-9158-4D34-9B1D-39B2F2211BD4}"/>
+                <a16:creationId xmlns:a16="http://schemas.microsoft.com/office/drawing/2014/main" id="{7AABEFF9-9158-4D34-9B1D-39B2F2211BD4}"/>
               </a:ext>
             </a:extLst>
           </p:cNvPr>
@@ -38144,7 +36868,7 @@
           <a:p>
             <a:pPr algn="ctr"/>
             <a:r>
-              <a:rPr lang="ko-KR" altLang="en-US" sz="1400" dirty="0" smtClean="0">
+              <a:rPr lang="ko-KR" altLang="en-US" sz="1400" dirty="0">
                 <a:effectLst>
                   <a:outerShdw blurRad="38100" dist="38100" dir="2700000" algn="tl">
                     <a:srgbClr val="000000">
@@ -38172,7 +36896,7 @@
           <a:p>
             <a:pPr algn="ctr"/>
             <a:r>
-              <a:rPr lang="ko-KR" altLang="en-US" sz="1400" dirty="0" smtClean="0">
+              <a:rPr lang="ko-KR" altLang="en-US" sz="1400" dirty="0">
                 <a:effectLst>
                   <a:outerShdw blurRad="38100" dist="38100" dir="2700000" algn="tl">
                     <a:srgbClr val="000000">
@@ -38185,7 +36909,7 @@
               </a:rPr>
               <a:t>스토리</a:t>
             </a:r>
-            <a:endParaRPr lang="en-US" altLang="ko-KR" sz="1400" dirty="0" smtClean="0">
+            <a:endParaRPr lang="en-US" altLang="ko-KR" sz="1400" dirty="0">
               <a:effectLst>
                 <a:outerShdw blurRad="38100" dist="38100" dir="2700000" algn="tl">
                   <a:srgbClr val="000000">
@@ -38200,7 +36924,7 @@
           <a:p>
             <a:pPr algn="ctr"/>
             <a:r>
-              <a:rPr lang="ko-KR" altLang="en-US" sz="1400" dirty="0" smtClean="0">
+              <a:rPr lang="ko-KR" altLang="en-US" sz="1400" dirty="0">
                 <a:effectLst>
                   <a:glow rad="101600">
                     <a:schemeClr val="accent5">
@@ -38240,20 +36964,6 @@
           <a:p>
             <a:pPr algn="ctr"/>
             <a:r>
-              <a:rPr lang="ko-KR" altLang="en-US" sz="1400" dirty="0" smtClean="0">
-                <a:effectLst>
-                  <a:outerShdw blurRad="38100" dist="38100" dir="2700000" algn="tl">
-                    <a:srgbClr val="000000">
-                      <a:alpha val="43137"/>
-                    </a:srgbClr>
-                  </a:outerShdw>
-                </a:effectLst>
-                <a:latin typeface="-윤고딕310" panose="02030504000101010101" pitchFamily="18" charset="-127"/>
-                <a:ea typeface="-윤고딕310" panose="02030504000101010101" pitchFamily="18" charset="-127"/>
-              </a:rPr>
-              <a:t>인터페이</a:t>
-            </a:r>
-            <a:r>
               <a:rPr lang="ko-KR" altLang="en-US" sz="1400" dirty="0">
                 <a:effectLst>
                   <a:outerShdw blurRad="38100" dist="38100" dir="2700000" algn="tl">
@@ -38265,7 +36975,7 @@
                 <a:latin typeface="-윤고딕310" panose="02030504000101010101" pitchFamily="18" charset="-127"/>
                 <a:ea typeface="-윤고딕310" panose="02030504000101010101" pitchFamily="18" charset="-127"/>
               </a:rPr>
-              <a:t>스</a:t>
+              <a:t>인터페이스</a:t>
             </a:r>
             <a:endParaRPr lang="en-US" altLang="ko-KR" sz="1400" dirty="0">
               <a:effectLst>
@@ -38282,7 +36992,7 @@
           <a:p>
             <a:pPr algn="ctr"/>
             <a:r>
-              <a:rPr lang="ko-KR" altLang="en-US" sz="1400" dirty="0" smtClean="0">
+              <a:rPr lang="ko-KR" altLang="en-US" sz="1400" dirty="0">
                 <a:effectLst>
                   <a:outerShdw blurRad="38100" dist="38100" dir="2700000" algn="tl">
                     <a:srgbClr val="000000">
@@ -38295,7 +37005,7 @@
               </a:rPr>
               <a:t>조작</a:t>
             </a:r>
-            <a:endParaRPr lang="en-US" altLang="ko-KR" sz="1400" dirty="0" smtClean="0">
+            <a:endParaRPr lang="en-US" altLang="ko-KR" sz="1400" dirty="0">
               <a:effectLst>
                 <a:outerShdw blurRad="38100" dist="38100" dir="2700000" algn="tl">
                   <a:srgbClr val="000000">
@@ -38309,20 +37019,6 @@
           </a:p>
           <a:p>
             <a:pPr algn="ctr"/>
-            <a:r>
-              <a:rPr lang="ko-KR" altLang="en-US" sz="1400" dirty="0" smtClean="0">
-                <a:effectLst>
-                  <a:outerShdw blurRad="38100" dist="38100" dir="2700000" algn="tl">
-                    <a:srgbClr val="000000">
-                      <a:alpha val="43137"/>
-                    </a:srgbClr>
-                  </a:outerShdw>
-                </a:effectLst>
-                <a:latin typeface="-윤고딕310" panose="02030504000101010101" pitchFamily="18" charset="-127"/>
-                <a:ea typeface="-윤고딕310" panose="02030504000101010101" pitchFamily="18" charset="-127"/>
-              </a:rPr>
-              <a:t>사</a:t>
-            </a:r>
             <a:r>
               <a:rPr lang="ko-KR" altLang="en-US" sz="1400" dirty="0">
                 <a:effectLst>
@@ -38335,7 +37031,7 @@
                 <a:latin typeface="-윤고딕310" panose="02030504000101010101" pitchFamily="18" charset="-127"/>
                 <a:ea typeface="-윤고딕310" panose="02030504000101010101" pitchFamily="18" charset="-127"/>
               </a:rPr>
-              <a:t>양</a:t>
+              <a:t>사양</a:t>
             </a:r>
             <a:endParaRPr lang="en-US" altLang="ko-KR" sz="1400" dirty="0">
               <a:effectLst>
@@ -38383,13 +37079,6 @@
   <p:clrMapOvr>
     <a:masterClrMapping/>
   </p:clrMapOvr>
-  <p:timing>
-    <p:tnLst>
-      <p:par>
-        <p:cTn id="1" dur="indefinite" restart="never" nodeType="tmRoot"/>
-      </p:par>
-    </p:tnLst>
-  </p:timing>
 </p:sld>
 </file>
 
@@ -38415,7 +37104,7 @@
           <p:cNvPr id="2" name="세로 제목 1">
             <a:extLst>
               <a:ext uri="{FF2B5EF4-FFF2-40B4-BE49-F238E27FC236}">
-                <a16:creationId xmlns:a16="http://schemas.microsoft.com/office/drawing/2014/main" xmlns="" id="{FEBC6F77-B83D-490D-BC9E-56D628FAE960}"/>
+                <a16:creationId xmlns:a16="http://schemas.microsoft.com/office/drawing/2014/main" id="{FEBC6F77-B83D-490D-BC9E-56D628FAE960}"/>
               </a:ext>
             </a:extLst>
           </p:cNvPr>
@@ -38432,22 +37121,13 @@
           <a:lstStyle/>
           <a:p>
             <a:pPr algn="ctr"/>
-            <a:r>
-              <a:rPr lang="en-US" altLang="ko-KR" dirty="0" smtClean="0"/>
-              <a:t/>
-            </a:r>
             <a:br>
-              <a:rPr lang="en-US" altLang="ko-KR" dirty="0" smtClean="0"/>
+              <a:rPr lang="en-US" altLang="ko-KR" dirty="0"/>
             </a:br>
             <a:r>
-              <a:rPr lang="ko-KR" altLang="en-US" dirty="0" smtClean="0"/>
-              <a:t>시스</a:t>
-            </a:r>
-            <a:r>
               <a:rPr lang="ko-KR" altLang="en-US" dirty="0"/>
-              <a:t>템</a:t>
-            </a:r>
-            <a:endParaRPr lang="ko-KR" altLang="en-US" dirty="0"/>
+              <a:t>시스템</a:t>
+            </a:r>
           </a:p>
         </p:txBody>
       </p:sp>
@@ -38456,7 +37136,7 @@
           <p:cNvPr id="3" name="세로 텍스트 개체 틀 2">
             <a:extLst>
               <a:ext uri="{FF2B5EF4-FFF2-40B4-BE49-F238E27FC236}">
-                <a16:creationId xmlns:a16="http://schemas.microsoft.com/office/drawing/2014/main" xmlns="" id="{B44A0373-7254-40B4-A62A-F37094032C32}"/>
+                <a16:creationId xmlns:a16="http://schemas.microsoft.com/office/drawing/2014/main" id="{B44A0373-7254-40B4-A62A-F37094032C32}"/>
               </a:ext>
             </a:extLst>
           </p:cNvPr>
@@ -38480,13 +37160,13 @@
             <a:pPr marL="0" indent="0" algn="ctr">
               <a:buNone/>
             </a:pPr>
-            <a:endParaRPr lang="en-US" altLang="ko-KR" dirty="0" smtClean="0"/>
+            <a:endParaRPr lang="en-US" altLang="ko-KR" dirty="0"/>
           </a:p>
           <a:p>
             <a:pPr marL="0" indent="0" algn="ctr">
               <a:buNone/>
             </a:pPr>
-            <a:endParaRPr lang="en-US" altLang="ko-KR" dirty="0" smtClean="0"/>
+            <a:endParaRPr lang="en-US" altLang="ko-KR" dirty="0"/>
           </a:p>
         </p:txBody>
       </p:sp>
@@ -38495,7 +37175,7 @@
           <p:cNvPr id="4" name="바닥글 개체 틀 3">
             <a:extLst>
               <a:ext uri="{FF2B5EF4-FFF2-40B4-BE49-F238E27FC236}">
-                <a16:creationId xmlns:a16="http://schemas.microsoft.com/office/drawing/2014/main" xmlns="" id="{AA2DBCCD-0789-48B0-B4A0-59AD49B6B421}"/>
+                <a16:creationId xmlns:a16="http://schemas.microsoft.com/office/drawing/2014/main" id="{AA2DBCCD-0789-48B0-B4A0-59AD49B6B421}"/>
               </a:ext>
             </a:extLst>
           </p:cNvPr>
@@ -38524,7 +37204,7 @@
           <p:cNvPr id="5" name="슬라이드 번호 개체 틀 4">
             <a:extLst>
               <a:ext uri="{FF2B5EF4-FFF2-40B4-BE49-F238E27FC236}">
-                <a16:creationId xmlns:a16="http://schemas.microsoft.com/office/drawing/2014/main" xmlns="" id="{7AABEFF9-9158-4D34-9B1D-39B2F2211BD4}"/>
+                <a16:creationId xmlns:a16="http://schemas.microsoft.com/office/drawing/2014/main" id="{7AABEFF9-9158-4D34-9B1D-39B2F2211BD4}"/>
               </a:ext>
             </a:extLst>
           </p:cNvPr>
@@ -38660,7 +37340,7 @@
           <a:p>
             <a:pPr algn="ctr"/>
             <a:r>
-              <a:rPr lang="ko-KR" altLang="en-US" sz="1400" dirty="0" smtClean="0">
+              <a:rPr lang="ko-KR" altLang="en-US" sz="1400" dirty="0">
                 <a:effectLst>
                   <a:outerShdw blurRad="38100" dist="38100" dir="2700000" algn="tl">
                     <a:srgbClr val="000000">
@@ -38688,7 +37368,7 @@
           <a:p>
             <a:pPr algn="ctr"/>
             <a:r>
-              <a:rPr lang="ko-KR" altLang="en-US" sz="1400" dirty="0" smtClean="0">
+              <a:rPr lang="ko-KR" altLang="en-US" sz="1400" dirty="0">
                 <a:effectLst>
                   <a:outerShdw blurRad="38100" dist="38100" dir="2700000" algn="tl">
                     <a:srgbClr val="000000">
@@ -38701,7 +37381,7 @@
               </a:rPr>
               <a:t>스토리</a:t>
             </a:r>
-            <a:endParaRPr lang="en-US" altLang="ko-KR" sz="1400" dirty="0" smtClean="0">
+            <a:endParaRPr lang="en-US" altLang="ko-KR" sz="1400" dirty="0">
               <a:effectLst>
                 <a:outerShdw blurRad="38100" dist="38100" dir="2700000" algn="tl">
                   <a:srgbClr val="000000">
@@ -38716,7 +37396,7 @@
           <a:p>
             <a:pPr algn="ctr"/>
             <a:r>
-              <a:rPr lang="ko-KR" altLang="en-US" sz="1400" dirty="0" smtClean="0">
+              <a:rPr lang="ko-KR" altLang="en-US" sz="1400" dirty="0">
                 <a:effectLst>
                   <a:glow rad="101600">
                     <a:schemeClr val="accent5">
@@ -38756,20 +37436,6 @@
           <a:p>
             <a:pPr algn="ctr"/>
             <a:r>
-              <a:rPr lang="ko-KR" altLang="en-US" sz="1400" dirty="0" smtClean="0">
-                <a:effectLst>
-                  <a:outerShdw blurRad="38100" dist="38100" dir="2700000" algn="tl">
-                    <a:srgbClr val="000000">
-                      <a:alpha val="43137"/>
-                    </a:srgbClr>
-                  </a:outerShdw>
-                </a:effectLst>
-                <a:latin typeface="-윤고딕310" panose="02030504000101010101" pitchFamily="18" charset="-127"/>
-                <a:ea typeface="-윤고딕310" panose="02030504000101010101" pitchFamily="18" charset="-127"/>
-              </a:rPr>
-              <a:t>인터페이</a:t>
-            </a:r>
-            <a:r>
               <a:rPr lang="ko-KR" altLang="en-US" sz="1400" dirty="0">
                 <a:effectLst>
                   <a:outerShdw blurRad="38100" dist="38100" dir="2700000" algn="tl">
@@ -38781,7 +37447,7 @@
                 <a:latin typeface="-윤고딕310" panose="02030504000101010101" pitchFamily="18" charset="-127"/>
                 <a:ea typeface="-윤고딕310" panose="02030504000101010101" pitchFamily="18" charset="-127"/>
               </a:rPr>
-              <a:t>스</a:t>
+              <a:t>인터페이스</a:t>
             </a:r>
             <a:endParaRPr lang="en-US" altLang="ko-KR" sz="1400" dirty="0">
               <a:effectLst>
@@ -38798,7 +37464,7 @@
           <a:p>
             <a:pPr algn="ctr"/>
             <a:r>
-              <a:rPr lang="ko-KR" altLang="en-US" sz="1400" dirty="0" smtClean="0">
+              <a:rPr lang="ko-KR" altLang="en-US" sz="1400" dirty="0">
                 <a:effectLst>
                   <a:outerShdw blurRad="38100" dist="38100" dir="2700000" algn="tl">
                     <a:srgbClr val="000000">
@@ -38811,7 +37477,7 @@
               </a:rPr>
               <a:t>조작</a:t>
             </a:r>
-            <a:endParaRPr lang="en-US" altLang="ko-KR" sz="1400" dirty="0" smtClean="0">
+            <a:endParaRPr lang="en-US" altLang="ko-KR" sz="1400" dirty="0">
               <a:effectLst>
                 <a:outerShdw blurRad="38100" dist="38100" dir="2700000" algn="tl">
                   <a:srgbClr val="000000">
@@ -38825,20 +37491,6 @@
           </a:p>
           <a:p>
             <a:pPr algn="ctr"/>
-            <a:r>
-              <a:rPr lang="ko-KR" altLang="en-US" sz="1400" dirty="0" smtClean="0">
-                <a:effectLst>
-                  <a:outerShdw blurRad="38100" dist="38100" dir="2700000" algn="tl">
-                    <a:srgbClr val="000000">
-                      <a:alpha val="43137"/>
-                    </a:srgbClr>
-                  </a:outerShdw>
-                </a:effectLst>
-                <a:latin typeface="-윤고딕310" panose="02030504000101010101" pitchFamily="18" charset="-127"/>
-                <a:ea typeface="-윤고딕310" panose="02030504000101010101" pitchFamily="18" charset="-127"/>
-              </a:rPr>
-              <a:t>사</a:t>
-            </a:r>
             <a:r>
               <a:rPr lang="ko-KR" altLang="en-US" sz="1400" dirty="0">
                 <a:effectLst>
@@ -38851,7 +37503,7 @@
                 <a:latin typeface="-윤고딕310" panose="02030504000101010101" pitchFamily="18" charset="-127"/>
                 <a:ea typeface="-윤고딕310" panose="02030504000101010101" pitchFamily="18" charset="-127"/>
               </a:rPr>
-              <a:t>양</a:t>
+              <a:t>사양</a:t>
             </a:r>
             <a:endParaRPr lang="en-US" altLang="ko-KR" sz="1400" dirty="0">
               <a:effectLst>
@@ -38899,13 +37551,6 @@
   <p:clrMapOvr>
     <a:masterClrMapping/>
   </p:clrMapOvr>
-  <p:timing>
-    <p:tnLst>
-      <p:par>
-        <p:cTn id="1" dur="indefinite" restart="never" nodeType="tmRoot"/>
-      </p:par>
-    </p:tnLst>
-  </p:timing>
 </p:sld>
 </file>
 
@@ -39092,7 +37737,7 @@
   <a:extraClrSchemeLst/>
   <a:extLst>
     <a:ext uri="{05A4C25C-085E-4340-85A3-A5531E510DB2}">
-      <thm15:themeFamily xmlns:thm15="http://schemas.microsoft.com/office/thememl/2012/main" xmlns="" name="Celestial" id="{C4BB2A3D-0E93-4C5F-B0D2-9D3FCE089CC5}" vid="{42E5908D-19A2-46FD-89FA-638B126129EF}"/>
+      <thm15:themeFamily xmlns:thm15="http://schemas.microsoft.com/office/thememl/2012/main" name="Celestial" id="{C4BB2A3D-0E93-4C5F-B0D2-9D3FCE089CC5}" vid="{42E5908D-19A2-46FD-89FA-638B126129EF}"/>
     </a:ext>
   </a:extLst>
 </a:theme>
@@ -39387,7 +38032,7 @@
   <a:extraClrSchemeLst/>
   <a:extLst>
     <a:ext uri="{05A4C25C-085E-4340-85A3-A5531E510DB2}">
-      <thm15:themeFamily xmlns:thm15="http://schemas.microsoft.com/office/thememl/2012/main" xmlns="" name="Office Theme" id="{62F939B6-93AF-4DB8-9C6B-D6C7DFDC589F}" vid="{4A3C46E8-61CC-4603-A589-7422A47A8E4A}"/>
+      <thm15:themeFamily xmlns:thm15="http://schemas.microsoft.com/office/thememl/2012/main" name="Office Theme" id="{62F939B6-93AF-4DB8-9C6B-D6C7DFDC589F}" vid="{4A3C46E8-61CC-4603-A589-7422A47A8E4A}"/>
     </a:ext>
   </a:extLst>
 </a:theme>
